--- a/assets/ppt/codegen/ssaform3.pptx
+++ b/assets/ppt/codegen/ssaform3.pptx
@@ -5237,19 +5237,7 @@
                 <a:cs typeface="Calibri"/>
                 <a:sym typeface="Calibri"/>
               </a:rPr>
-              <a:t>SSA Form </a:t>
-            </a:r>
-            <a:r>
-              <a:rPr lang="en-US" sz="2400" dirty="0" smtClean="0">
-                <a:solidFill>
-                  <a:schemeClr val="dk1"/>
-                </a:solidFill>
-                <a:latin typeface="Calibri"/>
-                <a:ea typeface="Calibri"/>
-                <a:cs typeface="Calibri"/>
-                <a:sym typeface="Calibri"/>
-              </a:rPr>
-              <a:t>3</a:t>
+              <a:t>SSA Form 3</a:t>
             </a:r>
             <a:endParaRPr lang="en-US" sz="2400" dirty="0">
               <a:solidFill>
@@ -16930,7 +16918,19 @@
             </a:r>
             <a:r>
               <a:rPr lang="en-US" dirty="0" smtClean="0"/>
-              <a:t> if k2 &lt; 100</a:t>
+              <a:t> </a:t>
+            </a:r>
+            <a:r>
+              <a:rPr lang="en-US" smtClean="0"/>
+              <a:t>if </a:t>
+            </a:r>
+            <a:r>
+              <a:rPr lang="en-US" smtClean="0"/>
+              <a:t>k </a:t>
+            </a:r>
+            <a:r>
+              <a:rPr lang="en-US" dirty="0" smtClean="0"/>
+              <a:t>&lt; 100</a:t>
             </a:r>
             <a:endParaRPr lang="en-US" dirty="0"/>
           </a:p>

--- a/assets/ppt/codegen/ssaform3.pptx
+++ b/assets/ppt/codegen/ssaform3.pptx
@@ -2,7 +2,7 @@
 <file path=ppt/presentation.xml><?xml version="1.0" encoding="utf-8"?>
 <p:presentation xmlns:a="http://schemas.openxmlformats.org/drawingml/2006/main" xmlns:r="http://schemas.openxmlformats.org/officeDocument/2006/relationships" xmlns:p="http://schemas.openxmlformats.org/presentationml/2006/main" strictFirstAndLastChars="0" saveSubsetFonts="1" autoCompressPictures="0">
   <p:sldMasterIdLst>
-    <p:sldMasterId id="2147483648" r:id="rId1"/>
+    <p:sldMasterId id="2147483660" r:id="rId1"/>
   </p:sldMasterIdLst>
   <p:notesMasterIdLst>
     <p:notesMasterId r:id="rId17"/>
@@ -154,6 +154,22 @@
       </a:defRPr>
     </a:lvl9pPr>
   </p:defaultTextStyle>
+  <p:extLst>
+    <p:ext uri="{EFAFB233-063F-42B5-8137-9DF3F51BA10A}">
+      <p15:sldGuideLst xmlns:p15="http://schemas.microsoft.com/office/powerpoint/2012/main">
+        <p15:guide id="1" orient="horz" pos="2160">
+          <p15:clr>
+            <a:srgbClr val="A4A3A4"/>
+          </p15:clr>
+        </p15:guide>
+        <p15:guide id="2" pos="2880">
+          <p15:clr>
+            <a:srgbClr val="A4A3A4"/>
+          </p15:clr>
+        </p15:guide>
+      </p15:sldGuideLst>
+    </p:ext>
+  </p:extLst>
 </p:presentation>
 </file>
 
@@ -240,7 +256,7 @@
             <a:fld id="{2A2B9AA4-819F-8549-A06A-E1B5D9D61F62}" type="datetimeFigureOut">
               <a:rPr lang="en-US" smtClean="0"/>
               <a:pPr/>
-              <a:t>16-07-19</a:t>
+              <a:t>7/18/19</a:t>
             </a:fld>
             <a:endParaRPr lang="en-US"/>
           </a:p>
@@ -1906,13 +1922,19 @@
         </p:spPr>
         <p:txBody>
           <a:bodyPr/>
-          <a:lstStyle/>
-          <a:p>
-            <a:r>
-              <a:rPr lang="en-CA" smtClean="0"/>
+          <a:lstStyle>
+            <a:lvl1pPr>
+              <a:defRPr>
+                <a:latin typeface="+mj-lt"/>
+              </a:defRPr>
+            </a:lvl1pPr>
+          </a:lstStyle>
+          <a:p>
+            <a:r>
+              <a:rPr lang="en-CA" dirty="0"/>
               <a:t>Click to edit Master title style</a:t>
             </a:r>
-            <a:endParaRPr lang="en-US"/>
+            <a:endParaRPr lang="en-US" dirty="0"/>
           </a:p>
         </p:txBody>
       </p:sp>
@@ -1937,7 +1959,9 @@
           <a:lstStyle>
             <a:lvl1pPr marL="0" indent="0" algn="ctr">
               <a:buNone/>
-              <a:defRPr/>
+              <a:defRPr>
+                <a:latin typeface="+mn-lt"/>
+              </a:defRPr>
             </a:lvl1pPr>
             <a:lvl2pPr marL="457200" indent="0" algn="ctr">
               <a:buNone/>
@@ -1974,92 +1998,74 @@
           </a:lstStyle>
           <a:p>
             <a:r>
-              <a:rPr lang="en-CA" smtClean="0"/>
+              <a:rPr lang="en-CA" dirty="0"/>
               <a:t>Click to edit Master subtitle style</a:t>
             </a:r>
-            <a:endParaRPr lang="en-US"/>
-          </a:p>
-        </p:txBody>
-      </p:sp>
-      <p:sp>
-        <p:nvSpPr>
-          <p:cNvPr id="4" name="Date Placeholder 3"/>
+            <a:endParaRPr lang="en-US" dirty="0"/>
+          </a:p>
+        </p:txBody>
+      </p:sp>
+      <p:sp>
+        <p:nvSpPr>
+          <p:cNvPr id="7" name="Footer Placeholder 6">
+            <a:extLst>
+              <a:ext uri="{FF2B5EF4-FFF2-40B4-BE49-F238E27FC236}">
+                <a16:creationId xmlns:a16="http://schemas.microsoft.com/office/drawing/2014/main" id="{CA57918C-4FEB-FC4B-889D-A7B37C602A61}"/>
+              </a:ext>
+            </a:extLst>
+          </p:cNvPr>
           <p:cNvSpPr>
             <a:spLocks noGrp="1"/>
           </p:cNvSpPr>
           <p:nvPr>
-            <p:ph type="dt" sz="half" idx="10"/>
+            <p:ph type="ftr" sz="quarter" idx="10"/>
           </p:nvPr>
         </p:nvSpPr>
         <p:spPr/>
         <p:txBody>
           <a:bodyPr/>
-          <a:lstStyle>
-            <a:lvl1pPr>
-              <a:defRPr smtClean="0"/>
-            </a:lvl1pPr>
-          </a:lstStyle>
-          <a:p>
-            <a:fld id="{27CBCF93-252C-CD44-80B8-7B0C430312CC}" type="datetime1">
-              <a:rPr lang="en-CA" smtClean="0"/>
-              <a:t>16-07-19</a:t>
-            </a:fld>
+          <a:lstStyle/>
+          <a:p>
             <a:endParaRPr lang="en-US"/>
           </a:p>
         </p:txBody>
       </p:sp>
       <p:sp>
         <p:nvSpPr>
-          <p:cNvPr id="5" name="Footer Placeholder 4"/>
+          <p:cNvPr id="8" name="Slide Number Placeholder 7">
+            <a:extLst>
+              <a:ext uri="{FF2B5EF4-FFF2-40B4-BE49-F238E27FC236}">
+                <a16:creationId xmlns:a16="http://schemas.microsoft.com/office/drawing/2014/main" id="{CE5DA644-BA1F-AA47-BA1C-083A9F7BC576}"/>
+              </a:ext>
+            </a:extLst>
+          </p:cNvPr>
           <p:cNvSpPr>
             <a:spLocks noGrp="1"/>
           </p:cNvSpPr>
           <p:nvPr>
-            <p:ph type="ftr" sz="quarter" idx="11"/>
+            <p:ph type="sldNum" sz="quarter" idx="11"/>
           </p:nvPr>
         </p:nvSpPr>
         <p:spPr/>
         <p:txBody>
           <a:bodyPr/>
-          <a:lstStyle>
-            <a:lvl1pPr>
-              <a:defRPr/>
-            </a:lvl1pPr>
-          </a:lstStyle>
-          <a:p>
-            <a:endParaRPr lang="en-US"/>
-          </a:p>
-        </p:txBody>
-      </p:sp>
-      <p:sp>
-        <p:nvSpPr>
-          <p:cNvPr id="6" name="Slide Number Placeholder 5"/>
-          <p:cNvSpPr>
-            <a:spLocks noGrp="1"/>
-          </p:cNvSpPr>
-          <p:nvPr>
-            <p:ph type="sldNum" sz="quarter" idx="12"/>
-          </p:nvPr>
-        </p:nvSpPr>
-        <p:spPr/>
-        <p:txBody>
-          <a:bodyPr/>
-          <a:lstStyle>
-            <a:lvl1pPr>
-              <a:defRPr smtClean="0"/>
-            </a:lvl1pPr>
-          </a:lstStyle>
-          <a:p>
-            <a:fld id="{00632DF9-8F59-3B48-8E00-329792CA07DF}" type="slidenum">
-              <a:rPr lang="en-US"/>
+          <a:lstStyle/>
+          <a:p>
+            <a:fld id="{95FC67CD-6733-D04F-B9BE-AD105949F24E}" type="slidenum">
+              <a:rPr lang="en-US" smtClean="0"/>
               <a:pPr/>
               <a:t>‹#›</a:t>
             </a:fld>
-            <a:endParaRPr lang="en-US"/>
+            <a:endParaRPr lang="en-US" dirty="0"/>
           </a:p>
         </p:txBody>
       </p:sp>
     </p:spTree>
+    <p:extLst>
+      <p:ext uri="{BB962C8B-B14F-4D97-AF65-F5344CB8AC3E}">
+        <p14:creationId xmlns:p14="http://schemas.microsoft.com/office/powerpoint/2010/main" val="597080069"/>
+      </p:ext>
+    </p:extLst>
   </p:cSld>
   <p:clrMapOvr>
     <a:masterClrMapping/>
@@ -2097,13 +2103,19 @@
         <p:spPr/>
         <p:txBody>
           <a:bodyPr/>
-          <a:lstStyle/>
-          <a:p>
-            <a:r>
-              <a:rPr lang="en-CA" smtClean="0"/>
+          <a:lstStyle>
+            <a:lvl1pPr>
+              <a:defRPr>
+                <a:latin typeface="+mj-lt"/>
+              </a:defRPr>
+            </a:lvl1pPr>
+          </a:lstStyle>
+          <a:p>
+            <a:r>
+              <a:rPr lang="en-CA" dirty="0"/>
               <a:t>Click to edit Master title style</a:t>
             </a:r>
-            <a:endParaRPr lang="en-US"/>
+            <a:endParaRPr lang="en-US" dirty="0"/>
           </a:p>
         </p:txBody>
       </p:sp>
@@ -2120,124 +2132,132 @@
         <p:spPr/>
         <p:txBody>
           <a:bodyPr vert="eaVert"/>
-          <a:lstStyle/>
+          <a:lstStyle>
+            <a:lvl1pPr>
+              <a:defRPr>
+                <a:latin typeface="+mn-lt"/>
+              </a:defRPr>
+            </a:lvl1pPr>
+            <a:lvl2pPr>
+              <a:defRPr>
+                <a:latin typeface="+mn-lt"/>
+              </a:defRPr>
+            </a:lvl2pPr>
+            <a:lvl3pPr>
+              <a:defRPr>
+                <a:latin typeface="+mn-lt"/>
+              </a:defRPr>
+            </a:lvl3pPr>
+            <a:lvl4pPr>
+              <a:defRPr>
+                <a:latin typeface="+mn-lt"/>
+              </a:defRPr>
+            </a:lvl4pPr>
+            <a:lvl5pPr>
+              <a:defRPr>
+                <a:latin typeface="+mn-lt"/>
+              </a:defRPr>
+            </a:lvl5pPr>
+          </a:lstStyle>
           <a:p>
             <a:pPr lvl="0"/>
             <a:r>
-              <a:rPr lang="en-CA" smtClean="0"/>
+              <a:rPr lang="en-CA" dirty="0"/>
               <a:t>Click to edit Master text styles</a:t>
             </a:r>
           </a:p>
           <a:p>
             <a:pPr lvl="1"/>
             <a:r>
-              <a:rPr lang="en-CA" smtClean="0"/>
+              <a:rPr lang="en-CA" dirty="0"/>
               <a:t>Second level</a:t>
             </a:r>
           </a:p>
           <a:p>
             <a:pPr lvl="2"/>
             <a:r>
-              <a:rPr lang="en-CA" smtClean="0"/>
+              <a:rPr lang="en-CA" dirty="0"/>
               <a:t>Third level</a:t>
             </a:r>
           </a:p>
           <a:p>
             <a:pPr lvl="3"/>
             <a:r>
-              <a:rPr lang="en-CA" smtClean="0"/>
+              <a:rPr lang="en-CA" dirty="0"/>
               <a:t>Fourth level</a:t>
             </a:r>
           </a:p>
           <a:p>
             <a:pPr lvl="4"/>
             <a:r>
-              <a:rPr lang="en-CA" smtClean="0"/>
+              <a:rPr lang="en-CA" dirty="0"/>
               <a:t>Fifth level</a:t>
             </a:r>
-            <a:endParaRPr lang="en-US"/>
-          </a:p>
-        </p:txBody>
-      </p:sp>
-      <p:sp>
-        <p:nvSpPr>
-          <p:cNvPr id="4" name="Date Placeholder 3"/>
+            <a:endParaRPr lang="en-US" dirty="0"/>
+          </a:p>
+        </p:txBody>
+      </p:sp>
+      <p:sp>
+        <p:nvSpPr>
+          <p:cNvPr id="7" name="Footer Placeholder 6">
+            <a:extLst>
+              <a:ext uri="{FF2B5EF4-FFF2-40B4-BE49-F238E27FC236}">
+                <a16:creationId xmlns:a16="http://schemas.microsoft.com/office/drawing/2014/main" id="{A94622E8-716D-2543-B902-025F35883533}"/>
+              </a:ext>
+            </a:extLst>
+          </p:cNvPr>
           <p:cNvSpPr>
             <a:spLocks noGrp="1"/>
           </p:cNvSpPr>
           <p:nvPr>
-            <p:ph type="dt" sz="half" idx="10"/>
+            <p:ph type="ftr" sz="quarter" idx="10"/>
           </p:nvPr>
         </p:nvSpPr>
         <p:spPr/>
         <p:txBody>
           <a:bodyPr/>
-          <a:lstStyle>
-            <a:lvl1pPr>
-              <a:defRPr smtClean="0"/>
-            </a:lvl1pPr>
-          </a:lstStyle>
-          <a:p>
-            <a:fld id="{F6BBBAE2-0CC5-FF40-AE04-3F7A4404012D}" type="datetime1">
-              <a:rPr lang="en-CA" smtClean="0"/>
-              <a:t>16-07-19</a:t>
-            </a:fld>
+          <a:lstStyle/>
+          <a:p>
             <a:endParaRPr lang="en-US"/>
           </a:p>
         </p:txBody>
       </p:sp>
       <p:sp>
         <p:nvSpPr>
-          <p:cNvPr id="5" name="Footer Placeholder 4"/>
+          <p:cNvPr id="8" name="Slide Number Placeholder 7">
+            <a:extLst>
+              <a:ext uri="{FF2B5EF4-FFF2-40B4-BE49-F238E27FC236}">
+                <a16:creationId xmlns:a16="http://schemas.microsoft.com/office/drawing/2014/main" id="{7524F093-4E36-C741-82AF-EEB7333B34DF}"/>
+              </a:ext>
+            </a:extLst>
+          </p:cNvPr>
           <p:cNvSpPr>
             <a:spLocks noGrp="1"/>
           </p:cNvSpPr>
           <p:nvPr>
-            <p:ph type="ftr" sz="quarter" idx="11"/>
+            <p:ph type="sldNum" sz="quarter" idx="11"/>
           </p:nvPr>
         </p:nvSpPr>
         <p:spPr/>
         <p:txBody>
           <a:bodyPr/>
-          <a:lstStyle>
-            <a:lvl1pPr>
-              <a:defRPr/>
-            </a:lvl1pPr>
-          </a:lstStyle>
-          <a:p>
-            <a:endParaRPr lang="en-US"/>
-          </a:p>
-        </p:txBody>
-      </p:sp>
-      <p:sp>
-        <p:nvSpPr>
-          <p:cNvPr id="6" name="Slide Number Placeholder 5"/>
-          <p:cNvSpPr>
-            <a:spLocks noGrp="1"/>
-          </p:cNvSpPr>
-          <p:nvPr>
-            <p:ph type="sldNum" sz="quarter" idx="12"/>
-          </p:nvPr>
-        </p:nvSpPr>
-        <p:spPr/>
-        <p:txBody>
-          <a:bodyPr/>
-          <a:lstStyle>
-            <a:lvl1pPr>
-              <a:defRPr smtClean="0"/>
-            </a:lvl1pPr>
-          </a:lstStyle>
-          <a:p>
-            <a:fld id="{643A4320-0776-394D-B186-48379CB87F5B}" type="slidenum">
-              <a:rPr lang="en-US"/>
+          <a:lstStyle/>
+          <a:p>
+            <a:fld id="{95FC67CD-6733-D04F-B9BE-AD105949F24E}" type="slidenum">
+              <a:rPr lang="en-US" smtClean="0"/>
               <a:pPr/>
               <a:t>‹#›</a:t>
             </a:fld>
-            <a:endParaRPr lang="en-US"/>
+            <a:endParaRPr lang="en-US" dirty="0"/>
           </a:p>
         </p:txBody>
       </p:sp>
     </p:spTree>
+    <p:extLst>
+      <p:ext uri="{BB962C8B-B14F-4D97-AF65-F5344CB8AC3E}">
+        <p14:creationId xmlns:p14="http://schemas.microsoft.com/office/powerpoint/2010/main" val="1595705004"/>
+      </p:ext>
+    </p:extLst>
   </p:cSld>
   <p:clrMapOvr>
     <a:masterClrMapping/>
@@ -2280,13 +2300,19 @@
         </p:spPr>
         <p:txBody>
           <a:bodyPr vert="eaVert"/>
-          <a:lstStyle/>
-          <a:p>
-            <a:r>
-              <a:rPr lang="en-CA" smtClean="0"/>
+          <a:lstStyle>
+            <a:lvl1pPr>
+              <a:defRPr>
+                <a:latin typeface="+mj-lt"/>
+              </a:defRPr>
+            </a:lvl1pPr>
+          </a:lstStyle>
+          <a:p>
+            <a:r>
+              <a:rPr lang="en-CA" dirty="0"/>
               <a:t>Click to edit Master title style</a:t>
             </a:r>
-            <a:endParaRPr lang="en-US"/>
+            <a:endParaRPr lang="en-US" dirty="0"/>
           </a:p>
         </p:txBody>
       </p:sp>
@@ -2308,124 +2334,132 @@
         </p:spPr>
         <p:txBody>
           <a:bodyPr vert="eaVert"/>
-          <a:lstStyle/>
+          <a:lstStyle>
+            <a:lvl1pPr>
+              <a:defRPr>
+                <a:latin typeface="+mn-lt"/>
+              </a:defRPr>
+            </a:lvl1pPr>
+            <a:lvl2pPr>
+              <a:defRPr>
+                <a:latin typeface="+mn-lt"/>
+              </a:defRPr>
+            </a:lvl2pPr>
+            <a:lvl3pPr>
+              <a:defRPr>
+                <a:latin typeface="+mn-lt"/>
+              </a:defRPr>
+            </a:lvl3pPr>
+            <a:lvl4pPr>
+              <a:defRPr>
+                <a:latin typeface="+mn-lt"/>
+              </a:defRPr>
+            </a:lvl4pPr>
+            <a:lvl5pPr>
+              <a:defRPr>
+                <a:latin typeface="+mn-lt"/>
+              </a:defRPr>
+            </a:lvl5pPr>
+          </a:lstStyle>
           <a:p>
             <a:pPr lvl="0"/>
             <a:r>
-              <a:rPr lang="en-CA" smtClean="0"/>
+              <a:rPr lang="en-CA" dirty="0"/>
               <a:t>Click to edit Master text styles</a:t>
             </a:r>
           </a:p>
           <a:p>
             <a:pPr lvl="1"/>
             <a:r>
-              <a:rPr lang="en-CA" smtClean="0"/>
+              <a:rPr lang="en-CA" dirty="0"/>
               <a:t>Second level</a:t>
             </a:r>
           </a:p>
           <a:p>
             <a:pPr lvl="2"/>
             <a:r>
-              <a:rPr lang="en-CA" smtClean="0"/>
+              <a:rPr lang="en-CA" dirty="0"/>
               <a:t>Third level</a:t>
             </a:r>
           </a:p>
           <a:p>
             <a:pPr lvl="3"/>
             <a:r>
-              <a:rPr lang="en-CA" smtClean="0"/>
+              <a:rPr lang="en-CA" dirty="0"/>
               <a:t>Fourth level</a:t>
             </a:r>
           </a:p>
           <a:p>
             <a:pPr lvl="4"/>
             <a:r>
-              <a:rPr lang="en-CA" smtClean="0"/>
+              <a:rPr lang="en-CA" dirty="0"/>
               <a:t>Fifth level</a:t>
             </a:r>
-            <a:endParaRPr lang="en-US"/>
-          </a:p>
-        </p:txBody>
-      </p:sp>
-      <p:sp>
-        <p:nvSpPr>
-          <p:cNvPr id="4" name="Date Placeholder 3"/>
+            <a:endParaRPr lang="en-US" dirty="0"/>
+          </a:p>
+        </p:txBody>
+      </p:sp>
+      <p:sp>
+        <p:nvSpPr>
+          <p:cNvPr id="7" name="Footer Placeholder 6">
+            <a:extLst>
+              <a:ext uri="{FF2B5EF4-FFF2-40B4-BE49-F238E27FC236}">
+                <a16:creationId xmlns:a16="http://schemas.microsoft.com/office/drawing/2014/main" id="{AB010344-6C51-EF4E-81B3-87005283EB16}"/>
+              </a:ext>
+            </a:extLst>
+          </p:cNvPr>
           <p:cNvSpPr>
             <a:spLocks noGrp="1"/>
           </p:cNvSpPr>
           <p:nvPr>
-            <p:ph type="dt" sz="half" idx="10"/>
+            <p:ph type="ftr" sz="quarter" idx="10"/>
           </p:nvPr>
         </p:nvSpPr>
         <p:spPr/>
         <p:txBody>
           <a:bodyPr/>
-          <a:lstStyle>
-            <a:lvl1pPr>
-              <a:defRPr smtClean="0"/>
-            </a:lvl1pPr>
-          </a:lstStyle>
-          <a:p>
-            <a:fld id="{DDA12C3E-F116-7940-A910-17DDA2AF0C79}" type="datetime1">
-              <a:rPr lang="en-CA" smtClean="0"/>
-              <a:t>16-07-19</a:t>
-            </a:fld>
+          <a:lstStyle/>
+          <a:p>
             <a:endParaRPr lang="en-US"/>
           </a:p>
         </p:txBody>
       </p:sp>
       <p:sp>
         <p:nvSpPr>
-          <p:cNvPr id="5" name="Footer Placeholder 4"/>
+          <p:cNvPr id="8" name="Slide Number Placeholder 7">
+            <a:extLst>
+              <a:ext uri="{FF2B5EF4-FFF2-40B4-BE49-F238E27FC236}">
+                <a16:creationId xmlns:a16="http://schemas.microsoft.com/office/drawing/2014/main" id="{5ED49F94-3724-5E4A-B082-D0D7C38EC60C}"/>
+              </a:ext>
+            </a:extLst>
+          </p:cNvPr>
           <p:cNvSpPr>
             <a:spLocks noGrp="1"/>
           </p:cNvSpPr>
           <p:nvPr>
-            <p:ph type="ftr" sz="quarter" idx="11"/>
+            <p:ph type="sldNum" sz="quarter" idx="11"/>
           </p:nvPr>
         </p:nvSpPr>
         <p:spPr/>
         <p:txBody>
           <a:bodyPr/>
-          <a:lstStyle>
-            <a:lvl1pPr>
-              <a:defRPr/>
-            </a:lvl1pPr>
-          </a:lstStyle>
-          <a:p>
-            <a:endParaRPr lang="en-US"/>
-          </a:p>
-        </p:txBody>
-      </p:sp>
-      <p:sp>
-        <p:nvSpPr>
-          <p:cNvPr id="6" name="Slide Number Placeholder 5"/>
-          <p:cNvSpPr>
-            <a:spLocks noGrp="1"/>
-          </p:cNvSpPr>
-          <p:nvPr>
-            <p:ph type="sldNum" sz="quarter" idx="12"/>
-          </p:nvPr>
-        </p:nvSpPr>
-        <p:spPr/>
-        <p:txBody>
-          <a:bodyPr/>
-          <a:lstStyle>
-            <a:lvl1pPr>
-              <a:defRPr smtClean="0"/>
-            </a:lvl1pPr>
-          </a:lstStyle>
-          <a:p>
-            <a:fld id="{4B96FCF7-937C-E044-AB8A-F5A60A0ED7ED}" type="slidenum">
-              <a:rPr lang="en-US"/>
+          <a:lstStyle/>
+          <a:p>
+            <a:fld id="{95FC67CD-6733-D04F-B9BE-AD105949F24E}" type="slidenum">
+              <a:rPr lang="en-US" smtClean="0"/>
               <a:pPr/>
               <a:t>‹#›</a:t>
             </a:fld>
-            <a:endParaRPr lang="en-US"/>
+            <a:endParaRPr lang="en-US" dirty="0"/>
           </a:p>
         </p:txBody>
       </p:sp>
     </p:spTree>
+    <p:extLst>
+      <p:ext uri="{BB962C8B-B14F-4D97-AF65-F5344CB8AC3E}">
+        <p14:creationId xmlns:p14="http://schemas.microsoft.com/office/powerpoint/2010/main" val="2112629890"/>
+      </p:ext>
+    </p:extLst>
   </p:cSld>
   <p:clrMapOvr>
     <a:masterClrMapping/>
@@ -2463,13 +2497,19 @@
         <p:spPr/>
         <p:txBody>
           <a:bodyPr/>
-          <a:lstStyle/>
-          <a:p>
-            <a:r>
-              <a:rPr lang="en-CA" smtClean="0"/>
+          <a:lstStyle>
+            <a:lvl1pPr>
+              <a:defRPr>
+                <a:latin typeface="+mj-lt"/>
+              </a:defRPr>
+            </a:lvl1pPr>
+          </a:lstStyle>
+          <a:p>
+            <a:r>
+              <a:rPr lang="en-CA" dirty="0"/>
               <a:t>Click to edit Master title style</a:t>
             </a:r>
-            <a:endParaRPr lang="en-US"/>
+            <a:endParaRPr lang="en-US" dirty="0"/>
           </a:p>
         </p:txBody>
       </p:sp>
@@ -2486,53 +2526,110 @@
         <p:spPr/>
         <p:txBody>
           <a:bodyPr/>
-          <a:lstStyle/>
+          <a:lstStyle>
+            <a:lvl1pPr>
+              <a:defRPr>
+                <a:latin typeface="+mn-lt"/>
+              </a:defRPr>
+            </a:lvl1pPr>
+            <a:lvl2pPr>
+              <a:defRPr>
+                <a:latin typeface="+mn-lt"/>
+              </a:defRPr>
+            </a:lvl2pPr>
+            <a:lvl3pPr>
+              <a:defRPr>
+                <a:latin typeface="+mn-lt"/>
+              </a:defRPr>
+            </a:lvl3pPr>
+            <a:lvl4pPr>
+              <a:defRPr>
+                <a:latin typeface="+mn-lt"/>
+              </a:defRPr>
+            </a:lvl4pPr>
+            <a:lvl5pPr>
+              <a:defRPr>
+                <a:latin typeface="+mn-lt"/>
+              </a:defRPr>
+            </a:lvl5pPr>
+          </a:lstStyle>
           <a:p>
             <a:pPr lvl="0"/>
             <a:r>
-              <a:rPr lang="en-CA" smtClean="0"/>
+              <a:rPr lang="en-CA" dirty="0"/>
               <a:t>Click to edit Master text styles</a:t>
             </a:r>
           </a:p>
           <a:p>
             <a:pPr lvl="1"/>
             <a:r>
-              <a:rPr lang="en-CA" smtClean="0"/>
+              <a:rPr lang="en-CA" dirty="0"/>
               <a:t>Second level</a:t>
             </a:r>
           </a:p>
           <a:p>
             <a:pPr lvl="2"/>
             <a:r>
-              <a:rPr lang="en-CA" smtClean="0"/>
+              <a:rPr lang="en-CA" dirty="0"/>
               <a:t>Third level</a:t>
             </a:r>
           </a:p>
           <a:p>
             <a:pPr lvl="3"/>
             <a:r>
-              <a:rPr lang="en-CA" smtClean="0"/>
+              <a:rPr lang="en-CA" dirty="0"/>
               <a:t>Fourth level</a:t>
             </a:r>
           </a:p>
           <a:p>
             <a:pPr lvl="4"/>
             <a:r>
-              <a:rPr lang="en-CA" smtClean="0"/>
+              <a:rPr lang="en-CA" dirty="0"/>
               <a:t>Fifth level</a:t>
             </a:r>
-            <a:endParaRPr lang="en-US"/>
-          </a:p>
-        </p:txBody>
-      </p:sp>
-      <p:sp>
-        <p:nvSpPr>
-          <p:cNvPr id="4" name="Date Placeholder 3"/>
+            <a:endParaRPr lang="en-US" dirty="0"/>
+          </a:p>
+        </p:txBody>
+      </p:sp>
+      <p:sp>
+        <p:nvSpPr>
+          <p:cNvPr id="5" name="Footer Placeholder 4"/>
           <p:cNvSpPr>
             <a:spLocks noGrp="1"/>
           </p:cNvSpPr>
           <p:nvPr>
-            <p:ph type="dt" sz="half" idx="10"/>
+            <p:ph type="ftr" sz="quarter" idx="11"/>
+          </p:nvPr>
+        </p:nvSpPr>
+        <p:spPr>
+          <a:xfrm>
+            <a:off x="3124200" y="6248400"/>
+            <a:ext cx="2895600" cy="457200"/>
+          </a:xfrm>
+          <a:prstGeom prst="rect">
+            <a:avLst/>
+          </a:prstGeom>
+        </p:spPr>
+        <p:txBody>
+          <a:bodyPr/>
+          <a:lstStyle>
+            <a:lvl1pPr>
+              <a:defRPr/>
+            </a:lvl1pPr>
+          </a:lstStyle>
+          <a:p>
+            <a:endParaRPr lang="en-US"/>
+          </a:p>
+        </p:txBody>
+      </p:sp>
+      <p:sp>
+        <p:nvSpPr>
+          <p:cNvPr id="6" name="Slide Number Placeholder 5"/>
+          <p:cNvSpPr>
+            <a:spLocks noGrp="1"/>
+          </p:cNvSpPr>
+          <p:nvPr>
+            <p:ph type="sldNum" sz="quarter" idx="12"/>
           </p:nvPr>
         </p:nvSpPr>
         <p:spPr/>
@@ -2544,57 +2641,7 @@
             </a:lvl1pPr>
           </a:lstStyle>
           <a:p>
-            <a:fld id="{435DA9A9-703E-FA4C-AB07-816D737FC8FA}" type="datetime1">
-              <a:rPr lang="en-CA" smtClean="0"/>
-              <a:t>16-07-19</a:t>
-            </a:fld>
-            <a:endParaRPr lang="en-US"/>
-          </a:p>
-        </p:txBody>
-      </p:sp>
-      <p:sp>
-        <p:nvSpPr>
-          <p:cNvPr id="5" name="Footer Placeholder 4"/>
-          <p:cNvSpPr>
-            <a:spLocks noGrp="1"/>
-          </p:cNvSpPr>
-          <p:nvPr>
-            <p:ph type="ftr" sz="quarter" idx="11"/>
-          </p:nvPr>
-        </p:nvSpPr>
-        <p:spPr/>
-        <p:txBody>
-          <a:bodyPr/>
-          <a:lstStyle>
-            <a:lvl1pPr>
-              <a:defRPr/>
-            </a:lvl1pPr>
-          </a:lstStyle>
-          <a:p>
-            <a:endParaRPr lang="en-US"/>
-          </a:p>
-        </p:txBody>
-      </p:sp>
-      <p:sp>
-        <p:nvSpPr>
-          <p:cNvPr id="6" name="Slide Number Placeholder 5"/>
-          <p:cNvSpPr>
-            <a:spLocks noGrp="1"/>
-          </p:cNvSpPr>
-          <p:nvPr>
-            <p:ph type="sldNum" sz="quarter" idx="12"/>
-          </p:nvPr>
-        </p:nvSpPr>
-        <p:spPr/>
-        <p:txBody>
-          <a:bodyPr/>
-          <a:lstStyle>
-            <a:lvl1pPr>
-              <a:defRPr smtClean="0"/>
-            </a:lvl1pPr>
-          </a:lstStyle>
-          <a:p>
-            <a:fld id="{4DFFAA38-3D7A-BB4F-941A-338C60DCD924}" type="slidenum">
+            <a:fld id="{D94201BD-6681-B946-ACD9-A8F6D28AC38D}" type="slidenum">
               <a:rPr lang="en-US"/>
               <a:pPr/>
               <a:t>‹#›</a:t>
@@ -2604,6 +2651,11 @@
         </p:txBody>
       </p:sp>
     </p:spTree>
+    <p:extLst>
+      <p:ext uri="{BB962C8B-B14F-4D97-AF65-F5344CB8AC3E}">
+        <p14:creationId xmlns:p14="http://schemas.microsoft.com/office/powerpoint/2010/main" val="2463145628"/>
+      </p:ext>
+    </p:extLst>
   </p:cSld>
   <p:clrMapOvr>
     <a:masterClrMapping/>
@@ -2648,15 +2700,17 @@
           <a:bodyPr anchor="t"/>
           <a:lstStyle>
             <a:lvl1pPr algn="l">
-              <a:defRPr sz="4000" b="1" cap="all"/>
+              <a:defRPr sz="4000" b="1" cap="all">
+                <a:latin typeface="+mj-lt"/>
+              </a:defRPr>
             </a:lvl1pPr>
           </a:lstStyle>
           <a:p>
             <a:r>
-              <a:rPr lang="en-CA" smtClean="0"/>
+              <a:rPr lang="en-CA" dirty="0"/>
               <a:t>Click to edit Master title style</a:t>
             </a:r>
-            <a:endParaRPr lang="en-US"/>
+            <a:endParaRPr lang="en-US" dirty="0"/>
           </a:p>
         </p:txBody>
       </p:sp>
@@ -2681,7 +2735,9 @@
           <a:lstStyle>
             <a:lvl1pPr marL="0" indent="0">
               <a:buNone/>
-              <a:defRPr sz="2000"/>
+              <a:defRPr sz="2000">
+                <a:latin typeface="+mn-lt"/>
+              </a:defRPr>
             </a:lvl1pPr>
             <a:lvl2pPr marL="457200" indent="0">
               <a:buNone/>
@@ -2719,7 +2775,7 @@
           <a:p>
             <a:pPr lvl="0"/>
             <a:r>
-              <a:rPr lang="en-CA" smtClean="0"/>
+              <a:rPr lang="en-CA" dirty="0"/>
               <a:t>Click to edit Master text styles</a:t>
             </a:r>
           </a:p>
@@ -2727,83 +2783,65 @@
       </p:sp>
       <p:sp>
         <p:nvSpPr>
-          <p:cNvPr id="4" name="Date Placeholder 3"/>
+          <p:cNvPr id="7" name="Footer Placeholder 6">
+            <a:extLst>
+              <a:ext uri="{FF2B5EF4-FFF2-40B4-BE49-F238E27FC236}">
+                <a16:creationId xmlns:a16="http://schemas.microsoft.com/office/drawing/2014/main" id="{2B039AA2-523D-0546-920D-E32D1313510F}"/>
+              </a:ext>
+            </a:extLst>
+          </p:cNvPr>
           <p:cNvSpPr>
             <a:spLocks noGrp="1"/>
           </p:cNvSpPr>
           <p:nvPr>
-            <p:ph type="dt" sz="half" idx="10"/>
+            <p:ph type="ftr" sz="quarter" idx="10"/>
           </p:nvPr>
         </p:nvSpPr>
         <p:spPr/>
         <p:txBody>
           <a:bodyPr/>
-          <a:lstStyle>
-            <a:lvl1pPr>
-              <a:defRPr smtClean="0"/>
-            </a:lvl1pPr>
-          </a:lstStyle>
-          <a:p>
-            <a:fld id="{4709AB34-05A1-DF42-A32D-DB3E8A217D0E}" type="datetime1">
-              <a:rPr lang="en-CA" smtClean="0"/>
-              <a:t>16-07-19</a:t>
-            </a:fld>
+          <a:lstStyle/>
+          <a:p>
             <a:endParaRPr lang="en-US"/>
           </a:p>
         </p:txBody>
       </p:sp>
       <p:sp>
         <p:nvSpPr>
-          <p:cNvPr id="5" name="Footer Placeholder 4"/>
+          <p:cNvPr id="8" name="Slide Number Placeholder 7">
+            <a:extLst>
+              <a:ext uri="{FF2B5EF4-FFF2-40B4-BE49-F238E27FC236}">
+                <a16:creationId xmlns:a16="http://schemas.microsoft.com/office/drawing/2014/main" id="{F86BC01E-DD3B-5E4B-95A4-DD35BF84807C}"/>
+              </a:ext>
+            </a:extLst>
+          </p:cNvPr>
           <p:cNvSpPr>
             <a:spLocks noGrp="1"/>
           </p:cNvSpPr>
           <p:nvPr>
-            <p:ph type="ftr" sz="quarter" idx="11"/>
+            <p:ph type="sldNum" sz="quarter" idx="11"/>
           </p:nvPr>
         </p:nvSpPr>
         <p:spPr/>
         <p:txBody>
           <a:bodyPr/>
-          <a:lstStyle>
-            <a:lvl1pPr>
-              <a:defRPr/>
-            </a:lvl1pPr>
-          </a:lstStyle>
-          <a:p>
-            <a:endParaRPr lang="en-US"/>
-          </a:p>
-        </p:txBody>
-      </p:sp>
-      <p:sp>
-        <p:nvSpPr>
-          <p:cNvPr id="6" name="Slide Number Placeholder 5"/>
-          <p:cNvSpPr>
-            <a:spLocks noGrp="1"/>
-          </p:cNvSpPr>
-          <p:nvPr>
-            <p:ph type="sldNum" sz="quarter" idx="12"/>
-          </p:nvPr>
-        </p:nvSpPr>
-        <p:spPr/>
-        <p:txBody>
-          <a:bodyPr/>
-          <a:lstStyle>
-            <a:lvl1pPr>
-              <a:defRPr smtClean="0"/>
-            </a:lvl1pPr>
-          </a:lstStyle>
-          <a:p>
-            <a:fld id="{1BF7D276-479A-5B45-8DD8-E84F515403C8}" type="slidenum">
-              <a:rPr lang="en-US"/>
+          <a:lstStyle/>
+          <a:p>
+            <a:fld id="{95FC67CD-6733-D04F-B9BE-AD105949F24E}" type="slidenum">
+              <a:rPr lang="en-US" smtClean="0"/>
               <a:pPr/>
               <a:t>‹#›</a:t>
             </a:fld>
-            <a:endParaRPr lang="en-US"/>
+            <a:endParaRPr lang="en-US" dirty="0"/>
           </a:p>
         </p:txBody>
       </p:sp>
     </p:spTree>
+    <p:extLst>
+      <p:ext uri="{BB962C8B-B14F-4D97-AF65-F5344CB8AC3E}">
+        <p14:creationId xmlns:p14="http://schemas.microsoft.com/office/powerpoint/2010/main" val="2665651746"/>
+      </p:ext>
+    </p:extLst>
   </p:cSld>
   <p:clrMapOvr>
     <a:masterClrMapping/>
@@ -2841,13 +2879,19 @@
         <p:spPr/>
         <p:txBody>
           <a:bodyPr/>
-          <a:lstStyle/>
-          <a:p>
-            <a:r>
-              <a:rPr lang="en-CA" smtClean="0"/>
+          <a:lstStyle>
+            <a:lvl1pPr>
+              <a:defRPr>
+                <a:latin typeface="+mj-lt"/>
+              </a:defRPr>
+            </a:lvl1pPr>
+          </a:lstStyle>
+          <a:p>
+            <a:r>
+              <a:rPr lang="en-CA" dirty="0"/>
               <a:t>Click to edit Master title style</a:t>
             </a:r>
-            <a:endParaRPr lang="en-US"/>
+            <a:endParaRPr lang="en-US" dirty="0"/>
           </a:p>
         </p:txBody>
       </p:sp>
@@ -2871,19 +2915,29 @@
           <a:bodyPr/>
           <a:lstStyle>
             <a:lvl1pPr>
-              <a:defRPr sz="2800"/>
+              <a:defRPr sz="2800">
+                <a:latin typeface="+mn-lt"/>
+              </a:defRPr>
             </a:lvl1pPr>
             <a:lvl2pPr>
-              <a:defRPr sz="2400"/>
+              <a:defRPr sz="2400">
+                <a:latin typeface="+mn-lt"/>
+              </a:defRPr>
             </a:lvl2pPr>
             <a:lvl3pPr>
-              <a:defRPr sz="2000"/>
+              <a:defRPr sz="2000">
+                <a:latin typeface="+mn-lt"/>
+              </a:defRPr>
             </a:lvl3pPr>
             <a:lvl4pPr>
-              <a:defRPr sz="1800"/>
+              <a:defRPr sz="1800">
+                <a:latin typeface="+mn-lt"/>
+              </a:defRPr>
             </a:lvl4pPr>
             <a:lvl5pPr>
-              <a:defRPr sz="1800"/>
+              <a:defRPr sz="1800">
+                <a:latin typeface="+mn-lt"/>
+              </a:defRPr>
             </a:lvl5pPr>
             <a:lvl6pPr>
               <a:defRPr sz="1800"/>
@@ -2901,38 +2955,38 @@
           <a:p>
             <a:pPr lvl="0"/>
             <a:r>
-              <a:rPr lang="en-CA" smtClean="0"/>
+              <a:rPr lang="en-CA" dirty="0"/>
               <a:t>Click to edit Master text styles</a:t>
             </a:r>
           </a:p>
           <a:p>
             <a:pPr lvl="1"/>
             <a:r>
-              <a:rPr lang="en-CA" smtClean="0"/>
+              <a:rPr lang="en-CA" dirty="0"/>
               <a:t>Second level</a:t>
             </a:r>
           </a:p>
           <a:p>
             <a:pPr lvl="2"/>
             <a:r>
-              <a:rPr lang="en-CA" smtClean="0"/>
+              <a:rPr lang="en-CA" dirty="0"/>
               <a:t>Third level</a:t>
             </a:r>
           </a:p>
           <a:p>
             <a:pPr lvl="3"/>
             <a:r>
-              <a:rPr lang="en-CA" smtClean="0"/>
+              <a:rPr lang="en-CA" dirty="0"/>
               <a:t>Fourth level</a:t>
             </a:r>
           </a:p>
           <a:p>
             <a:pPr lvl="4"/>
             <a:r>
-              <a:rPr lang="en-CA" smtClean="0"/>
+              <a:rPr lang="en-CA" dirty="0"/>
               <a:t>Fifth level</a:t>
             </a:r>
-            <a:endParaRPr lang="en-US"/>
+            <a:endParaRPr lang="en-US" dirty="0"/>
           </a:p>
         </p:txBody>
       </p:sp>
@@ -2956,19 +3010,29 @@
           <a:bodyPr/>
           <a:lstStyle>
             <a:lvl1pPr>
-              <a:defRPr sz="2800"/>
+              <a:defRPr sz="2800">
+                <a:latin typeface="+mn-lt"/>
+              </a:defRPr>
             </a:lvl1pPr>
             <a:lvl2pPr>
-              <a:defRPr sz="2400"/>
+              <a:defRPr sz="2400">
+                <a:latin typeface="+mn-lt"/>
+              </a:defRPr>
             </a:lvl2pPr>
             <a:lvl3pPr>
-              <a:defRPr sz="2000"/>
+              <a:defRPr sz="2000">
+                <a:latin typeface="+mn-lt"/>
+              </a:defRPr>
             </a:lvl3pPr>
             <a:lvl4pPr>
-              <a:defRPr sz="1800"/>
+              <a:defRPr sz="1800">
+                <a:latin typeface="+mn-lt"/>
+              </a:defRPr>
             </a:lvl4pPr>
             <a:lvl5pPr>
-              <a:defRPr sz="1800"/>
+              <a:defRPr sz="1800">
+                <a:latin typeface="+mn-lt"/>
+              </a:defRPr>
             </a:lvl5pPr>
             <a:lvl6pPr>
               <a:defRPr sz="1800"/>
@@ -2986,120 +3050,102 @@
           <a:p>
             <a:pPr lvl="0"/>
             <a:r>
-              <a:rPr lang="en-CA" smtClean="0"/>
+              <a:rPr lang="en-CA" dirty="0"/>
               <a:t>Click to edit Master text styles</a:t>
             </a:r>
           </a:p>
           <a:p>
             <a:pPr lvl="1"/>
             <a:r>
-              <a:rPr lang="en-CA" smtClean="0"/>
+              <a:rPr lang="en-CA" dirty="0"/>
               <a:t>Second level</a:t>
             </a:r>
           </a:p>
           <a:p>
             <a:pPr lvl="2"/>
             <a:r>
-              <a:rPr lang="en-CA" smtClean="0"/>
+              <a:rPr lang="en-CA" dirty="0"/>
               <a:t>Third level</a:t>
             </a:r>
           </a:p>
           <a:p>
             <a:pPr lvl="3"/>
             <a:r>
-              <a:rPr lang="en-CA" smtClean="0"/>
+              <a:rPr lang="en-CA" dirty="0"/>
               <a:t>Fourth level</a:t>
             </a:r>
           </a:p>
           <a:p>
             <a:pPr lvl="4"/>
             <a:r>
-              <a:rPr lang="en-CA" smtClean="0"/>
+              <a:rPr lang="en-CA" dirty="0"/>
               <a:t>Fifth level</a:t>
             </a:r>
-            <a:endParaRPr lang="en-US"/>
-          </a:p>
-        </p:txBody>
-      </p:sp>
-      <p:sp>
-        <p:nvSpPr>
-          <p:cNvPr id="5" name="Date Placeholder 4"/>
+            <a:endParaRPr lang="en-US" dirty="0"/>
+          </a:p>
+        </p:txBody>
+      </p:sp>
+      <p:sp>
+        <p:nvSpPr>
+          <p:cNvPr id="8" name="Footer Placeholder 7">
+            <a:extLst>
+              <a:ext uri="{FF2B5EF4-FFF2-40B4-BE49-F238E27FC236}">
+                <a16:creationId xmlns:a16="http://schemas.microsoft.com/office/drawing/2014/main" id="{DA945EC4-37BF-4E43-B2AD-837601045EC0}"/>
+              </a:ext>
+            </a:extLst>
+          </p:cNvPr>
           <p:cNvSpPr>
             <a:spLocks noGrp="1"/>
           </p:cNvSpPr>
           <p:nvPr>
-            <p:ph type="dt" sz="half" idx="10"/>
+            <p:ph type="ftr" sz="quarter" idx="10"/>
           </p:nvPr>
         </p:nvSpPr>
         <p:spPr/>
         <p:txBody>
           <a:bodyPr/>
-          <a:lstStyle>
-            <a:lvl1pPr>
-              <a:defRPr smtClean="0"/>
-            </a:lvl1pPr>
-          </a:lstStyle>
-          <a:p>
-            <a:fld id="{3AE5622F-D06E-7649-8E08-343DF6024DBC}" type="datetime1">
-              <a:rPr lang="en-CA" smtClean="0"/>
-              <a:t>16-07-19</a:t>
-            </a:fld>
+          <a:lstStyle/>
+          <a:p>
             <a:endParaRPr lang="en-US"/>
           </a:p>
         </p:txBody>
       </p:sp>
       <p:sp>
         <p:nvSpPr>
-          <p:cNvPr id="6" name="Footer Placeholder 5"/>
+          <p:cNvPr id="9" name="Slide Number Placeholder 8">
+            <a:extLst>
+              <a:ext uri="{FF2B5EF4-FFF2-40B4-BE49-F238E27FC236}">
+                <a16:creationId xmlns:a16="http://schemas.microsoft.com/office/drawing/2014/main" id="{BEFEF4CF-D098-9549-A3AC-4A120E0BFA05}"/>
+              </a:ext>
+            </a:extLst>
+          </p:cNvPr>
           <p:cNvSpPr>
             <a:spLocks noGrp="1"/>
           </p:cNvSpPr>
           <p:nvPr>
-            <p:ph type="ftr" sz="quarter" idx="11"/>
+            <p:ph type="sldNum" sz="quarter" idx="11"/>
           </p:nvPr>
         </p:nvSpPr>
         <p:spPr/>
         <p:txBody>
           <a:bodyPr/>
-          <a:lstStyle>
-            <a:lvl1pPr>
-              <a:defRPr/>
-            </a:lvl1pPr>
-          </a:lstStyle>
-          <a:p>
-            <a:endParaRPr lang="en-US"/>
-          </a:p>
-        </p:txBody>
-      </p:sp>
-      <p:sp>
-        <p:nvSpPr>
-          <p:cNvPr id="7" name="Slide Number Placeholder 6"/>
-          <p:cNvSpPr>
-            <a:spLocks noGrp="1"/>
-          </p:cNvSpPr>
-          <p:nvPr>
-            <p:ph type="sldNum" sz="quarter" idx="12"/>
-          </p:nvPr>
-        </p:nvSpPr>
-        <p:spPr/>
-        <p:txBody>
-          <a:bodyPr/>
-          <a:lstStyle>
-            <a:lvl1pPr>
-              <a:defRPr smtClean="0"/>
-            </a:lvl1pPr>
-          </a:lstStyle>
-          <a:p>
-            <a:fld id="{90A7465B-A24A-EF4A-BC77-71DEFD92317D}" type="slidenum">
-              <a:rPr lang="en-US"/>
+          <a:lstStyle/>
+          <a:p>
+            <a:fld id="{95FC67CD-6733-D04F-B9BE-AD105949F24E}" type="slidenum">
+              <a:rPr lang="en-US" smtClean="0"/>
               <a:pPr/>
               <a:t>‹#›</a:t>
             </a:fld>
-            <a:endParaRPr lang="en-US"/>
+            <a:endParaRPr lang="en-US" dirty="0"/>
           </a:p>
         </p:txBody>
       </p:sp>
     </p:spTree>
+    <p:extLst>
+      <p:ext uri="{BB962C8B-B14F-4D97-AF65-F5344CB8AC3E}">
+        <p14:creationId xmlns:p14="http://schemas.microsoft.com/office/powerpoint/2010/main" val="3409347609"/>
+      </p:ext>
+    </p:extLst>
   </p:cSld>
   <p:clrMapOvr>
     <a:masterClrMapping/>
@@ -3144,15 +3190,17 @@
           <a:bodyPr/>
           <a:lstStyle>
             <a:lvl1pPr>
-              <a:defRPr/>
+              <a:defRPr>
+                <a:latin typeface="+mj-lt"/>
+              </a:defRPr>
             </a:lvl1pPr>
           </a:lstStyle>
           <a:p>
             <a:r>
-              <a:rPr lang="en-CA" smtClean="0"/>
+              <a:rPr lang="en-CA" dirty="0"/>
               <a:t>Click to edit Master title style</a:t>
             </a:r>
-            <a:endParaRPr lang="en-US"/>
+            <a:endParaRPr lang="en-US" dirty="0"/>
           </a:p>
         </p:txBody>
       </p:sp>
@@ -3177,7 +3225,9 @@
           <a:lstStyle>
             <a:lvl1pPr marL="0" indent="0">
               <a:buNone/>
-              <a:defRPr sz="2400" b="1"/>
+              <a:defRPr sz="2400" b="1">
+                <a:latin typeface="+mj-lt"/>
+              </a:defRPr>
             </a:lvl1pPr>
             <a:lvl2pPr marL="457200" indent="0">
               <a:buNone/>
@@ -3215,7 +3265,7 @@
           <a:p>
             <a:pPr lvl="0"/>
             <a:r>
-              <a:rPr lang="en-CA" smtClean="0"/>
+              <a:rPr lang="en-CA" dirty="0"/>
               <a:t>Click to edit Master text styles</a:t>
             </a:r>
           </a:p>
@@ -3241,19 +3291,29 @@
           <a:bodyPr/>
           <a:lstStyle>
             <a:lvl1pPr>
-              <a:defRPr sz="2400"/>
+              <a:defRPr sz="2400">
+                <a:latin typeface="+mn-lt"/>
+              </a:defRPr>
             </a:lvl1pPr>
             <a:lvl2pPr>
-              <a:defRPr sz="2000"/>
+              <a:defRPr sz="2000">
+                <a:latin typeface="+mn-lt"/>
+              </a:defRPr>
             </a:lvl2pPr>
             <a:lvl3pPr>
-              <a:defRPr sz="1800"/>
+              <a:defRPr sz="1800">
+                <a:latin typeface="+mn-lt"/>
+              </a:defRPr>
             </a:lvl3pPr>
             <a:lvl4pPr>
-              <a:defRPr sz="1600"/>
+              <a:defRPr sz="1600">
+                <a:latin typeface="+mn-lt"/>
+              </a:defRPr>
             </a:lvl4pPr>
             <a:lvl5pPr>
-              <a:defRPr sz="1600"/>
+              <a:defRPr sz="1600">
+                <a:latin typeface="+mn-lt"/>
+              </a:defRPr>
             </a:lvl5pPr>
             <a:lvl6pPr>
               <a:defRPr sz="1600"/>
@@ -3271,38 +3331,38 @@
           <a:p>
             <a:pPr lvl="0"/>
             <a:r>
-              <a:rPr lang="en-CA" smtClean="0"/>
+              <a:rPr lang="en-CA" dirty="0"/>
               <a:t>Click to edit Master text styles</a:t>
             </a:r>
           </a:p>
           <a:p>
             <a:pPr lvl="1"/>
             <a:r>
-              <a:rPr lang="en-CA" smtClean="0"/>
+              <a:rPr lang="en-CA" dirty="0"/>
               <a:t>Second level</a:t>
             </a:r>
           </a:p>
           <a:p>
             <a:pPr lvl="2"/>
             <a:r>
-              <a:rPr lang="en-CA" smtClean="0"/>
+              <a:rPr lang="en-CA" dirty="0"/>
               <a:t>Third level</a:t>
             </a:r>
           </a:p>
           <a:p>
             <a:pPr lvl="3"/>
             <a:r>
-              <a:rPr lang="en-CA" smtClean="0"/>
+              <a:rPr lang="en-CA" dirty="0"/>
               <a:t>Fourth level</a:t>
             </a:r>
           </a:p>
           <a:p>
             <a:pPr lvl="4"/>
             <a:r>
-              <a:rPr lang="en-CA" smtClean="0"/>
+              <a:rPr lang="en-CA" dirty="0"/>
               <a:t>Fifth level</a:t>
             </a:r>
-            <a:endParaRPr lang="en-US"/>
+            <a:endParaRPr lang="en-US" dirty="0"/>
           </a:p>
         </p:txBody>
       </p:sp>
@@ -3327,7 +3387,9 @@
           <a:lstStyle>
             <a:lvl1pPr marL="0" indent="0">
               <a:buNone/>
-              <a:defRPr sz="2400" b="1"/>
+              <a:defRPr sz="2400" b="1">
+                <a:latin typeface="+mj-lt"/>
+              </a:defRPr>
             </a:lvl1pPr>
             <a:lvl2pPr marL="457200" indent="0">
               <a:buNone/>
@@ -3365,7 +3427,7 @@
           <a:p>
             <a:pPr lvl="0"/>
             <a:r>
-              <a:rPr lang="en-CA" smtClean="0"/>
+              <a:rPr lang="en-CA" dirty="0"/>
               <a:t>Click to edit Master text styles</a:t>
             </a:r>
           </a:p>
@@ -3391,19 +3453,29 @@
           <a:bodyPr/>
           <a:lstStyle>
             <a:lvl1pPr>
-              <a:defRPr sz="2400"/>
+              <a:defRPr sz="2400">
+                <a:latin typeface="+mn-lt"/>
+              </a:defRPr>
             </a:lvl1pPr>
             <a:lvl2pPr>
-              <a:defRPr sz="2000"/>
+              <a:defRPr sz="2000">
+                <a:latin typeface="+mn-lt"/>
+              </a:defRPr>
             </a:lvl2pPr>
             <a:lvl3pPr>
-              <a:defRPr sz="1800"/>
+              <a:defRPr sz="1800">
+                <a:latin typeface="+mn-lt"/>
+              </a:defRPr>
             </a:lvl3pPr>
             <a:lvl4pPr>
-              <a:defRPr sz="1600"/>
+              <a:defRPr sz="1600">
+                <a:latin typeface="+mn-lt"/>
+              </a:defRPr>
             </a:lvl4pPr>
             <a:lvl5pPr>
-              <a:defRPr sz="1600"/>
+              <a:defRPr sz="1600">
+                <a:latin typeface="+mn-lt"/>
+              </a:defRPr>
             </a:lvl5pPr>
             <a:lvl6pPr>
               <a:defRPr sz="1600"/>
@@ -3421,120 +3493,102 @@
           <a:p>
             <a:pPr lvl="0"/>
             <a:r>
-              <a:rPr lang="en-CA" smtClean="0"/>
+              <a:rPr lang="en-CA" dirty="0"/>
               <a:t>Click to edit Master text styles</a:t>
             </a:r>
           </a:p>
           <a:p>
             <a:pPr lvl="1"/>
             <a:r>
-              <a:rPr lang="en-CA" smtClean="0"/>
+              <a:rPr lang="en-CA" dirty="0"/>
               <a:t>Second level</a:t>
             </a:r>
           </a:p>
           <a:p>
             <a:pPr lvl="2"/>
             <a:r>
-              <a:rPr lang="en-CA" smtClean="0"/>
+              <a:rPr lang="en-CA" dirty="0"/>
               <a:t>Third level</a:t>
             </a:r>
           </a:p>
           <a:p>
             <a:pPr lvl="3"/>
             <a:r>
-              <a:rPr lang="en-CA" smtClean="0"/>
+              <a:rPr lang="en-CA" dirty="0"/>
               <a:t>Fourth level</a:t>
             </a:r>
           </a:p>
           <a:p>
             <a:pPr lvl="4"/>
             <a:r>
-              <a:rPr lang="en-CA" smtClean="0"/>
+              <a:rPr lang="en-CA" dirty="0"/>
               <a:t>Fifth level</a:t>
             </a:r>
-            <a:endParaRPr lang="en-US"/>
-          </a:p>
-        </p:txBody>
-      </p:sp>
-      <p:sp>
-        <p:nvSpPr>
-          <p:cNvPr id="7" name="Date Placeholder 6"/>
+            <a:endParaRPr lang="en-US" dirty="0"/>
+          </a:p>
+        </p:txBody>
+      </p:sp>
+      <p:sp>
+        <p:nvSpPr>
+          <p:cNvPr id="10" name="Footer Placeholder 9">
+            <a:extLst>
+              <a:ext uri="{FF2B5EF4-FFF2-40B4-BE49-F238E27FC236}">
+                <a16:creationId xmlns:a16="http://schemas.microsoft.com/office/drawing/2014/main" id="{0912E499-92DE-AB4A-A5B0-FD67B2273F7D}"/>
+              </a:ext>
+            </a:extLst>
+          </p:cNvPr>
           <p:cNvSpPr>
             <a:spLocks noGrp="1"/>
           </p:cNvSpPr>
           <p:nvPr>
-            <p:ph type="dt" sz="half" idx="10"/>
+            <p:ph type="ftr" sz="quarter" idx="10"/>
           </p:nvPr>
         </p:nvSpPr>
         <p:spPr/>
         <p:txBody>
           <a:bodyPr/>
-          <a:lstStyle>
-            <a:lvl1pPr>
-              <a:defRPr smtClean="0"/>
-            </a:lvl1pPr>
-          </a:lstStyle>
-          <a:p>
-            <a:fld id="{2B084050-0655-BC4C-8C3C-BB31492E78E0}" type="datetime1">
-              <a:rPr lang="en-CA" smtClean="0"/>
-              <a:t>16-07-19</a:t>
-            </a:fld>
+          <a:lstStyle/>
+          <a:p>
             <a:endParaRPr lang="en-US"/>
           </a:p>
         </p:txBody>
       </p:sp>
       <p:sp>
         <p:nvSpPr>
-          <p:cNvPr id="8" name="Footer Placeholder 7"/>
+          <p:cNvPr id="11" name="Slide Number Placeholder 10">
+            <a:extLst>
+              <a:ext uri="{FF2B5EF4-FFF2-40B4-BE49-F238E27FC236}">
+                <a16:creationId xmlns:a16="http://schemas.microsoft.com/office/drawing/2014/main" id="{80D4789F-B319-FB45-8996-99D418A3599C}"/>
+              </a:ext>
+            </a:extLst>
+          </p:cNvPr>
           <p:cNvSpPr>
             <a:spLocks noGrp="1"/>
           </p:cNvSpPr>
           <p:nvPr>
-            <p:ph type="ftr" sz="quarter" idx="11"/>
+            <p:ph type="sldNum" sz="quarter" idx="11"/>
           </p:nvPr>
         </p:nvSpPr>
         <p:spPr/>
         <p:txBody>
           <a:bodyPr/>
-          <a:lstStyle>
-            <a:lvl1pPr>
-              <a:defRPr/>
-            </a:lvl1pPr>
-          </a:lstStyle>
-          <a:p>
-            <a:endParaRPr lang="en-US"/>
-          </a:p>
-        </p:txBody>
-      </p:sp>
-      <p:sp>
-        <p:nvSpPr>
-          <p:cNvPr id="9" name="Slide Number Placeholder 8"/>
-          <p:cNvSpPr>
-            <a:spLocks noGrp="1"/>
-          </p:cNvSpPr>
-          <p:nvPr>
-            <p:ph type="sldNum" sz="quarter" idx="12"/>
-          </p:nvPr>
-        </p:nvSpPr>
-        <p:spPr/>
-        <p:txBody>
-          <a:bodyPr/>
-          <a:lstStyle>
-            <a:lvl1pPr>
-              <a:defRPr smtClean="0"/>
-            </a:lvl1pPr>
-          </a:lstStyle>
-          <a:p>
-            <a:fld id="{468512B9-2EBD-5143-B160-2F31E1336FC2}" type="slidenum">
-              <a:rPr lang="en-US"/>
+          <a:lstStyle/>
+          <a:p>
+            <a:fld id="{95FC67CD-6733-D04F-B9BE-AD105949F24E}" type="slidenum">
+              <a:rPr lang="en-US" smtClean="0"/>
               <a:pPr/>
               <a:t>‹#›</a:t>
             </a:fld>
-            <a:endParaRPr lang="en-US"/>
+            <a:endParaRPr lang="en-US" dirty="0"/>
           </a:p>
         </p:txBody>
       </p:sp>
     </p:spTree>
+    <p:extLst>
+      <p:ext uri="{BB962C8B-B14F-4D97-AF65-F5344CB8AC3E}">
+        <p14:creationId xmlns:p14="http://schemas.microsoft.com/office/powerpoint/2010/main" val="3080194156"/>
+      </p:ext>
+    </p:extLst>
   </p:cSld>
   <p:clrMapOvr>
     <a:masterClrMapping/>
@@ -3572,95 +3626,83 @@
         <p:spPr/>
         <p:txBody>
           <a:bodyPr/>
-          <a:lstStyle/>
-          <a:p>
-            <a:r>
-              <a:rPr lang="en-CA" smtClean="0"/>
+          <a:lstStyle>
+            <a:lvl1pPr>
+              <a:defRPr>
+                <a:latin typeface="+mj-lt"/>
+              </a:defRPr>
+            </a:lvl1pPr>
+          </a:lstStyle>
+          <a:p>
+            <a:r>
+              <a:rPr lang="en-CA" dirty="0"/>
               <a:t>Click to edit Master title style</a:t>
             </a:r>
-            <a:endParaRPr lang="en-US"/>
-          </a:p>
-        </p:txBody>
-      </p:sp>
-      <p:sp>
-        <p:nvSpPr>
-          <p:cNvPr id="3" name="Date Placeholder 2"/>
+            <a:endParaRPr lang="en-US" dirty="0"/>
+          </a:p>
+        </p:txBody>
+      </p:sp>
+      <p:sp>
+        <p:nvSpPr>
+          <p:cNvPr id="6" name="Footer Placeholder 5">
+            <a:extLst>
+              <a:ext uri="{FF2B5EF4-FFF2-40B4-BE49-F238E27FC236}">
+                <a16:creationId xmlns:a16="http://schemas.microsoft.com/office/drawing/2014/main" id="{96BDBB7E-298A-4445-97E1-4B099A07ED3A}"/>
+              </a:ext>
+            </a:extLst>
+          </p:cNvPr>
           <p:cNvSpPr>
             <a:spLocks noGrp="1"/>
           </p:cNvSpPr>
           <p:nvPr>
-            <p:ph type="dt" sz="half" idx="10"/>
+            <p:ph type="ftr" sz="quarter" idx="10"/>
           </p:nvPr>
         </p:nvSpPr>
         <p:spPr/>
         <p:txBody>
           <a:bodyPr/>
-          <a:lstStyle>
-            <a:lvl1pPr>
-              <a:defRPr smtClean="0"/>
-            </a:lvl1pPr>
-          </a:lstStyle>
-          <a:p>
-            <a:fld id="{7231EB10-11EF-1747-B514-03839D592AFA}" type="datetime1">
-              <a:rPr lang="en-CA" smtClean="0"/>
-              <a:t>16-07-19</a:t>
-            </a:fld>
+          <a:lstStyle/>
+          <a:p>
             <a:endParaRPr lang="en-US"/>
           </a:p>
         </p:txBody>
       </p:sp>
       <p:sp>
         <p:nvSpPr>
-          <p:cNvPr id="4" name="Footer Placeholder 3"/>
+          <p:cNvPr id="7" name="Slide Number Placeholder 6">
+            <a:extLst>
+              <a:ext uri="{FF2B5EF4-FFF2-40B4-BE49-F238E27FC236}">
+                <a16:creationId xmlns:a16="http://schemas.microsoft.com/office/drawing/2014/main" id="{A7895EC8-D916-8648-B520-23F9FC802EB0}"/>
+              </a:ext>
+            </a:extLst>
+          </p:cNvPr>
           <p:cNvSpPr>
             <a:spLocks noGrp="1"/>
           </p:cNvSpPr>
           <p:nvPr>
-            <p:ph type="ftr" sz="quarter" idx="11"/>
+            <p:ph type="sldNum" sz="quarter" idx="11"/>
           </p:nvPr>
         </p:nvSpPr>
         <p:spPr/>
         <p:txBody>
           <a:bodyPr/>
-          <a:lstStyle>
-            <a:lvl1pPr>
-              <a:defRPr/>
-            </a:lvl1pPr>
-          </a:lstStyle>
-          <a:p>
-            <a:endParaRPr lang="en-US"/>
-          </a:p>
-        </p:txBody>
-      </p:sp>
-      <p:sp>
-        <p:nvSpPr>
-          <p:cNvPr id="5" name="Slide Number Placeholder 4"/>
-          <p:cNvSpPr>
-            <a:spLocks noGrp="1"/>
-          </p:cNvSpPr>
-          <p:nvPr>
-            <p:ph type="sldNum" sz="quarter" idx="12"/>
-          </p:nvPr>
-        </p:nvSpPr>
-        <p:spPr/>
-        <p:txBody>
-          <a:bodyPr/>
-          <a:lstStyle>
-            <a:lvl1pPr>
-              <a:defRPr smtClean="0"/>
-            </a:lvl1pPr>
-          </a:lstStyle>
-          <a:p>
-            <a:fld id="{37B6CB5A-F5BD-474A-BDA3-1E989790071A}" type="slidenum">
-              <a:rPr lang="en-US"/>
+          <a:lstStyle/>
+          <a:p>
+            <a:fld id="{95FC67CD-6733-D04F-B9BE-AD105949F24E}" type="slidenum">
+              <a:rPr lang="en-US" smtClean="0"/>
               <a:pPr/>
               <a:t>‹#›</a:t>
             </a:fld>
-            <a:endParaRPr lang="en-US"/>
+            <a:endParaRPr lang="en-US" dirty="0"/>
           </a:p>
         </p:txBody>
       </p:sp>
     </p:spTree>
+    <p:extLst>
+      <p:ext uri="{BB962C8B-B14F-4D97-AF65-F5344CB8AC3E}">
+        <p14:creationId xmlns:p14="http://schemas.microsoft.com/office/powerpoint/2010/main" val="3105082202"/>
+      </p:ext>
+    </p:extLst>
   </p:cSld>
   <p:clrMapOvr>
     <a:masterClrMapping/>
@@ -3687,83 +3729,65 @@
       </p:grpSpPr>
       <p:sp>
         <p:nvSpPr>
-          <p:cNvPr id="2" name="Date Placeholder 1"/>
+          <p:cNvPr id="5" name="Footer Placeholder 4">
+            <a:extLst>
+              <a:ext uri="{FF2B5EF4-FFF2-40B4-BE49-F238E27FC236}">
+                <a16:creationId xmlns:a16="http://schemas.microsoft.com/office/drawing/2014/main" id="{5DF03754-C429-BF4B-85C9-F1D1C975E80F}"/>
+              </a:ext>
+            </a:extLst>
+          </p:cNvPr>
           <p:cNvSpPr>
             <a:spLocks noGrp="1"/>
           </p:cNvSpPr>
           <p:nvPr>
-            <p:ph type="dt" sz="half" idx="10"/>
+            <p:ph type="ftr" sz="quarter" idx="10"/>
           </p:nvPr>
         </p:nvSpPr>
         <p:spPr/>
         <p:txBody>
           <a:bodyPr/>
-          <a:lstStyle>
-            <a:lvl1pPr>
-              <a:defRPr smtClean="0"/>
-            </a:lvl1pPr>
-          </a:lstStyle>
-          <a:p>
-            <a:fld id="{81924F51-DCB9-D846-BCB1-CA307010C2B0}" type="datetime1">
-              <a:rPr lang="en-CA" smtClean="0"/>
-              <a:t>16-07-19</a:t>
-            </a:fld>
+          <a:lstStyle/>
+          <a:p>
             <a:endParaRPr lang="en-US"/>
           </a:p>
         </p:txBody>
       </p:sp>
       <p:sp>
         <p:nvSpPr>
-          <p:cNvPr id="3" name="Footer Placeholder 2"/>
+          <p:cNvPr id="6" name="Slide Number Placeholder 5">
+            <a:extLst>
+              <a:ext uri="{FF2B5EF4-FFF2-40B4-BE49-F238E27FC236}">
+                <a16:creationId xmlns:a16="http://schemas.microsoft.com/office/drawing/2014/main" id="{53E846D2-4831-1148-91F0-086A1F9C711D}"/>
+              </a:ext>
+            </a:extLst>
+          </p:cNvPr>
           <p:cNvSpPr>
             <a:spLocks noGrp="1"/>
           </p:cNvSpPr>
           <p:nvPr>
-            <p:ph type="ftr" sz="quarter" idx="11"/>
+            <p:ph type="sldNum" sz="quarter" idx="11"/>
           </p:nvPr>
         </p:nvSpPr>
         <p:spPr/>
         <p:txBody>
           <a:bodyPr/>
-          <a:lstStyle>
-            <a:lvl1pPr>
-              <a:defRPr/>
-            </a:lvl1pPr>
-          </a:lstStyle>
-          <a:p>
-            <a:endParaRPr lang="en-US"/>
-          </a:p>
-        </p:txBody>
-      </p:sp>
-      <p:sp>
-        <p:nvSpPr>
-          <p:cNvPr id="4" name="Slide Number Placeholder 3"/>
-          <p:cNvSpPr>
-            <a:spLocks noGrp="1"/>
-          </p:cNvSpPr>
-          <p:nvPr>
-            <p:ph type="sldNum" sz="quarter" idx="12"/>
-          </p:nvPr>
-        </p:nvSpPr>
-        <p:spPr/>
-        <p:txBody>
-          <a:bodyPr/>
-          <a:lstStyle>
-            <a:lvl1pPr>
-              <a:defRPr smtClean="0"/>
-            </a:lvl1pPr>
-          </a:lstStyle>
-          <a:p>
-            <a:fld id="{C1F62FDB-F864-E842-91C2-6712A2A87806}" type="slidenum">
-              <a:rPr lang="en-US"/>
+          <a:lstStyle/>
+          <a:p>
+            <a:fld id="{95FC67CD-6733-D04F-B9BE-AD105949F24E}" type="slidenum">
+              <a:rPr lang="en-US" smtClean="0"/>
               <a:pPr/>
               <a:t>‹#›</a:t>
             </a:fld>
-            <a:endParaRPr lang="en-US"/>
+            <a:endParaRPr lang="en-US" dirty="0"/>
           </a:p>
         </p:txBody>
       </p:sp>
     </p:spTree>
+    <p:extLst>
+      <p:ext uri="{BB962C8B-B14F-4D97-AF65-F5344CB8AC3E}">
+        <p14:creationId xmlns:p14="http://schemas.microsoft.com/office/powerpoint/2010/main" val="3074368474"/>
+      </p:ext>
+    </p:extLst>
   </p:cSld>
   <p:clrMapOvr>
     <a:masterClrMapping/>
@@ -3808,15 +3832,17 @@
           <a:bodyPr anchor="b"/>
           <a:lstStyle>
             <a:lvl1pPr algn="l">
-              <a:defRPr sz="2000" b="1"/>
+              <a:defRPr sz="2000" b="1">
+                <a:latin typeface="+mj-lt"/>
+              </a:defRPr>
             </a:lvl1pPr>
           </a:lstStyle>
           <a:p>
             <a:r>
-              <a:rPr lang="en-CA" smtClean="0"/>
+              <a:rPr lang="en-CA" dirty="0"/>
               <a:t>Click to edit Master title style</a:t>
             </a:r>
-            <a:endParaRPr lang="en-US"/>
+            <a:endParaRPr lang="en-US" dirty="0"/>
           </a:p>
         </p:txBody>
       </p:sp>
@@ -3840,19 +3866,29 @@
           <a:bodyPr/>
           <a:lstStyle>
             <a:lvl1pPr>
-              <a:defRPr sz="3200"/>
+              <a:defRPr sz="3200">
+                <a:latin typeface="+mn-lt"/>
+              </a:defRPr>
             </a:lvl1pPr>
             <a:lvl2pPr>
-              <a:defRPr sz="2800"/>
+              <a:defRPr sz="2800">
+                <a:latin typeface="+mn-lt"/>
+              </a:defRPr>
             </a:lvl2pPr>
             <a:lvl3pPr>
-              <a:defRPr sz="2400"/>
+              <a:defRPr sz="2400">
+                <a:latin typeface="+mn-lt"/>
+              </a:defRPr>
             </a:lvl3pPr>
             <a:lvl4pPr>
-              <a:defRPr sz="2000"/>
+              <a:defRPr sz="2000">
+                <a:latin typeface="+mn-lt"/>
+              </a:defRPr>
             </a:lvl4pPr>
             <a:lvl5pPr>
-              <a:defRPr sz="2000"/>
+              <a:defRPr sz="2000">
+                <a:latin typeface="+mn-lt"/>
+              </a:defRPr>
             </a:lvl5pPr>
             <a:lvl6pPr>
               <a:defRPr sz="2000"/>
@@ -3870,38 +3906,38 @@
           <a:p>
             <a:pPr lvl="0"/>
             <a:r>
-              <a:rPr lang="en-CA" smtClean="0"/>
+              <a:rPr lang="en-CA" dirty="0"/>
               <a:t>Click to edit Master text styles</a:t>
             </a:r>
           </a:p>
           <a:p>
             <a:pPr lvl="1"/>
             <a:r>
-              <a:rPr lang="en-CA" smtClean="0"/>
+              <a:rPr lang="en-CA" dirty="0"/>
               <a:t>Second level</a:t>
             </a:r>
           </a:p>
           <a:p>
             <a:pPr lvl="2"/>
             <a:r>
-              <a:rPr lang="en-CA" smtClean="0"/>
+              <a:rPr lang="en-CA" dirty="0"/>
               <a:t>Third level</a:t>
             </a:r>
           </a:p>
           <a:p>
             <a:pPr lvl="3"/>
             <a:r>
-              <a:rPr lang="en-CA" smtClean="0"/>
+              <a:rPr lang="en-CA" dirty="0"/>
               <a:t>Fourth level</a:t>
             </a:r>
           </a:p>
           <a:p>
             <a:pPr lvl="4"/>
             <a:r>
-              <a:rPr lang="en-CA" smtClean="0"/>
+              <a:rPr lang="en-CA" dirty="0"/>
               <a:t>Fifth level</a:t>
             </a:r>
-            <a:endParaRPr lang="en-US"/>
+            <a:endParaRPr lang="en-US" dirty="0"/>
           </a:p>
         </p:txBody>
       </p:sp>
@@ -3926,7 +3962,9 @@
           <a:lstStyle>
             <a:lvl1pPr marL="0" indent="0">
               <a:buNone/>
-              <a:defRPr sz="1400"/>
+              <a:defRPr sz="1400">
+                <a:latin typeface="+mn-lt"/>
+              </a:defRPr>
             </a:lvl1pPr>
             <a:lvl2pPr marL="457200" indent="0">
               <a:buNone/>
@@ -3964,7 +4002,7 @@
           <a:p>
             <a:pPr lvl="0"/>
             <a:r>
-              <a:rPr lang="en-CA" smtClean="0"/>
+              <a:rPr lang="en-CA" dirty="0"/>
               <a:t>Click to edit Master text styles</a:t>
             </a:r>
           </a:p>
@@ -3972,83 +4010,65 @@
       </p:sp>
       <p:sp>
         <p:nvSpPr>
-          <p:cNvPr id="5" name="Date Placeholder 4"/>
+          <p:cNvPr id="8" name="Footer Placeholder 7">
+            <a:extLst>
+              <a:ext uri="{FF2B5EF4-FFF2-40B4-BE49-F238E27FC236}">
+                <a16:creationId xmlns:a16="http://schemas.microsoft.com/office/drawing/2014/main" id="{1FB8657E-D33B-074B-AE26-E7CBD7232F89}"/>
+              </a:ext>
+            </a:extLst>
+          </p:cNvPr>
           <p:cNvSpPr>
             <a:spLocks noGrp="1"/>
           </p:cNvSpPr>
           <p:nvPr>
-            <p:ph type="dt" sz="half" idx="10"/>
+            <p:ph type="ftr" sz="quarter" idx="10"/>
           </p:nvPr>
         </p:nvSpPr>
         <p:spPr/>
         <p:txBody>
           <a:bodyPr/>
-          <a:lstStyle>
-            <a:lvl1pPr>
-              <a:defRPr smtClean="0"/>
-            </a:lvl1pPr>
-          </a:lstStyle>
-          <a:p>
-            <a:fld id="{21C52176-E62B-624F-9CB7-D55E6003ADC4}" type="datetime1">
-              <a:rPr lang="en-CA" smtClean="0"/>
-              <a:t>16-07-19</a:t>
-            </a:fld>
+          <a:lstStyle/>
+          <a:p>
             <a:endParaRPr lang="en-US"/>
           </a:p>
         </p:txBody>
       </p:sp>
       <p:sp>
         <p:nvSpPr>
-          <p:cNvPr id="6" name="Footer Placeholder 5"/>
+          <p:cNvPr id="9" name="Slide Number Placeholder 8">
+            <a:extLst>
+              <a:ext uri="{FF2B5EF4-FFF2-40B4-BE49-F238E27FC236}">
+                <a16:creationId xmlns:a16="http://schemas.microsoft.com/office/drawing/2014/main" id="{212E3D66-C201-A64A-A27B-A535DB26C750}"/>
+              </a:ext>
+            </a:extLst>
+          </p:cNvPr>
           <p:cNvSpPr>
             <a:spLocks noGrp="1"/>
           </p:cNvSpPr>
           <p:nvPr>
-            <p:ph type="ftr" sz="quarter" idx="11"/>
+            <p:ph type="sldNum" sz="quarter" idx="11"/>
           </p:nvPr>
         </p:nvSpPr>
         <p:spPr/>
         <p:txBody>
           <a:bodyPr/>
-          <a:lstStyle>
-            <a:lvl1pPr>
-              <a:defRPr/>
-            </a:lvl1pPr>
-          </a:lstStyle>
-          <a:p>
-            <a:endParaRPr lang="en-US"/>
-          </a:p>
-        </p:txBody>
-      </p:sp>
-      <p:sp>
-        <p:nvSpPr>
-          <p:cNvPr id="7" name="Slide Number Placeholder 6"/>
-          <p:cNvSpPr>
-            <a:spLocks noGrp="1"/>
-          </p:cNvSpPr>
-          <p:nvPr>
-            <p:ph type="sldNum" sz="quarter" idx="12"/>
-          </p:nvPr>
-        </p:nvSpPr>
-        <p:spPr/>
-        <p:txBody>
-          <a:bodyPr/>
-          <a:lstStyle>
-            <a:lvl1pPr>
-              <a:defRPr smtClean="0"/>
-            </a:lvl1pPr>
-          </a:lstStyle>
-          <a:p>
-            <a:fld id="{FAD6E7CC-0CBE-234E-AA50-75399A4F7BEF}" type="slidenum">
-              <a:rPr lang="en-US"/>
+          <a:lstStyle/>
+          <a:p>
+            <a:fld id="{95FC67CD-6733-D04F-B9BE-AD105949F24E}" type="slidenum">
+              <a:rPr lang="en-US" smtClean="0"/>
               <a:pPr/>
               <a:t>‹#›</a:t>
             </a:fld>
-            <a:endParaRPr lang="en-US"/>
+            <a:endParaRPr lang="en-US" dirty="0"/>
           </a:p>
         </p:txBody>
       </p:sp>
     </p:spTree>
+    <p:extLst>
+      <p:ext uri="{BB962C8B-B14F-4D97-AF65-F5344CB8AC3E}">
+        <p14:creationId xmlns:p14="http://schemas.microsoft.com/office/powerpoint/2010/main" val="3821616365"/>
+      </p:ext>
+    </p:extLst>
   </p:cSld>
   <p:clrMapOvr>
     <a:masterClrMapping/>
@@ -4093,15 +4113,17 @@
           <a:bodyPr anchor="b"/>
           <a:lstStyle>
             <a:lvl1pPr algn="l">
-              <a:defRPr sz="2000" b="1"/>
+              <a:defRPr sz="2000" b="1">
+                <a:latin typeface="+mj-lt"/>
+              </a:defRPr>
             </a:lvl1pPr>
           </a:lstStyle>
           <a:p>
             <a:r>
-              <a:rPr lang="en-CA" smtClean="0"/>
+              <a:rPr lang="en-CA" dirty="0"/>
               <a:t>Click to edit Master title style</a:t>
             </a:r>
-            <a:endParaRPr lang="en-US"/>
+            <a:endParaRPr lang="en-US" dirty="0"/>
           </a:p>
         </p:txBody>
       </p:sp>
@@ -4162,7 +4184,7 @@
             </a:lvl9pPr>
           </a:lstStyle>
           <a:p>
-            <a:endParaRPr lang="en-US"/>
+            <a:endParaRPr lang="en-US" dirty="0"/>
           </a:p>
         </p:txBody>
       </p:sp>
@@ -4187,7 +4209,9 @@
           <a:lstStyle>
             <a:lvl1pPr marL="0" indent="0">
               <a:buNone/>
-              <a:defRPr sz="1400"/>
+              <a:defRPr sz="1400">
+                <a:latin typeface="+mn-lt"/>
+              </a:defRPr>
             </a:lvl1pPr>
             <a:lvl2pPr marL="457200" indent="0">
               <a:buNone/>
@@ -4225,7 +4249,7 @@
           <a:p>
             <a:pPr lvl="0"/>
             <a:r>
-              <a:rPr lang="en-CA" smtClean="0"/>
+              <a:rPr lang="en-CA" dirty="0"/>
               <a:t>Click to edit Master text styles</a:t>
             </a:r>
           </a:p>
@@ -4233,83 +4257,65 @@
       </p:sp>
       <p:sp>
         <p:nvSpPr>
-          <p:cNvPr id="5" name="Date Placeholder 4"/>
+          <p:cNvPr id="8" name="Footer Placeholder 7">
+            <a:extLst>
+              <a:ext uri="{FF2B5EF4-FFF2-40B4-BE49-F238E27FC236}">
+                <a16:creationId xmlns:a16="http://schemas.microsoft.com/office/drawing/2014/main" id="{B5BB785B-8CD1-0040-A247-EDEF010C15C9}"/>
+              </a:ext>
+            </a:extLst>
+          </p:cNvPr>
           <p:cNvSpPr>
             <a:spLocks noGrp="1"/>
           </p:cNvSpPr>
           <p:nvPr>
-            <p:ph type="dt" sz="half" idx="10"/>
+            <p:ph type="ftr" sz="quarter" idx="10"/>
           </p:nvPr>
         </p:nvSpPr>
         <p:spPr/>
         <p:txBody>
           <a:bodyPr/>
-          <a:lstStyle>
-            <a:lvl1pPr>
-              <a:defRPr smtClean="0"/>
-            </a:lvl1pPr>
-          </a:lstStyle>
-          <a:p>
-            <a:fld id="{451BCA33-BBD1-9E40-A61F-EBEB8ADCC26E}" type="datetime1">
-              <a:rPr lang="en-CA" smtClean="0"/>
-              <a:t>16-07-19</a:t>
-            </a:fld>
+          <a:lstStyle/>
+          <a:p>
             <a:endParaRPr lang="en-US"/>
           </a:p>
         </p:txBody>
       </p:sp>
       <p:sp>
         <p:nvSpPr>
-          <p:cNvPr id="6" name="Footer Placeholder 5"/>
+          <p:cNvPr id="9" name="Slide Number Placeholder 8">
+            <a:extLst>
+              <a:ext uri="{FF2B5EF4-FFF2-40B4-BE49-F238E27FC236}">
+                <a16:creationId xmlns:a16="http://schemas.microsoft.com/office/drawing/2014/main" id="{A1275E30-5B29-BD43-B756-3D1D1E7E12BD}"/>
+              </a:ext>
+            </a:extLst>
+          </p:cNvPr>
           <p:cNvSpPr>
             <a:spLocks noGrp="1"/>
           </p:cNvSpPr>
           <p:nvPr>
-            <p:ph type="ftr" sz="quarter" idx="11"/>
+            <p:ph type="sldNum" sz="quarter" idx="11"/>
           </p:nvPr>
         </p:nvSpPr>
         <p:spPr/>
         <p:txBody>
           <a:bodyPr/>
-          <a:lstStyle>
-            <a:lvl1pPr>
-              <a:defRPr/>
-            </a:lvl1pPr>
-          </a:lstStyle>
-          <a:p>
-            <a:endParaRPr lang="en-US"/>
-          </a:p>
-        </p:txBody>
-      </p:sp>
-      <p:sp>
-        <p:nvSpPr>
-          <p:cNvPr id="7" name="Slide Number Placeholder 6"/>
-          <p:cNvSpPr>
-            <a:spLocks noGrp="1"/>
-          </p:cNvSpPr>
-          <p:nvPr>
-            <p:ph type="sldNum" sz="quarter" idx="12"/>
-          </p:nvPr>
-        </p:nvSpPr>
-        <p:spPr/>
-        <p:txBody>
-          <a:bodyPr/>
-          <a:lstStyle>
-            <a:lvl1pPr>
-              <a:defRPr smtClean="0"/>
-            </a:lvl1pPr>
-          </a:lstStyle>
-          <a:p>
-            <a:fld id="{2B299760-8B6F-FB4A-8A38-29CD67D0D0AF}" type="slidenum">
-              <a:rPr lang="en-US"/>
+          <a:lstStyle/>
+          <a:p>
+            <a:fld id="{95FC67CD-6733-D04F-B9BE-AD105949F24E}" type="slidenum">
+              <a:rPr lang="en-US" smtClean="0"/>
               <a:pPr/>
               <a:t>‹#›</a:t>
             </a:fld>
-            <a:endParaRPr lang="en-US"/>
+            <a:endParaRPr lang="en-US" dirty="0"/>
           </a:p>
         </p:txBody>
       </p:sp>
     </p:spTree>
+    <p:extLst>
+      <p:ext uri="{BB962C8B-B14F-4D97-AF65-F5344CB8AC3E}">
+        <p14:creationId xmlns:p14="http://schemas.microsoft.com/office/powerpoint/2010/main" val="268040815"/>
+      </p:ext>
+    </p:extLst>
   </p:cSld>
   <p:clrMapOvr>
     <a:masterClrMapping/>
@@ -4318,7 +4324,7 @@
 </file>
 
 <file path=ppt/slideMasters/slideMaster1.xml><?xml version="1.0" encoding="utf-8"?>
-<p:sldMaster xmlns:a="http://schemas.openxmlformats.org/drawingml/2006/main" xmlns:r="http://schemas.openxmlformats.org/officeDocument/2006/relationships" xmlns:p="http://schemas.openxmlformats.org/presentationml/2006/main">
+<p:sldMaster xmlns:a="http://schemas.openxmlformats.org/drawingml/2006/main" xmlns:r="http://schemas.openxmlformats.org/officeDocument/2006/relationships" xmlns:p="http://schemas.openxmlformats.org/presentationml/2006/main" preserve="1">
   <p:cSld>
     <p:bg>
       <p:bgPr>
@@ -4458,99 +4464,6 @@
       </p:sp>
       <p:sp>
         <p:nvSpPr>
-          <p:cNvPr id="1028" name="Rectangle 4"/>
-          <p:cNvSpPr>
-            <a:spLocks noGrp="1" noChangeArrowheads="1"/>
-          </p:cNvSpPr>
-          <p:nvPr>
-            <p:ph type="dt" sz="half" idx="2"/>
-          </p:nvPr>
-        </p:nvSpPr>
-        <p:spPr bwMode="auto">
-          <a:xfrm>
-            <a:off x="685800" y="6248400"/>
-            <a:ext cx="1905000" cy="457200"/>
-          </a:xfrm>
-          <a:prstGeom prst="rect">
-            <a:avLst/>
-          </a:prstGeom>
-          <a:noFill/>
-          <a:ln w="9525">
-            <a:noFill/>
-            <a:miter lim="800000"/>
-            <a:headEnd/>
-            <a:tailEnd/>
-          </a:ln>
-          <a:effectLst/>
-        </p:spPr>
-        <p:txBody>
-          <a:bodyPr vert="horz" wrap="square" lIns="91440" tIns="45720" rIns="91440" bIns="45720" numCol="1" anchor="t" anchorCtr="0" compatLnSpc="1">
-            <a:prstTxWarp prst="textNoShape">
-              <a:avLst/>
-            </a:prstTxWarp>
-          </a:bodyPr>
-          <a:lstStyle>
-            <a:lvl1pPr>
-              <a:defRPr sz="1400">
-                <a:latin typeface="Candara"/>
-                <a:cs typeface="Candara"/>
-              </a:defRPr>
-            </a:lvl1pPr>
-          </a:lstStyle>
-          <a:p>
-            <a:fld id="{0289EDE0-D1E4-5A4A-854C-9BF859D9745B}" type="datetime1">
-              <a:rPr lang="en-CA" smtClean="0"/>
-              <a:t>16-07-19</a:t>
-            </a:fld>
-            <a:endParaRPr lang="en-US" dirty="0"/>
-          </a:p>
-        </p:txBody>
-      </p:sp>
-      <p:sp>
-        <p:nvSpPr>
-          <p:cNvPr id="1029" name="Rectangle 5"/>
-          <p:cNvSpPr>
-            <a:spLocks noGrp="1" noChangeArrowheads="1"/>
-          </p:cNvSpPr>
-          <p:nvPr>
-            <p:ph type="ftr" sz="quarter" idx="3"/>
-          </p:nvPr>
-        </p:nvSpPr>
-        <p:spPr bwMode="auto">
-          <a:xfrm>
-            <a:off x="3124200" y="6248400"/>
-            <a:ext cx="2895600" cy="457200"/>
-          </a:xfrm>
-          <a:prstGeom prst="rect">
-            <a:avLst/>
-          </a:prstGeom>
-          <a:noFill/>
-          <a:ln w="9525">
-            <a:noFill/>
-            <a:miter lim="800000"/>
-            <a:headEnd/>
-            <a:tailEnd/>
-          </a:ln>
-          <a:effectLst/>
-        </p:spPr>
-        <p:txBody>
-          <a:bodyPr vert="horz" wrap="square" lIns="91440" tIns="45720" rIns="91440" bIns="45720" numCol="1" anchor="t" anchorCtr="0" compatLnSpc="1">
-            <a:prstTxWarp prst="textNoShape">
-              <a:avLst/>
-            </a:prstTxWarp>
-          </a:bodyPr>
-          <a:lstStyle>
-            <a:lvl1pPr algn="ctr">
-              <a:defRPr sz="1400"/>
-            </a:lvl1pPr>
-          </a:lstStyle>
-          <a:p>
-            <a:endParaRPr lang="en-US"/>
-          </a:p>
-        </p:txBody>
-      </p:sp>
-      <p:sp>
-        <p:nvSpPr>
           <p:cNvPr id="1030" name="Rectangle 6"/>
           <p:cNvSpPr>
             <a:spLocks noGrp="1" noChangeArrowheads="1"/>
@@ -4585,13 +4498,13 @@
           <a:lstStyle>
             <a:lvl1pPr algn="r">
               <a:defRPr sz="1400">
-                <a:latin typeface="Candara"/>
+                <a:latin typeface="+mn-lt"/>
                 <a:cs typeface="Candara"/>
               </a:defRPr>
             </a:lvl1pPr>
           </a:lstStyle>
           <a:p>
-            <a:fld id="{D8512D64-FEAA-BC43-A323-8C6D3B193ADD}" type="slidenum">
+            <a:fld id="{95FC67CD-6733-D04F-B9BE-AD105949F24E}" type="slidenum">
               <a:rPr lang="en-US" smtClean="0"/>
               <a:pPr/>
               <a:t>‹#›</a:t>
@@ -4600,21 +4513,69 @@
           </a:p>
         </p:txBody>
       </p:sp>
+      <p:sp>
+        <p:nvSpPr>
+          <p:cNvPr id="2" name="Footer Placeholder 1">
+            <a:extLst>
+              <a:ext uri="{FF2B5EF4-FFF2-40B4-BE49-F238E27FC236}">
+                <a16:creationId xmlns:a16="http://schemas.microsoft.com/office/drawing/2014/main" id="{20CEA516-DB0A-A54B-8590-B485BCFD422E}"/>
+              </a:ext>
+            </a:extLst>
+          </p:cNvPr>
+          <p:cNvSpPr>
+            <a:spLocks noGrp="1"/>
+          </p:cNvSpPr>
+          <p:nvPr>
+            <p:ph type="ftr" sz="quarter" idx="3"/>
+          </p:nvPr>
+        </p:nvSpPr>
+        <p:spPr>
+          <a:xfrm>
+            <a:off x="3028950" y="6356350"/>
+            <a:ext cx="3086100" cy="365125"/>
+          </a:xfrm>
+          <a:prstGeom prst="rect">
+            <a:avLst/>
+          </a:prstGeom>
+        </p:spPr>
+        <p:txBody>
+          <a:bodyPr vert="horz" lIns="91440" tIns="45720" rIns="91440" bIns="45720" rtlCol="0" anchor="ctr"/>
+          <a:lstStyle>
+            <a:lvl1pPr algn="ctr">
+              <a:defRPr sz="1200">
+                <a:solidFill>
+                  <a:schemeClr val="tx1">
+                    <a:tint val="75000"/>
+                  </a:schemeClr>
+                </a:solidFill>
+              </a:defRPr>
+            </a:lvl1pPr>
+          </a:lstStyle>
+          <a:p>
+            <a:endParaRPr lang="en-US"/>
+          </a:p>
+        </p:txBody>
+      </p:sp>
     </p:spTree>
+    <p:extLst>
+      <p:ext uri="{BB962C8B-B14F-4D97-AF65-F5344CB8AC3E}">
+        <p14:creationId xmlns:p14="http://schemas.microsoft.com/office/powerpoint/2010/main" val="1724371995"/>
+      </p:ext>
+    </p:extLst>
   </p:cSld>
   <p:clrMap bg1="lt1" tx1="dk1" bg2="lt2" tx2="dk2" accent1="accent1" accent2="accent2" accent3="accent3" accent4="accent4" accent5="accent5" accent6="accent6" hlink="hlink" folHlink="folHlink"/>
   <p:sldLayoutIdLst>
-    <p:sldLayoutId id="2147483649" r:id="rId1"/>
-    <p:sldLayoutId id="2147483650" r:id="rId2"/>
-    <p:sldLayoutId id="2147483651" r:id="rId3"/>
-    <p:sldLayoutId id="2147483652" r:id="rId4"/>
-    <p:sldLayoutId id="2147483653" r:id="rId5"/>
-    <p:sldLayoutId id="2147483654" r:id="rId6"/>
-    <p:sldLayoutId id="2147483655" r:id="rId7"/>
-    <p:sldLayoutId id="2147483656" r:id="rId8"/>
-    <p:sldLayoutId id="2147483657" r:id="rId9"/>
-    <p:sldLayoutId id="2147483658" r:id="rId10"/>
-    <p:sldLayoutId id="2147483659" r:id="rId11"/>
+    <p:sldLayoutId id="2147483661" r:id="rId1"/>
+    <p:sldLayoutId id="2147483662" r:id="rId2"/>
+    <p:sldLayoutId id="2147483663" r:id="rId3"/>
+    <p:sldLayoutId id="2147483664" r:id="rId4"/>
+    <p:sldLayoutId id="2147483665" r:id="rId5"/>
+    <p:sldLayoutId id="2147483666" r:id="rId6"/>
+    <p:sldLayoutId id="2147483667" r:id="rId7"/>
+    <p:sldLayoutId id="2147483668" r:id="rId8"/>
+    <p:sldLayoutId id="2147483669" r:id="rId9"/>
+    <p:sldLayoutId id="2147483670" r:id="rId10"/>
+    <p:sldLayoutId id="2147483671" r:id="rId11"/>
   </p:sldLayoutIdLst>
   <p:hf hdr="0" ftr="0" dt="0"/>
   <p:txStyles>
@@ -4630,7 +4591,7 @@
           <a:solidFill>
             <a:schemeClr val="tx2"/>
           </a:solidFill>
-          <a:latin typeface="Candara"/>
+          <a:latin typeface="+mj-lt"/>
           <a:ea typeface="+mj-ea"/>
           <a:cs typeface="Candara"/>
         </a:defRPr>
@@ -4761,7 +4722,7 @@
           <a:solidFill>
             <a:schemeClr val="tx1"/>
           </a:solidFill>
-          <a:latin typeface="Candara"/>
+          <a:latin typeface="+mn-lt"/>
           <a:ea typeface="+mn-ea"/>
           <a:cs typeface="Candara"/>
         </a:defRPr>
@@ -4778,7 +4739,7 @@
           <a:solidFill>
             <a:schemeClr val="tx1"/>
           </a:solidFill>
-          <a:latin typeface="Candara"/>
+          <a:latin typeface="+mn-lt"/>
           <a:ea typeface="ＭＳ Ｐゴシック" charset="-128"/>
           <a:cs typeface="Candara"/>
         </a:defRPr>
@@ -4795,7 +4756,7 @@
           <a:solidFill>
             <a:schemeClr val="tx1"/>
           </a:solidFill>
-          <a:latin typeface="Candara"/>
+          <a:latin typeface="+mn-lt"/>
           <a:ea typeface="ＭＳ Ｐゴシック" charset="-128"/>
           <a:cs typeface="Candara"/>
         </a:defRPr>
@@ -4812,7 +4773,7 @@
           <a:solidFill>
             <a:schemeClr val="tx1"/>
           </a:solidFill>
-          <a:latin typeface="Candara"/>
+          <a:latin typeface="+mn-lt"/>
           <a:ea typeface="ＭＳ Ｐゴシック" charset="-128"/>
           <a:cs typeface="Candara"/>
         </a:defRPr>
@@ -4829,7 +4790,7 @@
           <a:solidFill>
             <a:schemeClr val="tx1"/>
           </a:solidFill>
-          <a:latin typeface="Candara"/>
+          <a:latin typeface="+mn-lt"/>
           <a:ea typeface="ＭＳ Ｐゴシック" charset="-128"/>
           <a:cs typeface="Candara"/>
         </a:defRPr>
@@ -5050,7 +5011,7 @@
               </a:spcBef>
             </a:pPr>
             <a:r>
-              <a:rPr lang="en-US" dirty="0" smtClean="0">
+              <a:rPr lang="en-US" dirty="0">
                 <a:solidFill>
                   <a:schemeClr val="dk1"/>
                 </a:solidFill>
@@ -5061,15 +5022,6 @@
               </a:rPr>
               <a:t>Static Single Assignment Form</a:t>
             </a:r>
-            <a:endParaRPr lang="en-US" dirty="0">
-              <a:solidFill>
-                <a:schemeClr val="dk1"/>
-              </a:solidFill>
-              <a:latin typeface="Calibri"/>
-              <a:ea typeface="Calibri"/>
-              <a:cs typeface="Calibri"/>
-              <a:sym typeface="Calibri"/>
-            </a:endParaRPr>
           </a:p>
         </p:txBody>
       </p:sp>
@@ -5183,6 +5135,30 @@
       </p:sp>
       <p:sp>
         <p:nvSpPr>
+          <p:cNvPr id="2" name="Slide Number Placeholder 1"/>
+          <p:cNvSpPr>
+            <a:spLocks noGrp="1"/>
+          </p:cNvSpPr>
+          <p:nvPr>
+            <p:ph type="sldNum" sz="quarter" idx="11"/>
+          </p:nvPr>
+        </p:nvSpPr>
+        <p:spPr/>
+        <p:txBody>
+          <a:bodyPr/>
+          <a:lstStyle/>
+          <a:p>
+            <a:fld id="{00632DF9-8F59-3B48-8E00-329792CA07DF}" type="slidenum">
+              <a:rPr lang="en-US" smtClean="0"/>
+              <a:pPr/>
+              <a:t>1</a:t>
+            </a:fld>
+            <a:endParaRPr lang="en-US"/>
+          </a:p>
+        </p:txBody>
+      </p:sp>
+      <p:sp>
+        <p:nvSpPr>
           <p:cNvPr id="205" name="Shape 205"/>
           <p:cNvSpPr/>
           <p:nvPr/>
@@ -5228,7 +5204,7 @@
               <a:buNone/>
             </a:pPr>
             <a:r>
-              <a:rPr lang="en-US" sz="2400" dirty="0" smtClean="0">
+              <a:rPr lang="en-US" sz="2400" dirty="0">
                 <a:solidFill>
                   <a:schemeClr val="dk1"/>
                 </a:solidFill>
@@ -5239,39 +5215,6 @@
               </a:rPr>
               <a:t>SSA Form 3</a:t>
             </a:r>
-            <a:endParaRPr lang="en-US" sz="2400" dirty="0">
-              <a:solidFill>
-                <a:schemeClr val="dk1"/>
-              </a:solidFill>
-              <a:latin typeface="Calibri"/>
-              <a:ea typeface="Calibri"/>
-              <a:cs typeface="Calibri"/>
-              <a:sym typeface="Calibri"/>
-            </a:endParaRPr>
-          </a:p>
-        </p:txBody>
-      </p:sp>
-      <p:sp>
-        <p:nvSpPr>
-          <p:cNvPr id="2" name="Slide Number Placeholder 1"/>
-          <p:cNvSpPr>
-            <a:spLocks noGrp="1"/>
-          </p:cNvSpPr>
-          <p:nvPr>
-            <p:ph type="sldNum" sz="quarter" idx="12"/>
-          </p:nvPr>
-        </p:nvSpPr>
-        <p:spPr/>
-        <p:txBody>
-          <a:bodyPr/>
-          <a:lstStyle/>
-          <a:p>
-            <a:fld id="{00632DF9-8F59-3B48-8E00-329792CA07DF}" type="slidenum">
-              <a:rPr lang="en-US" smtClean="0"/>
-              <a:pPr/>
-              <a:t>1</a:t>
-            </a:fld>
-            <a:endParaRPr lang="en-US"/>
           </a:p>
         </p:txBody>
       </p:sp>
@@ -5285,13 +5228,6 @@
   <p:clrMapOvr>
     <a:masterClrMapping/>
   </p:clrMapOvr>
-  <p:timing>
-    <p:tnLst>
-      <p:par>
-        <p:cTn xmlns:p14="http://schemas.microsoft.com/office/powerpoint/2010/main" id="1" dur="indefinite" restart="never" nodeType="tmRoot"/>
-      </p:par>
-    </p:tnLst>
-  </p:timing>
 </p:sld>
 </file>
 
@@ -5314,12 +5250,34 @@
       </p:grpSpPr>
       <p:sp>
         <p:nvSpPr>
+          <p:cNvPr id="222210" name="Rectangle 2"/>
+          <p:cNvSpPr>
+            <a:spLocks noGrp="1" noChangeArrowheads="1"/>
+          </p:cNvSpPr>
+          <p:nvPr>
+            <p:ph type="title"/>
+          </p:nvPr>
+        </p:nvSpPr>
+        <p:spPr/>
+        <p:txBody>
+          <a:bodyPr/>
+          <a:lstStyle/>
+          <a:p>
+            <a:r>
+              <a:rPr lang="en-US" dirty="0"/>
+              <a:t>Converting to SSA Form</a:t>
+            </a:r>
+          </a:p>
+        </p:txBody>
+      </p:sp>
+      <p:sp>
+        <p:nvSpPr>
           <p:cNvPr id="19" name="Slide Number Placeholder 4"/>
           <p:cNvSpPr>
             <a:spLocks noGrp="1"/>
           </p:cNvSpPr>
           <p:nvPr>
-            <p:ph type="sldNum" sz="quarter" idx="12"/>
+            <p:ph type="sldNum" sz="quarter" idx="11"/>
           </p:nvPr>
         </p:nvSpPr>
         <p:spPr/>
@@ -5333,29 +5291,6 @@
               <a:t>10</a:t>
             </a:fld>
             <a:endParaRPr lang="en-US"/>
-          </a:p>
-        </p:txBody>
-      </p:sp>
-      <p:sp>
-        <p:nvSpPr>
-          <p:cNvPr id="222210" name="Rectangle 2"/>
-          <p:cNvSpPr>
-            <a:spLocks noGrp="1" noChangeArrowheads="1"/>
-          </p:cNvSpPr>
-          <p:nvPr>
-            <p:ph type="title"/>
-          </p:nvPr>
-        </p:nvSpPr>
-        <p:spPr/>
-        <p:txBody>
-          <a:bodyPr/>
-          <a:lstStyle/>
-          <a:p>
-            <a:r>
-              <a:rPr lang="en-US" dirty="0" smtClean="0"/>
-              <a:t>Converting to SSA Form</a:t>
-            </a:r>
-            <a:endParaRPr lang="en-US" dirty="0"/>
           </a:p>
         </p:txBody>
       </p:sp>
@@ -5740,11 +5675,7 @@
           <a:p>
             <a:r>
               <a:rPr lang="en-US" dirty="0"/>
-              <a:t>    k5 := k2</a:t>
-            </a:r>
-            <a:r>
-              <a:rPr lang="en-US" dirty="0" smtClean="0"/>
-              <a:t>+1</a:t>
+              <a:t>    k5 := k2+1</a:t>
             </a:r>
             <a:endParaRPr lang="en-US" sz="2800" dirty="0"/>
           </a:p>
@@ -6006,13 +5937,6 @@
   <p:clrMapOvr>
     <a:masterClrMapping/>
   </p:clrMapOvr>
-  <p:timing>
-    <p:tnLst>
-      <p:par>
-        <p:cTn xmlns:p14="http://schemas.microsoft.com/office/powerpoint/2010/main" id="1" dur="indefinite" restart="never" nodeType="tmRoot"/>
-      </p:par>
-    </p:tnLst>
-  </p:timing>
 </p:sld>
 </file>
 
@@ -6035,12 +5959,34 @@
       </p:grpSpPr>
       <p:sp>
         <p:nvSpPr>
+          <p:cNvPr id="222210" name="Rectangle 2"/>
+          <p:cNvSpPr>
+            <a:spLocks noGrp="1" noChangeArrowheads="1"/>
+          </p:cNvSpPr>
+          <p:nvPr>
+            <p:ph type="title"/>
+          </p:nvPr>
+        </p:nvSpPr>
+        <p:spPr/>
+        <p:txBody>
+          <a:bodyPr/>
+          <a:lstStyle/>
+          <a:p>
+            <a:r>
+              <a:rPr lang="en-US" dirty="0"/>
+              <a:t>Converting to SSA Form</a:t>
+            </a:r>
+          </a:p>
+        </p:txBody>
+      </p:sp>
+      <p:sp>
+        <p:nvSpPr>
           <p:cNvPr id="19" name="Slide Number Placeholder 4"/>
           <p:cNvSpPr>
             <a:spLocks noGrp="1"/>
           </p:cNvSpPr>
           <p:nvPr>
-            <p:ph type="sldNum" sz="quarter" idx="12"/>
+            <p:ph type="sldNum" sz="quarter" idx="11"/>
           </p:nvPr>
         </p:nvSpPr>
         <p:spPr/>
@@ -6054,29 +6000,6 @@
               <a:t>11</a:t>
             </a:fld>
             <a:endParaRPr lang="en-US"/>
-          </a:p>
-        </p:txBody>
-      </p:sp>
-      <p:sp>
-        <p:nvSpPr>
-          <p:cNvPr id="222210" name="Rectangle 2"/>
-          <p:cNvSpPr>
-            <a:spLocks noGrp="1" noChangeArrowheads="1"/>
-          </p:cNvSpPr>
-          <p:nvPr>
-            <p:ph type="title"/>
-          </p:nvPr>
-        </p:nvSpPr>
-        <p:spPr/>
-        <p:txBody>
-          <a:bodyPr/>
-          <a:lstStyle/>
-          <a:p>
-            <a:r>
-              <a:rPr lang="en-US" dirty="0" smtClean="0"/>
-              <a:t>Converting to SSA Form</a:t>
-            </a:r>
-            <a:endParaRPr lang="en-US" dirty="0"/>
           </a:p>
         </p:txBody>
       </p:sp>
@@ -6120,32 +6043,20 @@
           <a:p>
             <a:r>
               <a:rPr lang="en-US" dirty="0"/>
-              <a:t>1: </a:t>
-            </a:r>
-            <a:r>
-              <a:rPr lang="en-US" dirty="0" smtClean="0"/>
-              <a:t>k </a:t>
-            </a:r>
-            <a:r>
-              <a:rPr lang="en-US" dirty="0"/>
-              <a:t>:= </a:t>
-            </a:r>
-            <a:r>
-              <a:rPr lang="en-US" dirty="0" smtClean="0"/>
-              <a:t>100</a:t>
-            </a:r>
-          </a:p>
-          <a:p>
-            <a:r>
-              <a:rPr lang="en-US" sz="2800" dirty="0" smtClean="0"/>
+              <a:t>1: k := 100</a:t>
+            </a:r>
+          </a:p>
+          <a:p>
+            <a:r>
+              <a:rPr lang="en-US" sz="2800" dirty="0"/>
               <a:t>    </a:t>
             </a:r>
             <a:r>
-              <a:rPr lang="en-US" dirty="0" err="1" smtClean="0"/>
+              <a:rPr lang="en-US" dirty="0" err="1"/>
               <a:t>i</a:t>
             </a:r>
             <a:r>
-              <a:rPr lang="en-US" dirty="0" smtClean="0"/>
+              <a:rPr lang="en-US" dirty="0"/>
               <a:t> := 0</a:t>
             </a:r>
             <a:endParaRPr lang="en-US" sz="2800" dirty="0"/>
@@ -6195,16 +6106,12 @@
               <a:t>2: if </a:t>
             </a:r>
             <a:r>
-              <a:rPr lang="en-US" dirty="0" err="1" smtClean="0"/>
+              <a:rPr lang="en-US" dirty="0" err="1"/>
               <a:t>i</a:t>
             </a:r>
             <a:r>
-              <a:rPr lang="en-US" dirty="0" smtClean="0"/>
-              <a:t> </a:t>
-            </a:r>
-            <a:r>
-              <a:rPr lang="en-US" dirty="0"/>
-              <a:t>&lt; 100</a:t>
+              <a:rPr lang="en-US" dirty="0"/>
+              <a:t> &lt; 100</a:t>
             </a:r>
             <a:endParaRPr lang="en-US" sz="2800" dirty="0"/>
           </a:p>
@@ -6250,31 +6157,22 @@
           <a:p>
             <a:r>
               <a:rPr lang="en-US" dirty="0"/>
-              <a:t>3: k := k+</a:t>
-            </a:r>
-            <a:r>
-              <a:rPr lang="en-US" dirty="0" smtClean="0"/>
-              <a:t>1</a:t>
-            </a:r>
-          </a:p>
-          <a:p>
-            <a:r>
-              <a:rPr lang="en-US" dirty="0"/>
-              <a:t> </a:t>
-            </a:r>
-            <a:r>
-              <a:rPr lang="en-US" dirty="0" smtClean="0"/>
-              <a:t>   </a:t>
-            </a:r>
-            <a:r>
-              <a:rPr lang="en-US" dirty="0" err="1" smtClean="0"/>
+              <a:t>3: k := k+1</a:t>
+            </a:r>
+          </a:p>
+          <a:p>
+            <a:r>
+              <a:rPr lang="en-US" dirty="0"/>
+              <a:t>    </a:t>
+            </a:r>
+            <a:r>
+              <a:rPr lang="en-US" dirty="0" err="1"/>
               <a:t>i</a:t>
             </a:r>
             <a:r>
-              <a:rPr lang="en-US" dirty="0" smtClean="0"/>
+              <a:rPr lang="en-US" dirty="0"/>
               <a:t> := i+1</a:t>
             </a:r>
-            <a:endParaRPr lang="en-US" dirty="0"/>
           </a:p>
         </p:txBody>
       </p:sp>
@@ -6378,13 +6276,8 @@
           <a:p>
             <a:r>
               <a:rPr lang="en-US" dirty="0"/>
-              <a:t>4: return </a:t>
-            </a:r>
-            <a:r>
-              <a:rPr lang="en-US" dirty="0" smtClean="0"/>
-              <a:t>k</a:t>
-            </a:r>
-            <a:endParaRPr lang="en-US" dirty="0"/>
+              <a:t>4: return k</a:t>
+            </a:r>
           </a:p>
         </p:txBody>
       </p:sp>
@@ -6477,61 +6370,57 @@
           <a:lstStyle/>
           <a:p>
             <a:r>
-              <a:rPr lang="en-US" dirty="0" smtClean="0"/>
+              <a:rPr lang="en-US" dirty="0"/>
               <a:t>k:=100</a:t>
             </a:r>
           </a:p>
           <a:p>
             <a:r>
-              <a:rPr lang="en-US" dirty="0" err="1" smtClean="0"/>
+              <a:rPr lang="en-US" dirty="0" err="1"/>
               <a:t>i</a:t>
             </a:r>
             <a:r>
-              <a:rPr lang="en-US" dirty="0" smtClean="0"/>
+              <a:rPr lang="en-US" dirty="0"/>
               <a:t>:=0</a:t>
             </a:r>
           </a:p>
           <a:p>
             <a:r>
-              <a:rPr lang="en-US" dirty="0" smtClean="0"/>
+              <a:rPr lang="en-US" dirty="0"/>
               <a:t>while </a:t>
             </a:r>
             <a:r>
-              <a:rPr lang="en-US" dirty="0" err="1" smtClean="0"/>
+              <a:rPr lang="en-US" dirty="0" err="1"/>
               <a:t>i</a:t>
             </a:r>
             <a:r>
-              <a:rPr lang="en-US" dirty="0" smtClean="0"/>
+              <a:rPr lang="en-US" dirty="0"/>
               <a:t>&lt;100:</a:t>
             </a:r>
           </a:p>
           <a:p>
             <a:r>
-              <a:rPr lang="en-US" dirty="0" smtClean="0"/>
+              <a:rPr lang="en-US" dirty="0"/>
               <a:t>    k:=k+1</a:t>
             </a:r>
           </a:p>
           <a:p>
             <a:r>
               <a:rPr lang="en-US" dirty="0"/>
-              <a:t> </a:t>
-            </a:r>
-            <a:r>
-              <a:rPr lang="en-US" dirty="0" smtClean="0"/>
-              <a:t>   </a:t>
-            </a:r>
-            <a:r>
-              <a:rPr lang="en-US" dirty="0" err="1" smtClean="0"/>
+              <a:t>    </a:t>
+            </a:r>
+            <a:r>
+              <a:rPr lang="en-US" dirty="0" err="1"/>
               <a:t>i</a:t>
             </a:r>
             <a:r>
-              <a:rPr lang="en-US" dirty="0" smtClean="0"/>
+              <a:rPr lang="en-US" dirty="0"/>
               <a:t>:=i+1</a:t>
             </a:r>
           </a:p>
           <a:p>
             <a:r>
-              <a:rPr lang="en-US" dirty="0" smtClean="0"/>
+              <a:rPr lang="en-US" dirty="0"/>
               <a:t>return k</a:t>
             </a:r>
           </a:p>
@@ -6560,10 +6449,9 @@
           <a:lstStyle/>
           <a:p>
             <a:r>
-              <a:rPr lang="en-US" dirty="0" smtClean="0"/>
+              <a:rPr lang="en-US" dirty="0"/>
               <a:t>Program</a:t>
             </a:r>
-            <a:endParaRPr lang="en-US" dirty="0"/>
           </a:p>
         </p:txBody>
       </p:sp>
@@ -6590,10 +6478,9 @@
           <a:lstStyle/>
           <a:p>
             <a:r>
-              <a:rPr lang="en-US" dirty="0" smtClean="0"/>
+              <a:rPr lang="en-US" dirty="0"/>
               <a:t>Control Flow Graph</a:t>
             </a:r>
-            <a:endParaRPr lang="en-US" dirty="0"/>
           </a:p>
         </p:txBody>
       </p:sp>
@@ -6629,7 +6516,7 @@
               <a:buChar char="•"/>
             </a:pPr>
             <a:r>
-              <a:rPr lang="en-US" dirty="0" smtClean="0"/>
+              <a:rPr lang="en-US" dirty="0"/>
               <a:t>D(1) = {2,3,4}</a:t>
             </a:r>
           </a:p>
@@ -6639,7 +6526,7 @@
               <a:buChar char="•"/>
             </a:pPr>
             <a:r>
-              <a:rPr lang="en-US" dirty="0" smtClean="0"/>
+              <a:rPr lang="en-US" dirty="0"/>
               <a:t>D(2) = {3,4}</a:t>
             </a:r>
           </a:p>
@@ -6649,7 +6536,7 @@
               <a:buChar char="•"/>
             </a:pPr>
             <a:r>
-              <a:rPr lang="en-US" dirty="0" smtClean="0"/>
+              <a:rPr lang="en-US" dirty="0"/>
               <a:t>D(3) = {}</a:t>
             </a:r>
           </a:p>
@@ -6659,7 +6546,7 @@
               <a:buChar char="•"/>
             </a:pPr>
             <a:r>
-              <a:rPr lang="en-US" dirty="0" smtClean="0"/>
+              <a:rPr lang="en-US" dirty="0"/>
               <a:t>D(4) = {}</a:t>
             </a:r>
           </a:p>
@@ -6688,10 +6575,9 @@
           <a:lstStyle/>
           <a:p>
             <a:r>
-              <a:rPr lang="en-US" dirty="0" smtClean="0"/>
+              <a:rPr lang="en-US" dirty="0"/>
               <a:t>Dominance Relations</a:t>
             </a:r>
-            <a:endParaRPr lang="en-US" dirty="0"/>
           </a:p>
         </p:txBody>
       </p:sp>
@@ -6727,7 +6613,7 @@
               <a:buChar char="•"/>
             </a:pPr>
             <a:r>
-              <a:rPr lang="en-US" dirty="0" smtClean="0"/>
+              <a:rPr lang="en-US" dirty="0"/>
               <a:t>DF(1) = {}</a:t>
             </a:r>
           </a:p>
@@ -6737,7 +6623,7 @@
               <a:buChar char="•"/>
             </a:pPr>
             <a:r>
-              <a:rPr lang="en-US" dirty="0" smtClean="0"/>
+              <a:rPr lang="en-US" dirty="0"/>
               <a:t>DF(2) = {2}</a:t>
             </a:r>
           </a:p>
@@ -6747,7 +6633,7 @@
               <a:buChar char="•"/>
             </a:pPr>
             <a:r>
-              <a:rPr lang="en-US" dirty="0" smtClean="0"/>
+              <a:rPr lang="en-US" dirty="0"/>
               <a:t>DF(3) = {2}</a:t>
             </a:r>
           </a:p>
@@ -6757,7 +6643,7 @@
               <a:buChar char="•"/>
             </a:pPr>
             <a:r>
-              <a:rPr lang="en-US" dirty="0" smtClean="0"/>
+              <a:rPr lang="en-US" dirty="0"/>
               <a:t>DF(4) = {}</a:t>
             </a:r>
           </a:p>
@@ -6786,10 +6672,9 @@
           <a:lstStyle/>
           <a:p>
             <a:r>
-              <a:rPr lang="en-US" dirty="0" smtClean="0"/>
+              <a:rPr lang="en-US" dirty="0"/>
               <a:t>Dominance Frontier</a:t>
             </a:r>
-            <a:endParaRPr lang="en-US" dirty="0"/>
           </a:p>
         </p:txBody>
       </p:sp>
@@ -6806,7 +6691,7 @@
   <p:timing>
     <p:tnLst>
       <p:par>
-        <p:cTn xmlns:p14="http://schemas.microsoft.com/office/powerpoint/2010/main" id="1" dur="indefinite" restart="never" nodeType="tmRoot">
+        <p:cTn id="1" dur="indefinite" restart="never" nodeType="tmRoot">
           <p:childTnLst>
             <p:seq concurrent="1" nextAc="seek">
               <p:cTn id="2" dur="indefinite" nodeType="mainSeq">
@@ -7345,12 +7230,34 @@
       </p:grpSpPr>
       <p:sp>
         <p:nvSpPr>
+          <p:cNvPr id="222210" name="Rectangle 2"/>
+          <p:cNvSpPr>
+            <a:spLocks noGrp="1" noChangeArrowheads="1"/>
+          </p:cNvSpPr>
+          <p:nvPr>
+            <p:ph type="title"/>
+          </p:nvPr>
+        </p:nvSpPr>
+        <p:spPr/>
+        <p:txBody>
+          <a:bodyPr/>
+          <a:lstStyle/>
+          <a:p>
+            <a:r>
+              <a:rPr lang="en-US" dirty="0"/>
+              <a:t>Converting to SSA Form</a:t>
+            </a:r>
+          </a:p>
+        </p:txBody>
+      </p:sp>
+      <p:sp>
+        <p:nvSpPr>
           <p:cNvPr id="19" name="Slide Number Placeholder 4"/>
           <p:cNvSpPr>
             <a:spLocks noGrp="1"/>
           </p:cNvSpPr>
           <p:nvPr>
-            <p:ph type="sldNum" sz="quarter" idx="12"/>
+            <p:ph type="sldNum" sz="quarter" idx="11"/>
           </p:nvPr>
         </p:nvSpPr>
         <p:spPr/>
@@ -7364,29 +7271,6 @@
               <a:t>12</a:t>
             </a:fld>
             <a:endParaRPr lang="en-US"/>
-          </a:p>
-        </p:txBody>
-      </p:sp>
-      <p:sp>
-        <p:nvSpPr>
-          <p:cNvPr id="222210" name="Rectangle 2"/>
-          <p:cNvSpPr>
-            <a:spLocks noGrp="1" noChangeArrowheads="1"/>
-          </p:cNvSpPr>
-          <p:nvPr>
-            <p:ph type="title"/>
-          </p:nvPr>
-        </p:nvSpPr>
-        <p:spPr/>
-        <p:txBody>
-          <a:bodyPr/>
-          <a:lstStyle/>
-          <a:p>
-            <a:r>
-              <a:rPr lang="en-US" dirty="0" smtClean="0"/>
-              <a:t>Converting to SSA Form</a:t>
-            </a:r>
-            <a:endParaRPr lang="en-US" dirty="0"/>
           </a:p>
         </p:txBody>
       </p:sp>
@@ -7430,32 +7314,20 @@
           <a:p>
             <a:r>
               <a:rPr lang="en-US" dirty="0"/>
-              <a:t>1: </a:t>
-            </a:r>
-            <a:r>
-              <a:rPr lang="en-US" dirty="0" smtClean="0"/>
-              <a:t>k </a:t>
-            </a:r>
-            <a:r>
-              <a:rPr lang="en-US" dirty="0"/>
-              <a:t>:= </a:t>
-            </a:r>
-            <a:r>
-              <a:rPr lang="en-US" dirty="0" smtClean="0"/>
-              <a:t>100</a:t>
-            </a:r>
-          </a:p>
-          <a:p>
-            <a:r>
-              <a:rPr lang="en-US" sz="2800" dirty="0" smtClean="0"/>
+              <a:t>1: k := 100</a:t>
+            </a:r>
+          </a:p>
+          <a:p>
+            <a:r>
+              <a:rPr lang="en-US" sz="2800" dirty="0"/>
               <a:t>    </a:t>
             </a:r>
             <a:r>
-              <a:rPr lang="en-US" dirty="0" err="1" smtClean="0"/>
+              <a:rPr lang="en-US" dirty="0" err="1"/>
               <a:t>i</a:t>
             </a:r>
             <a:r>
-              <a:rPr lang="en-US" dirty="0" smtClean="0"/>
+              <a:rPr lang="en-US" dirty="0"/>
               <a:t> := 0</a:t>
             </a:r>
             <a:endParaRPr lang="en-US" sz="2800" dirty="0"/>
@@ -7505,88 +7377,70 @@
               <a:t>2: </a:t>
             </a:r>
             <a:r>
-              <a:rPr lang="en-US" dirty="0" err="1" smtClean="0"/>
+              <a:rPr lang="en-US" dirty="0" err="1"/>
               <a:t>i</a:t>
             </a:r>
             <a:r>
-              <a:rPr lang="en-US" dirty="0" smtClean="0"/>
+              <a:rPr lang="en-US" dirty="0"/>
               <a:t> = </a:t>
             </a:r>
             <a:r>
-              <a:rPr lang="en-US" dirty="0" smtClean="0">
+              <a:rPr lang="en-US" dirty="0">
                 <a:sym typeface="Symbol" charset="2"/>
               </a:rPr>
               <a:t>(</a:t>
             </a:r>
             <a:r>
-              <a:rPr lang="en-US" dirty="0" err="1" smtClean="0">
+              <a:rPr lang="en-US" dirty="0" err="1">
                 <a:sym typeface="Symbol" charset="2"/>
               </a:rPr>
               <a:t>i,i</a:t>
             </a:r>
             <a:r>
-              <a:rPr lang="en-US" dirty="0" smtClean="0">
+              <a:rPr lang="en-US" dirty="0">
                 <a:sym typeface="Symbol" charset="2"/>
               </a:rPr>
               <a:t>)</a:t>
             </a:r>
-            <a:endParaRPr lang="en-US" dirty="0" smtClean="0"/>
-          </a:p>
-          <a:p>
-            <a:r>
-              <a:rPr lang="en-US" dirty="0"/>
-              <a:t> </a:t>
-            </a:r>
-            <a:r>
-              <a:rPr lang="en-US" dirty="0" smtClean="0"/>
-              <a:t>   k = </a:t>
+            <a:endParaRPr lang="en-US" dirty="0"/>
+          </a:p>
+          <a:p>
+            <a:r>
+              <a:rPr lang="en-US" dirty="0"/>
+              <a:t>    k = </a:t>
             </a:r>
             <a:r>
               <a:rPr lang="en-US" dirty="0">
                 <a:sym typeface="Symbol" charset="2"/>
               </a:rPr>
-              <a:t></a:t>
-            </a:r>
-            <a:r>
-              <a:rPr lang="en-US" dirty="0" smtClean="0">
-                <a:sym typeface="Symbol" charset="2"/>
-              </a:rPr>
-              <a:t>(</a:t>
-            </a:r>
-            <a:r>
-              <a:rPr lang="en-US" dirty="0" err="1" smtClean="0">
+              <a:t>(</a:t>
+            </a:r>
+            <a:r>
+              <a:rPr lang="en-US" dirty="0" err="1">
                 <a:sym typeface="Symbol" charset="2"/>
               </a:rPr>
               <a:t>k,k</a:t>
             </a:r>
             <a:r>
-              <a:rPr lang="en-US" dirty="0" smtClean="0">
+              <a:rPr lang="en-US" dirty="0">
                 <a:sym typeface="Symbol" charset="2"/>
               </a:rPr>
               <a:t>)</a:t>
             </a:r>
-            <a:endParaRPr lang="en-US" dirty="0" smtClean="0"/>
-          </a:p>
-          <a:p>
-            <a:r>
-              <a:rPr lang="en-US" dirty="0"/>
-              <a:t> </a:t>
-            </a:r>
-            <a:r>
-              <a:rPr lang="en-US" dirty="0" smtClean="0"/>
-              <a:t>   if </a:t>
-            </a:r>
-            <a:r>
-              <a:rPr lang="en-US" dirty="0" err="1" smtClean="0"/>
+            <a:endParaRPr lang="en-US" dirty="0"/>
+          </a:p>
+          <a:p>
+            <a:r>
+              <a:rPr lang="en-US" dirty="0"/>
+              <a:t>    if </a:t>
+            </a:r>
+            <a:r>
+              <a:rPr lang="en-US" dirty="0" err="1"/>
               <a:t>i</a:t>
             </a:r>
             <a:r>
-              <a:rPr lang="en-US" dirty="0" smtClean="0"/>
-              <a:t> </a:t>
-            </a:r>
-            <a:r>
-              <a:rPr lang="en-US" dirty="0"/>
-              <a:t>&lt; 100</a:t>
+              <a:rPr lang="en-US" dirty="0"/>
+              <a:t> &lt; 100</a:t>
             </a:r>
             <a:endParaRPr lang="en-US" sz="2800" dirty="0"/>
           </a:p>
@@ -7632,31 +7486,22 @@
           <a:p>
             <a:r>
               <a:rPr lang="en-US" dirty="0"/>
-              <a:t>3: k := k+</a:t>
-            </a:r>
-            <a:r>
-              <a:rPr lang="en-US" dirty="0" smtClean="0"/>
-              <a:t>1</a:t>
-            </a:r>
-          </a:p>
-          <a:p>
-            <a:r>
-              <a:rPr lang="en-US" dirty="0"/>
-              <a:t> </a:t>
-            </a:r>
-            <a:r>
-              <a:rPr lang="en-US" dirty="0" smtClean="0"/>
-              <a:t>   </a:t>
-            </a:r>
-            <a:r>
-              <a:rPr lang="en-US" dirty="0" err="1" smtClean="0"/>
+              <a:t>3: k := k+1</a:t>
+            </a:r>
+          </a:p>
+          <a:p>
+            <a:r>
+              <a:rPr lang="en-US" dirty="0"/>
+              <a:t>    </a:t>
+            </a:r>
+            <a:r>
+              <a:rPr lang="en-US" dirty="0" err="1"/>
               <a:t>i</a:t>
             </a:r>
             <a:r>
-              <a:rPr lang="en-US" dirty="0" smtClean="0"/>
+              <a:rPr lang="en-US" dirty="0"/>
               <a:t> := i+1</a:t>
             </a:r>
-            <a:endParaRPr lang="en-US" dirty="0"/>
           </a:p>
         </p:txBody>
       </p:sp>
@@ -7760,13 +7605,8 @@
           <a:p>
             <a:r>
               <a:rPr lang="en-US" dirty="0"/>
-              <a:t>4: return </a:t>
-            </a:r>
-            <a:r>
-              <a:rPr lang="en-US" dirty="0" smtClean="0"/>
-              <a:t>k</a:t>
-            </a:r>
-            <a:endParaRPr lang="en-US" dirty="0"/>
+              <a:t>4: return k</a:t>
+            </a:r>
           </a:p>
         </p:txBody>
       </p:sp>
@@ -7857,10 +7697,9 @@
           <a:lstStyle/>
           <a:p>
             <a:r>
-              <a:rPr lang="en-US" dirty="0" smtClean="0"/>
+              <a:rPr lang="en-US" dirty="0"/>
               <a:t>Control Flow Graph</a:t>
             </a:r>
-            <a:endParaRPr lang="en-US" dirty="0"/>
           </a:p>
         </p:txBody>
       </p:sp>
@@ -7896,7 +7735,7 @@
               <a:buChar char="•"/>
             </a:pPr>
             <a:r>
-              <a:rPr lang="en-US" dirty="0" smtClean="0"/>
+              <a:rPr lang="en-US" dirty="0"/>
               <a:t>D(1) = {2,3,4}</a:t>
             </a:r>
           </a:p>
@@ -7906,7 +7745,7 @@
               <a:buChar char="•"/>
             </a:pPr>
             <a:r>
-              <a:rPr lang="en-US" dirty="0" smtClean="0"/>
+              <a:rPr lang="en-US" dirty="0"/>
               <a:t>D(2) = {3,4}</a:t>
             </a:r>
           </a:p>
@@ -7916,7 +7755,7 @@
               <a:buChar char="•"/>
             </a:pPr>
             <a:r>
-              <a:rPr lang="en-US" dirty="0" smtClean="0"/>
+              <a:rPr lang="en-US" dirty="0"/>
               <a:t>D(3) = {}</a:t>
             </a:r>
           </a:p>
@@ -7926,7 +7765,7 @@
               <a:buChar char="•"/>
             </a:pPr>
             <a:r>
-              <a:rPr lang="en-US" dirty="0" smtClean="0"/>
+              <a:rPr lang="en-US" dirty="0"/>
               <a:t>D(4) = {}</a:t>
             </a:r>
           </a:p>
@@ -7955,10 +7794,9 @@
           <a:lstStyle/>
           <a:p>
             <a:r>
-              <a:rPr lang="en-US" dirty="0" smtClean="0"/>
+              <a:rPr lang="en-US" dirty="0"/>
               <a:t>Dominance Relations</a:t>
             </a:r>
-            <a:endParaRPr lang="en-US" dirty="0"/>
           </a:p>
         </p:txBody>
       </p:sp>
@@ -7994,7 +7832,7 @@
               <a:buChar char="•"/>
             </a:pPr>
             <a:r>
-              <a:rPr lang="en-US" dirty="0" smtClean="0"/>
+              <a:rPr lang="en-US" dirty="0"/>
               <a:t>DF(1) = {}</a:t>
             </a:r>
           </a:p>
@@ -8004,7 +7842,7 @@
               <a:buChar char="•"/>
             </a:pPr>
             <a:r>
-              <a:rPr lang="en-US" dirty="0" smtClean="0"/>
+              <a:rPr lang="en-US" dirty="0"/>
               <a:t>DF(2) = {2}</a:t>
             </a:r>
           </a:p>
@@ -8014,7 +7852,7 @@
               <a:buChar char="•"/>
             </a:pPr>
             <a:r>
-              <a:rPr lang="en-US" dirty="0" smtClean="0"/>
+              <a:rPr lang="en-US" dirty="0"/>
               <a:t>DF(3) = {2}</a:t>
             </a:r>
           </a:p>
@@ -8024,7 +7862,7 @@
               <a:buChar char="•"/>
             </a:pPr>
             <a:r>
-              <a:rPr lang="en-US" dirty="0" smtClean="0"/>
+              <a:rPr lang="en-US" dirty="0"/>
               <a:t>DF(4) = {}</a:t>
             </a:r>
           </a:p>
@@ -8053,10 +7891,9 @@
           <a:lstStyle/>
           <a:p>
             <a:r>
-              <a:rPr lang="en-US" dirty="0" smtClean="0"/>
+              <a:rPr lang="en-US" dirty="0"/>
               <a:t>Dominance Frontier</a:t>
             </a:r>
-            <a:endParaRPr lang="en-US" dirty="0"/>
           </a:p>
         </p:txBody>
       </p:sp>
@@ -8088,24 +7925,23 @@
           <a:lstStyle/>
           <a:p>
             <a:r>
-              <a:rPr lang="en-US" sz="2000" dirty="0" smtClean="0"/>
+              <a:rPr lang="en-US" sz="2000" dirty="0"/>
               <a:t>Variable </a:t>
             </a:r>
             <a:r>
-              <a:rPr lang="en-US" sz="2000" dirty="0" err="1" smtClean="0"/>
+              <a:rPr lang="en-US" sz="2000" dirty="0" err="1"/>
               <a:t>i,k</a:t>
             </a:r>
             <a:r>
-              <a:rPr lang="en-US" sz="2000" dirty="0" smtClean="0"/>
+              <a:rPr lang="en-US" sz="2000" dirty="0"/>
               <a:t> in 1</a:t>
             </a:r>
           </a:p>
           <a:p>
             <a:r>
-              <a:rPr lang="en-US" sz="2000" dirty="0" smtClean="0"/>
+              <a:rPr lang="en-US" sz="2000" dirty="0"/>
               <a:t>DF(1) = {} </a:t>
             </a:r>
-            <a:endParaRPr lang="en-US" sz="2000" dirty="0"/>
           </a:p>
         </p:txBody>
       </p:sp>
@@ -8137,24 +7973,23 @@
           <a:lstStyle/>
           <a:p>
             <a:r>
-              <a:rPr lang="en-US" sz="2000" dirty="0" smtClean="0"/>
+              <a:rPr lang="en-US" sz="2000" dirty="0"/>
               <a:t>Variable </a:t>
             </a:r>
             <a:r>
-              <a:rPr lang="en-US" sz="2000" dirty="0" err="1" smtClean="0"/>
+              <a:rPr lang="en-US" sz="2000" dirty="0" err="1"/>
               <a:t>i</a:t>
             </a:r>
             <a:r>
-              <a:rPr lang="en-US" sz="2000" dirty="0" smtClean="0"/>
+              <a:rPr lang="en-US" sz="2000" dirty="0"/>
               <a:t> in 2</a:t>
             </a:r>
           </a:p>
           <a:p>
             <a:r>
-              <a:rPr lang="en-US" sz="2000" dirty="0" smtClean="0"/>
+              <a:rPr lang="en-US" sz="2000" dirty="0"/>
               <a:t>DF(2) = {2} </a:t>
             </a:r>
-            <a:endParaRPr lang="en-US" sz="2000" dirty="0"/>
           </a:p>
         </p:txBody>
       </p:sp>
@@ -8186,24 +8021,23 @@
           <a:lstStyle/>
           <a:p>
             <a:r>
-              <a:rPr lang="en-US" sz="2000" dirty="0" smtClean="0"/>
+              <a:rPr lang="en-US" sz="2000" dirty="0"/>
               <a:t>Variable </a:t>
             </a:r>
             <a:r>
-              <a:rPr lang="en-US" sz="2000" dirty="0" err="1" smtClean="0"/>
+              <a:rPr lang="en-US" sz="2000" dirty="0" err="1"/>
               <a:t>i,k</a:t>
             </a:r>
             <a:r>
-              <a:rPr lang="en-US" sz="2000" dirty="0" smtClean="0"/>
+              <a:rPr lang="en-US" sz="2000" dirty="0"/>
               <a:t> in 3</a:t>
             </a:r>
           </a:p>
           <a:p>
             <a:r>
-              <a:rPr lang="en-US" sz="2000" dirty="0" smtClean="0"/>
+              <a:rPr lang="en-US" sz="2000" dirty="0"/>
               <a:t>DF(3) = {2} </a:t>
             </a:r>
-            <a:endParaRPr lang="en-US" sz="2000" dirty="0"/>
           </a:p>
         </p:txBody>
       </p:sp>
@@ -8235,16 +8069,15 @@
           <a:lstStyle/>
           <a:p>
             <a:r>
-              <a:rPr lang="en-US" sz="2000" dirty="0" smtClean="0"/>
+              <a:rPr lang="en-US" sz="2000" dirty="0"/>
               <a:t>Variable k in 4</a:t>
             </a:r>
           </a:p>
           <a:p>
             <a:r>
-              <a:rPr lang="en-US" sz="2000" dirty="0" smtClean="0"/>
+              <a:rPr lang="en-US" sz="2000" dirty="0"/>
               <a:t>DF(4) = {} </a:t>
             </a:r>
-            <a:endParaRPr lang="en-US" sz="2000" dirty="0"/>
           </a:p>
         </p:txBody>
       </p:sp>
@@ -8261,7 +8094,7 @@
   <p:timing>
     <p:tnLst>
       <p:par>
-        <p:cTn xmlns:p14="http://schemas.microsoft.com/office/powerpoint/2010/main" id="1" dur="indefinite" restart="never" nodeType="tmRoot">
+        <p:cTn id="1" dur="indefinite" restart="never" nodeType="tmRoot">
           <p:childTnLst>
             <p:seq concurrent="1" nextAc="seek">
               <p:cTn id="2" dur="indefinite" nodeType="mainSeq">
@@ -8800,12 +8633,34 @@
       </p:grpSpPr>
       <p:sp>
         <p:nvSpPr>
+          <p:cNvPr id="222210" name="Rectangle 2"/>
+          <p:cNvSpPr>
+            <a:spLocks noGrp="1" noChangeArrowheads="1"/>
+          </p:cNvSpPr>
+          <p:nvPr>
+            <p:ph type="title"/>
+          </p:nvPr>
+        </p:nvSpPr>
+        <p:spPr/>
+        <p:txBody>
+          <a:bodyPr/>
+          <a:lstStyle/>
+          <a:p>
+            <a:r>
+              <a:rPr lang="en-US" dirty="0"/>
+              <a:t>Converting to SSA Form</a:t>
+            </a:r>
+          </a:p>
+        </p:txBody>
+      </p:sp>
+      <p:sp>
+        <p:nvSpPr>
           <p:cNvPr id="19" name="Slide Number Placeholder 4"/>
           <p:cNvSpPr>
             <a:spLocks noGrp="1"/>
           </p:cNvSpPr>
           <p:nvPr>
-            <p:ph type="sldNum" sz="quarter" idx="12"/>
+            <p:ph type="sldNum" sz="quarter" idx="11"/>
           </p:nvPr>
         </p:nvSpPr>
         <p:spPr/>
@@ -8819,29 +8674,6 @@
               <a:t>13</a:t>
             </a:fld>
             <a:endParaRPr lang="en-US"/>
-          </a:p>
-        </p:txBody>
-      </p:sp>
-      <p:sp>
-        <p:nvSpPr>
-          <p:cNvPr id="222210" name="Rectangle 2"/>
-          <p:cNvSpPr>
-            <a:spLocks noGrp="1" noChangeArrowheads="1"/>
-          </p:cNvSpPr>
-          <p:nvPr>
-            <p:ph type="title"/>
-          </p:nvPr>
-        </p:nvSpPr>
-        <p:spPr/>
-        <p:txBody>
-          <a:bodyPr/>
-          <a:lstStyle/>
-          <a:p>
-            <a:r>
-              <a:rPr lang="en-US" dirty="0" smtClean="0"/>
-              <a:t>Converting to SSA Form</a:t>
-            </a:r>
-            <a:endParaRPr lang="en-US" dirty="0"/>
           </a:p>
         </p:txBody>
       </p:sp>
@@ -8885,28 +8717,16 @@
           <a:p>
             <a:r>
               <a:rPr lang="en-US" dirty="0"/>
-              <a:t>1: </a:t>
-            </a:r>
-            <a:r>
-              <a:rPr lang="en-US" dirty="0" smtClean="0"/>
-              <a:t>k1 </a:t>
-            </a:r>
-            <a:r>
-              <a:rPr lang="en-US" dirty="0"/>
-              <a:t>:= </a:t>
-            </a:r>
-            <a:r>
-              <a:rPr lang="en-US" dirty="0" smtClean="0"/>
-              <a:t>100</a:t>
-            </a:r>
-          </a:p>
-          <a:p>
-            <a:r>
-              <a:rPr lang="en-US" sz="2800" dirty="0" smtClean="0"/>
+              <a:t>1: k1 := 100</a:t>
+            </a:r>
+          </a:p>
+          <a:p>
+            <a:r>
+              <a:rPr lang="en-US" sz="2800" dirty="0"/>
               <a:t>    </a:t>
             </a:r>
             <a:r>
-              <a:rPr lang="en-US" dirty="0" smtClean="0"/>
+              <a:rPr lang="en-US" dirty="0"/>
               <a:t>i1 := 0</a:t>
             </a:r>
             <a:endParaRPr lang="en-US" sz="2800" dirty="0"/>
@@ -8953,55 +8773,33 @@
           <a:p>
             <a:r>
               <a:rPr lang="en-US" dirty="0"/>
-              <a:t>2: </a:t>
-            </a:r>
-            <a:r>
-              <a:rPr lang="en-US" dirty="0" smtClean="0"/>
-              <a:t>i2 = </a:t>
-            </a:r>
-            <a:r>
-              <a:rPr lang="en-US" dirty="0" smtClean="0">
+              <a:t>2: i2 = </a:t>
+            </a:r>
+            <a:r>
+              <a:rPr lang="en-US" dirty="0">
                 <a:sym typeface="Symbol" charset="2"/>
               </a:rPr>
               <a:t>(i1,i3)</a:t>
             </a:r>
-            <a:endParaRPr lang="en-US" dirty="0" smtClean="0"/>
-          </a:p>
-          <a:p>
-            <a:r>
-              <a:rPr lang="en-US" dirty="0"/>
-              <a:t> </a:t>
-            </a:r>
-            <a:r>
-              <a:rPr lang="en-US" dirty="0" smtClean="0"/>
-              <a:t>   k2 = </a:t>
+            <a:endParaRPr lang="en-US" dirty="0"/>
+          </a:p>
+          <a:p>
+            <a:r>
+              <a:rPr lang="en-US" dirty="0"/>
+              <a:t>    k2 = </a:t>
             </a:r>
             <a:r>
               <a:rPr lang="en-US" dirty="0">
                 <a:sym typeface="Symbol" charset="2"/>
               </a:rPr>
-              <a:t></a:t>
-            </a:r>
-            <a:r>
-              <a:rPr lang="en-US" dirty="0" smtClean="0">
-                <a:sym typeface="Symbol" charset="2"/>
-              </a:rPr>
-              <a:t>(k1,k3)</a:t>
-            </a:r>
-            <a:endParaRPr lang="en-US" dirty="0" smtClean="0"/>
-          </a:p>
-          <a:p>
-            <a:r>
-              <a:rPr lang="en-US" dirty="0"/>
-              <a:t> </a:t>
-            </a:r>
-            <a:r>
-              <a:rPr lang="en-US" dirty="0" smtClean="0"/>
-              <a:t>   if i2 </a:t>
-            </a:r>
-            <a:r>
-              <a:rPr lang="en-US" dirty="0"/>
-              <a:t>&lt; 100</a:t>
+              <a:t>(k1,k3)</a:t>
+            </a:r>
+            <a:endParaRPr lang="en-US" dirty="0"/>
+          </a:p>
+          <a:p>
+            <a:r>
+              <a:rPr lang="en-US" dirty="0"/>
+              <a:t>    if i2 &lt; 100</a:t>
             </a:r>
             <a:endParaRPr lang="en-US" sz="2800" dirty="0"/>
           </a:p>
@@ -9047,31 +8845,14 @@
           <a:p>
             <a:r>
               <a:rPr lang="en-US" dirty="0"/>
-              <a:t>3: </a:t>
-            </a:r>
-            <a:r>
-              <a:rPr lang="en-US" dirty="0" smtClean="0"/>
-              <a:t>k3 </a:t>
-            </a:r>
-            <a:r>
-              <a:rPr lang="en-US" dirty="0"/>
-              <a:t>:= </a:t>
-            </a:r>
-            <a:r>
-              <a:rPr lang="en-US" dirty="0" smtClean="0"/>
-              <a:t>k2+1</a:t>
-            </a:r>
-          </a:p>
-          <a:p>
-            <a:r>
-              <a:rPr lang="en-US" dirty="0"/>
-              <a:t> </a:t>
-            </a:r>
-            <a:r>
-              <a:rPr lang="en-US" dirty="0" smtClean="0"/>
-              <a:t>   i3 := i2+1</a:t>
-            </a:r>
-            <a:endParaRPr lang="en-US" dirty="0"/>
+              <a:t>3: k3 := k2+1</a:t>
+            </a:r>
+          </a:p>
+          <a:p>
+            <a:r>
+              <a:rPr lang="en-US" dirty="0"/>
+              <a:t>    i3 := i2+1</a:t>
+            </a:r>
           </a:p>
         </p:txBody>
       </p:sp>
@@ -9175,13 +8956,8 @@
           <a:p>
             <a:r>
               <a:rPr lang="en-US" dirty="0"/>
-              <a:t>4: return </a:t>
-            </a:r>
-            <a:r>
-              <a:rPr lang="en-US" dirty="0" smtClean="0"/>
-              <a:t>k</a:t>
-            </a:r>
-            <a:endParaRPr lang="en-US" dirty="0"/>
+              <a:t>4: return k</a:t>
+            </a:r>
           </a:p>
         </p:txBody>
       </p:sp>
@@ -9259,13 +9035,6 @@
   <p:clrMapOvr>
     <a:masterClrMapping/>
   </p:clrMapOvr>
-  <p:timing>
-    <p:tnLst>
-      <p:par>
-        <p:cTn xmlns:p14="http://schemas.microsoft.com/office/powerpoint/2010/main" id="1" dur="indefinite" restart="never" nodeType="tmRoot"/>
-      </p:par>
-    </p:tnLst>
-  </p:timing>
 </p:sld>
 </file>
 
@@ -9329,46 +9098,29 @@
               <a:t>1: </a:t>
             </a:r>
             <a:r>
-              <a:rPr lang="en-US" dirty="0" err="1" smtClean="0"/>
+              <a:rPr lang="en-US" dirty="0" err="1"/>
               <a:t>i</a:t>
             </a:r>
             <a:r>
-              <a:rPr lang="en-US" dirty="0" smtClean="0"/>
+              <a:rPr lang="en-US" dirty="0"/>
               <a:t> := 1</a:t>
             </a:r>
           </a:p>
           <a:p>
             <a:r>
               <a:rPr lang="en-US" sz="2800" dirty="0"/>
-              <a:t> </a:t>
-            </a:r>
-            <a:r>
-              <a:rPr lang="en-US" sz="2800" dirty="0" smtClean="0"/>
-              <a:t>  </a:t>
-            </a:r>
-            <a:r>
-              <a:rPr lang="en-US" dirty="0" smtClean="0"/>
+              <a:t>   </a:t>
+            </a:r>
+            <a:r>
+              <a:rPr lang="en-US" dirty="0"/>
               <a:t>j := 2</a:t>
             </a:r>
           </a:p>
           <a:p>
             <a:r>
               <a:rPr lang="en-US" dirty="0"/>
-              <a:t>   </a:t>
-            </a:r>
-            <a:r>
-              <a:rPr lang="en-US" dirty="0" smtClean="0"/>
-              <a:t>k </a:t>
-            </a:r>
-            <a:r>
-              <a:rPr lang="en-US" dirty="0"/>
-              <a:t>:= </a:t>
-            </a:r>
-            <a:r>
-              <a:rPr lang="en-US" dirty="0" smtClean="0"/>
-              <a:t>10</a:t>
-            </a:r>
-            <a:endParaRPr lang="en-US" dirty="0"/>
+              <a:t>   k := 10</a:t>
+            </a:r>
           </a:p>
         </p:txBody>
       </p:sp>
@@ -9411,7 +9163,7 @@
           <a:lstStyle/>
           <a:p>
             <a:r>
-              <a:rPr lang="en-US" dirty="0" smtClean="0"/>
+              <a:rPr lang="en-US" dirty="0"/>
               <a:t>entry</a:t>
             </a:r>
             <a:endParaRPr lang="en-US" sz="2800" dirty="0"/>
@@ -9489,26 +9241,25 @@
           <a:lstStyle/>
           <a:p>
             <a:r>
-              <a:rPr lang="en-US" dirty="0" smtClean="0"/>
+              <a:rPr lang="en-US" dirty="0"/>
               <a:t>2: if </a:t>
             </a:r>
             <a:r>
-              <a:rPr lang="en-US" dirty="0" err="1" smtClean="0"/>
+              <a:rPr lang="en-US" dirty="0" err="1"/>
               <a:t>i</a:t>
             </a:r>
             <a:r>
-              <a:rPr lang="en-US" dirty="0" smtClean="0"/>
+              <a:rPr lang="en-US" dirty="0"/>
               <a:t> &lt; k </a:t>
             </a:r>
             <a:r>
-              <a:rPr lang="en-US" dirty="0" err="1" smtClean="0"/>
+              <a:rPr lang="en-US" dirty="0" err="1"/>
               <a:t>goto</a:t>
             </a:r>
             <a:r>
-              <a:rPr lang="en-US" dirty="0" smtClean="0"/>
+              <a:rPr lang="en-US" dirty="0"/>
               <a:t> 3</a:t>
             </a:r>
-            <a:endParaRPr lang="en-US" dirty="0"/>
           </a:p>
         </p:txBody>
       </p:sp>
@@ -9552,43 +9303,34 @@
           <a:p>
             <a:r>
               <a:rPr lang="en-US" dirty="0"/>
-              <a:t>3</a:t>
-            </a:r>
-            <a:r>
-              <a:rPr lang="en-US" dirty="0" smtClean="0"/>
-              <a:t>: </a:t>
-            </a:r>
-            <a:r>
-              <a:rPr lang="en-US" dirty="0" err="1" smtClean="0"/>
+              <a:t>3: </a:t>
+            </a:r>
+            <a:r>
+              <a:rPr lang="en-US" dirty="0" err="1"/>
               <a:t>i</a:t>
             </a:r>
             <a:r>
-              <a:rPr lang="en-US" dirty="0" smtClean="0"/>
+              <a:rPr lang="en-US" dirty="0"/>
               <a:t> := </a:t>
             </a:r>
             <a:r>
-              <a:rPr lang="en-US" dirty="0" err="1" smtClean="0"/>
+              <a:rPr lang="en-US" dirty="0" err="1"/>
               <a:t>i</a:t>
             </a:r>
             <a:r>
-              <a:rPr lang="en-US" dirty="0" smtClean="0"/>
+              <a:rPr lang="en-US" dirty="0"/>
               <a:t> + 1</a:t>
             </a:r>
           </a:p>
           <a:p>
             <a:r>
               <a:rPr lang="en-US" sz="2800" dirty="0"/>
-              <a:t> </a:t>
-            </a:r>
-            <a:r>
-              <a:rPr lang="en-US" sz="2800" dirty="0" smtClean="0"/>
-              <a:t>  </a:t>
-            </a:r>
-            <a:r>
-              <a:rPr lang="en-US" dirty="0" smtClean="0"/>
+              <a:t>   </a:t>
+            </a:r>
+            <a:r>
+              <a:rPr lang="en-US" dirty="0"/>
               <a:t>j := j * 2</a:t>
             </a:r>
-            <a:endParaRPr lang="en-US" dirty="0"/>
           </a:p>
         </p:txBody>
       </p:sp>
@@ -9631,10 +9373,9 @@
           <a:lstStyle/>
           <a:p>
             <a:r>
-              <a:rPr lang="en-US" dirty="0" smtClean="0"/>
+              <a:rPr lang="en-US" dirty="0"/>
               <a:t>5: print j</a:t>
             </a:r>
-            <a:endParaRPr lang="en-US" dirty="0"/>
           </a:p>
         </p:txBody>
       </p:sp>
@@ -9677,23 +9418,23 @@
           <a:lstStyle/>
           <a:p>
             <a:r>
-              <a:rPr lang="en-US" dirty="0" smtClean="0"/>
+              <a:rPr lang="en-US" dirty="0"/>
               <a:t>6: </a:t>
             </a:r>
             <a:r>
-              <a:rPr lang="en-US" dirty="0" err="1" smtClean="0"/>
+              <a:rPr lang="en-US" dirty="0" err="1"/>
               <a:t>i</a:t>
             </a:r>
             <a:r>
-              <a:rPr lang="en-US" dirty="0" smtClean="0"/>
+              <a:rPr lang="en-US" dirty="0"/>
               <a:t> := </a:t>
             </a:r>
             <a:r>
-              <a:rPr lang="en-US" dirty="0" err="1" smtClean="0"/>
+              <a:rPr lang="en-US" dirty="0" err="1"/>
               <a:t>i</a:t>
             </a:r>
             <a:r>
-              <a:rPr lang="en-US" dirty="0" smtClean="0"/>
+              <a:rPr lang="en-US" dirty="0"/>
               <a:t> + 1</a:t>
             </a:r>
           </a:p>
@@ -9770,30 +9511,21 @@
           <a:lstStyle/>
           <a:p>
             <a:r>
-              <a:rPr lang="en-US" smtClean="0"/>
+              <a:rPr lang="en-US"/>
               <a:t>4: </a:t>
             </a:r>
             <a:r>
-              <a:rPr lang="en-US" dirty="0" smtClean="0"/>
-              <a:t>if </a:t>
-            </a:r>
-            <a:r>
-              <a:rPr lang="en-US" dirty="0"/>
-              <a:t>j</a:t>
-            </a:r>
-            <a:r>
-              <a:rPr lang="en-US" dirty="0" smtClean="0"/>
-              <a:t> &gt; k*10 </a:t>
-            </a:r>
-            <a:r>
-              <a:rPr lang="en-US" dirty="0" err="1" smtClean="0"/>
+              <a:rPr lang="en-US" dirty="0"/>
+              <a:t>if j &gt; k*10 </a:t>
+            </a:r>
+            <a:r>
+              <a:rPr lang="en-US" dirty="0" err="1"/>
               <a:t>goto</a:t>
             </a:r>
             <a:r>
-              <a:rPr lang="en-US" dirty="0" smtClean="0"/>
+              <a:rPr lang="en-US" dirty="0"/>
               <a:t> 5</a:t>
             </a:r>
-            <a:endParaRPr lang="en-US" dirty="0"/>
           </a:p>
         </p:txBody>
       </p:sp>
@@ -9836,7 +9568,7 @@
           <a:lstStyle/>
           <a:p>
             <a:r>
-              <a:rPr lang="en-US" dirty="0" smtClean="0"/>
+              <a:rPr lang="en-US" dirty="0"/>
               <a:t>exit</a:t>
             </a:r>
             <a:endParaRPr lang="en-US" sz="2800" dirty="0"/>
@@ -10075,7 +9807,7 @@
             <a:spLocks noGrp="1"/>
           </p:cNvSpPr>
           <p:nvPr>
-            <p:ph type="sldNum" sz="quarter" idx="12"/>
+            <p:ph type="sldNum" sz="quarter" idx="11"/>
           </p:nvPr>
         </p:nvSpPr>
         <p:spPr/>
@@ -10162,45 +9894,28 @@
           <a:p>
             <a:r>
               <a:rPr lang="en-US" dirty="0"/>
-              <a:t>1: </a:t>
-            </a:r>
-            <a:r>
-              <a:rPr lang="en-US" dirty="0" smtClean="0"/>
-              <a:t>k1 </a:t>
-            </a:r>
-            <a:r>
-              <a:rPr lang="en-US" dirty="0"/>
-              <a:t>:= </a:t>
-            </a:r>
-            <a:r>
-              <a:rPr lang="en-US" dirty="0" smtClean="0"/>
-              <a:t>10</a:t>
-            </a:r>
-          </a:p>
-          <a:p>
-            <a:r>
-              <a:rPr lang="en-US" sz="2800" dirty="0" smtClean="0"/>
+              <a:t>1: k1 := 10</a:t>
+            </a:r>
+          </a:p>
+          <a:p>
+            <a:r>
+              <a:rPr lang="en-US" sz="2800" dirty="0"/>
               <a:t>    </a:t>
             </a:r>
             <a:r>
-              <a:rPr lang="en-US" dirty="0" smtClean="0"/>
+              <a:rPr lang="en-US" dirty="0"/>
               <a:t>i1 := 1</a:t>
             </a:r>
           </a:p>
           <a:p>
             <a:r>
               <a:rPr lang="en-US" sz="2800" dirty="0"/>
-              <a:t> </a:t>
-            </a:r>
-            <a:r>
-              <a:rPr lang="en-US" sz="2800" dirty="0" smtClean="0"/>
-              <a:t>   </a:t>
-            </a:r>
-            <a:r>
-              <a:rPr lang="en-US" dirty="0" smtClean="0"/>
+              <a:t>    </a:t>
+            </a:r>
+            <a:r>
+              <a:rPr lang="en-US" dirty="0"/>
               <a:t>j1 := 2</a:t>
             </a:r>
-            <a:endParaRPr lang="en-US" dirty="0"/>
           </a:p>
         </p:txBody>
       </p:sp>
@@ -10243,7 +9958,7 @@
           <a:lstStyle/>
           <a:p>
             <a:r>
-              <a:rPr lang="en-US" dirty="0" smtClean="0"/>
+              <a:rPr lang="en-US" dirty="0"/>
               <a:t>entry</a:t>
             </a:r>
             <a:endParaRPr lang="en-US" sz="2800" dirty="0"/>
@@ -10321,11 +10036,11 @@
           <a:lstStyle/>
           <a:p>
             <a:r>
-              <a:rPr lang="en-US" dirty="0" smtClean="0"/>
+              <a:rPr lang="en-US" dirty="0"/>
               <a:t>2:   i2 := </a:t>
             </a:r>
             <a:r>
-              <a:rPr lang="en-US" dirty="0" smtClean="0">
+              <a:rPr lang="en-US" dirty="0">
                 <a:sym typeface="Symbol" charset="2"/>
               </a:rPr>
               <a:t>(i1,i3)</a:t>
@@ -10336,29 +10051,22 @@
               <a:rPr lang="en-US" dirty="0">
                 <a:sym typeface="Symbol" charset="2"/>
               </a:rPr>
-              <a:t>      j2 := </a:t>
-            </a:r>
-            <a:r>
-              <a:rPr lang="en-US" dirty="0" smtClean="0">
-                <a:sym typeface="Symbol" charset="2"/>
-              </a:rPr>
-              <a:t>(j1,j3)</a:t>
-            </a:r>
-          </a:p>
-          <a:p>
-            <a:r>
-              <a:rPr lang="en-US" dirty="0" smtClean="0"/>
+              <a:t>      j2 := (j1,j3)</a:t>
+            </a:r>
+          </a:p>
+          <a:p>
+            <a:r>
+              <a:rPr lang="en-US" dirty="0"/>
               <a:t>      if i2 &lt; k1 </a:t>
             </a:r>
             <a:r>
-              <a:rPr lang="en-US" dirty="0" err="1" smtClean="0"/>
+              <a:rPr lang="en-US" dirty="0" err="1"/>
               <a:t>goto</a:t>
             </a:r>
             <a:r>
-              <a:rPr lang="en-US" dirty="0" smtClean="0"/>
+              <a:rPr lang="en-US" dirty="0"/>
               <a:t> 3</a:t>
             </a:r>
-            <a:endParaRPr lang="en-US" dirty="0"/>
           </a:p>
         </p:txBody>
       </p:sp>
@@ -10402,27 +10110,18 @@
           <a:p>
             <a:r>
               <a:rPr lang="en-US" dirty="0"/>
-              <a:t>3</a:t>
-            </a:r>
-            <a:r>
-              <a:rPr lang="en-US" dirty="0" smtClean="0"/>
-              <a:t>: i3 := i2 + 1</a:t>
+              <a:t>3: i3 := i2 + 1</a:t>
             </a:r>
           </a:p>
           <a:p>
             <a:r>
               <a:rPr lang="en-US" sz="2800" dirty="0"/>
-              <a:t> </a:t>
-            </a:r>
-            <a:r>
-              <a:rPr lang="en-US" sz="2800" dirty="0" smtClean="0"/>
-              <a:t>  </a:t>
-            </a:r>
-            <a:r>
-              <a:rPr lang="en-US" dirty="0" smtClean="0"/>
+              <a:t>   </a:t>
+            </a:r>
+            <a:r>
+              <a:rPr lang="en-US" dirty="0"/>
               <a:t>j3 := j2 * 2</a:t>
             </a:r>
-            <a:endParaRPr lang="en-US" dirty="0"/>
           </a:p>
         </p:txBody>
       </p:sp>
@@ -10465,10 +10164,9 @@
           <a:lstStyle/>
           <a:p>
             <a:r>
-              <a:rPr lang="en-US" dirty="0" smtClean="0"/>
+              <a:rPr lang="en-US" dirty="0"/>
               <a:t>5: print j2</a:t>
             </a:r>
-            <a:endParaRPr lang="en-US" dirty="0"/>
           </a:p>
         </p:txBody>
       </p:sp>
@@ -10511,7 +10209,7 @@
           <a:lstStyle/>
           <a:p>
             <a:r>
-              <a:rPr lang="en-US" dirty="0" smtClean="0"/>
+              <a:rPr lang="en-US" dirty="0"/>
               <a:t>6: i4 := i2 + 1</a:t>
             </a:r>
           </a:p>
@@ -10588,18 +10286,17 @@
           <a:lstStyle/>
           <a:p>
             <a:r>
-              <a:rPr lang="en-US" dirty="0" smtClean="0"/>
+              <a:rPr lang="en-US" dirty="0"/>
               <a:t>4: if j2 &gt; k1*10 </a:t>
             </a:r>
             <a:r>
-              <a:rPr lang="en-US" dirty="0" err="1" smtClean="0"/>
+              <a:rPr lang="en-US" dirty="0" err="1"/>
               <a:t>goto</a:t>
             </a:r>
             <a:r>
-              <a:rPr lang="en-US" dirty="0" smtClean="0"/>
+              <a:rPr lang="en-US" dirty="0"/>
               <a:t> 5</a:t>
             </a:r>
-            <a:endParaRPr lang="en-US" dirty="0"/>
           </a:p>
         </p:txBody>
       </p:sp>
@@ -10642,7 +10339,7 @@
           <a:lstStyle/>
           <a:p>
             <a:r>
-              <a:rPr lang="en-US" dirty="0" smtClean="0"/>
+              <a:rPr lang="en-US" dirty="0"/>
               <a:t>exit</a:t>
             </a:r>
             <a:endParaRPr lang="en-US" sz="2800" dirty="0"/>
@@ -10882,7 +10579,7 @@
             <a:spLocks noGrp="1"/>
           </p:cNvSpPr>
           <p:nvPr>
-            <p:ph type="sldNum" sz="quarter" idx="12"/>
+            <p:ph type="sldNum" sz="quarter" idx="11"/>
           </p:nvPr>
         </p:nvSpPr>
         <p:spPr/>
@@ -10931,12 +10628,34 @@
       </p:grpSpPr>
       <p:sp>
         <p:nvSpPr>
+          <p:cNvPr id="222210" name="Rectangle 2"/>
+          <p:cNvSpPr>
+            <a:spLocks noGrp="1" noChangeArrowheads="1"/>
+          </p:cNvSpPr>
+          <p:nvPr>
+            <p:ph type="title"/>
+          </p:nvPr>
+        </p:nvSpPr>
+        <p:spPr/>
+        <p:txBody>
+          <a:bodyPr/>
+          <a:lstStyle/>
+          <a:p>
+            <a:r>
+              <a:rPr lang="en-US" dirty="0"/>
+              <a:t>Converting to SSA Form</a:t>
+            </a:r>
+          </a:p>
+        </p:txBody>
+      </p:sp>
+      <p:sp>
+        <p:nvSpPr>
           <p:cNvPr id="19" name="Slide Number Placeholder 4"/>
           <p:cNvSpPr>
             <a:spLocks noGrp="1"/>
           </p:cNvSpPr>
           <p:nvPr>
-            <p:ph type="sldNum" sz="quarter" idx="12"/>
+            <p:ph type="sldNum" sz="quarter" idx="11"/>
           </p:nvPr>
         </p:nvSpPr>
         <p:spPr/>
@@ -10950,29 +10669,6 @@
               <a:t>2</a:t>
             </a:fld>
             <a:endParaRPr lang="en-US"/>
-          </a:p>
-        </p:txBody>
-      </p:sp>
-      <p:sp>
-        <p:nvSpPr>
-          <p:cNvPr id="222210" name="Rectangle 2"/>
-          <p:cNvSpPr>
-            <a:spLocks noGrp="1" noChangeArrowheads="1"/>
-          </p:cNvSpPr>
-          <p:nvPr>
-            <p:ph type="title"/>
-          </p:nvPr>
-        </p:nvSpPr>
-        <p:spPr/>
-        <p:txBody>
-          <a:bodyPr/>
-          <a:lstStyle/>
-          <a:p>
-            <a:r>
-              <a:rPr lang="en-US" dirty="0" smtClean="0"/>
-              <a:t>Converting to SSA Form</a:t>
-            </a:r>
-            <a:endParaRPr lang="en-US" dirty="0"/>
           </a:p>
         </p:txBody>
       </p:sp>
@@ -11343,11 +11039,7 @@
             </a:r>
             <a:r>
               <a:rPr lang="en-US" dirty="0"/>
-              <a:t> := k</a:t>
-            </a:r>
-            <a:r>
-              <a:rPr lang="en-US" dirty="0" smtClean="0"/>
-              <a:t>+1</a:t>
+              <a:t> := k+1</a:t>
             </a:r>
             <a:endParaRPr lang="en-US" sz="2800" dirty="0"/>
           </a:p>
@@ -11608,144 +11300,144 @@
           <a:lstStyle/>
           <a:p>
             <a:r>
-              <a:rPr lang="en-US" dirty="0" err="1" smtClean="0"/>
+              <a:rPr lang="en-US" dirty="0" err="1"/>
               <a:t>i</a:t>
             </a:r>
             <a:r>
-              <a:rPr lang="en-US" dirty="0" smtClean="0"/>
+              <a:rPr lang="en-US" dirty="0"/>
               <a:t>:=1</a:t>
             </a:r>
           </a:p>
           <a:p>
             <a:r>
-              <a:rPr lang="en-US" dirty="0" err="1" smtClean="0"/>
+              <a:rPr lang="en-US" dirty="0" err="1"/>
               <a:t>j</a:t>
             </a:r>
             <a:r>
-              <a:rPr lang="en-US" dirty="0" smtClean="0"/>
+              <a:rPr lang="en-US" dirty="0"/>
               <a:t>:=1</a:t>
             </a:r>
           </a:p>
           <a:p>
             <a:r>
-              <a:rPr lang="en-US" dirty="0" err="1" smtClean="0"/>
+              <a:rPr lang="en-US" dirty="0" err="1"/>
               <a:t>k</a:t>
             </a:r>
             <a:r>
-              <a:rPr lang="en-US" dirty="0" smtClean="0"/>
+              <a:rPr lang="en-US" dirty="0"/>
               <a:t>:=0</a:t>
             </a:r>
           </a:p>
           <a:p>
             <a:r>
-              <a:rPr lang="en-US" dirty="0" smtClean="0"/>
+              <a:rPr lang="en-US" dirty="0"/>
               <a:t>while </a:t>
             </a:r>
             <a:r>
-              <a:rPr lang="en-US" dirty="0" err="1" smtClean="0"/>
+              <a:rPr lang="en-US" dirty="0" err="1"/>
               <a:t>k</a:t>
             </a:r>
             <a:r>
-              <a:rPr lang="en-US" dirty="0" smtClean="0"/>
+              <a:rPr lang="en-US" dirty="0"/>
               <a:t>&lt;100:</a:t>
             </a:r>
           </a:p>
           <a:p>
             <a:r>
-              <a:rPr lang="en-US" dirty="0" smtClean="0"/>
+              <a:rPr lang="en-US" dirty="0"/>
               <a:t>    if </a:t>
             </a:r>
             <a:r>
-              <a:rPr lang="en-US" dirty="0" err="1" smtClean="0"/>
+              <a:rPr lang="en-US" dirty="0" err="1"/>
               <a:t>j</a:t>
             </a:r>
             <a:r>
-              <a:rPr lang="en-US" dirty="0" smtClean="0"/>
+              <a:rPr lang="en-US" dirty="0"/>
               <a:t> &lt; 20:</a:t>
             </a:r>
           </a:p>
           <a:p>
             <a:r>
-              <a:rPr lang="en-US" dirty="0" smtClean="0"/>
+              <a:rPr lang="en-US" dirty="0"/>
               <a:t>        </a:t>
             </a:r>
             <a:r>
-              <a:rPr lang="en-US" dirty="0" err="1" smtClean="0"/>
+              <a:rPr lang="en-US" dirty="0" err="1"/>
               <a:t>j</a:t>
             </a:r>
             <a:r>
-              <a:rPr lang="en-US" dirty="0" smtClean="0"/>
+              <a:rPr lang="en-US" dirty="0"/>
               <a:t>:=</a:t>
             </a:r>
             <a:r>
-              <a:rPr lang="en-US" dirty="0" err="1" smtClean="0"/>
+              <a:rPr lang="en-US" dirty="0" err="1"/>
               <a:t>i</a:t>
             </a:r>
-            <a:endParaRPr lang="en-US" dirty="0" smtClean="0"/>
-          </a:p>
-          <a:p>
-            <a:r>
-              <a:rPr lang="en-US" dirty="0" smtClean="0"/>
+            <a:endParaRPr lang="en-US" dirty="0"/>
+          </a:p>
+          <a:p>
+            <a:r>
+              <a:rPr lang="en-US" dirty="0"/>
               <a:t>        </a:t>
             </a:r>
             <a:r>
-              <a:rPr lang="en-US" dirty="0" err="1" smtClean="0"/>
+              <a:rPr lang="en-US" dirty="0" err="1"/>
               <a:t>k</a:t>
             </a:r>
             <a:r>
-              <a:rPr lang="en-US" dirty="0" smtClean="0"/>
+              <a:rPr lang="en-US" dirty="0"/>
               <a:t>:=k+1</a:t>
             </a:r>
           </a:p>
           <a:p>
             <a:r>
-              <a:rPr lang="en-US" dirty="0" smtClean="0"/>
+              <a:rPr lang="en-US" dirty="0"/>
               <a:t>    else:</a:t>
             </a:r>
           </a:p>
           <a:p>
             <a:r>
-              <a:rPr lang="en-US" dirty="0" smtClean="0"/>
+              <a:rPr lang="en-US" dirty="0"/>
               <a:t>        </a:t>
             </a:r>
             <a:r>
-              <a:rPr lang="en-US" dirty="0" err="1" smtClean="0"/>
+              <a:rPr lang="en-US" dirty="0" err="1"/>
               <a:t>j</a:t>
             </a:r>
             <a:r>
-              <a:rPr lang="en-US" dirty="0" smtClean="0"/>
+              <a:rPr lang="en-US" dirty="0"/>
               <a:t>:=</a:t>
             </a:r>
             <a:r>
-              <a:rPr lang="en-US" dirty="0" err="1" smtClean="0"/>
+              <a:rPr lang="en-US" dirty="0" err="1"/>
               <a:t>k</a:t>
             </a:r>
-            <a:endParaRPr lang="en-US" dirty="0" smtClean="0"/>
-          </a:p>
-          <a:p>
-            <a:r>
-              <a:rPr lang="en-US" dirty="0" smtClean="0"/>
+            <a:endParaRPr lang="en-US" dirty="0"/>
+          </a:p>
+          <a:p>
+            <a:r>
+              <a:rPr lang="en-US" dirty="0"/>
               <a:t>        </a:t>
             </a:r>
             <a:r>
-              <a:rPr lang="en-US" dirty="0" err="1" smtClean="0"/>
+              <a:rPr lang="en-US" dirty="0" err="1"/>
               <a:t>k</a:t>
             </a:r>
             <a:r>
-              <a:rPr lang="en-US" dirty="0" smtClean="0"/>
+              <a:rPr lang="en-US" dirty="0"/>
               <a:t>:=k+1</a:t>
             </a:r>
           </a:p>
           <a:p>
             <a:r>
-              <a:rPr lang="en-US" dirty="0" smtClean="0"/>
+              <a:rPr lang="en-US" dirty="0"/>
               <a:t>return </a:t>
             </a:r>
             <a:r>
-              <a:rPr lang="en-US" dirty="0" err="1" smtClean="0"/>
+              <a:rPr lang="en-US" dirty="0" err="1"/>
               <a:t>j</a:t>
             </a:r>
-            <a:endParaRPr lang="en-US" dirty="0" smtClean="0"/>
+            <a:endParaRPr lang="en-US" dirty="0"/>
           </a:p>
         </p:txBody>
       </p:sp>
@@ -11772,10 +11464,9 @@
           <a:lstStyle/>
           <a:p>
             <a:r>
-              <a:rPr lang="en-US" dirty="0" smtClean="0"/>
+              <a:rPr lang="en-US" dirty="0"/>
               <a:t>Program</a:t>
             </a:r>
-            <a:endParaRPr lang="en-US" dirty="0"/>
           </a:p>
         </p:txBody>
       </p:sp>
@@ -11802,10 +11493,9 @@
           <a:lstStyle/>
           <a:p>
             <a:r>
-              <a:rPr lang="en-US" dirty="0" smtClean="0"/>
+              <a:rPr lang="en-US" dirty="0"/>
               <a:t>Control Flow Graph</a:t>
             </a:r>
-            <a:endParaRPr lang="en-US" dirty="0"/>
           </a:p>
         </p:txBody>
       </p:sp>
@@ -11814,13 +11504,6 @@
   <p:clrMapOvr>
     <a:masterClrMapping/>
   </p:clrMapOvr>
-  <p:timing>
-    <p:tnLst>
-      <p:par>
-        <p:cTn xmlns:p14="http://schemas.microsoft.com/office/powerpoint/2010/main" id="1" dur="indefinite" restart="never" nodeType="tmRoot"/>
-      </p:par>
-    </p:tnLst>
-  </p:timing>
 </p:sld>
 </file>
 
@@ -11843,12 +11526,34 @@
       </p:grpSpPr>
       <p:sp>
         <p:nvSpPr>
+          <p:cNvPr id="222210" name="Rectangle 2"/>
+          <p:cNvSpPr>
+            <a:spLocks noGrp="1" noChangeArrowheads="1"/>
+          </p:cNvSpPr>
+          <p:nvPr>
+            <p:ph type="title"/>
+          </p:nvPr>
+        </p:nvSpPr>
+        <p:spPr/>
+        <p:txBody>
+          <a:bodyPr/>
+          <a:lstStyle/>
+          <a:p>
+            <a:r>
+              <a:rPr lang="en-US" dirty="0"/>
+              <a:t>Converting to SSA Form</a:t>
+            </a:r>
+          </a:p>
+        </p:txBody>
+      </p:sp>
+      <p:sp>
+        <p:nvSpPr>
           <p:cNvPr id="19" name="Slide Number Placeholder 4"/>
           <p:cNvSpPr>
             <a:spLocks noGrp="1"/>
           </p:cNvSpPr>
           <p:nvPr>
-            <p:ph type="sldNum" sz="quarter" idx="12"/>
+            <p:ph type="sldNum" sz="quarter" idx="11"/>
           </p:nvPr>
         </p:nvSpPr>
         <p:spPr/>
@@ -11861,29 +11566,6 @@
               <a:pPr/>
               <a:t>3</a:t>
             </a:fld>
-            <a:endParaRPr lang="en-US" dirty="0"/>
-          </a:p>
-        </p:txBody>
-      </p:sp>
-      <p:sp>
-        <p:nvSpPr>
-          <p:cNvPr id="222210" name="Rectangle 2"/>
-          <p:cNvSpPr>
-            <a:spLocks noGrp="1" noChangeArrowheads="1"/>
-          </p:cNvSpPr>
-          <p:nvPr>
-            <p:ph type="title"/>
-          </p:nvPr>
-        </p:nvSpPr>
-        <p:spPr/>
-        <p:txBody>
-          <a:bodyPr/>
-          <a:lstStyle/>
-          <a:p>
-            <a:r>
-              <a:rPr lang="en-US" dirty="0" smtClean="0"/>
-              <a:t>Converting to SSA Form</a:t>
-            </a:r>
             <a:endParaRPr lang="en-US" dirty="0"/>
           </a:p>
         </p:txBody>
@@ -12255,11 +11937,7 @@
             </a:r>
             <a:r>
               <a:rPr lang="en-US" dirty="0"/>
-              <a:t> := k</a:t>
-            </a:r>
-            <a:r>
-              <a:rPr lang="en-US" dirty="0" smtClean="0"/>
-              <a:t>+1</a:t>
+              <a:t> := k+1</a:t>
             </a:r>
             <a:endParaRPr lang="en-US" sz="2800" dirty="0"/>
           </a:p>
@@ -12518,10 +12196,9 @@
           <a:lstStyle/>
           <a:p>
             <a:r>
-              <a:rPr lang="en-US" dirty="0" smtClean="0"/>
+              <a:rPr lang="en-US" dirty="0"/>
               <a:t>Control Flow Graph</a:t>
             </a:r>
-            <a:endParaRPr lang="en-US" dirty="0"/>
           </a:p>
         </p:txBody>
       </p:sp>
@@ -12557,7 +12234,7 @@
               <a:buChar char="•"/>
             </a:pPr>
             <a:r>
-              <a:rPr lang="en-US" dirty="0" smtClean="0"/>
+              <a:rPr lang="en-US" dirty="0"/>
               <a:t>D(1) = {2,3,4,5,6,7}</a:t>
             </a:r>
           </a:p>
@@ -12567,7 +12244,7 @@
               <a:buChar char="•"/>
             </a:pPr>
             <a:r>
-              <a:rPr lang="en-US" dirty="0" smtClean="0"/>
+              <a:rPr lang="en-US" dirty="0"/>
               <a:t>D(2) = {3,4,5,6,7}</a:t>
             </a:r>
           </a:p>
@@ -12577,7 +12254,7 @@
               <a:buChar char="•"/>
             </a:pPr>
             <a:r>
-              <a:rPr lang="en-US" dirty="0" smtClean="0"/>
+              <a:rPr lang="en-US" dirty="0"/>
               <a:t>D(3) = {5,6,7}</a:t>
             </a:r>
           </a:p>
@@ -12587,7 +12264,7 @@
               <a:buChar char="•"/>
             </a:pPr>
             <a:r>
-              <a:rPr lang="en-US" dirty="0" smtClean="0"/>
+              <a:rPr lang="en-US" dirty="0"/>
               <a:t>D(4) = {}</a:t>
             </a:r>
           </a:p>
@@ -12597,7 +12274,7 @@
               <a:buChar char="•"/>
             </a:pPr>
             <a:r>
-              <a:rPr lang="en-US" dirty="0" smtClean="0"/>
+              <a:rPr lang="en-US" dirty="0"/>
               <a:t>D(5) = {}</a:t>
             </a:r>
           </a:p>
@@ -12607,7 +12284,7 @@
               <a:buChar char="•"/>
             </a:pPr>
             <a:r>
-              <a:rPr lang="en-US" dirty="0" smtClean="0"/>
+              <a:rPr lang="en-US" dirty="0"/>
               <a:t>D(6) = {}</a:t>
             </a:r>
           </a:p>
@@ -12617,10 +12294,9 @@
               <a:buChar char="•"/>
             </a:pPr>
             <a:r>
-              <a:rPr lang="en-US" dirty="0" smtClean="0"/>
+              <a:rPr lang="en-US" dirty="0"/>
               <a:t>D(7) = {}</a:t>
             </a:r>
-            <a:endParaRPr lang="en-US" dirty="0"/>
           </a:p>
         </p:txBody>
       </p:sp>
@@ -12647,10 +12323,9 @@
           <a:lstStyle/>
           <a:p>
             <a:r>
-              <a:rPr lang="en-US" dirty="0" smtClean="0"/>
+              <a:rPr lang="en-US" dirty="0"/>
               <a:t>Dominance Relations</a:t>
             </a:r>
-            <a:endParaRPr lang="en-US" dirty="0"/>
           </a:p>
         </p:txBody>
       </p:sp>
@@ -12662,7 +12337,7 @@
   <p:timing>
     <p:tnLst>
       <p:par>
-        <p:cTn xmlns:p14="http://schemas.microsoft.com/office/powerpoint/2010/main" id="1" dur="indefinite" restart="never" nodeType="tmRoot">
+        <p:cTn id="1" dur="indefinite" restart="never" nodeType="tmRoot">
           <p:childTnLst>
             <p:seq concurrent="1" nextAc="seek">
               <p:cTn id="2" dur="indefinite" nodeType="mainSeq">
@@ -13104,12 +12779,34 @@
       </p:grpSpPr>
       <p:sp>
         <p:nvSpPr>
+          <p:cNvPr id="222210" name="Rectangle 2"/>
+          <p:cNvSpPr>
+            <a:spLocks noGrp="1" noChangeArrowheads="1"/>
+          </p:cNvSpPr>
+          <p:nvPr>
+            <p:ph type="title"/>
+          </p:nvPr>
+        </p:nvSpPr>
+        <p:spPr/>
+        <p:txBody>
+          <a:bodyPr/>
+          <a:lstStyle/>
+          <a:p>
+            <a:r>
+              <a:rPr lang="en-US" dirty="0"/>
+              <a:t>Converting to SSA Form</a:t>
+            </a:r>
+          </a:p>
+        </p:txBody>
+      </p:sp>
+      <p:sp>
+        <p:nvSpPr>
           <p:cNvPr id="19" name="Slide Number Placeholder 4"/>
           <p:cNvSpPr>
             <a:spLocks noGrp="1"/>
           </p:cNvSpPr>
           <p:nvPr>
-            <p:ph type="sldNum" sz="quarter" idx="12"/>
+            <p:ph type="sldNum" sz="quarter" idx="11"/>
           </p:nvPr>
         </p:nvSpPr>
         <p:spPr/>
@@ -13123,29 +12820,6 @@
               <a:t>4</a:t>
             </a:fld>
             <a:endParaRPr lang="en-US"/>
-          </a:p>
-        </p:txBody>
-      </p:sp>
-      <p:sp>
-        <p:nvSpPr>
-          <p:cNvPr id="222210" name="Rectangle 2"/>
-          <p:cNvSpPr>
-            <a:spLocks noGrp="1" noChangeArrowheads="1"/>
-          </p:cNvSpPr>
-          <p:nvPr>
-            <p:ph type="title"/>
-          </p:nvPr>
-        </p:nvSpPr>
-        <p:spPr/>
-        <p:txBody>
-          <a:bodyPr/>
-          <a:lstStyle/>
-          <a:p>
-            <a:r>
-              <a:rPr lang="en-US" dirty="0" smtClean="0"/>
-              <a:t>Converting to SSA Form</a:t>
-            </a:r>
-            <a:endParaRPr lang="en-US" dirty="0"/>
           </a:p>
         </p:txBody>
       </p:sp>
@@ -13516,11 +13190,7 @@
             </a:r>
             <a:r>
               <a:rPr lang="en-US" dirty="0"/>
-              <a:t> := k</a:t>
-            </a:r>
-            <a:r>
-              <a:rPr lang="en-US" dirty="0" smtClean="0"/>
-              <a:t>+1</a:t>
+              <a:t> := k+1</a:t>
             </a:r>
             <a:endParaRPr lang="en-US" sz="2800" dirty="0"/>
           </a:p>
@@ -13779,10 +13449,9 @@
           <a:lstStyle/>
           <a:p>
             <a:r>
-              <a:rPr lang="en-US" dirty="0" smtClean="0"/>
+              <a:rPr lang="en-US" dirty="0"/>
               <a:t>Control Flow Graph</a:t>
             </a:r>
-            <a:endParaRPr lang="en-US" dirty="0"/>
           </a:p>
         </p:txBody>
       </p:sp>
@@ -13818,7 +13487,7 @@
               <a:buChar char="•"/>
             </a:pPr>
             <a:r>
-              <a:rPr lang="en-US" sz="1800" dirty="0" smtClean="0"/>
+              <a:rPr lang="en-US" sz="1800" dirty="0"/>
               <a:t>D(1) = {2,3,4,5,6,7}</a:t>
             </a:r>
           </a:p>
@@ -13828,7 +13497,7 @@
               <a:buChar char="•"/>
             </a:pPr>
             <a:r>
-              <a:rPr lang="en-US" sz="1800" dirty="0" smtClean="0"/>
+              <a:rPr lang="en-US" sz="1800" dirty="0"/>
               <a:t>D(2) = {3,4,5,6,7}</a:t>
             </a:r>
           </a:p>
@@ -13838,7 +13507,7 @@
               <a:buChar char="•"/>
             </a:pPr>
             <a:r>
-              <a:rPr lang="en-US" sz="1800" dirty="0" smtClean="0"/>
+              <a:rPr lang="en-US" sz="1800" dirty="0"/>
               <a:t>D(3) = {5,6,7}</a:t>
             </a:r>
           </a:p>
@@ -13848,7 +13517,7 @@
               <a:buChar char="•"/>
             </a:pPr>
             <a:r>
-              <a:rPr lang="en-US" sz="1800" dirty="0" smtClean="0"/>
+              <a:rPr lang="en-US" sz="1800" dirty="0"/>
               <a:t>D(4) = {}</a:t>
             </a:r>
           </a:p>
@@ -13858,7 +13527,7 @@
               <a:buChar char="•"/>
             </a:pPr>
             <a:r>
-              <a:rPr lang="en-US" sz="1800" dirty="0" smtClean="0"/>
+              <a:rPr lang="en-US" sz="1800" dirty="0"/>
               <a:t>D(5) = {}</a:t>
             </a:r>
           </a:p>
@@ -13868,7 +13537,7 @@
               <a:buChar char="•"/>
             </a:pPr>
             <a:r>
-              <a:rPr lang="en-US" sz="1800" dirty="0" smtClean="0"/>
+              <a:rPr lang="en-US" sz="1800" dirty="0"/>
               <a:t>D(6) = {}</a:t>
             </a:r>
           </a:p>
@@ -13878,10 +13547,9 @@
               <a:buChar char="•"/>
             </a:pPr>
             <a:r>
-              <a:rPr lang="en-US" sz="1800" dirty="0" smtClean="0"/>
+              <a:rPr lang="en-US" sz="1800" dirty="0"/>
               <a:t>D(7) = {}</a:t>
             </a:r>
-            <a:endParaRPr lang="en-US" sz="1800" dirty="0"/>
           </a:p>
         </p:txBody>
       </p:sp>
@@ -13908,10 +13576,9 @@
           <a:lstStyle/>
           <a:p>
             <a:r>
-              <a:rPr lang="en-US" dirty="0" smtClean="0"/>
+              <a:rPr lang="en-US" dirty="0"/>
               <a:t>Dominance Relations</a:t>
             </a:r>
-            <a:endParaRPr lang="en-US" dirty="0"/>
           </a:p>
         </p:txBody>
       </p:sp>
@@ -13938,10 +13605,9 @@
           <a:lstStyle/>
           <a:p>
             <a:r>
-              <a:rPr lang="en-US" dirty="0" smtClean="0"/>
+              <a:rPr lang="en-US" dirty="0"/>
               <a:t>Dominator Tree</a:t>
             </a:r>
-            <a:endParaRPr lang="en-US" dirty="0"/>
           </a:p>
         </p:txBody>
       </p:sp>
@@ -13970,10 +13636,9 @@
           <a:lstStyle/>
           <a:p>
             <a:r>
-              <a:rPr lang="en-US" dirty="0" smtClean="0"/>
+              <a:rPr lang="en-US" dirty="0"/>
               <a:t>1:</a:t>
             </a:r>
-            <a:endParaRPr lang="en-US" dirty="0"/>
           </a:p>
         </p:txBody>
       </p:sp>
@@ -14002,10 +13667,9 @@
           <a:lstStyle/>
           <a:p>
             <a:r>
-              <a:rPr lang="en-US" dirty="0" smtClean="0"/>
+              <a:rPr lang="en-US" dirty="0"/>
               <a:t>3:</a:t>
             </a:r>
-            <a:endParaRPr lang="en-US" dirty="0"/>
           </a:p>
         </p:txBody>
       </p:sp>
@@ -14034,10 +13698,9 @@
           <a:lstStyle/>
           <a:p>
             <a:r>
-              <a:rPr lang="en-US" dirty="0" smtClean="0"/>
+              <a:rPr lang="en-US" dirty="0"/>
               <a:t>4:</a:t>
             </a:r>
-            <a:endParaRPr lang="en-US" dirty="0"/>
           </a:p>
         </p:txBody>
       </p:sp>
@@ -14066,10 +13729,9 @@
           <a:lstStyle/>
           <a:p>
             <a:r>
-              <a:rPr lang="en-US" dirty="0" smtClean="0"/>
+              <a:rPr lang="en-US" dirty="0"/>
               <a:t>5:</a:t>
             </a:r>
-            <a:endParaRPr lang="en-US" dirty="0"/>
           </a:p>
         </p:txBody>
       </p:sp>
@@ -14098,10 +13760,9 @@
           <a:lstStyle/>
           <a:p>
             <a:r>
-              <a:rPr lang="en-US" dirty="0" smtClean="0"/>
+              <a:rPr lang="en-US" dirty="0"/>
               <a:t>6:</a:t>
             </a:r>
-            <a:endParaRPr lang="en-US" dirty="0"/>
           </a:p>
         </p:txBody>
       </p:sp>
@@ -14130,10 +13791,9 @@
           <a:lstStyle/>
           <a:p>
             <a:r>
-              <a:rPr lang="en-US" dirty="0" smtClean="0"/>
+              <a:rPr lang="en-US" dirty="0"/>
               <a:t>2:</a:t>
             </a:r>
-            <a:endParaRPr lang="en-US" dirty="0"/>
           </a:p>
         </p:txBody>
       </p:sp>
@@ -14162,10 +13822,9 @@
           <a:lstStyle/>
           <a:p>
             <a:r>
-              <a:rPr lang="en-US" dirty="0" smtClean="0"/>
+              <a:rPr lang="en-US" dirty="0"/>
               <a:t>7:</a:t>
             </a:r>
-            <a:endParaRPr lang="en-US" dirty="0"/>
           </a:p>
         </p:txBody>
       </p:sp>
@@ -14366,13 +14025,6 @@
   <p:clrMapOvr>
     <a:masterClrMapping/>
   </p:clrMapOvr>
-  <p:timing>
-    <p:tnLst>
-      <p:par>
-        <p:cTn xmlns:p14="http://schemas.microsoft.com/office/powerpoint/2010/main" id="1" dur="indefinite" restart="never" nodeType="tmRoot"/>
-      </p:par>
-    </p:tnLst>
-  </p:timing>
 </p:sld>
 </file>
 
@@ -14395,12 +14047,34 @@
       </p:grpSpPr>
       <p:sp>
         <p:nvSpPr>
+          <p:cNvPr id="222210" name="Rectangle 2"/>
+          <p:cNvSpPr>
+            <a:spLocks noGrp="1" noChangeArrowheads="1"/>
+          </p:cNvSpPr>
+          <p:nvPr>
+            <p:ph type="title"/>
+          </p:nvPr>
+        </p:nvSpPr>
+        <p:spPr/>
+        <p:txBody>
+          <a:bodyPr/>
+          <a:lstStyle/>
+          <a:p>
+            <a:r>
+              <a:rPr lang="en-US" dirty="0"/>
+              <a:t>Converting to SSA Form</a:t>
+            </a:r>
+          </a:p>
+        </p:txBody>
+      </p:sp>
+      <p:sp>
+        <p:nvSpPr>
           <p:cNvPr id="19" name="Slide Number Placeholder 4"/>
           <p:cNvSpPr>
             <a:spLocks noGrp="1"/>
           </p:cNvSpPr>
           <p:nvPr>
-            <p:ph type="sldNum" sz="quarter" idx="12"/>
+            <p:ph type="sldNum" sz="quarter" idx="11"/>
           </p:nvPr>
         </p:nvSpPr>
         <p:spPr/>
@@ -14414,29 +14088,6 @@
               <a:t>5</a:t>
             </a:fld>
             <a:endParaRPr lang="en-US"/>
-          </a:p>
-        </p:txBody>
-      </p:sp>
-      <p:sp>
-        <p:nvSpPr>
-          <p:cNvPr id="222210" name="Rectangle 2"/>
-          <p:cNvSpPr>
-            <a:spLocks noGrp="1" noChangeArrowheads="1"/>
-          </p:cNvSpPr>
-          <p:nvPr>
-            <p:ph type="title"/>
-          </p:nvPr>
-        </p:nvSpPr>
-        <p:spPr/>
-        <p:txBody>
-          <a:bodyPr/>
-          <a:lstStyle/>
-          <a:p>
-            <a:r>
-              <a:rPr lang="en-US" dirty="0" smtClean="0"/>
-              <a:t>Converting to SSA Form</a:t>
-            </a:r>
-            <a:endParaRPr lang="en-US" dirty="0"/>
           </a:p>
         </p:txBody>
       </p:sp>
@@ -14807,11 +14458,7 @@
             </a:r>
             <a:r>
               <a:rPr lang="en-US" dirty="0"/>
-              <a:t> := k</a:t>
-            </a:r>
-            <a:r>
-              <a:rPr lang="en-US" dirty="0" smtClean="0"/>
-              <a:t>+1</a:t>
+              <a:t> := k+1</a:t>
             </a:r>
             <a:endParaRPr lang="en-US" sz="2800" dirty="0"/>
           </a:p>
@@ -15070,10 +14717,9 @@
           <a:lstStyle/>
           <a:p>
             <a:r>
-              <a:rPr lang="en-US" dirty="0" smtClean="0"/>
+              <a:rPr lang="en-US" dirty="0"/>
               <a:t>Control Flow Graph</a:t>
             </a:r>
-            <a:endParaRPr lang="en-US" dirty="0"/>
           </a:p>
         </p:txBody>
       </p:sp>
@@ -15109,7 +14755,7 @@
               <a:buChar char="•"/>
             </a:pPr>
             <a:r>
-              <a:rPr lang="en-US" sz="1800" dirty="0" smtClean="0"/>
+              <a:rPr lang="en-US" sz="1800" dirty="0"/>
               <a:t>D(1) = {2,3,4,5,6,7}</a:t>
             </a:r>
           </a:p>
@@ -15119,7 +14765,7 @@
               <a:buChar char="•"/>
             </a:pPr>
             <a:r>
-              <a:rPr lang="en-US" sz="1800" dirty="0" smtClean="0"/>
+              <a:rPr lang="en-US" sz="1800" dirty="0"/>
               <a:t>D(2) = {3,4,5,6,7}</a:t>
             </a:r>
           </a:p>
@@ -15129,7 +14775,7 @@
               <a:buChar char="•"/>
             </a:pPr>
             <a:r>
-              <a:rPr lang="en-US" sz="1800" dirty="0" smtClean="0"/>
+              <a:rPr lang="en-US" sz="1800" dirty="0"/>
               <a:t>D(3) = {5,6,7}</a:t>
             </a:r>
           </a:p>
@@ -15139,7 +14785,7 @@
               <a:buChar char="•"/>
             </a:pPr>
             <a:r>
-              <a:rPr lang="en-US" sz="1800" dirty="0" smtClean="0"/>
+              <a:rPr lang="en-US" sz="1800" dirty="0"/>
               <a:t>D(4) = {}</a:t>
             </a:r>
           </a:p>
@@ -15149,7 +14795,7 @@
               <a:buChar char="•"/>
             </a:pPr>
             <a:r>
-              <a:rPr lang="en-US" sz="1800" dirty="0" smtClean="0"/>
+              <a:rPr lang="en-US" sz="1800" dirty="0"/>
               <a:t>D(5) = {}</a:t>
             </a:r>
           </a:p>
@@ -15159,7 +14805,7 @@
               <a:buChar char="•"/>
             </a:pPr>
             <a:r>
-              <a:rPr lang="en-US" sz="1800" dirty="0" smtClean="0"/>
+              <a:rPr lang="en-US" sz="1800" dirty="0"/>
               <a:t>D(6) = {}</a:t>
             </a:r>
           </a:p>
@@ -15169,10 +14815,9 @@
               <a:buChar char="•"/>
             </a:pPr>
             <a:r>
-              <a:rPr lang="en-US" sz="1800" dirty="0" smtClean="0"/>
+              <a:rPr lang="en-US" sz="1800" dirty="0"/>
               <a:t>D(7) = {}</a:t>
             </a:r>
-            <a:endParaRPr lang="en-US" sz="1800" dirty="0"/>
           </a:p>
         </p:txBody>
       </p:sp>
@@ -15199,10 +14844,9 @@
           <a:lstStyle/>
           <a:p>
             <a:r>
-              <a:rPr lang="en-US" dirty="0" smtClean="0"/>
+              <a:rPr lang="en-US" dirty="0"/>
               <a:t>Dominance Relations</a:t>
             </a:r>
-            <a:endParaRPr lang="en-US" dirty="0"/>
           </a:p>
         </p:txBody>
       </p:sp>
@@ -15238,7 +14882,7 @@
               <a:buChar char="•"/>
             </a:pPr>
             <a:r>
-              <a:rPr lang="en-US" dirty="0" smtClean="0"/>
+              <a:rPr lang="en-US" dirty="0"/>
               <a:t>DF(1) = {}</a:t>
             </a:r>
           </a:p>
@@ -15248,7 +14892,7 @@
               <a:buChar char="•"/>
             </a:pPr>
             <a:r>
-              <a:rPr lang="en-US" dirty="0" smtClean="0"/>
+              <a:rPr lang="en-US" dirty="0"/>
               <a:t>DF(2) = {2}</a:t>
             </a:r>
           </a:p>
@@ -15258,7 +14902,7 @@
               <a:buChar char="•"/>
             </a:pPr>
             <a:r>
-              <a:rPr lang="en-US" dirty="0" smtClean="0"/>
+              <a:rPr lang="en-US" dirty="0"/>
               <a:t>DF(3) = {2}</a:t>
             </a:r>
           </a:p>
@@ -15268,7 +14912,7 @@
               <a:buChar char="•"/>
             </a:pPr>
             <a:r>
-              <a:rPr lang="en-US" dirty="0" smtClean="0"/>
+              <a:rPr lang="en-US" dirty="0"/>
               <a:t>DF(4) = {}</a:t>
             </a:r>
           </a:p>
@@ -15278,7 +14922,7 @@
               <a:buChar char="•"/>
             </a:pPr>
             <a:r>
-              <a:rPr lang="en-US" dirty="0" smtClean="0"/>
+              <a:rPr lang="en-US" dirty="0"/>
               <a:t>DF(5) = {7}</a:t>
             </a:r>
           </a:p>
@@ -15288,7 +14932,7 @@
               <a:buChar char="•"/>
             </a:pPr>
             <a:r>
-              <a:rPr lang="en-US" dirty="0" smtClean="0"/>
+              <a:rPr lang="en-US" dirty="0"/>
               <a:t>DF(6) = {7}</a:t>
             </a:r>
           </a:p>
@@ -15298,10 +14942,9 @@
               <a:buChar char="•"/>
             </a:pPr>
             <a:r>
-              <a:rPr lang="en-US" dirty="0" smtClean="0"/>
+              <a:rPr lang="en-US" dirty="0"/>
               <a:t>DF(7) = {2}</a:t>
             </a:r>
-            <a:endParaRPr lang="en-US" dirty="0"/>
           </a:p>
         </p:txBody>
       </p:sp>
@@ -15328,10 +14971,9 @@
           <a:lstStyle/>
           <a:p>
             <a:r>
-              <a:rPr lang="en-US" dirty="0" smtClean="0"/>
+              <a:rPr lang="en-US" dirty="0"/>
               <a:t>Dominance Frontier</a:t>
             </a:r>
-            <a:endParaRPr lang="en-US" dirty="0"/>
           </a:p>
         </p:txBody>
       </p:sp>
@@ -15343,7 +14985,7 @@
   <p:timing>
     <p:tnLst>
       <p:par>
-        <p:cTn xmlns:p14="http://schemas.microsoft.com/office/powerpoint/2010/main" id="1" dur="indefinite" restart="never" nodeType="tmRoot">
+        <p:cTn id="1" dur="indefinite" restart="never" nodeType="tmRoot">
           <p:childTnLst>
             <p:seq concurrent="1" nextAc="seek">
               <p:cTn id="2" dur="indefinite" nodeType="mainSeq">
@@ -15785,12 +15427,34 @@
       </p:grpSpPr>
       <p:sp>
         <p:nvSpPr>
+          <p:cNvPr id="222210" name="Rectangle 2"/>
+          <p:cNvSpPr>
+            <a:spLocks noGrp="1" noChangeArrowheads="1"/>
+          </p:cNvSpPr>
+          <p:nvPr>
+            <p:ph type="title"/>
+          </p:nvPr>
+        </p:nvSpPr>
+        <p:spPr/>
+        <p:txBody>
+          <a:bodyPr/>
+          <a:lstStyle/>
+          <a:p>
+            <a:r>
+              <a:rPr lang="en-US" dirty="0"/>
+              <a:t>Converting to SSA Form</a:t>
+            </a:r>
+          </a:p>
+        </p:txBody>
+      </p:sp>
+      <p:sp>
+        <p:nvSpPr>
           <p:cNvPr id="19" name="Slide Number Placeholder 4"/>
           <p:cNvSpPr>
             <a:spLocks noGrp="1"/>
           </p:cNvSpPr>
           <p:nvPr>
-            <p:ph type="sldNum" sz="quarter" idx="12"/>
+            <p:ph type="sldNum" sz="quarter" idx="11"/>
           </p:nvPr>
         </p:nvSpPr>
         <p:spPr/>
@@ -15804,29 +15468,6 @@
               <a:t>6</a:t>
             </a:fld>
             <a:endParaRPr lang="en-US"/>
-          </a:p>
-        </p:txBody>
-      </p:sp>
-      <p:sp>
-        <p:nvSpPr>
-          <p:cNvPr id="222210" name="Rectangle 2"/>
-          <p:cNvSpPr>
-            <a:spLocks noGrp="1" noChangeArrowheads="1"/>
-          </p:cNvSpPr>
-          <p:nvPr>
-            <p:ph type="title"/>
-          </p:nvPr>
-        </p:nvSpPr>
-        <p:spPr/>
-        <p:txBody>
-          <a:bodyPr/>
-          <a:lstStyle/>
-          <a:p>
-            <a:r>
-              <a:rPr lang="en-US" dirty="0" smtClean="0"/>
-              <a:t>Converting to SSA Form</a:t>
-            </a:r>
-            <a:endParaRPr lang="en-US" dirty="0"/>
           </a:p>
         </p:txBody>
       </p:sp>
@@ -15870,35 +15511,23 @@
           <a:p>
             <a:r>
               <a:rPr lang="en-US" dirty="0"/>
-              <a:t>1:</a:t>
-            </a:r>
-            <a:r>
-              <a:rPr lang="en-US" dirty="0" smtClean="0"/>
-              <a:t> </a:t>
-            </a:r>
-            <a:r>
-              <a:rPr lang="en-US" dirty="0" err="1" smtClean="0"/>
+              <a:t>1: </a:t>
+            </a:r>
+            <a:r>
+              <a:rPr lang="en-US" dirty="0" err="1"/>
               <a:t>i</a:t>
             </a:r>
             <a:r>
-              <a:rPr lang="en-US" dirty="0" smtClean="0"/>
-              <a:t> </a:t>
-            </a:r>
-            <a:r>
-              <a:rPr lang="en-US" dirty="0"/>
-              <a:t>:= 1  </a:t>
-            </a:r>
-            <a:r>
-              <a:rPr lang="en-US" dirty="0" err="1" smtClean="0"/>
+              <a:rPr lang="en-US" dirty="0"/>
+              <a:t> := 1  </a:t>
+            </a:r>
+            <a:r>
+              <a:rPr lang="en-US" dirty="0" err="1"/>
               <a:t>j</a:t>
             </a:r>
             <a:r>
-              <a:rPr lang="en-US" dirty="0" smtClean="0"/>
-              <a:t> </a:t>
-            </a:r>
-            <a:r>
-              <a:rPr lang="en-US" dirty="0"/>
-              <a:t>:= 1</a:t>
+              <a:rPr lang="en-US" dirty="0"/>
+              <a:t> := 1</a:t>
             </a:r>
           </a:p>
           <a:p>
@@ -15907,16 +15536,12 @@
               <a:t>    </a:t>
             </a:r>
             <a:r>
-              <a:rPr lang="en-US" dirty="0" err="1" smtClean="0"/>
+              <a:rPr lang="en-US" dirty="0" err="1"/>
               <a:t>k</a:t>
             </a:r>
             <a:r>
-              <a:rPr lang="en-US" dirty="0" smtClean="0"/>
-              <a:t> </a:t>
-            </a:r>
-            <a:r>
-              <a:rPr lang="en-US" dirty="0"/>
-              <a:t>:= 0</a:t>
+              <a:rPr lang="en-US" dirty="0"/>
+              <a:t> := 0</a:t>
             </a:r>
             <a:endParaRPr lang="en-US" sz="2800" dirty="0"/>
           </a:p>
@@ -15962,30 +15587,25 @@
           <a:p>
             <a:r>
               <a:rPr lang="en-US" dirty="0"/>
-              <a:t>2:</a:t>
-            </a:r>
-            <a:r>
-              <a:rPr lang="en-US" dirty="0" smtClean="0"/>
-              <a:t> </a:t>
-            </a:r>
-          </a:p>
-          <a:p>
-            <a:endParaRPr lang="en-US" dirty="0" smtClean="0">
+              <a:t>2: </a:t>
+            </a:r>
+          </a:p>
+          <a:p>
+            <a:endParaRPr lang="en-US" dirty="0">
               <a:sym typeface="Symbol" charset="2"/>
             </a:endParaRPr>
           </a:p>
           <a:p>
             <a:r>
-              <a:rPr lang="en-US" dirty="0" smtClean="0">
+              <a:rPr lang="en-US" dirty="0">
                 <a:sym typeface="Symbol" charset="2"/>
               </a:rPr>
               <a:t>   </a:t>
             </a:r>
             <a:r>
-              <a:rPr lang="en-US" dirty="0" smtClean="0"/>
+              <a:rPr lang="en-US" dirty="0"/>
               <a:t> if k2 &lt; 100</a:t>
             </a:r>
-            <a:endParaRPr lang="en-US" dirty="0"/>
           </a:p>
         </p:txBody>
       </p:sp>
@@ -16032,16 +15652,12 @@
               <a:t>3: if </a:t>
             </a:r>
             <a:r>
-              <a:rPr lang="en-US" dirty="0" err="1" smtClean="0"/>
+              <a:rPr lang="en-US" dirty="0" err="1"/>
               <a:t>j</a:t>
             </a:r>
             <a:r>
-              <a:rPr lang="en-US" dirty="0" smtClean="0"/>
-              <a:t> </a:t>
-            </a:r>
-            <a:r>
-              <a:rPr lang="en-US" dirty="0"/>
-              <a:t>&lt; 20</a:t>
+              <a:rPr lang="en-US" dirty="0"/>
+              <a:t> &lt; 20</a:t>
             </a:r>
             <a:endParaRPr lang="en-US" sz="2800" dirty="0"/>
           </a:p>
@@ -16150,7 +15766,7 @@
               <a:t>4: return </a:t>
             </a:r>
             <a:r>
-              <a:rPr lang="en-US" dirty="0" err="1" smtClean="0"/>
+              <a:rPr lang="en-US" dirty="0" err="1"/>
               <a:t>j</a:t>
             </a:r>
             <a:endParaRPr lang="en-US" dirty="0"/>
@@ -16200,22 +15816,18 @@
               <a:t>5: </a:t>
             </a:r>
             <a:r>
-              <a:rPr lang="en-US" dirty="0" err="1" smtClean="0"/>
+              <a:rPr lang="en-US" dirty="0" err="1"/>
               <a:t>j</a:t>
             </a:r>
             <a:r>
-              <a:rPr lang="en-US" dirty="0" smtClean="0"/>
-              <a:t> </a:t>
-            </a:r>
-            <a:r>
-              <a:rPr lang="en-US" dirty="0"/>
-              <a:t>:= </a:t>
-            </a:r>
-            <a:r>
-              <a:rPr lang="en-US" dirty="0" err="1" smtClean="0"/>
+              <a:rPr lang="en-US" dirty="0"/>
+              <a:t> := </a:t>
+            </a:r>
+            <a:r>
+              <a:rPr lang="en-US" dirty="0" err="1"/>
               <a:t>i</a:t>
             </a:r>
-            <a:endParaRPr lang="en-US" dirty="0" smtClean="0"/>
+            <a:endParaRPr lang="en-US" dirty="0"/>
           </a:p>
           <a:p>
             <a:r>
@@ -16223,24 +15835,12 @@
               <a:t>    </a:t>
             </a:r>
             <a:r>
-              <a:rPr lang="en-US" dirty="0" err="1" smtClean="0"/>
+              <a:rPr lang="en-US" dirty="0" err="1"/>
               <a:t>k</a:t>
             </a:r>
             <a:r>
-              <a:rPr lang="en-US" dirty="0" smtClean="0"/>
-              <a:t> </a:t>
-            </a:r>
-            <a:r>
-              <a:rPr lang="en-US" dirty="0"/>
-              <a:t>:= </a:t>
-            </a:r>
-            <a:r>
-              <a:rPr lang="en-US" dirty="0" smtClean="0"/>
-              <a:t>k+</a:t>
-            </a:r>
-            <a:r>
-              <a:rPr lang="en-US" dirty="0"/>
-              <a:t>1</a:t>
+              <a:rPr lang="en-US" dirty="0"/>
+              <a:t> := k+1</a:t>
             </a:r>
           </a:p>
         </p:txBody>
@@ -16288,22 +15888,18 @@
               <a:t>6: </a:t>
             </a:r>
             <a:r>
-              <a:rPr lang="en-US" dirty="0" err="1" smtClean="0"/>
+              <a:rPr lang="en-US" dirty="0" err="1"/>
               <a:t>j</a:t>
             </a:r>
             <a:r>
-              <a:rPr lang="en-US" dirty="0" smtClean="0"/>
-              <a:t> </a:t>
-            </a:r>
-            <a:r>
-              <a:rPr lang="en-US" dirty="0"/>
-              <a:t>:= </a:t>
-            </a:r>
-            <a:r>
-              <a:rPr lang="en-US" dirty="0" err="1" smtClean="0"/>
+              <a:rPr lang="en-US" dirty="0"/>
+              <a:t> := </a:t>
+            </a:r>
+            <a:r>
+              <a:rPr lang="en-US" dirty="0" err="1"/>
               <a:t>k</a:t>
             </a:r>
-            <a:endParaRPr lang="en-US" dirty="0" smtClean="0"/>
+            <a:endParaRPr lang="en-US" dirty="0"/>
           </a:p>
           <a:p>
             <a:r>
@@ -16311,20 +15907,12 @@
               <a:t>    </a:t>
             </a:r>
             <a:r>
-              <a:rPr lang="en-US" dirty="0" err="1" smtClean="0"/>
+              <a:rPr lang="en-US" dirty="0" err="1"/>
               <a:t>k</a:t>
             </a:r>
             <a:r>
-              <a:rPr lang="en-US" dirty="0" smtClean="0"/>
-              <a:t> </a:t>
-            </a:r>
-            <a:r>
-              <a:rPr lang="en-US" dirty="0"/>
-              <a:t>:= </a:t>
-            </a:r>
-            <a:r>
-              <a:rPr lang="en-US" dirty="0" smtClean="0"/>
-              <a:t>k+1</a:t>
+              <a:rPr lang="en-US" dirty="0"/>
+              <a:t> := k+1</a:t>
             </a:r>
             <a:endParaRPr lang="en-US" sz="2800" dirty="0"/>
           </a:p>
@@ -16370,11 +15958,7 @@
           <a:p>
             <a:r>
               <a:rPr lang="en-US" dirty="0"/>
-              <a:t>7:</a:t>
-            </a:r>
-            <a:r>
-              <a:rPr lang="en-US" dirty="0" smtClean="0"/>
-              <a:t> </a:t>
+              <a:t>7: </a:t>
             </a:r>
           </a:p>
           <a:p>
@@ -16594,24 +16178,23 @@
           <a:lstStyle/>
           <a:p>
             <a:r>
-              <a:rPr lang="en-US" dirty="0" smtClean="0"/>
+              <a:rPr lang="en-US" dirty="0"/>
               <a:t>Variable </a:t>
             </a:r>
             <a:r>
-              <a:rPr lang="en-US" dirty="0" err="1" smtClean="0"/>
+              <a:rPr lang="en-US" dirty="0" err="1"/>
               <a:t>j</a:t>
             </a:r>
             <a:r>
-              <a:rPr lang="en-US" dirty="0" smtClean="0"/>
+              <a:rPr lang="en-US" dirty="0"/>
               <a:t> in 5</a:t>
             </a:r>
           </a:p>
           <a:p>
             <a:r>
-              <a:rPr lang="en-US" dirty="0" smtClean="0"/>
+              <a:rPr lang="en-US" dirty="0"/>
               <a:t>DF(5) = { 7 } </a:t>
             </a:r>
-            <a:endParaRPr lang="en-US" dirty="0"/>
           </a:p>
         </p:txBody>
       </p:sp>
@@ -16623,7 +16206,7 @@
   <p:timing>
     <p:tnLst>
       <p:par>
-        <p:cTn xmlns:p14="http://schemas.microsoft.com/office/powerpoint/2010/main" id="1" dur="indefinite" restart="never" nodeType="tmRoot">
+        <p:cTn id="1" dur="indefinite" restart="never" nodeType="tmRoot">
           <p:childTnLst>
             <p:seq concurrent="1" nextAc="seek">
               <p:cTn id="2" dur="indefinite" nodeType="mainSeq">
@@ -16720,12 +16303,34 @@
       </p:grpSpPr>
       <p:sp>
         <p:nvSpPr>
+          <p:cNvPr id="222210" name="Rectangle 2"/>
+          <p:cNvSpPr>
+            <a:spLocks noGrp="1" noChangeArrowheads="1"/>
+          </p:cNvSpPr>
+          <p:nvPr>
+            <p:ph type="title"/>
+          </p:nvPr>
+        </p:nvSpPr>
+        <p:spPr/>
+        <p:txBody>
+          <a:bodyPr/>
+          <a:lstStyle/>
+          <a:p>
+            <a:r>
+              <a:rPr lang="en-US" dirty="0"/>
+              <a:t>Converting to SSA Form</a:t>
+            </a:r>
+          </a:p>
+        </p:txBody>
+      </p:sp>
+      <p:sp>
+        <p:nvSpPr>
           <p:cNvPr id="19" name="Slide Number Placeholder 4"/>
           <p:cNvSpPr>
             <a:spLocks noGrp="1"/>
           </p:cNvSpPr>
           <p:nvPr>
-            <p:ph type="sldNum" sz="quarter" idx="12"/>
+            <p:ph type="sldNum" sz="quarter" idx="11"/>
           </p:nvPr>
         </p:nvSpPr>
         <p:spPr/>
@@ -16739,29 +16344,6 @@
               <a:t>7</a:t>
             </a:fld>
             <a:endParaRPr lang="en-US"/>
-          </a:p>
-        </p:txBody>
-      </p:sp>
-      <p:sp>
-        <p:nvSpPr>
-          <p:cNvPr id="222210" name="Rectangle 2"/>
-          <p:cNvSpPr>
-            <a:spLocks noGrp="1" noChangeArrowheads="1"/>
-          </p:cNvSpPr>
-          <p:nvPr>
-            <p:ph type="title"/>
-          </p:nvPr>
-        </p:nvSpPr>
-        <p:spPr/>
-        <p:txBody>
-          <a:bodyPr/>
-          <a:lstStyle/>
-          <a:p>
-            <a:r>
-              <a:rPr lang="en-US" dirty="0" smtClean="0"/>
-              <a:t>Converting to SSA Form</a:t>
-            </a:r>
-            <a:endParaRPr lang="en-US" dirty="0"/>
           </a:p>
         </p:txBody>
       </p:sp>
@@ -16805,35 +16387,23 @@
           <a:p>
             <a:r>
               <a:rPr lang="en-US" dirty="0"/>
-              <a:t>1:</a:t>
-            </a:r>
-            <a:r>
-              <a:rPr lang="en-US" dirty="0" smtClean="0"/>
-              <a:t> </a:t>
-            </a:r>
-            <a:r>
-              <a:rPr lang="en-US" dirty="0" err="1" smtClean="0"/>
+              <a:t>1: </a:t>
+            </a:r>
+            <a:r>
+              <a:rPr lang="en-US" dirty="0" err="1"/>
               <a:t>i</a:t>
             </a:r>
             <a:r>
-              <a:rPr lang="en-US" dirty="0" smtClean="0"/>
-              <a:t> </a:t>
-            </a:r>
-            <a:r>
-              <a:rPr lang="en-US" dirty="0"/>
-              <a:t>:= 1  </a:t>
-            </a:r>
-            <a:r>
-              <a:rPr lang="en-US" dirty="0" err="1" smtClean="0"/>
+              <a:rPr lang="en-US" dirty="0"/>
+              <a:t> := 1  </a:t>
+            </a:r>
+            <a:r>
+              <a:rPr lang="en-US" dirty="0" err="1"/>
               <a:t>j</a:t>
             </a:r>
             <a:r>
-              <a:rPr lang="en-US" dirty="0" smtClean="0"/>
-              <a:t> </a:t>
-            </a:r>
-            <a:r>
-              <a:rPr lang="en-US" dirty="0"/>
-              <a:t>:= 1</a:t>
+              <a:rPr lang="en-US" dirty="0"/>
+              <a:t> := 1</a:t>
             </a:r>
           </a:p>
           <a:p>
@@ -16842,16 +16412,12 @@
               <a:t>    </a:t>
             </a:r>
             <a:r>
-              <a:rPr lang="en-US" dirty="0" err="1" smtClean="0"/>
+              <a:rPr lang="en-US" dirty="0" err="1"/>
               <a:t>k</a:t>
             </a:r>
             <a:r>
-              <a:rPr lang="en-US" dirty="0" smtClean="0"/>
-              <a:t> </a:t>
-            </a:r>
-            <a:r>
-              <a:rPr lang="en-US" dirty="0"/>
-              <a:t>:= 0</a:t>
+              <a:rPr lang="en-US" dirty="0"/>
+              <a:t> := 0</a:t>
             </a:r>
             <a:endParaRPr lang="en-US" sz="2800" dirty="0"/>
           </a:p>
@@ -16897,42 +16463,33 @@
           <a:p>
             <a:r>
               <a:rPr lang="en-US" dirty="0"/>
-              <a:t>2:</a:t>
-            </a:r>
-            <a:r>
-              <a:rPr lang="en-US" dirty="0" smtClean="0"/>
-              <a:t> </a:t>
-            </a:r>
-          </a:p>
-          <a:p>
-            <a:endParaRPr lang="en-US" dirty="0" smtClean="0">
+              <a:t>2: </a:t>
+            </a:r>
+          </a:p>
+          <a:p>
+            <a:endParaRPr lang="en-US" dirty="0">
               <a:sym typeface="Symbol" charset="2"/>
             </a:endParaRPr>
           </a:p>
           <a:p>
             <a:r>
-              <a:rPr lang="en-US" dirty="0" smtClean="0">
+              <a:rPr lang="en-US" dirty="0">
                 <a:sym typeface="Symbol" charset="2"/>
               </a:rPr>
               <a:t>   </a:t>
             </a:r>
             <a:r>
-              <a:rPr lang="en-US" dirty="0" smtClean="0"/>
+              <a:rPr lang="en-US" dirty="0"/>
               <a:t> </a:t>
             </a:r>
             <a:r>
-              <a:rPr lang="en-US" smtClean="0"/>
-              <a:t>if </a:t>
-            </a:r>
-            <a:r>
-              <a:rPr lang="en-US" smtClean="0"/>
-              <a:t>k </a:t>
-            </a:r>
-            <a:r>
-              <a:rPr lang="en-US" dirty="0" smtClean="0"/>
+              <a:rPr lang="en-US"/>
+              <a:t>if k </a:t>
+            </a:r>
+            <a:r>
+              <a:rPr lang="en-US" dirty="0"/>
               <a:t>&lt; 100</a:t>
             </a:r>
-            <a:endParaRPr lang="en-US" dirty="0"/>
           </a:p>
         </p:txBody>
       </p:sp>
@@ -16979,16 +16536,12 @@
               <a:t>3: if </a:t>
             </a:r>
             <a:r>
-              <a:rPr lang="en-US" dirty="0" err="1" smtClean="0"/>
+              <a:rPr lang="en-US" dirty="0" err="1"/>
               <a:t>j</a:t>
             </a:r>
             <a:r>
-              <a:rPr lang="en-US" dirty="0" smtClean="0"/>
-              <a:t> </a:t>
-            </a:r>
-            <a:r>
-              <a:rPr lang="en-US" dirty="0"/>
-              <a:t>&lt; 20</a:t>
+              <a:rPr lang="en-US" dirty="0"/>
+              <a:t> &lt; 20</a:t>
             </a:r>
             <a:endParaRPr lang="en-US" sz="2800" dirty="0"/>
           </a:p>
@@ -17097,7 +16650,7 @@
               <a:t>4: return </a:t>
             </a:r>
             <a:r>
-              <a:rPr lang="en-US" dirty="0" err="1" smtClean="0"/>
+              <a:rPr lang="en-US" dirty="0" err="1"/>
               <a:t>j</a:t>
             </a:r>
             <a:endParaRPr lang="en-US" dirty="0"/>
@@ -17147,22 +16700,18 @@
               <a:t>5: </a:t>
             </a:r>
             <a:r>
-              <a:rPr lang="en-US" dirty="0" err="1" smtClean="0"/>
+              <a:rPr lang="en-US" dirty="0" err="1"/>
               <a:t>j</a:t>
             </a:r>
             <a:r>
-              <a:rPr lang="en-US" dirty="0" smtClean="0"/>
-              <a:t> </a:t>
-            </a:r>
-            <a:r>
-              <a:rPr lang="en-US" dirty="0"/>
-              <a:t>:= </a:t>
-            </a:r>
-            <a:r>
-              <a:rPr lang="en-US" dirty="0" err="1" smtClean="0"/>
+              <a:rPr lang="en-US" dirty="0"/>
+              <a:t> := </a:t>
+            </a:r>
+            <a:r>
+              <a:rPr lang="en-US" dirty="0" err="1"/>
               <a:t>i</a:t>
             </a:r>
-            <a:endParaRPr lang="en-US" dirty="0" smtClean="0"/>
+            <a:endParaRPr lang="en-US" dirty="0"/>
           </a:p>
           <a:p>
             <a:r>
@@ -17170,24 +16719,12 @@
               <a:t>    </a:t>
             </a:r>
             <a:r>
-              <a:rPr lang="en-US" dirty="0" err="1" smtClean="0"/>
+              <a:rPr lang="en-US" dirty="0" err="1"/>
               <a:t>k</a:t>
             </a:r>
             <a:r>
-              <a:rPr lang="en-US" dirty="0" smtClean="0"/>
-              <a:t> </a:t>
-            </a:r>
-            <a:r>
-              <a:rPr lang="en-US" dirty="0"/>
-              <a:t>:= </a:t>
-            </a:r>
-            <a:r>
-              <a:rPr lang="en-US" dirty="0" smtClean="0"/>
-              <a:t>k+</a:t>
-            </a:r>
-            <a:r>
-              <a:rPr lang="en-US" dirty="0"/>
-              <a:t>1</a:t>
+              <a:rPr lang="en-US" dirty="0"/>
+              <a:t> := k+1</a:t>
             </a:r>
           </a:p>
         </p:txBody>
@@ -17235,22 +16772,18 @@
               <a:t>6: </a:t>
             </a:r>
             <a:r>
-              <a:rPr lang="en-US" dirty="0" err="1" smtClean="0"/>
+              <a:rPr lang="en-US" dirty="0" err="1"/>
               <a:t>j</a:t>
             </a:r>
             <a:r>
-              <a:rPr lang="en-US" dirty="0" smtClean="0"/>
-              <a:t> </a:t>
-            </a:r>
-            <a:r>
-              <a:rPr lang="en-US" dirty="0"/>
-              <a:t>:= </a:t>
-            </a:r>
-            <a:r>
-              <a:rPr lang="en-US" dirty="0" err="1" smtClean="0"/>
+              <a:rPr lang="en-US" dirty="0"/>
+              <a:t> := </a:t>
+            </a:r>
+            <a:r>
+              <a:rPr lang="en-US" dirty="0" err="1"/>
               <a:t>k</a:t>
             </a:r>
-            <a:endParaRPr lang="en-US" dirty="0" smtClean="0"/>
+            <a:endParaRPr lang="en-US" dirty="0"/>
           </a:p>
           <a:p>
             <a:r>
@@ -17258,20 +16791,12 @@
               <a:t>    </a:t>
             </a:r>
             <a:r>
-              <a:rPr lang="en-US" dirty="0" err="1" smtClean="0"/>
+              <a:rPr lang="en-US" dirty="0" err="1"/>
               <a:t>k</a:t>
             </a:r>
             <a:r>
-              <a:rPr lang="en-US" dirty="0" smtClean="0"/>
-              <a:t> </a:t>
-            </a:r>
-            <a:r>
-              <a:rPr lang="en-US" dirty="0"/>
-              <a:t>:= </a:t>
-            </a:r>
-            <a:r>
-              <a:rPr lang="en-US" dirty="0" smtClean="0"/>
-              <a:t>k+1</a:t>
+              <a:rPr lang="en-US" dirty="0"/>
+              <a:t> := k+1</a:t>
             </a:r>
             <a:endParaRPr lang="en-US" sz="2800" dirty="0"/>
           </a:p>
@@ -17317,46 +16842,42 @@
           <a:p>
             <a:r>
               <a:rPr lang="en-US" dirty="0"/>
-              <a:t>7</a:t>
-            </a:r>
-            <a:r>
-              <a:rPr lang="en-US" dirty="0" smtClean="0"/>
-              <a:t>: </a:t>
-            </a:r>
-            <a:r>
-              <a:rPr lang="en-US" dirty="0" err="1" smtClean="0"/>
+              <a:t>7: </a:t>
+            </a:r>
+            <a:r>
+              <a:rPr lang="en-US" dirty="0" err="1"/>
               <a:t>j</a:t>
             </a:r>
             <a:r>
-              <a:rPr lang="en-US" dirty="0" smtClean="0"/>
+              <a:rPr lang="en-US" dirty="0"/>
               <a:t> := </a:t>
             </a:r>
             <a:r>
-              <a:rPr lang="en-US" dirty="0" err="1" smtClean="0">
+              <a:rPr lang="en-US" dirty="0" err="1">
                 <a:sym typeface="Symbol" charset="2"/>
               </a:rPr>
               <a:t>(j</a:t>
             </a:r>
             <a:r>
-              <a:rPr lang="en-US" dirty="0" smtClean="0">
+              <a:rPr lang="en-US" dirty="0">
                 <a:sym typeface="Symbol" charset="2"/>
               </a:rPr>
               <a:t>, </a:t>
             </a:r>
             <a:r>
-              <a:rPr lang="en-US" dirty="0" err="1" smtClean="0">
+              <a:rPr lang="en-US" dirty="0" err="1">
                 <a:sym typeface="Symbol" charset="2"/>
               </a:rPr>
               <a:t>j</a:t>
             </a:r>
             <a:r>
-              <a:rPr lang="en-US" dirty="0" smtClean="0">
+              <a:rPr lang="en-US" dirty="0">
                 <a:sym typeface="Symbol" charset="2"/>
               </a:rPr>
               <a:t>)</a:t>
             </a:r>
             <a:r>
-              <a:rPr lang="en-US" dirty="0" smtClean="0"/>
+              <a:rPr lang="en-US" dirty="0"/>
               <a:t> </a:t>
             </a:r>
           </a:p>
@@ -17577,24 +17098,23 @@
           <a:lstStyle/>
           <a:p>
             <a:r>
-              <a:rPr lang="en-US" dirty="0" smtClean="0"/>
+              <a:rPr lang="en-US" dirty="0"/>
               <a:t>Variable </a:t>
             </a:r>
             <a:r>
-              <a:rPr lang="en-US" dirty="0" err="1" smtClean="0"/>
+              <a:rPr lang="en-US" dirty="0" err="1"/>
               <a:t>j</a:t>
             </a:r>
             <a:r>
-              <a:rPr lang="en-US" dirty="0" smtClean="0"/>
+              <a:rPr lang="en-US" dirty="0"/>
               <a:t> in 5</a:t>
             </a:r>
           </a:p>
           <a:p>
             <a:r>
-              <a:rPr lang="en-US" dirty="0" smtClean="0"/>
+              <a:rPr lang="en-US" dirty="0"/>
               <a:t>DF(5) = { 7 } </a:t>
             </a:r>
-            <a:endParaRPr lang="en-US" dirty="0"/>
           </a:p>
         </p:txBody>
       </p:sp>
@@ -17626,24 +17146,23 @@
           <a:lstStyle/>
           <a:p>
             <a:r>
-              <a:rPr lang="en-US" dirty="0" smtClean="0"/>
+              <a:rPr lang="en-US" dirty="0"/>
               <a:t>Variable </a:t>
             </a:r>
             <a:r>
-              <a:rPr lang="en-US" dirty="0" err="1" smtClean="0"/>
+              <a:rPr lang="en-US" dirty="0" err="1"/>
               <a:t>j</a:t>
             </a:r>
             <a:r>
-              <a:rPr lang="en-US" dirty="0" smtClean="0"/>
+              <a:rPr lang="en-US" dirty="0"/>
               <a:t> in 7</a:t>
             </a:r>
           </a:p>
           <a:p>
             <a:r>
-              <a:rPr lang="en-US" dirty="0" smtClean="0"/>
+              <a:rPr lang="en-US" dirty="0"/>
               <a:t>DF(7) = { 2 } </a:t>
             </a:r>
-            <a:endParaRPr lang="en-US" dirty="0"/>
           </a:p>
         </p:txBody>
       </p:sp>
@@ -17655,7 +17174,7 @@
   <p:timing>
     <p:tnLst>
       <p:par>
-        <p:cTn xmlns:p14="http://schemas.microsoft.com/office/powerpoint/2010/main" id="1" dur="indefinite" restart="never" nodeType="tmRoot">
+        <p:cTn id="1" dur="indefinite" restart="never" nodeType="tmRoot">
           <p:childTnLst>
             <p:seq concurrent="1" nextAc="seek">
               <p:cTn id="2" dur="indefinite" nodeType="mainSeq">
@@ -17752,12 +17271,34 @@
       </p:grpSpPr>
       <p:sp>
         <p:nvSpPr>
+          <p:cNvPr id="222210" name="Rectangle 2"/>
+          <p:cNvSpPr>
+            <a:spLocks noGrp="1" noChangeArrowheads="1"/>
+          </p:cNvSpPr>
+          <p:nvPr>
+            <p:ph type="title"/>
+          </p:nvPr>
+        </p:nvSpPr>
+        <p:spPr/>
+        <p:txBody>
+          <a:bodyPr/>
+          <a:lstStyle/>
+          <a:p>
+            <a:r>
+              <a:rPr lang="en-US" dirty="0"/>
+              <a:t>Converting to SSA Form</a:t>
+            </a:r>
+          </a:p>
+        </p:txBody>
+      </p:sp>
+      <p:sp>
+        <p:nvSpPr>
           <p:cNvPr id="19" name="Slide Number Placeholder 4"/>
           <p:cNvSpPr>
             <a:spLocks noGrp="1"/>
           </p:cNvSpPr>
           <p:nvPr>
-            <p:ph type="sldNum" sz="quarter" idx="12"/>
+            <p:ph type="sldNum" sz="quarter" idx="11"/>
           </p:nvPr>
         </p:nvSpPr>
         <p:spPr/>
@@ -17771,29 +17312,6 @@
               <a:t>8</a:t>
             </a:fld>
             <a:endParaRPr lang="en-US"/>
-          </a:p>
-        </p:txBody>
-      </p:sp>
-      <p:sp>
-        <p:nvSpPr>
-          <p:cNvPr id="222210" name="Rectangle 2"/>
-          <p:cNvSpPr>
-            <a:spLocks noGrp="1" noChangeArrowheads="1"/>
-          </p:cNvSpPr>
-          <p:nvPr>
-            <p:ph type="title"/>
-          </p:nvPr>
-        </p:nvSpPr>
-        <p:spPr/>
-        <p:txBody>
-          <a:bodyPr/>
-          <a:lstStyle/>
-          <a:p>
-            <a:r>
-              <a:rPr lang="en-US" dirty="0" smtClean="0"/>
-              <a:t>Converting to SSA Form</a:t>
-            </a:r>
-            <a:endParaRPr lang="en-US" dirty="0"/>
           </a:p>
         </p:txBody>
       </p:sp>
@@ -17837,35 +17355,23 @@
           <a:p>
             <a:r>
               <a:rPr lang="en-US" dirty="0"/>
-              <a:t>1:</a:t>
-            </a:r>
-            <a:r>
-              <a:rPr lang="en-US" dirty="0" smtClean="0"/>
-              <a:t> </a:t>
-            </a:r>
-            <a:r>
-              <a:rPr lang="en-US" dirty="0" err="1" smtClean="0"/>
+              <a:t>1: </a:t>
+            </a:r>
+            <a:r>
+              <a:rPr lang="en-US" dirty="0" err="1"/>
               <a:t>i</a:t>
             </a:r>
             <a:r>
-              <a:rPr lang="en-US" dirty="0" smtClean="0"/>
-              <a:t> </a:t>
-            </a:r>
-            <a:r>
-              <a:rPr lang="en-US" dirty="0"/>
-              <a:t>:= 1  </a:t>
-            </a:r>
-            <a:r>
-              <a:rPr lang="en-US" dirty="0" err="1" smtClean="0"/>
+              <a:rPr lang="en-US" dirty="0"/>
+              <a:t> := 1  </a:t>
+            </a:r>
+            <a:r>
+              <a:rPr lang="en-US" dirty="0" err="1"/>
               <a:t>j</a:t>
             </a:r>
             <a:r>
-              <a:rPr lang="en-US" dirty="0" smtClean="0"/>
-              <a:t> </a:t>
-            </a:r>
-            <a:r>
-              <a:rPr lang="en-US" dirty="0"/>
-              <a:t>:= 1</a:t>
+              <a:rPr lang="en-US" dirty="0"/>
+              <a:t> := 1</a:t>
             </a:r>
           </a:p>
           <a:p>
@@ -17874,16 +17380,12 @@
               <a:t>    </a:t>
             </a:r>
             <a:r>
-              <a:rPr lang="en-US" dirty="0" err="1" smtClean="0"/>
+              <a:rPr lang="en-US" dirty="0" err="1"/>
               <a:t>k</a:t>
             </a:r>
             <a:r>
-              <a:rPr lang="en-US" dirty="0" smtClean="0"/>
-              <a:t> </a:t>
-            </a:r>
-            <a:r>
-              <a:rPr lang="en-US" dirty="0"/>
-              <a:t>:= 0</a:t>
+              <a:rPr lang="en-US" dirty="0"/>
+              <a:t> := 0</a:t>
             </a:r>
             <a:endParaRPr lang="en-US" sz="2800" dirty="0"/>
           </a:p>
@@ -17929,63 +17431,58 @@
           <a:p>
             <a:r>
               <a:rPr lang="en-US" dirty="0"/>
-              <a:t>2:</a:t>
-            </a:r>
-            <a:r>
-              <a:rPr lang="en-US" dirty="0" smtClean="0"/>
-              <a:t> </a:t>
-            </a:r>
-            <a:r>
-              <a:rPr lang="en-US" dirty="0" err="1" smtClean="0"/>
+              <a:t>2: </a:t>
+            </a:r>
+            <a:r>
+              <a:rPr lang="en-US" dirty="0" err="1"/>
               <a:t>j</a:t>
             </a:r>
             <a:r>
-              <a:rPr lang="en-US" dirty="0" smtClean="0"/>
+              <a:rPr lang="en-US" dirty="0"/>
               <a:t> := </a:t>
             </a:r>
             <a:r>
-              <a:rPr lang="en-US" dirty="0" err="1" smtClean="0">
+              <a:rPr lang="en-US" dirty="0" err="1">
                 <a:sym typeface="Symbol" charset="2"/>
               </a:rPr>
               <a:t>(j</a:t>
             </a:r>
             <a:r>
-              <a:rPr lang="en-US" dirty="0" smtClean="0">
+              <a:rPr lang="en-US" dirty="0">
                 <a:sym typeface="Symbol" charset="2"/>
               </a:rPr>
               <a:t>, </a:t>
             </a:r>
             <a:r>
-              <a:rPr lang="en-US" dirty="0" err="1" smtClean="0">
+              <a:rPr lang="en-US" dirty="0" err="1">
                 <a:sym typeface="Symbol" charset="2"/>
               </a:rPr>
               <a:t>j</a:t>
             </a:r>
             <a:r>
-              <a:rPr lang="en-US" dirty="0" smtClean="0">
+              <a:rPr lang="en-US" dirty="0">
                 <a:sym typeface="Symbol" charset="2"/>
               </a:rPr>
               <a:t>)</a:t>
             </a:r>
-            <a:endParaRPr lang="en-US" dirty="0" smtClean="0"/>
-          </a:p>
-          <a:p>
-            <a:endParaRPr lang="en-US" dirty="0" smtClean="0">
+            <a:endParaRPr lang="en-US" dirty="0"/>
+          </a:p>
+          <a:p>
+            <a:endParaRPr lang="en-US" dirty="0">
               <a:sym typeface="Symbol" charset="2"/>
             </a:endParaRPr>
           </a:p>
           <a:p>
             <a:r>
-              <a:rPr lang="en-US" dirty="0" smtClean="0">
+              <a:rPr lang="en-US" dirty="0">
                 <a:sym typeface="Symbol" charset="2"/>
               </a:rPr>
               <a:t>   </a:t>
             </a:r>
             <a:r>
-              <a:rPr lang="en-US" dirty="0" smtClean="0"/>
+              <a:rPr lang="en-US" dirty="0"/>
               <a:t> if k2 &lt; 100</a:t>
             </a:r>
-            <a:endParaRPr lang="en-US" dirty="0"/>
           </a:p>
         </p:txBody>
       </p:sp>
@@ -18032,16 +17529,12 @@
               <a:t>3: if </a:t>
             </a:r>
             <a:r>
-              <a:rPr lang="en-US" dirty="0" err="1" smtClean="0"/>
+              <a:rPr lang="en-US" dirty="0" err="1"/>
               <a:t>j</a:t>
             </a:r>
             <a:r>
-              <a:rPr lang="en-US" dirty="0" smtClean="0"/>
-              <a:t> </a:t>
-            </a:r>
-            <a:r>
-              <a:rPr lang="en-US" dirty="0"/>
-              <a:t>&lt; 20</a:t>
+              <a:rPr lang="en-US" dirty="0"/>
+              <a:t> &lt; 20</a:t>
             </a:r>
             <a:endParaRPr lang="en-US" sz="2800" dirty="0"/>
           </a:p>
@@ -18150,7 +17643,7 @@
               <a:t>4: return </a:t>
             </a:r>
             <a:r>
-              <a:rPr lang="en-US" dirty="0" err="1" smtClean="0"/>
+              <a:rPr lang="en-US" dirty="0" err="1"/>
               <a:t>j</a:t>
             </a:r>
             <a:endParaRPr lang="en-US" dirty="0"/>
@@ -18200,22 +17693,18 @@
               <a:t>5: </a:t>
             </a:r>
             <a:r>
-              <a:rPr lang="en-US" dirty="0" err="1" smtClean="0"/>
+              <a:rPr lang="en-US" dirty="0" err="1"/>
               <a:t>j</a:t>
             </a:r>
             <a:r>
-              <a:rPr lang="en-US" dirty="0" smtClean="0"/>
-              <a:t> </a:t>
-            </a:r>
-            <a:r>
-              <a:rPr lang="en-US" dirty="0"/>
-              <a:t>:= </a:t>
-            </a:r>
-            <a:r>
-              <a:rPr lang="en-US" dirty="0" err="1" smtClean="0"/>
+              <a:rPr lang="en-US" dirty="0"/>
+              <a:t> := </a:t>
+            </a:r>
+            <a:r>
+              <a:rPr lang="en-US" dirty="0" err="1"/>
               <a:t>i</a:t>
             </a:r>
-            <a:endParaRPr lang="en-US" dirty="0" smtClean="0"/>
+            <a:endParaRPr lang="en-US" dirty="0"/>
           </a:p>
           <a:p>
             <a:r>
@@ -18223,24 +17712,12 @@
               <a:t>    </a:t>
             </a:r>
             <a:r>
-              <a:rPr lang="en-US" dirty="0" err="1" smtClean="0"/>
+              <a:rPr lang="en-US" dirty="0" err="1"/>
               <a:t>k</a:t>
             </a:r>
             <a:r>
-              <a:rPr lang="en-US" dirty="0" smtClean="0"/>
-              <a:t> </a:t>
-            </a:r>
-            <a:r>
-              <a:rPr lang="en-US" dirty="0"/>
-              <a:t>:= </a:t>
-            </a:r>
-            <a:r>
-              <a:rPr lang="en-US" dirty="0" smtClean="0"/>
-              <a:t>k+</a:t>
-            </a:r>
-            <a:r>
-              <a:rPr lang="en-US" dirty="0"/>
-              <a:t>1</a:t>
+              <a:rPr lang="en-US" dirty="0"/>
+              <a:t> := k+1</a:t>
             </a:r>
           </a:p>
         </p:txBody>
@@ -18288,22 +17765,18 @@
               <a:t>6: </a:t>
             </a:r>
             <a:r>
-              <a:rPr lang="en-US" dirty="0" err="1" smtClean="0"/>
+              <a:rPr lang="en-US" dirty="0" err="1"/>
               <a:t>j</a:t>
             </a:r>
             <a:r>
-              <a:rPr lang="en-US" dirty="0" smtClean="0"/>
-              <a:t> </a:t>
-            </a:r>
-            <a:r>
-              <a:rPr lang="en-US" dirty="0"/>
-              <a:t>:= </a:t>
-            </a:r>
-            <a:r>
-              <a:rPr lang="en-US" dirty="0" err="1" smtClean="0"/>
+              <a:rPr lang="en-US" dirty="0"/>
+              <a:t> := </a:t>
+            </a:r>
+            <a:r>
+              <a:rPr lang="en-US" dirty="0" err="1"/>
               <a:t>k</a:t>
             </a:r>
-            <a:endParaRPr lang="en-US" dirty="0" smtClean="0"/>
+            <a:endParaRPr lang="en-US" dirty="0"/>
           </a:p>
           <a:p>
             <a:r>
@@ -18311,20 +17784,12 @@
               <a:t>    </a:t>
             </a:r>
             <a:r>
-              <a:rPr lang="en-US" dirty="0" err="1" smtClean="0"/>
+              <a:rPr lang="en-US" dirty="0" err="1"/>
               <a:t>k</a:t>
             </a:r>
             <a:r>
-              <a:rPr lang="en-US" dirty="0" smtClean="0"/>
-              <a:t> </a:t>
-            </a:r>
-            <a:r>
-              <a:rPr lang="en-US" dirty="0"/>
-              <a:t>:= </a:t>
-            </a:r>
-            <a:r>
-              <a:rPr lang="en-US" dirty="0" smtClean="0"/>
-              <a:t>k+1</a:t>
+              <a:rPr lang="en-US" dirty="0"/>
+              <a:t> := k+1</a:t>
             </a:r>
             <a:endParaRPr lang="en-US" sz="2800" dirty="0"/>
           </a:p>
@@ -18370,46 +17835,42 @@
           <a:p>
             <a:r>
               <a:rPr lang="en-US" dirty="0"/>
-              <a:t>7</a:t>
-            </a:r>
-            <a:r>
-              <a:rPr lang="en-US" dirty="0" smtClean="0"/>
-              <a:t>: </a:t>
-            </a:r>
-            <a:r>
-              <a:rPr lang="en-US" dirty="0" err="1" smtClean="0"/>
+              <a:t>7: </a:t>
+            </a:r>
+            <a:r>
+              <a:rPr lang="en-US" dirty="0" err="1"/>
               <a:t>j</a:t>
             </a:r>
             <a:r>
-              <a:rPr lang="en-US" dirty="0" smtClean="0"/>
+              <a:rPr lang="en-US" dirty="0"/>
               <a:t> := </a:t>
             </a:r>
             <a:r>
-              <a:rPr lang="en-US" dirty="0" err="1" smtClean="0">
+              <a:rPr lang="en-US" dirty="0" err="1">
                 <a:sym typeface="Symbol" charset="2"/>
               </a:rPr>
               <a:t>(j</a:t>
             </a:r>
             <a:r>
-              <a:rPr lang="en-US" dirty="0" smtClean="0">
+              <a:rPr lang="en-US" dirty="0">
                 <a:sym typeface="Symbol" charset="2"/>
               </a:rPr>
               <a:t>, </a:t>
             </a:r>
             <a:r>
-              <a:rPr lang="en-US" dirty="0" err="1" smtClean="0">
+              <a:rPr lang="en-US" dirty="0" err="1">
                 <a:sym typeface="Symbol" charset="2"/>
               </a:rPr>
               <a:t>j</a:t>
             </a:r>
             <a:r>
-              <a:rPr lang="en-US" dirty="0" smtClean="0">
+              <a:rPr lang="en-US" dirty="0">
                 <a:sym typeface="Symbol" charset="2"/>
               </a:rPr>
               <a:t>)</a:t>
             </a:r>
             <a:r>
-              <a:rPr lang="en-US" dirty="0" smtClean="0"/>
+              <a:rPr lang="en-US" dirty="0"/>
               <a:t> </a:t>
             </a:r>
           </a:p>
@@ -18630,24 +18091,23 @@
           <a:lstStyle/>
           <a:p>
             <a:r>
-              <a:rPr lang="en-US" dirty="0" smtClean="0"/>
+              <a:rPr lang="en-US" dirty="0"/>
               <a:t>Variable </a:t>
             </a:r>
             <a:r>
-              <a:rPr lang="en-US" dirty="0" err="1" smtClean="0"/>
+              <a:rPr lang="en-US" dirty="0" err="1"/>
               <a:t>j</a:t>
             </a:r>
             <a:r>
-              <a:rPr lang="en-US" dirty="0" smtClean="0"/>
+              <a:rPr lang="en-US" dirty="0"/>
               <a:t> in 5</a:t>
             </a:r>
           </a:p>
           <a:p>
             <a:r>
-              <a:rPr lang="en-US" dirty="0" smtClean="0"/>
+              <a:rPr lang="en-US" dirty="0"/>
               <a:t>DF(5) = { 7 } </a:t>
             </a:r>
-            <a:endParaRPr lang="en-US" dirty="0"/>
           </a:p>
         </p:txBody>
       </p:sp>
@@ -18679,24 +18139,23 @@
           <a:lstStyle/>
           <a:p>
             <a:r>
-              <a:rPr lang="en-US" dirty="0" smtClean="0"/>
+              <a:rPr lang="en-US" dirty="0"/>
               <a:t>Variable </a:t>
             </a:r>
             <a:r>
-              <a:rPr lang="en-US" dirty="0" err="1" smtClean="0"/>
+              <a:rPr lang="en-US" dirty="0" err="1"/>
               <a:t>j</a:t>
             </a:r>
             <a:r>
-              <a:rPr lang="en-US" dirty="0" smtClean="0"/>
+              <a:rPr lang="en-US" dirty="0"/>
               <a:t> in 7</a:t>
             </a:r>
           </a:p>
           <a:p>
             <a:r>
-              <a:rPr lang="en-US" dirty="0" smtClean="0"/>
+              <a:rPr lang="en-US" dirty="0"/>
               <a:t>DF(7) = { 2 } </a:t>
             </a:r>
-            <a:endParaRPr lang="en-US" dirty="0"/>
           </a:p>
         </p:txBody>
       </p:sp>
@@ -18728,24 +18187,23 @@
           <a:lstStyle/>
           <a:p>
             <a:r>
-              <a:rPr lang="en-US" dirty="0" smtClean="0"/>
+              <a:rPr lang="en-US" dirty="0"/>
               <a:t>Variable </a:t>
             </a:r>
             <a:r>
-              <a:rPr lang="en-US" dirty="0" err="1" smtClean="0"/>
+              <a:rPr lang="en-US" dirty="0" err="1"/>
               <a:t>j</a:t>
             </a:r>
             <a:r>
-              <a:rPr lang="en-US" dirty="0" smtClean="0"/>
+              <a:rPr lang="en-US" dirty="0"/>
               <a:t> in 6</a:t>
             </a:r>
           </a:p>
           <a:p>
             <a:r>
-              <a:rPr lang="en-US" dirty="0" smtClean="0"/>
+              <a:rPr lang="en-US" dirty="0"/>
               <a:t>DF(6) = { 7 } </a:t>
             </a:r>
-            <a:endParaRPr lang="en-US" dirty="0"/>
           </a:p>
         </p:txBody>
       </p:sp>
@@ -18757,7 +18215,7 @@
   <p:timing>
     <p:tnLst>
       <p:par>
-        <p:cTn xmlns:p14="http://schemas.microsoft.com/office/powerpoint/2010/main" id="1" dur="indefinite" restart="never" nodeType="tmRoot">
+        <p:cTn id="1" dur="indefinite" restart="never" nodeType="tmRoot">
           <p:childTnLst>
             <p:seq concurrent="1" nextAc="seek">
               <p:cTn id="2" dur="indefinite" nodeType="mainSeq">
@@ -18854,12 +18312,34 @@
       </p:grpSpPr>
       <p:sp>
         <p:nvSpPr>
+          <p:cNvPr id="222210" name="Rectangle 2"/>
+          <p:cNvSpPr>
+            <a:spLocks noGrp="1" noChangeArrowheads="1"/>
+          </p:cNvSpPr>
+          <p:nvPr>
+            <p:ph type="title"/>
+          </p:nvPr>
+        </p:nvSpPr>
+        <p:spPr/>
+        <p:txBody>
+          <a:bodyPr/>
+          <a:lstStyle/>
+          <a:p>
+            <a:r>
+              <a:rPr lang="en-US" dirty="0"/>
+              <a:t>Converting to SSA Form</a:t>
+            </a:r>
+          </a:p>
+        </p:txBody>
+      </p:sp>
+      <p:sp>
+        <p:nvSpPr>
           <p:cNvPr id="19" name="Slide Number Placeholder 4"/>
           <p:cNvSpPr>
             <a:spLocks noGrp="1"/>
           </p:cNvSpPr>
           <p:nvPr>
-            <p:ph type="sldNum" sz="quarter" idx="12"/>
+            <p:ph type="sldNum" sz="quarter" idx="11"/>
           </p:nvPr>
         </p:nvSpPr>
         <p:spPr/>
@@ -18873,29 +18353,6 @@
               <a:t>9</a:t>
             </a:fld>
             <a:endParaRPr lang="en-US"/>
-          </a:p>
-        </p:txBody>
-      </p:sp>
-      <p:sp>
-        <p:nvSpPr>
-          <p:cNvPr id="222210" name="Rectangle 2"/>
-          <p:cNvSpPr>
-            <a:spLocks noGrp="1" noChangeArrowheads="1"/>
-          </p:cNvSpPr>
-          <p:nvPr>
-            <p:ph type="title"/>
-          </p:nvPr>
-        </p:nvSpPr>
-        <p:spPr/>
-        <p:txBody>
-          <a:bodyPr/>
-          <a:lstStyle/>
-          <a:p>
-            <a:r>
-              <a:rPr lang="en-US" dirty="0" smtClean="0"/>
-              <a:t>Converting to SSA Form</a:t>
-            </a:r>
-            <a:endParaRPr lang="en-US" dirty="0"/>
           </a:p>
         </p:txBody>
       </p:sp>
@@ -18939,35 +18396,23 @@
           <a:p>
             <a:r>
               <a:rPr lang="en-US" dirty="0"/>
-              <a:t>1:</a:t>
-            </a:r>
-            <a:r>
-              <a:rPr lang="en-US" dirty="0" smtClean="0"/>
-              <a:t> </a:t>
-            </a:r>
-            <a:r>
-              <a:rPr lang="en-US" dirty="0" err="1" smtClean="0"/>
+              <a:t>1: </a:t>
+            </a:r>
+            <a:r>
+              <a:rPr lang="en-US" dirty="0" err="1"/>
               <a:t>i</a:t>
             </a:r>
             <a:r>
-              <a:rPr lang="en-US" dirty="0" smtClean="0"/>
-              <a:t> </a:t>
-            </a:r>
-            <a:r>
-              <a:rPr lang="en-US" dirty="0"/>
-              <a:t>:= 1  </a:t>
-            </a:r>
-            <a:r>
-              <a:rPr lang="en-US" dirty="0" err="1" smtClean="0"/>
+              <a:rPr lang="en-US" dirty="0"/>
+              <a:t> := 1  </a:t>
+            </a:r>
+            <a:r>
+              <a:rPr lang="en-US" dirty="0" err="1"/>
               <a:t>j</a:t>
             </a:r>
             <a:r>
-              <a:rPr lang="en-US" dirty="0" smtClean="0"/>
-              <a:t> </a:t>
-            </a:r>
-            <a:r>
-              <a:rPr lang="en-US" dirty="0"/>
-              <a:t>:= 1</a:t>
+              <a:rPr lang="en-US" dirty="0"/>
+              <a:t> := 1</a:t>
             </a:r>
           </a:p>
           <a:p>
@@ -18976,16 +18421,12 @@
               <a:t>    </a:t>
             </a:r>
             <a:r>
-              <a:rPr lang="en-US" dirty="0" err="1" smtClean="0"/>
+              <a:rPr lang="en-US" dirty="0" err="1"/>
               <a:t>k</a:t>
             </a:r>
             <a:r>
-              <a:rPr lang="en-US" dirty="0" smtClean="0"/>
-              <a:t> </a:t>
-            </a:r>
-            <a:r>
-              <a:rPr lang="en-US" dirty="0"/>
-              <a:t>:= 0</a:t>
+              <a:rPr lang="en-US" dirty="0"/>
+              <a:t> := 0</a:t>
             </a:r>
             <a:endParaRPr lang="en-US" sz="2800" dirty="0"/>
           </a:p>
@@ -19031,67 +18472,63 @@
           <a:p>
             <a:r>
               <a:rPr lang="en-US" dirty="0"/>
-              <a:t>2:</a:t>
-            </a:r>
-            <a:r>
-              <a:rPr lang="en-US" dirty="0" smtClean="0"/>
-              <a:t> </a:t>
-            </a:r>
-            <a:r>
-              <a:rPr lang="en-US" dirty="0" err="1" smtClean="0"/>
+              <a:t>2: </a:t>
+            </a:r>
+            <a:r>
+              <a:rPr lang="en-US" dirty="0" err="1"/>
               <a:t>j</a:t>
             </a:r>
             <a:r>
-              <a:rPr lang="en-US" dirty="0" smtClean="0"/>
+              <a:rPr lang="en-US" dirty="0"/>
               <a:t> := </a:t>
             </a:r>
             <a:r>
-              <a:rPr lang="en-US" dirty="0" err="1" smtClean="0">
+              <a:rPr lang="en-US" dirty="0" err="1">
                 <a:sym typeface="Symbol" charset="2"/>
               </a:rPr>
               <a:t>(j</a:t>
             </a:r>
             <a:r>
-              <a:rPr lang="en-US" dirty="0" smtClean="0">
+              <a:rPr lang="en-US" dirty="0">
                 <a:sym typeface="Symbol" charset="2"/>
               </a:rPr>
               <a:t>, </a:t>
             </a:r>
             <a:r>
-              <a:rPr lang="en-US" dirty="0" err="1" smtClean="0">
+              <a:rPr lang="en-US" dirty="0" err="1">
                 <a:sym typeface="Symbol" charset="2"/>
               </a:rPr>
               <a:t>j</a:t>
             </a:r>
             <a:r>
-              <a:rPr lang="en-US" dirty="0" smtClean="0">
+              <a:rPr lang="en-US" dirty="0">
                 <a:sym typeface="Symbol" charset="2"/>
               </a:rPr>
               <a:t>)</a:t>
             </a:r>
-            <a:endParaRPr lang="en-US" dirty="0" smtClean="0"/>
-          </a:p>
-          <a:p>
-            <a:r>
-              <a:rPr lang="en-US" dirty="0" smtClean="0"/>
+            <a:endParaRPr lang="en-US" dirty="0"/>
+          </a:p>
+          <a:p>
+            <a:r>
+              <a:rPr lang="en-US" dirty="0"/>
               <a:t>    </a:t>
             </a:r>
             <a:r>
-              <a:rPr lang="en-US" dirty="0" err="1" smtClean="0"/>
+              <a:rPr lang="en-US" dirty="0" err="1"/>
               <a:t>k</a:t>
             </a:r>
             <a:r>
-              <a:rPr lang="en-US" dirty="0" smtClean="0"/>
+              <a:rPr lang="en-US" dirty="0"/>
               <a:t> := </a:t>
             </a:r>
             <a:r>
-              <a:rPr lang="en-US" dirty="0" err="1" smtClean="0">
+              <a:rPr lang="en-US" dirty="0" err="1">
                 <a:sym typeface="Symbol" charset="2"/>
               </a:rPr>
               <a:t>(k,k</a:t>
             </a:r>
             <a:r>
-              <a:rPr lang="en-US" dirty="0" smtClean="0">
+              <a:rPr lang="en-US" dirty="0">
                 <a:sym typeface="Symbol" charset="2"/>
               </a:rPr>
               <a:t>)</a:t>
@@ -19099,16 +18536,15 @@
           </a:p>
           <a:p>
             <a:r>
-              <a:rPr lang="en-US" dirty="0" smtClean="0">
+              <a:rPr lang="en-US" dirty="0">
                 <a:sym typeface="Symbol" charset="2"/>
               </a:rPr>
               <a:t>   </a:t>
             </a:r>
             <a:r>
-              <a:rPr lang="en-US" dirty="0" smtClean="0"/>
+              <a:rPr lang="en-US" dirty="0"/>
               <a:t> if k2 &lt; 100</a:t>
             </a:r>
-            <a:endParaRPr lang="en-US" dirty="0"/>
           </a:p>
         </p:txBody>
       </p:sp>
@@ -19155,16 +18591,12 @@
               <a:t>3: if </a:t>
             </a:r>
             <a:r>
-              <a:rPr lang="en-US" dirty="0" err="1" smtClean="0"/>
+              <a:rPr lang="en-US" dirty="0" err="1"/>
               <a:t>j</a:t>
             </a:r>
             <a:r>
-              <a:rPr lang="en-US" dirty="0" smtClean="0"/>
-              <a:t> </a:t>
-            </a:r>
-            <a:r>
-              <a:rPr lang="en-US" dirty="0"/>
-              <a:t>&lt; 20</a:t>
+              <a:rPr lang="en-US" dirty="0"/>
+              <a:t> &lt; 20</a:t>
             </a:r>
             <a:endParaRPr lang="en-US" sz="2800" dirty="0"/>
           </a:p>
@@ -19273,7 +18705,7 @@
               <a:t>4: return </a:t>
             </a:r>
             <a:r>
-              <a:rPr lang="en-US" dirty="0" err="1" smtClean="0"/>
+              <a:rPr lang="en-US" dirty="0" err="1"/>
               <a:t>j</a:t>
             </a:r>
             <a:endParaRPr lang="en-US" dirty="0"/>
@@ -19323,22 +18755,18 @@
               <a:t>5: </a:t>
             </a:r>
             <a:r>
-              <a:rPr lang="en-US" dirty="0" err="1" smtClean="0"/>
+              <a:rPr lang="en-US" dirty="0" err="1"/>
               <a:t>j</a:t>
             </a:r>
             <a:r>
-              <a:rPr lang="en-US" dirty="0" smtClean="0"/>
-              <a:t> </a:t>
-            </a:r>
-            <a:r>
-              <a:rPr lang="en-US" dirty="0"/>
-              <a:t>:= </a:t>
-            </a:r>
-            <a:r>
-              <a:rPr lang="en-US" dirty="0" err="1" smtClean="0"/>
+              <a:rPr lang="en-US" dirty="0"/>
+              <a:t> := </a:t>
+            </a:r>
+            <a:r>
+              <a:rPr lang="en-US" dirty="0" err="1"/>
               <a:t>i</a:t>
             </a:r>
-            <a:endParaRPr lang="en-US" dirty="0" smtClean="0"/>
+            <a:endParaRPr lang="en-US" dirty="0"/>
           </a:p>
           <a:p>
             <a:r>
@@ -19346,24 +18774,12 @@
               <a:t>    </a:t>
             </a:r>
             <a:r>
-              <a:rPr lang="en-US" dirty="0" err="1" smtClean="0"/>
+              <a:rPr lang="en-US" dirty="0" err="1"/>
               <a:t>k</a:t>
             </a:r>
             <a:r>
-              <a:rPr lang="en-US" dirty="0" smtClean="0"/>
-              <a:t> </a:t>
-            </a:r>
-            <a:r>
-              <a:rPr lang="en-US" dirty="0"/>
-              <a:t>:= </a:t>
-            </a:r>
-            <a:r>
-              <a:rPr lang="en-US" dirty="0" smtClean="0"/>
-              <a:t>k+</a:t>
-            </a:r>
-            <a:r>
-              <a:rPr lang="en-US" dirty="0"/>
-              <a:t>1</a:t>
+              <a:rPr lang="en-US" dirty="0"/>
+              <a:t> := k+1</a:t>
             </a:r>
           </a:p>
         </p:txBody>
@@ -19411,22 +18827,18 @@
               <a:t>6: </a:t>
             </a:r>
             <a:r>
-              <a:rPr lang="en-US" dirty="0" err="1" smtClean="0"/>
+              <a:rPr lang="en-US" dirty="0" err="1"/>
               <a:t>j</a:t>
             </a:r>
             <a:r>
-              <a:rPr lang="en-US" dirty="0" smtClean="0"/>
-              <a:t> </a:t>
-            </a:r>
-            <a:r>
-              <a:rPr lang="en-US" dirty="0"/>
-              <a:t>:= </a:t>
-            </a:r>
-            <a:r>
-              <a:rPr lang="en-US" dirty="0" err="1" smtClean="0"/>
+              <a:rPr lang="en-US" dirty="0"/>
+              <a:t> := </a:t>
+            </a:r>
+            <a:r>
+              <a:rPr lang="en-US" dirty="0" err="1"/>
               <a:t>k</a:t>
             </a:r>
-            <a:endParaRPr lang="en-US" dirty="0" smtClean="0"/>
+            <a:endParaRPr lang="en-US" dirty="0"/>
           </a:p>
           <a:p>
             <a:r>
@@ -19434,20 +18846,12 @@
               <a:t>    </a:t>
             </a:r>
             <a:r>
-              <a:rPr lang="en-US" dirty="0" err="1" smtClean="0"/>
+              <a:rPr lang="en-US" dirty="0" err="1"/>
               <a:t>k</a:t>
             </a:r>
             <a:r>
-              <a:rPr lang="en-US" dirty="0" smtClean="0"/>
-              <a:t> </a:t>
-            </a:r>
-            <a:r>
-              <a:rPr lang="en-US" dirty="0"/>
-              <a:t>:= </a:t>
-            </a:r>
-            <a:r>
-              <a:rPr lang="en-US" dirty="0" smtClean="0"/>
-              <a:t>k+1</a:t>
+              <a:rPr lang="en-US" dirty="0"/>
+              <a:t> := k+1</a:t>
             </a:r>
             <a:endParaRPr lang="en-US" sz="2800" dirty="0"/>
           </a:p>
@@ -19493,40 +18897,36 @@
           <a:p>
             <a:r>
               <a:rPr lang="en-US" dirty="0"/>
-              <a:t>7</a:t>
-            </a:r>
-            <a:r>
-              <a:rPr lang="en-US" dirty="0" smtClean="0"/>
-              <a:t>: </a:t>
-            </a:r>
-            <a:r>
-              <a:rPr lang="en-US" dirty="0" err="1" smtClean="0"/>
+              <a:t>7: </a:t>
+            </a:r>
+            <a:r>
+              <a:rPr lang="en-US" dirty="0" err="1"/>
               <a:t>j</a:t>
             </a:r>
             <a:r>
-              <a:rPr lang="en-US" dirty="0" smtClean="0"/>
+              <a:rPr lang="en-US" dirty="0"/>
               <a:t> := </a:t>
             </a:r>
             <a:r>
-              <a:rPr lang="en-US" dirty="0" err="1" smtClean="0">
+              <a:rPr lang="en-US" dirty="0" err="1">
                 <a:sym typeface="Symbol" charset="2"/>
               </a:rPr>
               <a:t>(j</a:t>
             </a:r>
             <a:r>
-              <a:rPr lang="en-US" dirty="0" smtClean="0">
+              <a:rPr lang="en-US" dirty="0">
                 <a:sym typeface="Symbol" charset="2"/>
               </a:rPr>
               <a:t>, </a:t>
             </a:r>
             <a:r>
-              <a:rPr lang="en-US" dirty="0" err="1" smtClean="0">
+              <a:rPr lang="en-US" dirty="0" err="1">
                 <a:sym typeface="Symbol" charset="2"/>
               </a:rPr>
               <a:t>j</a:t>
             </a:r>
             <a:r>
-              <a:rPr lang="en-US" dirty="0" smtClean="0">
+              <a:rPr lang="en-US" dirty="0">
                 <a:sym typeface="Symbol" charset="2"/>
               </a:rPr>
               <a:t>)</a:t>
@@ -19534,30 +18934,30 @@
           </a:p>
           <a:p>
             <a:r>
-              <a:rPr lang="en-US" dirty="0" smtClean="0"/>
+              <a:rPr lang="en-US" dirty="0"/>
               <a:t>    </a:t>
             </a:r>
             <a:r>
-              <a:rPr lang="en-US" dirty="0" err="1" smtClean="0"/>
+              <a:rPr lang="en-US" dirty="0" err="1"/>
               <a:t>k</a:t>
             </a:r>
             <a:r>
-              <a:rPr lang="en-US" dirty="0" smtClean="0"/>
+              <a:rPr lang="en-US" dirty="0"/>
               <a:t> := </a:t>
             </a:r>
             <a:r>
-              <a:rPr lang="en-US" dirty="0" err="1" smtClean="0">
+              <a:rPr lang="en-US" dirty="0" err="1">
                 <a:sym typeface="Symbol" charset="2"/>
               </a:rPr>
               <a:t>(k,k</a:t>
             </a:r>
             <a:r>
-              <a:rPr lang="en-US" dirty="0" smtClean="0">
+              <a:rPr lang="en-US" dirty="0">
                 <a:sym typeface="Symbol" charset="2"/>
               </a:rPr>
               <a:t>)</a:t>
             </a:r>
-            <a:endParaRPr lang="en-US" dirty="0" smtClean="0"/>
+            <a:endParaRPr lang="en-US" dirty="0"/>
           </a:p>
         </p:txBody>
       </p:sp>
@@ -19773,24 +19173,23 @@
           <a:lstStyle/>
           <a:p>
             <a:r>
-              <a:rPr lang="en-US" dirty="0" smtClean="0"/>
+              <a:rPr lang="en-US" dirty="0"/>
               <a:t>Variable </a:t>
             </a:r>
             <a:r>
-              <a:rPr lang="en-US" dirty="0" err="1" smtClean="0"/>
+              <a:rPr lang="en-US" dirty="0" err="1"/>
               <a:t>k</a:t>
             </a:r>
             <a:r>
-              <a:rPr lang="en-US" dirty="0" smtClean="0"/>
+              <a:rPr lang="en-US" dirty="0"/>
               <a:t> in 5</a:t>
             </a:r>
           </a:p>
           <a:p>
             <a:r>
-              <a:rPr lang="en-US" dirty="0" smtClean="0"/>
+              <a:rPr lang="en-US" dirty="0"/>
               <a:t>DF(5) = { 7 } </a:t>
             </a:r>
-            <a:endParaRPr lang="en-US" dirty="0"/>
           </a:p>
         </p:txBody>
       </p:sp>
@@ -19822,24 +19221,23 @@
           <a:lstStyle/>
           <a:p>
             <a:r>
-              <a:rPr lang="en-US" dirty="0" smtClean="0"/>
+              <a:rPr lang="en-US" dirty="0"/>
               <a:t>Variable </a:t>
             </a:r>
             <a:r>
-              <a:rPr lang="en-US" dirty="0" err="1" smtClean="0"/>
+              <a:rPr lang="en-US" dirty="0" err="1"/>
               <a:t>k</a:t>
             </a:r>
             <a:r>
-              <a:rPr lang="en-US" dirty="0" smtClean="0"/>
+              <a:rPr lang="en-US" dirty="0"/>
               <a:t> in 7</a:t>
             </a:r>
           </a:p>
           <a:p>
             <a:r>
-              <a:rPr lang="en-US" dirty="0" smtClean="0"/>
+              <a:rPr lang="en-US" dirty="0"/>
               <a:t>DF(7) = { 2 } </a:t>
             </a:r>
-            <a:endParaRPr lang="en-US" dirty="0"/>
           </a:p>
         </p:txBody>
       </p:sp>
@@ -19871,24 +19269,23 @@
           <a:lstStyle/>
           <a:p>
             <a:r>
-              <a:rPr lang="en-US" dirty="0" smtClean="0"/>
+              <a:rPr lang="en-US" dirty="0"/>
               <a:t>Variable </a:t>
             </a:r>
             <a:r>
-              <a:rPr lang="en-US" dirty="0" err="1" smtClean="0"/>
+              <a:rPr lang="en-US" dirty="0" err="1"/>
               <a:t>k</a:t>
             </a:r>
             <a:r>
-              <a:rPr lang="en-US" dirty="0" smtClean="0"/>
+              <a:rPr lang="en-US" dirty="0"/>
               <a:t> in 6</a:t>
             </a:r>
           </a:p>
           <a:p>
             <a:r>
-              <a:rPr lang="en-US" dirty="0" smtClean="0"/>
+              <a:rPr lang="en-US" dirty="0"/>
               <a:t>DF(6) = { 7 } </a:t>
             </a:r>
-            <a:endParaRPr lang="en-US" dirty="0"/>
           </a:p>
         </p:txBody>
       </p:sp>
@@ -19897,18 +19294,11 @@
   <p:clrMapOvr>
     <a:masterClrMapping/>
   </p:clrMapOvr>
-  <p:timing>
-    <p:tnLst>
-      <p:par>
-        <p:cTn xmlns:p14="http://schemas.microsoft.com/office/powerpoint/2010/main" id="1" dur="indefinite" restart="never" nodeType="tmRoot"/>
-      </p:par>
-    </p:tnLst>
-  </p:timing>
 </p:sld>
 </file>
 
 <file path=ppt/theme/theme1.xml><?xml version="1.0" encoding="utf-8"?>
-<a:theme xmlns:a="http://schemas.openxmlformats.org/drawingml/2006/main" name="Blank Presentation">
+<a:theme xmlns:a="http://schemas.openxmlformats.org/drawingml/2006/main" name="1_Blank Presentation">
   <a:themeElements>
     <a:clrScheme name="Blank Presentation 1">
       <a:dk1>
@@ -19948,16 +19338,110 @@
         <a:srgbClr val="99CC00"/>
       </a:folHlink>
     </a:clrScheme>
-    <a:fontScheme name="Blank Presentation">
+    <a:fontScheme name="Office">
       <a:majorFont>
-        <a:latin typeface="Times"/>
+        <a:latin typeface="Calibri Light" panose="020F0302020204030204"/>
         <a:ea typeface=""/>
         <a:cs typeface=""/>
+        <a:font script="Jpan" typeface="游ゴシック Light"/>
+        <a:font script="Hang" typeface="맑은 고딕"/>
+        <a:font script="Hans" typeface="等线 Light"/>
+        <a:font script="Hant" typeface="新細明體"/>
+        <a:font script="Arab" typeface="Times New Roman"/>
+        <a:font script="Hebr" typeface="Times New Roman"/>
+        <a:font script="Thai" typeface="Angsana New"/>
+        <a:font script="Ethi" typeface="Nyala"/>
+        <a:font script="Beng" typeface="Vrinda"/>
+        <a:font script="Gujr" typeface="Shruti"/>
+        <a:font script="Khmr" typeface="MoolBoran"/>
+        <a:font script="Knda" typeface="Tunga"/>
+        <a:font script="Guru" typeface="Raavi"/>
+        <a:font script="Cans" typeface="Euphemia"/>
+        <a:font script="Cher" typeface="Plantagenet Cherokee"/>
+        <a:font script="Yiii" typeface="Microsoft Yi Baiti"/>
+        <a:font script="Tibt" typeface="Microsoft Himalaya"/>
+        <a:font script="Thaa" typeface="MV Boli"/>
+        <a:font script="Deva" typeface="Mangal"/>
+        <a:font script="Telu" typeface="Gautami"/>
+        <a:font script="Taml" typeface="Latha"/>
+        <a:font script="Syrc" typeface="Estrangelo Edessa"/>
+        <a:font script="Orya" typeface="Kalinga"/>
+        <a:font script="Mlym" typeface="Kartika"/>
+        <a:font script="Laoo" typeface="DokChampa"/>
+        <a:font script="Sinh" typeface="Iskoola Pota"/>
+        <a:font script="Mong" typeface="Mongolian Baiti"/>
+        <a:font script="Viet" typeface="Times New Roman"/>
+        <a:font script="Uigh" typeface="Microsoft Uighur"/>
+        <a:font script="Geor" typeface="Sylfaen"/>
+        <a:font script="Armn" typeface="Arial"/>
+        <a:font script="Bugi" typeface="Leelawadee UI"/>
+        <a:font script="Bopo" typeface="Microsoft JhengHei"/>
+        <a:font script="Java" typeface="Javanese Text"/>
+        <a:font script="Lisu" typeface="Segoe UI"/>
+        <a:font script="Mymr" typeface="Myanmar Text"/>
+        <a:font script="Nkoo" typeface="Ebrima"/>
+        <a:font script="Olck" typeface="Nirmala UI"/>
+        <a:font script="Osma" typeface="Ebrima"/>
+        <a:font script="Phag" typeface="Phagspa"/>
+        <a:font script="Syrn" typeface="Estrangelo Edessa"/>
+        <a:font script="Syrj" typeface="Estrangelo Edessa"/>
+        <a:font script="Syre" typeface="Estrangelo Edessa"/>
+        <a:font script="Sora" typeface="Nirmala UI"/>
+        <a:font script="Tale" typeface="Microsoft Tai Le"/>
+        <a:font script="Talu" typeface="Microsoft New Tai Lue"/>
+        <a:font script="Tfng" typeface="Ebrima"/>
       </a:majorFont>
       <a:minorFont>
-        <a:latin typeface="Times"/>
+        <a:latin typeface="Calibri" panose="020F0502020204030204"/>
         <a:ea typeface=""/>
         <a:cs typeface=""/>
+        <a:font script="Jpan" typeface="游ゴシック"/>
+        <a:font script="Hang" typeface="맑은 고딕"/>
+        <a:font script="Hans" typeface="等线"/>
+        <a:font script="Hant" typeface="新細明體"/>
+        <a:font script="Arab" typeface="Arial"/>
+        <a:font script="Hebr" typeface="Arial"/>
+        <a:font script="Thai" typeface="Cordia New"/>
+        <a:font script="Ethi" typeface="Nyala"/>
+        <a:font script="Beng" typeface="Vrinda"/>
+        <a:font script="Gujr" typeface="Shruti"/>
+        <a:font script="Khmr" typeface="DaunPenh"/>
+        <a:font script="Knda" typeface="Tunga"/>
+        <a:font script="Guru" typeface="Raavi"/>
+        <a:font script="Cans" typeface="Euphemia"/>
+        <a:font script="Cher" typeface="Plantagenet Cherokee"/>
+        <a:font script="Yiii" typeface="Microsoft Yi Baiti"/>
+        <a:font script="Tibt" typeface="Microsoft Himalaya"/>
+        <a:font script="Thaa" typeface="MV Boli"/>
+        <a:font script="Deva" typeface="Mangal"/>
+        <a:font script="Telu" typeface="Gautami"/>
+        <a:font script="Taml" typeface="Latha"/>
+        <a:font script="Syrc" typeface="Estrangelo Edessa"/>
+        <a:font script="Orya" typeface="Kalinga"/>
+        <a:font script="Mlym" typeface="Kartika"/>
+        <a:font script="Laoo" typeface="DokChampa"/>
+        <a:font script="Sinh" typeface="Iskoola Pota"/>
+        <a:font script="Mong" typeface="Mongolian Baiti"/>
+        <a:font script="Viet" typeface="Arial"/>
+        <a:font script="Uigh" typeface="Microsoft Uighur"/>
+        <a:font script="Geor" typeface="Sylfaen"/>
+        <a:font script="Armn" typeface="Arial"/>
+        <a:font script="Bugi" typeface="Leelawadee UI"/>
+        <a:font script="Bopo" typeface="Microsoft JhengHei"/>
+        <a:font script="Java" typeface="Javanese Text"/>
+        <a:font script="Lisu" typeface="Segoe UI"/>
+        <a:font script="Mymr" typeface="Myanmar Text"/>
+        <a:font script="Nkoo" typeface="Ebrima"/>
+        <a:font script="Olck" typeface="Nirmala UI"/>
+        <a:font script="Osma" typeface="Ebrima"/>
+        <a:font script="Phag" typeface="Phagspa"/>
+        <a:font script="Syrn" typeface="Estrangelo Edessa"/>
+        <a:font script="Syrj" typeface="Estrangelo Edessa"/>
+        <a:font script="Syre" typeface="Estrangelo Edessa"/>
+        <a:font script="Sora" typeface="Nirmala UI"/>
+        <a:font script="Tale" typeface="Microsoft Tai Le"/>
+        <a:font script="Talu" typeface="Microsoft New Tai Lue"/>
+        <a:font script="Tfng" typeface="Ebrima"/>
       </a:minorFont>
     </a:fontScheme>
     <a:fmtScheme name="Office">

--- a/assets/ppt/codegen/ssaform3.pptx
+++ b/assets/ppt/codegen/ssaform3.pptx
@@ -5,10 +5,10 @@
     <p:sldMasterId id="2147483660" r:id="rId1"/>
   </p:sldMasterIdLst>
   <p:notesMasterIdLst>
-    <p:notesMasterId r:id="rId17"/>
+    <p:notesMasterId r:id="rId18"/>
   </p:notesMasterIdLst>
   <p:handoutMasterIdLst>
-    <p:handoutMasterId r:id="rId18"/>
+    <p:handoutMasterId r:id="rId19"/>
   </p:handoutMasterIdLst>
   <p:sldIdLst>
     <p:sldId id="350" r:id="rId2"/>
@@ -22,10 +22,11 @@
     <p:sldId id="335" r:id="rId10"/>
     <p:sldId id="332" r:id="rId11"/>
     <p:sldId id="351" r:id="rId12"/>
-    <p:sldId id="352" r:id="rId13"/>
-    <p:sldId id="353" r:id="rId14"/>
-    <p:sldId id="354" r:id="rId15"/>
-    <p:sldId id="355" r:id="rId16"/>
+    <p:sldId id="356" r:id="rId13"/>
+    <p:sldId id="352" r:id="rId14"/>
+    <p:sldId id="353" r:id="rId15"/>
+    <p:sldId id="354" r:id="rId16"/>
+    <p:sldId id="355" r:id="rId17"/>
   </p:sldIdLst>
   <p:sldSz cx="9144000" cy="6858000" type="screen4x3"/>
   <p:notesSz cx="6858000" cy="9144000"/>
@@ -256,7 +257,7 @@
             <a:fld id="{2A2B9AA4-819F-8549-A06A-E1B5D9D61F62}" type="datetimeFigureOut">
               <a:rPr lang="en-US" smtClean="0"/>
               <a:pPr/>
-              <a:t>7/18/19</a:t>
+              <a:t>8/8/19</a:t>
             </a:fld>
             <a:endParaRPr lang="en-US"/>
           </a:p>
@@ -1124,6 +1125,11 @@
         </p:txBody>
       </p:sp>
     </p:spTree>
+    <p:extLst>
+      <p:ext uri="{BB962C8B-B14F-4D97-AF65-F5344CB8AC3E}">
+        <p14:creationId xmlns:p14="http://schemas.microsoft.com/office/powerpoint/2010/main" val="3647897415"/>
+      </p:ext>
+    </p:extLst>
   </p:cSld>
   <p:clrMapOvr>
     <a:masterClrMapping/>
@@ -1169,6 +1175,90 @@
               <a:rPr lang="en-US"/>
               <a:pPr/>
               <a:t>13</a:t>
+            </a:fld>
+            <a:endParaRPr lang="en-US"/>
+          </a:p>
+        </p:txBody>
+      </p:sp>
+      <p:sp>
+        <p:nvSpPr>
+          <p:cNvPr id="241666" name="Rectangle 2"/>
+          <p:cNvSpPr>
+            <a:spLocks noGrp="1" noRot="1" noChangeAspect="1" noChangeArrowheads="1" noTextEdit="1"/>
+          </p:cNvSpPr>
+          <p:nvPr>
+            <p:ph type="sldImg"/>
+          </p:nvPr>
+        </p:nvSpPr>
+        <p:spPr>
+          <a:ln/>
+        </p:spPr>
+      </p:sp>
+      <p:sp>
+        <p:nvSpPr>
+          <p:cNvPr id="241667" name="Rectangle 3"/>
+          <p:cNvSpPr>
+            <a:spLocks noGrp="1" noChangeArrowheads="1"/>
+          </p:cNvSpPr>
+          <p:nvPr>
+            <p:ph type="body" idx="1"/>
+          </p:nvPr>
+        </p:nvSpPr>
+        <p:spPr/>
+        <p:txBody>
+          <a:bodyPr/>
+          <a:lstStyle/>
+          <a:p>
+            <a:endParaRPr lang="en-US"/>
+          </a:p>
+        </p:txBody>
+      </p:sp>
+    </p:spTree>
+  </p:cSld>
+  <p:clrMapOvr>
+    <a:masterClrMapping/>
+  </p:clrMapOvr>
+</p:notes>
+</file>
+
+<file path=ppt/notesSlides/notesSlide14.xml><?xml version="1.0" encoding="utf-8"?>
+<p:notes xmlns:a="http://schemas.openxmlformats.org/drawingml/2006/main" xmlns:r="http://schemas.openxmlformats.org/officeDocument/2006/relationships" xmlns:p="http://schemas.openxmlformats.org/presentationml/2006/main">
+  <p:cSld>
+    <p:spTree>
+      <p:nvGrpSpPr>
+        <p:cNvPr id="1" name=""/>
+        <p:cNvGrpSpPr/>
+        <p:nvPr/>
+      </p:nvGrpSpPr>
+      <p:grpSpPr>
+        <a:xfrm>
+          <a:off x="0" y="0"/>
+          <a:ext cx="0" cy="0"/>
+          <a:chOff x="0" y="0"/>
+          <a:chExt cx="0" cy="0"/>
+        </a:xfrm>
+      </p:grpSpPr>
+      <p:sp>
+        <p:nvSpPr>
+          <p:cNvPr id="7" name="Rectangle 7"/>
+          <p:cNvSpPr>
+            <a:spLocks noGrp="1" noChangeArrowheads="1"/>
+          </p:cNvSpPr>
+          <p:nvPr>
+            <p:ph type="sldNum" sz="quarter" idx="5"/>
+          </p:nvPr>
+        </p:nvSpPr>
+        <p:spPr>
+          <a:ln/>
+        </p:spPr>
+        <p:txBody>
+          <a:bodyPr/>
+          <a:lstStyle/>
+          <a:p>
+            <a:fld id="{0D160F6A-BB48-D14B-BF5E-9741EF3DA305}" type="slidenum">
+              <a:rPr lang="en-US"/>
+              <a:pPr/>
+              <a:t>14</a:t>
             </a:fld>
             <a:endParaRPr lang="en-US"/>
           </a:p>
@@ -7345,7 +7435,7 @@
         <p:spPr bwMode="auto">
           <a:xfrm>
             <a:off x="2089821" y="3573016"/>
-            <a:ext cx="1723849" cy="1200328"/>
+            <a:ext cx="1640593" cy="461665"/>
           </a:xfrm>
           <a:prstGeom prst="rect">
             <a:avLst/>
@@ -7374,65 +7464,7 @@
           <a:p>
             <a:r>
               <a:rPr lang="en-US" dirty="0"/>
-              <a:t>2: </a:t>
-            </a:r>
-            <a:r>
-              <a:rPr lang="en-US" dirty="0" err="1"/>
-              <a:t>i</a:t>
-            </a:r>
-            <a:r>
-              <a:rPr lang="en-US" dirty="0"/>
-              <a:t> = </a:t>
-            </a:r>
-            <a:r>
-              <a:rPr lang="en-US" dirty="0">
-                <a:sym typeface="Symbol" charset="2"/>
-              </a:rPr>
-              <a:t>(</a:t>
-            </a:r>
-            <a:r>
-              <a:rPr lang="en-US" dirty="0" err="1">
-                <a:sym typeface="Symbol" charset="2"/>
-              </a:rPr>
-              <a:t>i,i</a:t>
-            </a:r>
-            <a:r>
-              <a:rPr lang="en-US" dirty="0">
-                <a:sym typeface="Symbol" charset="2"/>
-              </a:rPr>
-              <a:t>)</a:t>
-            </a:r>
-            <a:endParaRPr lang="en-US" dirty="0"/>
-          </a:p>
-          <a:p>
-            <a:r>
-              <a:rPr lang="en-US" dirty="0"/>
-              <a:t>    k = </a:t>
-            </a:r>
-            <a:r>
-              <a:rPr lang="en-US" dirty="0">
-                <a:sym typeface="Symbol" charset="2"/>
-              </a:rPr>
-              <a:t>(</a:t>
-            </a:r>
-            <a:r>
-              <a:rPr lang="en-US" dirty="0" err="1">
-                <a:sym typeface="Symbol" charset="2"/>
-              </a:rPr>
-              <a:t>k,k</a:t>
-            </a:r>
-            <a:r>
-              <a:rPr lang="en-US" dirty="0">
-                <a:sym typeface="Symbol" charset="2"/>
-              </a:rPr>
-              <a:t>)</a:t>
-            </a:r>
-            <a:endParaRPr lang="en-US" dirty="0"/>
-          </a:p>
-          <a:p>
-            <a:r>
-              <a:rPr lang="en-US" dirty="0"/>
-              <a:t>    if </a:t>
+              <a:t>2: if </a:t>
             </a:r>
             <a:r>
               <a:rPr lang="en-US" dirty="0" err="1"/>
@@ -7456,7 +7488,7 @@
         </p:nvSpPr>
         <p:spPr bwMode="auto">
           <a:xfrm>
-            <a:off x="1138064" y="5301208"/>
+            <a:off x="1175421" y="4487416"/>
             <a:ext cx="1752600" cy="830997"/>
           </a:xfrm>
           <a:prstGeom prst="rect">
@@ -7518,7 +7550,7 @@
         <p:spPr bwMode="auto">
           <a:xfrm>
             <a:off x="2702189" y="3246368"/>
-            <a:ext cx="249557" cy="326648"/>
+            <a:ext cx="207929" cy="326648"/>
           </a:xfrm>
           <a:prstGeom prst="straightConnector1">
             <a:avLst/>
@@ -7547,8 +7579,8 @@
         </p:nvCxnSpPr>
         <p:spPr bwMode="auto">
           <a:xfrm flipH="1">
-            <a:off x="2014364" y="4773344"/>
-            <a:ext cx="937382" cy="527864"/>
+            <a:off x="2051721" y="4034681"/>
+            <a:ext cx="858397" cy="452735"/>
           </a:xfrm>
           <a:prstGeom prst="straightConnector1">
             <a:avLst/>
@@ -7575,7 +7607,7 @@
         </p:nvSpPr>
         <p:spPr bwMode="auto">
           <a:xfrm>
-            <a:off x="3347864" y="5301208"/>
+            <a:off x="3385221" y="4487416"/>
             <a:ext cx="1676400" cy="466725"/>
           </a:xfrm>
           <a:prstGeom prst="rect">
@@ -7622,8 +7654,8 @@
         </p:nvCxnSpPr>
         <p:spPr bwMode="auto">
           <a:xfrm>
-            <a:off x="2951746" y="4773344"/>
-            <a:ext cx="1234318" cy="527864"/>
+            <a:off x="2910118" y="4034681"/>
+            <a:ext cx="1313303" cy="452735"/>
           </a:xfrm>
           <a:prstGeom prst="straightConnector1">
             <a:avLst/>
@@ -7652,14 +7684,14 @@
         </p:nvCxnSpPr>
         <p:spPr bwMode="auto">
           <a:xfrm rot="5400000" flipH="1" flipV="1">
-            <a:off x="1203460" y="4383920"/>
-            <a:ext cx="2559189" cy="937382"/>
+            <a:off x="1608220" y="4016516"/>
+            <a:ext cx="1745397" cy="858397"/>
           </a:xfrm>
           <a:prstGeom prst="curvedConnector5">
             <a:avLst>
-              <a:gd name="adj1" fmla="val -8933"/>
-              <a:gd name="adj2" fmla="val 379321"/>
-              <a:gd name="adj3" fmla="val 108933"/>
+              <a:gd name="adj1" fmla="val -13097"/>
+              <a:gd name="adj2" fmla="val 406073"/>
+              <a:gd name="adj3" fmla="val 121850"/>
             </a:avLst>
           </a:prstGeom>
           <a:noFill/>
@@ -7897,194 +7929,10 @@
           </a:p>
         </p:txBody>
       </p:sp>
-      <p:sp>
-        <p:nvSpPr>
-          <p:cNvPr id="25" name="TextBox 24"/>
-          <p:cNvSpPr txBox="1"/>
-          <p:nvPr/>
-        </p:nvSpPr>
-        <p:spPr>
-          <a:xfrm>
-            <a:off x="107504" y="332656"/>
-            <a:ext cx="1837011" cy="707886"/>
-          </a:xfrm>
-          <a:prstGeom prst="rect">
-            <a:avLst/>
-          </a:prstGeom>
-          <a:solidFill>
-            <a:schemeClr val="accent6">
-              <a:lumMod val="60000"/>
-              <a:lumOff val="40000"/>
-            </a:schemeClr>
-          </a:solidFill>
-        </p:spPr>
-        <p:txBody>
-          <a:bodyPr wrap="none" rtlCol="0">
-            <a:spAutoFit/>
-          </a:bodyPr>
-          <a:lstStyle/>
-          <a:p>
-            <a:r>
-              <a:rPr lang="en-US" sz="2000" dirty="0"/>
-              <a:t>Variable </a:t>
-            </a:r>
-            <a:r>
-              <a:rPr lang="en-US" sz="2000" dirty="0" err="1"/>
-              <a:t>i,k</a:t>
-            </a:r>
-            <a:r>
-              <a:rPr lang="en-US" sz="2000" dirty="0"/>
-              <a:t> in 1</a:t>
-            </a:r>
-          </a:p>
-          <a:p>
-            <a:r>
-              <a:rPr lang="en-US" sz="2000" dirty="0"/>
-              <a:t>DF(1) = {} </a:t>
-            </a:r>
-          </a:p>
-        </p:txBody>
-      </p:sp>
-      <p:sp>
-        <p:nvSpPr>
-          <p:cNvPr id="26" name="TextBox 25"/>
-          <p:cNvSpPr txBox="1"/>
-          <p:nvPr/>
-        </p:nvSpPr>
-        <p:spPr>
-          <a:xfrm>
-            <a:off x="107504" y="1124744"/>
-            <a:ext cx="1630499" cy="707886"/>
-          </a:xfrm>
-          <a:prstGeom prst="rect">
-            <a:avLst/>
-          </a:prstGeom>
-          <a:solidFill>
-            <a:schemeClr val="accent6">
-              <a:lumMod val="60000"/>
-              <a:lumOff val="40000"/>
-            </a:schemeClr>
-          </a:solidFill>
-        </p:spPr>
-        <p:txBody>
-          <a:bodyPr wrap="none" rtlCol="0">
-            <a:spAutoFit/>
-          </a:bodyPr>
-          <a:lstStyle/>
-          <a:p>
-            <a:r>
-              <a:rPr lang="en-US" sz="2000" dirty="0"/>
-              <a:t>Variable </a:t>
-            </a:r>
-            <a:r>
-              <a:rPr lang="en-US" sz="2000" dirty="0" err="1"/>
-              <a:t>i</a:t>
-            </a:r>
-            <a:r>
-              <a:rPr lang="en-US" sz="2000" dirty="0"/>
-              <a:t> in 2</a:t>
-            </a:r>
-          </a:p>
-          <a:p>
-            <a:r>
-              <a:rPr lang="en-US" sz="2000" dirty="0"/>
-              <a:t>DF(2) = {2} </a:t>
-            </a:r>
-          </a:p>
-        </p:txBody>
-      </p:sp>
-      <p:sp>
-        <p:nvSpPr>
-          <p:cNvPr id="27" name="TextBox 26"/>
-          <p:cNvSpPr txBox="1"/>
-          <p:nvPr/>
-        </p:nvSpPr>
-        <p:spPr>
-          <a:xfrm>
-            <a:off x="107504" y="1988840"/>
-            <a:ext cx="1837011" cy="707886"/>
-          </a:xfrm>
-          <a:prstGeom prst="rect">
-            <a:avLst/>
-          </a:prstGeom>
-          <a:solidFill>
-            <a:schemeClr val="accent6">
-              <a:lumMod val="60000"/>
-              <a:lumOff val="40000"/>
-            </a:schemeClr>
-          </a:solidFill>
-        </p:spPr>
-        <p:txBody>
-          <a:bodyPr wrap="none" rtlCol="0">
-            <a:spAutoFit/>
-          </a:bodyPr>
-          <a:lstStyle/>
-          <a:p>
-            <a:r>
-              <a:rPr lang="en-US" sz="2000" dirty="0"/>
-              <a:t>Variable </a:t>
-            </a:r>
-            <a:r>
-              <a:rPr lang="en-US" sz="2000" dirty="0" err="1"/>
-              <a:t>i,k</a:t>
-            </a:r>
-            <a:r>
-              <a:rPr lang="en-US" sz="2000" dirty="0"/>
-              <a:t> in 3</a:t>
-            </a:r>
-          </a:p>
-          <a:p>
-            <a:r>
-              <a:rPr lang="en-US" sz="2000" dirty="0"/>
-              <a:t>DF(3) = {2} </a:t>
-            </a:r>
-          </a:p>
-        </p:txBody>
-      </p:sp>
-      <p:sp>
-        <p:nvSpPr>
-          <p:cNvPr id="32" name="TextBox 31"/>
-          <p:cNvSpPr txBox="1"/>
-          <p:nvPr/>
-        </p:nvSpPr>
-        <p:spPr>
-          <a:xfrm>
-            <a:off x="107504" y="2852936"/>
-            <a:ext cx="1731814" cy="707886"/>
-          </a:xfrm>
-          <a:prstGeom prst="rect">
-            <a:avLst/>
-          </a:prstGeom>
-          <a:solidFill>
-            <a:schemeClr val="accent6">
-              <a:lumMod val="60000"/>
-              <a:lumOff val="40000"/>
-            </a:schemeClr>
-          </a:solidFill>
-        </p:spPr>
-        <p:txBody>
-          <a:bodyPr wrap="none" rtlCol="0">
-            <a:spAutoFit/>
-          </a:bodyPr>
-          <a:lstStyle/>
-          <a:p>
-            <a:r>
-              <a:rPr lang="en-US" sz="2000" dirty="0"/>
-              <a:t>Variable k in 4</a:t>
-            </a:r>
-          </a:p>
-          <a:p>
-            <a:r>
-              <a:rPr lang="en-US" sz="2000" dirty="0"/>
-              <a:t>DF(4) = {} </a:t>
-            </a:r>
-          </a:p>
-        </p:txBody>
-      </p:sp>
     </p:spTree>
     <p:extLst>
       <p:ext uri="{BB962C8B-B14F-4D97-AF65-F5344CB8AC3E}">
-        <p14:creationId xmlns:p14="http://schemas.microsoft.com/office/powerpoint/2010/main" val="407226780"/>
+        <p14:creationId xmlns:p14="http://schemas.microsoft.com/office/powerpoint/2010/main" val="676870744"/>
       </p:ext>
     </p:extLst>
   </p:cSld>
@@ -8687,8 +8535,8 @@
         </p:nvSpPr>
         <p:spPr bwMode="auto">
           <a:xfrm>
-            <a:off x="3305573" y="1849760"/>
-            <a:ext cx="1683424" cy="892552"/>
+            <a:off x="1937421" y="2353816"/>
+            <a:ext cx="1529535" cy="892552"/>
           </a:xfrm>
           <a:prstGeom prst="rect">
             <a:avLst/>
@@ -8717,7 +8565,7 @@
           <a:p>
             <a:r>
               <a:rPr lang="en-US" dirty="0"/>
-              <a:t>1: k1 := 100</a:t>
+              <a:t>1: k := 100</a:t>
             </a:r>
           </a:p>
           <a:p>
@@ -8726,8 +8574,12 @@
               <a:t>    </a:t>
             </a:r>
             <a:r>
-              <a:rPr lang="en-US" dirty="0"/>
-              <a:t>i1 := 0</a:t>
+              <a:rPr lang="en-US" dirty="0" err="1"/>
+              <a:t>i</a:t>
+            </a:r>
+            <a:r>
+              <a:rPr lang="en-US" dirty="0"/>
+              <a:t> := 0</a:t>
             </a:r>
             <a:endParaRPr lang="en-US" sz="2800" dirty="0"/>
           </a:p>
@@ -8743,8 +8595,8 @@
         </p:nvSpPr>
         <p:spPr bwMode="auto">
           <a:xfrm>
-            <a:off x="3457973" y="3068960"/>
-            <a:ext cx="2185514" cy="1200328"/>
+            <a:off x="2089821" y="3573016"/>
+            <a:ext cx="1723849" cy="1200328"/>
           </a:xfrm>
           <a:prstGeom prst="rect">
             <a:avLst/>
@@ -8773,33 +8625,73 @@
           <a:p>
             <a:r>
               <a:rPr lang="en-US" dirty="0"/>
-              <a:t>2: i2 = </a:t>
+              <a:t>2: </a:t>
+            </a:r>
+            <a:r>
+              <a:rPr lang="en-US" dirty="0" err="1"/>
+              <a:t>i</a:t>
+            </a:r>
+            <a:r>
+              <a:rPr lang="en-US" dirty="0"/>
+              <a:t> = </a:t>
             </a:r>
             <a:r>
               <a:rPr lang="en-US" dirty="0">
                 <a:sym typeface="Symbol" charset="2"/>
               </a:rPr>
-              <a:t>(i1,i3)</a:t>
-            </a:r>
-            <a:endParaRPr lang="en-US" dirty="0"/>
-          </a:p>
-          <a:p>
-            <a:r>
-              <a:rPr lang="en-US" dirty="0"/>
-              <a:t>    k2 = </a:t>
+              <a:t>(</a:t>
+            </a:r>
+            <a:r>
+              <a:rPr lang="en-US" dirty="0" err="1">
+                <a:sym typeface="Symbol" charset="2"/>
+              </a:rPr>
+              <a:t>i,i</a:t>
             </a:r>
             <a:r>
               <a:rPr lang="en-US" dirty="0">
                 <a:sym typeface="Symbol" charset="2"/>
               </a:rPr>
-              <a:t>(k1,k3)</a:t>
+              <a:t>)</a:t>
             </a:r>
             <a:endParaRPr lang="en-US" dirty="0"/>
           </a:p>
           <a:p>
             <a:r>
               <a:rPr lang="en-US" dirty="0"/>
-              <a:t>    if i2 &lt; 100</a:t>
+              <a:t>    k = </a:t>
+            </a:r>
+            <a:r>
+              <a:rPr lang="en-US" dirty="0">
+                <a:sym typeface="Symbol" charset="2"/>
+              </a:rPr>
+              <a:t>(</a:t>
+            </a:r>
+            <a:r>
+              <a:rPr lang="en-US" dirty="0" err="1">
+                <a:sym typeface="Symbol" charset="2"/>
+              </a:rPr>
+              <a:t>k,k</a:t>
+            </a:r>
+            <a:r>
+              <a:rPr lang="en-US" dirty="0">
+                <a:sym typeface="Symbol" charset="2"/>
+              </a:rPr>
+              <a:t>)</a:t>
+            </a:r>
+            <a:endParaRPr lang="en-US" dirty="0"/>
+          </a:p>
+          <a:p>
+            <a:r>
+              <a:rPr lang="en-US" dirty="0"/>
+              <a:t>    if </a:t>
+            </a:r>
+            <a:r>
+              <a:rPr lang="en-US" dirty="0" err="1"/>
+              <a:t>i</a:t>
+            </a:r>
+            <a:r>
+              <a:rPr lang="en-US" dirty="0"/>
+              <a:t> &lt; 100</a:t>
             </a:r>
             <a:endParaRPr lang="en-US" sz="2800" dirty="0"/>
           </a:p>
@@ -8815,8 +8707,8 @@
         </p:nvSpPr>
         <p:spPr bwMode="auto">
           <a:xfrm>
-            <a:off x="2506216" y="4797152"/>
-            <a:ext cx="1993776" cy="830997"/>
+            <a:off x="1138064" y="5301208"/>
+            <a:ext cx="1752600" cy="830997"/>
           </a:xfrm>
           <a:prstGeom prst="rect">
             <a:avLst/>
@@ -8835,7 +8727,7 @@
           <a:effectLst/>
         </p:spPr>
         <p:txBody>
-          <a:bodyPr wrap="square">
+          <a:bodyPr>
             <a:prstTxWarp prst="textNoShape">
               <a:avLst/>
             </a:prstTxWarp>
@@ -8845,13 +8737,21 @@
           <a:p>
             <a:r>
               <a:rPr lang="en-US" dirty="0"/>
-              <a:t>3: k3 := k2+1</a:t>
-            </a:r>
-          </a:p>
-          <a:p>
-            <a:r>
-              <a:rPr lang="en-US" dirty="0"/>
-              <a:t>    i3 := i2+1</a:t>
+              <a:t>3: k := k+1</a:t>
+            </a:r>
+          </a:p>
+          <a:p>
+            <a:r>
+              <a:rPr lang="en-US" dirty="0"/>
+              <a:t>    </a:t>
+            </a:r>
+            <a:r>
+              <a:rPr lang="en-US" dirty="0" err="1"/>
+              <a:t>i</a:t>
+            </a:r>
+            <a:r>
+              <a:rPr lang="en-US" dirty="0"/>
+              <a:t> := i+1</a:t>
             </a:r>
           </a:p>
         </p:txBody>
@@ -8868,8 +8768,8 @@
         </p:nvCxnSpPr>
         <p:spPr bwMode="auto">
           <a:xfrm>
-            <a:off x="4147285" y="2742312"/>
-            <a:ext cx="403445" cy="326648"/>
+            <a:off x="2702189" y="3246368"/>
+            <a:ext cx="249557" cy="326648"/>
           </a:xfrm>
           <a:prstGeom prst="straightConnector1">
             <a:avLst/>
@@ -8898,8 +8798,8 @@
         </p:nvCxnSpPr>
         <p:spPr bwMode="auto">
           <a:xfrm flipH="1">
-            <a:off x="3503104" y="4269288"/>
-            <a:ext cx="1047626" cy="527864"/>
+            <a:off x="2014364" y="4773344"/>
+            <a:ext cx="937382" cy="527864"/>
           </a:xfrm>
           <a:prstGeom prst="straightConnector1">
             <a:avLst/>
@@ -8926,7 +8826,7 @@
         </p:nvSpPr>
         <p:spPr bwMode="auto">
           <a:xfrm>
-            <a:off x="4716016" y="4797152"/>
+            <a:off x="3347864" y="5301208"/>
             <a:ext cx="1676400" cy="466725"/>
           </a:xfrm>
           <a:prstGeom prst="rect">
@@ -8973,8 +8873,8 @@
         </p:nvCxnSpPr>
         <p:spPr bwMode="auto">
           <a:xfrm>
-            <a:off x="4550730" y="4269288"/>
-            <a:ext cx="1003486" cy="527864"/>
+            <a:off x="2951746" y="4773344"/>
+            <a:ext cx="1234318" cy="527864"/>
           </a:xfrm>
           <a:prstGeom prst="straightConnector1">
             <a:avLst/>
@@ -9003,13 +8903,13 @@
         </p:nvCxnSpPr>
         <p:spPr bwMode="auto">
           <a:xfrm rot="5400000" flipH="1" flipV="1">
-            <a:off x="2747322" y="3824742"/>
-            <a:ext cx="2559189" cy="1047626"/>
+            <a:off x="1203460" y="4383920"/>
+            <a:ext cx="2559189" cy="937382"/>
           </a:xfrm>
           <a:prstGeom prst="curvedConnector5">
             <a:avLst>
               <a:gd name="adj1" fmla="val -8933"/>
-              <a:gd name="adj2" fmla="val 334592"/>
+              <a:gd name="adj2" fmla="val 379321"/>
               <a:gd name="adj3" fmla="val 108933"/>
             </a:avLst>
           </a:prstGeom>
@@ -9025,16 +8925,943 @@
           <a:effectLst/>
         </p:spPr>
       </p:cxnSp>
+      <p:sp>
+        <p:nvSpPr>
+          <p:cNvPr id="22" name="TextBox 21"/>
+          <p:cNvSpPr txBox="1"/>
+          <p:nvPr/>
+        </p:nvSpPr>
+        <p:spPr>
+          <a:xfrm>
+            <a:off x="1907704" y="1628800"/>
+            <a:ext cx="2680992" cy="461665"/>
+          </a:xfrm>
+          <a:prstGeom prst="rect">
+            <a:avLst/>
+          </a:prstGeom>
+          <a:noFill/>
+        </p:spPr>
+        <p:txBody>
+          <a:bodyPr wrap="none" rtlCol="0">
+            <a:spAutoFit/>
+          </a:bodyPr>
+          <a:lstStyle/>
+          <a:p>
+            <a:r>
+              <a:rPr lang="en-US" dirty="0"/>
+              <a:t>Control Flow Graph</a:t>
+            </a:r>
+          </a:p>
+        </p:txBody>
+      </p:sp>
+      <p:sp>
+        <p:nvSpPr>
+          <p:cNvPr id="16" name="TextBox 15"/>
+          <p:cNvSpPr txBox="1"/>
+          <p:nvPr/>
+        </p:nvSpPr>
+        <p:spPr>
+          <a:xfrm>
+            <a:off x="5940152" y="2276872"/>
+            <a:ext cx="2095445" cy="1569660"/>
+          </a:xfrm>
+          <a:prstGeom prst="rect">
+            <a:avLst/>
+          </a:prstGeom>
+          <a:solidFill>
+            <a:schemeClr val="accent2">
+              <a:lumMod val="60000"/>
+              <a:lumOff val="40000"/>
+            </a:schemeClr>
+          </a:solidFill>
+        </p:spPr>
+        <p:txBody>
+          <a:bodyPr wrap="none" rtlCol="0">
+            <a:spAutoFit/>
+          </a:bodyPr>
+          <a:lstStyle/>
+          <a:p>
+            <a:pPr>
+              <a:buFont typeface="Arial"/>
+              <a:buChar char="•"/>
+            </a:pPr>
+            <a:r>
+              <a:rPr lang="en-US" dirty="0"/>
+              <a:t>D(1) = {2,3,4}</a:t>
+            </a:r>
+          </a:p>
+          <a:p>
+            <a:pPr>
+              <a:buFont typeface="Arial"/>
+              <a:buChar char="•"/>
+            </a:pPr>
+            <a:r>
+              <a:rPr lang="en-US" dirty="0"/>
+              <a:t>D(2) = {3,4}</a:t>
+            </a:r>
+          </a:p>
+          <a:p>
+            <a:pPr>
+              <a:buFont typeface="Arial"/>
+              <a:buChar char="•"/>
+            </a:pPr>
+            <a:r>
+              <a:rPr lang="en-US" dirty="0"/>
+              <a:t>D(3) = {}</a:t>
+            </a:r>
+          </a:p>
+          <a:p>
+            <a:pPr>
+              <a:buFont typeface="Arial"/>
+              <a:buChar char="•"/>
+            </a:pPr>
+            <a:r>
+              <a:rPr lang="en-US" dirty="0"/>
+              <a:t>D(4) = {}</a:t>
+            </a:r>
+          </a:p>
+        </p:txBody>
+      </p:sp>
+      <p:sp>
+        <p:nvSpPr>
+          <p:cNvPr id="17" name="TextBox 16"/>
+          <p:cNvSpPr txBox="1"/>
+          <p:nvPr/>
+        </p:nvSpPr>
+        <p:spPr>
+          <a:xfrm>
+            <a:off x="5796136" y="1628800"/>
+            <a:ext cx="2842846" cy="461665"/>
+          </a:xfrm>
+          <a:prstGeom prst="rect">
+            <a:avLst/>
+          </a:prstGeom>
+          <a:noFill/>
+        </p:spPr>
+        <p:txBody>
+          <a:bodyPr wrap="none" rtlCol="0">
+            <a:spAutoFit/>
+          </a:bodyPr>
+          <a:lstStyle/>
+          <a:p>
+            <a:r>
+              <a:rPr lang="en-US" dirty="0"/>
+              <a:t>Dominance Relations</a:t>
+            </a:r>
+          </a:p>
+        </p:txBody>
+      </p:sp>
+      <p:sp>
+        <p:nvSpPr>
+          <p:cNvPr id="23" name="TextBox 22"/>
+          <p:cNvSpPr txBox="1"/>
+          <p:nvPr/>
+        </p:nvSpPr>
+        <p:spPr>
+          <a:xfrm>
+            <a:off x="6100936" y="4538464"/>
+            <a:ext cx="1800493" cy="1569660"/>
+          </a:xfrm>
+          <a:prstGeom prst="rect">
+            <a:avLst/>
+          </a:prstGeom>
+          <a:solidFill>
+            <a:schemeClr val="accent2">
+              <a:lumMod val="60000"/>
+              <a:lumOff val="40000"/>
+            </a:schemeClr>
+          </a:solidFill>
+        </p:spPr>
+        <p:txBody>
+          <a:bodyPr wrap="none" rtlCol="0">
+            <a:spAutoFit/>
+          </a:bodyPr>
+          <a:lstStyle/>
+          <a:p>
+            <a:pPr>
+              <a:buFont typeface="Arial"/>
+              <a:buChar char="•"/>
+            </a:pPr>
+            <a:r>
+              <a:rPr lang="en-US" dirty="0"/>
+              <a:t>DF(1) = {}</a:t>
+            </a:r>
+          </a:p>
+          <a:p>
+            <a:pPr>
+              <a:buFont typeface="Arial"/>
+              <a:buChar char="•"/>
+            </a:pPr>
+            <a:r>
+              <a:rPr lang="en-US" dirty="0"/>
+              <a:t>DF(2) = {2}</a:t>
+            </a:r>
+          </a:p>
+          <a:p>
+            <a:pPr>
+              <a:buFont typeface="Arial"/>
+              <a:buChar char="•"/>
+            </a:pPr>
+            <a:r>
+              <a:rPr lang="en-US" dirty="0"/>
+              <a:t>DF(3) = {2}</a:t>
+            </a:r>
+          </a:p>
+          <a:p>
+            <a:pPr>
+              <a:buFont typeface="Arial"/>
+              <a:buChar char="•"/>
+            </a:pPr>
+            <a:r>
+              <a:rPr lang="en-US" dirty="0"/>
+              <a:t>DF(4) = {}</a:t>
+            </a:r>
+          </a:p>
+        </p:txBody>
+      </p:sp>
+      <p:sp>
+        <p:nvSpPr>
+          <p:cNvPr id="24" name="TextBox 23"/>
+          <p:cNvSpPr txBox="1"/>
+          <p:nvPr/>
+        </p:nvSpPr>
+        <p:spPr>
+          <a:xfrm>
+            <a:off x="5796136" y="4005064"/>
+            <a:ext cx="2672526" cy="461665"/>
+          </a:xfrm>
+          <a:prstGeom prst="rect">
+            <a:avLst/>
+          </a:prstGeom>
+          <a:noFill/>
+        </p:spPr>
+        <p:txBody>
+          <a:bodyPr wrap="none" rtlCol="0">
+            <a:spAutoFit/>
+          </a:bodyPr>
+          <a:lstStyle/>
+          <a:p>
+            <a:r>
+              <a:rPr lang="en-US" dirty="0"/>
+              <a:t>Dominance Frontier</a:t>
+            </a:r>
+          </a:p>
+        </p:txBody>
+      </p:sp>
+      <p:sp>
+        <p:nvSpPr>
+          <p:cNvPr id="25" name="TextBox 24"/>
+          <p:cNvSpPr txBox="1"/>
+          <p:nvPr/>
+        </p:nvSpPr>
+        <p:spPr>
+          <a:xfrm>
+            <a:off x="107504" y="332656"/>
+            <a:ext cx="1837011" cy="707886"/>
+          </a:xfrm>
+          <a:prstGeom prst="rect">
+            <a:avLst/>
+          </a:prstGeom>
+          <a:solidFill>
+            <a:schemeClr val="accent6">
+              <a:lumMod val="60000"/>
+              <a:lumOff val="40000"/>
+            </a:schemeClr>
+          </a:solidFill>
+        </p:spPr>
+        <p:txBody>
+          <a:bodyPr wrap="none" rtlCol="0">
+            <a:spAutoFit/>
+          </a:bodyPr>
+          <a:lstStyle/>
+          <a:p>
+            <a:r>
+              <a:rPr lang="en-US" sz="2000" dirty="0"/>
+              <a:t>Variable </a:t>
+            </a:r>
+            <a:r>
+              <a:rPr lang="en-US" sz="2000" dirty="0" err="1"/>
+              <a:t>i,k</a:t>
+            </a:r>
+            <a:r>
+              <a:rPr lang="en-US" sz="2000" dirty="0"/>
+              <a:t> in 1</a:t>
+            </a:r>
+          </a:p>
+          <a:p>
+            <a:r>
+              <a:rPr lang="en-US" sz="2000" dirty="0"/>
+              <a:t>DF(1) = {} </a:t>
+            </a:r>
+          </a:p>
+        </p:txBody>
+      </p:sp>
+      <p:sp>
+        <p:nvSpPr>
+          <p:cNvPr id="26" name="TextBox 25"/>
+          <p:cNvSpPr txBox="1"/>
+          <p:nvPr/>
+        </p:nvSpPr>
+        <p:spPr>
+          <a:xfrm>
+            <a:off x="107504" y="1124744"/>
+            <a:ext cx="1630499" cy="707886"/>
+          </a:xfrm>
+          <a:prstGeom prst="rect">
+            <a:avLst/>
+          </a:prstGeom>
+          <a:solidFill>
+            <a:schemeClr val="accent6">
+              <a:lumMod val="60000"/>
+              <a:lumOff val="40000"/>
+            </a:schemeClr>
+          </a:solidFill>
+        </p:spPr>
+        <p:txBody>
+          <a:bodyPr wrap="none" rtlCol="0">
+            <a:spAutoFit/>
+          </a:bodyPr>
+          <a:lstStyle/>
+          <a:p>
+            <a:r>
+              <a:rPr lang="en-US" sz="2000" dirty="0"/>
+              <a:t>Variable </a:t>
+            </a:r>
+            <a:r>
+              <a:rPr lang="en-US" sz="2000" dirty="0" err="1"/>
+              <a:t>i</a:t>
+            </a:r>
+            <a:r>
+              <a:rPr lang="en-US" sz="2000" dirty="0"/>
+              <a:t> in 2</a:t>
+            </a:r>
+          </a:p>
+          <a:p>
+            <a:r>
+              <a:rPr lang="en-US" sz="2000" dirty="0"/>
+              <a:t>DF(2) = {2} </a:t>
+            </a:r>
+          </a:p>
+        </p:txBody>
+      </p:sp>
+      <p:sp>
+        <p:nvSpPr>
+          <p:cNvPr id="27" name="TextBox 26"/>
+          <p:cNvSpPr txBox="1"/>
+          <p:nvPr/>
+        </p:nvSpPr>
+        <p:spPr>
+          <a:xfrm>
+            <a:off x="107504" y="1988840"/>
+            <a:ext cx="1837011" cy="707886"/>
+          </a:xfrm>
+          <a:prstGeom prst="rect">
+            <a:avLst/>
+          </a:prstGeom>
+          <a:solidFill>
+            <a:schemeClr val="accent6">
+              <a:lumMod val="60000"/>
+              <a:lumOff val="40000"/>
+            </a:schemeClr>
+          </a:solidFill>
+        </p:spPr>
+        <p:txBody>
+          <a:bodyPr wrap="none" rtlCol="0">
+            <a:spAutoFit/>
+          </a:bodyPr>
+          <a:lstStyle/>
+          <a:p>
+            <a:r>
+              <a:rPr lang="en-US" sz="2000" dirty="0"/>
+              <a:t>Variable </a:t>
+            </a:r>
+            <a:r>
+              <a:rPr lang="en-US" sz="2000" dirty="0" err="1"/>
+              <a:t>i,k</a:t>
+            </a:r>
+            <a:r>
+              <a:rPr lang="en-US" sz="2000" dirty="0"/>
+              <a:t> in 3</a:t>
+            </a:r>
+          </a:p>
+          <a:p>
+            <a:r>
+              <a:rPr lang="en-US" sz="2000" dirty="0"/>
+              <a:t>DF(3) = {2} </a:t>
+            </a:r>
+          </a:p>
+        </p:txBody>
+      </p:sp>
+      <p:sp>
+        <p:nvSpPr>
+          <p:cNvPr id="32" name="TextBox 31"/>
+          <p:cNvSpPr txBox="1"/>
+          <p:nvPr/>
+        </p:nvSpPr>
+        <p:spPr>
+          <a:xfrm>
+            <a:off x="107504" y="2852936"/>
+            <a:ext cx="1731814" cy="707886"/>
+          </a:xfrm>
+          <a:prstGeom prst="rect">
+            <a:avLst/>
+          </a:prstGeom>
+          <a:solidFill>
+            <a:schemeClr val="accent6">
+              <a:lumMod val="60000"/>
+              <a:lumOff val="40000"/>
+            </a:schemeClr>
+          </a:solidFill>
+        </p:spPr>
+        <p:txBody>
+          <a:bodyPr wrap="none" rtlCol="0">
+            <a:spAutoFit/>
+          </a:bodyPr>
+          <a:lstStyle/>
+          <a:p>
+            <a:r>
+              <a:rPr lang="en-US" sz="2000" dirty="0"/>
+              <a:t>Variable k in 4</a:t>
+            </a:r>
+          </a:p>
+          <a:p>
+            <a:r>
+              <a:rPr lang="en-US" sz="2000" dirty="0"/>
+              <a:t>DF(4) = {} </a:t>
+            </a:r>
+          </a:p>
+        </p:txBody>
+      </p:sp>
     </p:spTree>
     <p:extLst>
       <p:ext uri="{BB962C8B-B14F-4D97-AF65-F5344CB8AC3E}">
-        <p14:creationId xmlns:p14="http://schemas.microsoft.com/office/powerpoint/2010/main" val="3492114016"/>
+        <p14:creationId xmlns:p14="http://schemas.microsoft.com/office/powerpoint/2010/main" val="407226780"/>
       </p:ext>
     </p:extLst>
   </p:cSld>
   <p:clrMapOvr>
     <a:masterClrMapping/>
   </p:clrMapOvr>
+  <p:timing>
+    <p:tnLst>
+      <p:par>
+        <p:cTn id="1" dur="indefinite" restart="never" nodeType="tmRoot">
+          <p:childTnLst>
+            <p:seq concurrent="1" nextAc="seek">
+              <p:cTn id="2" dur="indefinite" nodeType="mainSeq">
+                <p:childTnLst>
+                  <p:par>
+                    <p:cTn id="3" fill="hold">
+                      <p:stCondLst>
+                        <p:cond delay="indefinite"/>
+                      </p:stCondLst>
+                      <p:childTnLst>
+                        <p:par>
+                          <p:cTn id="4" fill="hold">
+                            <p:stCondLst>
+                              <p:cond delay="0"/>
+                            </p:stCondLst>
+                            <p:childTnLst>
+                              <p:par>
+                                <p:cTn id="5" presetID="1" presetClass="entr" presetSubtype="0" fill="hold" grpId="0" nodeType="clickEffect">
+                                  <p:stCondLst>
+                                    <p:cond delay="0"/>
+                                  </p:stCondLst>
+                                  <p:childTnLst>
+                                    <p:set>
+                                      <p:cBhvr>
+                                        <p:cTn id="6" dur="1" fill="hold">
+                                          <p:stCondLst>
+                                            <p:cond delay="0"/>
+                                          </p:stCondLst>
+                                        </p:cTn>
+                                        <p:tgtEl>
+                                          <p:spTgt spid="16">
+                                            <p:bg/>
+                                          </p:spTgt>
+                                        </p:tgtEl>
+                                        <p:attrNameLst>
+                                          <p:attrName>style.visibility</p:attrName>
+                                        </p:attrNameLst>
+                                      </p:cBhvr>
+                                      <p:to>
+                                        <p:strVal val="visible"/>
+                                      </p:to>
+                                    </p:set>
+                                  </p:childTnLst>
+                                </p:cTn>
+                              </p:par>
+                            </p:childTnLst>
+                          </p:cTn>
+                        </p:par>
+                      </p:childTnLst>
+                    </p:cTn>
+                  </p:par>
+                  <p:par>
+                    <p:cTn id="7" fill="hold">
+                      <p:stCondLst>
+                        <p:cond delay="indefinite"/>
+                      </p:stCondLst>
+                      <p:childTnLst>
+                        <p:par>
+                          <p:cTn id="8" fill="hold">
+                            <p:stCondLst>
+                              <p:cond delay="0"/>
+                            </p:stCondLst>
+                            <p:childTnLst>
+                              <p:par>
+                                <p:cTn id="9" presetID="1" presetClass="entr" presetSubtype="0" fill="hold" grpId="0" nodeType="clickEffect">
+                                  <p:stCondLst>
+                                    <p:cond delay="0"/>
+                                  </p:stCondLst>
+                                  <p:childTnLst>
+                                    <p:set>
+                                      <p:cBhvr>
+                                        <p:cTn id="10" dur="1" fill="hold">
+                                          <p:stCondLst>
+                                            <p:cond delay="0"/>
+                                          </p:stCondLst>
+                                        </p:cTn>
+                                        <p:tgtEl>
+                                          <p:spTgt spid="16">
+                                            <p:txEl>
+                                              <p:pRg st="0" end="0"/>
+                                            </p:txEl>
+                                          </p:spTgt>
+                                        </p:tgtEl>
+                                        <p:attrNameLst>
+                                          <p:attrName>style.visibility</p:attrName>
+                                        </p:attrNameLst>
+                                      </p:cBhvr>
+                                      <p:to>
+                                        <p:strVal val="visible"/>
+                                      </p:to>
+                                    </p:set>
+                                  </p:childTnLst>
+                                </p:cTn>
+                              </p:par>
+                            </p:childTnLst>
+                          </p:cTn>
+                        </p:par>
+                      </p:childTnLst>
+                    </p:cTn>
+                  </p:par>
+                  <p:par>
+                    <p:cTn id="11" fill="hold">
+                      <p:stCondLst>
+                        <p:cond delay="indefinite"/>
+                      </p:stCondLst>
+                      <p:childTnLst>
+                        <p:par>
+                          <p:cTn id="12" fill="hold">
+                            <p:stCondLst>
+                              <p:cond delay="0"/>
+                            </p:stCondLst>
+                            <p:childTnLst>
+                              <p:par>
+                                <p:cTn id="13" presetID="1" presetClass="entr" presetSubtype="0" fill="hold" grpId="0" nodeType="clickEffect">
+                                  <p:stCondLst>
+                                    <p:cond delay="0"/>
+                                  </p:stCondLst>
+                                  <p:childTnLst>
+                                    <p:set>
+                                      <p:cBhvr>
+                                        <p:cTn id="14" dur="1" fill="hold">
+                                          <p:stCondLst>
+                                            <p:cond delay="0"/>
+                                          </p:stCondLst>
+                                        </p:cTn>
+                                        <p:tgtEl>
+                                          <p:spTgt spid="16">
+                                            <p:txEl>
+                                              <p:pRg st="1" end="1"/>
+                                            </p:txEl>
+                                          </p:spTgt>
+                                        </p:tgtEl>
+                                        <p:attrNameLst>
+                                          <p:attrName>style.visibility</p:attrName>
+                                        </p:attrNameLst>
+                                      </p:cBhvr>
+                                      <p:to>
+                                        <p:strVal val="visible"/>
+                                      </p:to>
+                                    </p:set>
+                                  </p:childTnLst>
+                                </p:cTn>
+                              </p:par>
+                            </p:childTnLst>
+                          </p:cTn>
+                        </p:par>
+                      </p:childTnLst>
+                    </p:cTn>
+                  </p:par>
+                  <p:par>
+                    <p:cTn id="15" fill="hold">
+                      <p:stCondLst>
+                        <p:cond delay="indefinite"/>
+                      </p:stCondLst>
+                      <p:childTnLst>
+                        <p:par>
+                          <p:cTn id="16" fill="hold">
+                            <p:stCondLst>
+                              <p:cond delay="0"/>
+                            </p:stCondLst>
+                            <p:childTnLst>
+                              <p:par>
+                                <p:cTn id="17" presetID="1" presetClass="entr" presetSubtype="0" fill="hold" grpId="0" nodeType="clickEffect">
+                                  <p:stCondLst>
+                                    <p:cond delay="0"/>
+                                  </p:stCondLst>
+                                  <p:childTnLst>
+                                    <p:set>
+                                      <p:cBhvr>
+                                        <p:cTn id="18" dur="1" fill="hold">
+                                          <p:stCondLst>
+                                            <p:cond delay="0"/>
+                                          </p:stCondLst>
+                                        </p:cTn>
+                                        <p:tgtEl>
+                                          <p:spTgt spid="16">
+                                            <p:txEl>
+                                              <p:pRg st="2" end="2"/>
+                                            </p:txEl>
+                                          </p:spTgt>
+                                        </p:tgtEl>
+                                        <p:attrNameLst>
+                                          <p:attrName>style.visibility</p:attrName>
+                                        </p:attrNameLst>
+                                      </p:cBhvr>
+                                      <p:to>
+                                        <p:strVal val="visible"/>
+                                      </p:to>
+                                    </p:set>
+                                  </p:childTnLst>
+                                </p:cTn>
+                              </p:par>
+                            </p:childTnLst>
+                          </p:cTn>
+                        </p:par>
+                      </p:childTnLst>
+                    </p:cTn>
+                  </p:par>
+                  <p:par>
+                    <p:cTn id="19" fill="hold">
+                      <p:stCondLst>
+                        <p:cond delay="indefinite"/>
+                      </p:stCondLst>
+                      <p:childTnLst>
+                        <p:par>
+                          <p:cTn id="20" fill="hold">
+                            <p:stCondLst>
+                              <p:cond delay="0"/>
+                            </p:stCondLst>
+                            <p:childTnLst>
+                              <p:par>
+                                <p:cTn id="21" presetID="1" presetClass="entr" presetSubtype="0" fill="hold" grpId="0" nodeType="clickEffect">
+                                  <p:stCondLst>
+                                    <p:cond delay="0"/>
+                                  </p:stCondLst>
+                                  <p:childTnLst>
+                                    <p:set>
+                                      <p:cBhvr>
+                                        <p:cTn id="22" dur="1" fill="hold">
+                                          <p:stCondLst>
+                                            <p:cond delay="0"/>
+                                          </p:stCondLst>
+                                        </p:cTn>
+                                        <p:tgtEl>
+                                          <p:spTgt spid="16">
+                                            <p:txEl>
+                                              <p:pRg st="3" end="3"/>
+                                            </p:txEl>
+                                          </p:spTgt>
+                                        </p:tgtEl>
+                                        <p:attrNameLst>
+                                          <p:attrName>style.visibility</p:attrName>
+                                        </p:attrNameLst>
+                                      </p:cBhvr>
+                                      <p:to>
+                                        <p:strVal val="visible"/>
+                                      </p:to>
+                                    </p:set>
+                                  </p:childTnLst>
+                                </p:cTn>
+                              </p:par>
+                            </p:childTnLst>
+                          </p:cTn>
+                        </p:par>
+                      </p:childTnLst>
+                    </p:cTn>
+                  </p:par>
+                  <p:par>
+                    <p:cTn id="23" fill="hold">
+                      <p:stCondLst>
+                        <p:cond delay="indefinite"/>
+                      </p:stCondLst>
+                      <p:childTnLst>
+                        <p:par>
+                          <p:cTn id="24" fill="hold">
+                            <p:stCondLst>
+                              <p:cond delay="0"/>
+                            </p:stCondLst>
+                            <p:childTnLst>
+                              <p:par>
+                                <p:cTn id="25" presetID="1" presetClass="entr" presetSubtype="0" fill="hold" grpId="0" nodeType="clickEffect">
+                                  <p:stCondLst>
+                                    <p:cond delay="0"/>
+                                  </p:stCondLst>
+                                  <p:childTnLst>
+                                    <p:set>
+                                      <p:cBhvr>
+                                        <p:cTn id="26" dur="1" fill="hold">
+                                          <p:stCondLst>
+                                            <p:cond delay="0"/>
+                                          </p:stCondLst>
+                                        </p:cTn>
+                                        <p:tgtEl>
+                                          <p:spTgt spid="23">
+                                            <p:bg/>
+                                          </p:spTgt>
+                                        </p:tgtEl>
+                                        <p:attrNameLst>
+                                          <p:attrName>style.visibility</p:attrName>
+                                        </p:attrNameLst>
+                                      </p:cBhvr>
+                                      <p:to>
+                                        <p:strVal val="visible"/>
+                                      </p:to>
+                                    </p:set>
+                                  </p:childTnLst>
+                                </p:cTn>
+                              </p:par>
+                            </p:childTnLst>
+                          </p:cTn>
+                        </p:par>
+                      </p:childTnLst>
+                    </p:cTn>
+                  </p:par>
+                  <p:par>
+                    <p:cTn id="27" fill="hold">
+                      <p:stCondLst>
+                        <p:cond delay="indefinite"/>
+                      </p:stCondLst>
+                      <p:childTnLst>
+                        <p:par>
+                          <p:cTn id="28" fill="hold">
+                            <p:stCondLst>
+                              <p:cond delay="0"/>
+                            </p:stCondLst>
+                            <p:childTnLst>
+                              <p:par>
+                                <p:cTn id="29" presetID="1" presetClass="entr" presetSubtype="0" fill="hold" grpId="0" nodeType="clickEffect">
+                                  <p:stCondLst>
+                                    <p:cond delay="0"/>
+                                  </p:stCondLst>
+                                  <p:childTnLst>
+                                    <p:set>
+                                      <p:cBhvr>
+                                        <p:cTn id="30" dur="1" fill="hold">
+                                          <p:stCondLst>
+                                            <p:cond delay="0"/>
+                                          </p:stCondLst>
+                                        </p:cTn>
+                                        <p:tgtEl>
+                                          <p:spTgt spid="23">
+                                            <p:txEl>
+                                              <p:pRg st="0" end="0"/>
+                                            </p:txEl>
+                                          </p:spTgt>
+                                        </p:tgtEl>
+                                        <p:attrNameLst>
+                                          <p:attrName>style.visibility</p:attrName>
+                                        </p:attrNameLst>
+                                      </p:cBhvr>
+                                      <p:to>
+                                        <p:strVal val="visible"/>
+                                      </p:to>
+                                    </p:set>
+                                  </p:childTnLst>
+                                </p:cTn>
+                              </p:par>
+                            </p:childTnLst>
+                          </p:cTn>
+                        </p:par>
+                      </p:childTnLst>
+                    </p:cTn>
+                  </p:par>
+                  <p:par>
+                    <p:cTn id="31" fill="hold">
+                      <p:stCondLst>
+                        <p:cond delay="indefinite"/>
+                      </p:stCondLst>
+                      <p:childTnLst>
+                        <p:par>
+                          <p:cTn id="32" fill="hold">
+                            <p:stCondLst>
+                              <p:cond delay="0"/>
+                            </p:stCondLst>
+                            <p:childTnLst>
+                              <p:par>
+                                <p:cTn id="33" presetID="1" presetClass="entr" presetSubtype="0" fill="hold" grpId="0" nodeType="clickEffect">
+                                  <p:stCondLst>
+                                    <p:cond delay="0"/>
+                                  </p:stCondLst>
+                                  <p:childTnLst>
+                                    <p:set>
+                                      <p:cBhvr>
+                                        <p:cTn id="34" dur="1" fill="hold">
+                                          <p:stCondLst>
+                                            <p:cond delay="0"/>
+                                          </p:stCondLst>
+                                        </p:cTn>
+                                        <p:tgtEl>
+                                          <p:spTgt spid="23">
+                                            <p:txEl>
+                                              <p:pRg st="1" end="1"/>
+                                            </p:txEl>
+                                          </p:spTgt>
+                                        </p:tgtEl>
+                                        <p:attrNameLst>
+                                          <p:attrName>style.visibility</p:attrName>
+                                        </p:attrNameLst>
+                                      </p:cBhvr>
+                                      <p:to>
+                                        <p:strVal val="visible"/>
+                                      </p:to>
+                                    </p:set>
+                                  </p:childTnLst>
+                                </p:cTn>
+                              </p:par>
+                            </p:childTnLst>
+                          </p:cTn>
+                        </p:par>
+                      </p:childTnLst>
+                    </p:cTn>
+                  </p:par>
+                  <p:par>
+                    <p:cTn id="35" fill="hold">
+                      <p:stCondLst>
+                        <p:cond delay="indefinite"/>
+                      </p:stCondLst>
+                      <p:childTnLst>
+                        <p:par>
+                          <p:cTn id="36" fill="hold">
+                            <p:stCondLst>
+                              <p:cond delay="0"/>
+                            </p:stCondLst>
+                            <p:childTnLst>
+                              <p:par>
+                                <p:cTn id="37" presetID="1" presetClass="entr" presetSubtype="0" fill="hold" grpId="0" nodeType="clickEffect">
+                                  <p:stCondLst>
+                                    <p:cond delay="0"/>
+                                  </p:stCondLst>
+                                  <p:childTnLst>
+                                    <p:set>
+                                      <p:cBhvr>
+                                        <p:cTn id="38" dur="1" fill="hold">
+                                          <p:stCondLst>
+                                            <p:cond delay="0"/>
+                                          </p:stCondLst>
+                                        </p:cTn>
+                                        <p:tgtEl>
+                                          <p:spTgt spid="23">
+                                            <p:txEl>
+                                              <p:pRg st="2" end="2"/>
+                                            </p:txEl>
+                                          </p:spTgt>
+                                        </p:tgtEl>
+                                        <p:attrNameLst>
+                                          <p:attrName>style.visibility</p:attrName>
+                                        </p:attrNameLst>
+                                      </p:cBhvr>
+                                      <p:to>
+                                        <p:strVal val="visible"/>
+                                      </p:to>
+                                    </p:set>
+                                  </p:childTnLst>
+                                </p:cTn>
+                              </p:par>
+                            </p:childTnLst>
+                          </p:cTn>
+                        </p:par>
+                      </p:childTnLst>
+                    </p:cTn>
+                  </p:par>
+                  <p:par>
+                    <p:cTn id="39" fill="hold">
+                      <p:stCondLst>
+                        <p:cond delay="indefinite"/>
+                      </p:stCondLst>
+                      <p:childTnLst>
+                        <p:par>
+                          <p:cTn id="40" fill="hold">
+                            <p:stCondLst>
+                              <p:cond delay="0"/>
+                            </p:stCondLst>
+                            <p:childTnLst>
+                              <p:par>
+                                <p:cTn id="41" presetID="1" presetClass="entr" presetSubtype="0" fill="hold" grpId="0" nodeType="clickEffect">
+                                  <p:stCondLst>
+                                    <p:cond delay="0"/>
+                                  </p:stCondLst>
+                                  <p:childTnLst>
+                                    <p:set>
+                                      <p:cBhvr>
+                                        <p:cTn id="42" dur="1" fill="hold">
+                                          <p:stCondLst>
+                                            <p:cond delay="0"/>
+                                          </p:stCondLst>
+                                        </p:cTn>
+                                        <p:tgtEl>
+                                          <p:spTgt spid="23">
+                                            <p:txEl>
+                                              <p:pRg st="3" end="3"/>
+                                            </p:txEl>
+                                          </p:spTgt>
+                                        </p:tgtEl>
+                                        <p:attrNameLst>
+                                          <p:attrName>style.visibility</p:attrName>
+                                        </p:attrNameLst>
+                                      </p:cBhvr>
+                                      <p:to>
+                                        <p:strVal val="visible"/>
+                                      </p:to>
+                                    </p:set>
+                                  </p:childTnLst>
+                                </p:cTn>
+                              </p:par>
+                            </p:childTnLst>
+                          </p:cTn>
+                        </p:par>
+                      </p:childTnLst>
+                    </p:cTn>
+                  </p:par>
+                </p:childTnLst>
+              </p:cTn>
+              <p:prevCondLst>
+                <p:cond evt="onPrev" delay="0">
+                  <p:tgtEl>
+                    <p:sldTgt/>
+                  </p:tgtEl>
+                </p:cond>
+              </p:prevCondLst>
+              <p:nextCondLst>
+                <p:cond evt="onNext" delay="0">
+                  <p:tgtEl>
+                    <p:sldTgt/>
+                  </p:tgtEl>
+                </p:cond>
+              </p:nextCondLst>
+            </p:seq>
+          </p:childTnLst>
+        </p:cTn>
+      </p:par>
+    </p:tnLst>
+    <p:bldLst>
+      <p:bldP spid="16" grpId="0" build="p" animBg="1"/>
+      <p:bldP spid="23" grpId="0" build="p" animBg="1"/>
+    </p:bldLst>
+  </p:timing>
 </p:sld>
 </file>
 
@@ -9057,7 +9884,53 @@
       </p:grpSpPr>
       <p:sp>
         <p:nvSpPr>
-          <p:cNvPr id="5" name="Text Box 4"/>
+          <p:cNvPr id="222210" name="Rectangle 2"/>
+          <p:cNvSpPr>
+            <a:spLocks noGrp="1" noChangeArrowheads="1"/>
+          </p:cNvSpPr>
+          <p:nvPr>
+            <p:ph type="title"/>
+          </p:nvPr>
+        </p:nvSpPr>
+        <p:spPr/>
+        <p:txBody>
+          <a:bodyPr/>
+          <a:lstStyle/>
+          <a:p>
+            <a:r>
+              <a:rPr lang="en-US" dirty="0"/>
+              <a:t>Converting to SSA Form</a:t>
+            </a:r>
+          </a:p>
+        </p:txBody>
+      </p:sp>
+      <p:sp>
+        <p:nvSpPr>
+          <p:cNvPr id="19" name="Slide Number Placeholder 4"/>
+          <p:cNvSpPr>
+            <a:spLocks noGrp="1"/>
+          </p:cNvSpPr>
+          <p:nvPr>
+            <p:ph type="sldNum" sz="quarter" idx="11"/>
+          </p:nvPr>
+        </p:nvSpPr>
+        <p:spPr/>
+        <p:txBody>
+          <a:bodyPr/>
+          <a:lstStyle/>
+          <a:p>
+            <a:fld id="{722DCBB7-0D72-414E-9F56-266DA4AACC86}" type="slidenum">
+              <a:rPr lang="en-US"/>
+              <a:pPr/>
+              <a:t>14</a:t>
+            </a:fld>
+            <a:endParaRPr lang="en-US"/>
+          </a:p>
+        </p:txBody>
+      </p:sp>
+      <p:sp>
+        <p:nvSpPr>
+          <p:cNvPr id="222212" name="Text Box 4"/>
           <p:cNvSpPr txBox="1">
             <a:spLocks noChangeArrowheads="1"/>
           </p:cNvSpPr>
@@ -9065,8 +9938,8 @@
         </p:nvSpPr>
         <p:spPr bwMode="auto">
           <a:xfrm>
-            <a:off x="3563888" y="1340768"/>
-            <a:ext cx="1290137" cy="1261884"/>
+            <a:off x="3305573" y="1849760"/>
+            <a:ext cx="1683424" cy="892552"/>
           </a:xfrm>
           <a:prstGeom prst="rect">
             <a:avLst/>
@@ -9095,38 +9968,25 @@
           <a:p>
             <a:r>
               <a:rPr lang="en-US" dirty="0"/>
-              <a:t>1: </a:t>
-            </a:r>
-            <a:r>
-              <a:rPr lang="en-US" dirty="0" err="1"/>
-              <a:t>i</a:t>
-            </a:r>
-            <a:r>
-              <a:rPr lang="en-US" dirty="0"/>
-              <a:t> := 1</a:t>
+              <a:t>1: k1 := 100</a:t>
             </a:r>
           </a:p>
           <a:p>
             <a:r>
               <a:rPr lang="en-US" sz="2800" dirty="0"/>
-              <a:t>   </a:t>
-            </a:r>
-            <a:r>
-              <a:rPr lang="en-US" dirty="0"/>
-              <a:t>j := 2</a:t>
-            </a:r>
-          </a:p>
-          <a:p>
-            <a:r>
-              <a:rPr lang="en-US" dirty="0"/>
-              <a:t>   k := 10</a:t>
-            </a:r>
-          </a:p>
-        </p:txBody>
-      </p:sp>
-      <p:sp>
-        <p:nvSpPr>
-          <p:cNvPr id="6" name="Text Box 4"/>
+              <a:t>    </a:t>
+            </a:r>
+            <a:r>
+              <a:rPr lang="en-US" dirty="0"/>
+              <a:t>i1 := 0</a:t>
+            </a:r>
+            <a:endParaRPr lang="en-US" sz="2800" dirty="0"/>
+          </a:p>
+        </p:txBody>
+      </p:sp>
+      <p:sp>
+        <p:nvSpPr>
+          <p:cNvPr id="222213" name="Text Box 5"/>
           <p:cNvSpPr txBox="1">
             <a:spLocks noChangeArrowheads="1"/>
           </p:cNvSpPr>
@@ -9134,8 +9994,8 @@
         </p:nvSpPr>
         <p:spPr bwMode="auto">
           <a:xfrm>
-            <a:off x="3851920" y="404664"/>
-            <a:ext cx="817051" cy="461665"/>
+            <a:off x="3457973" y="3068960"/>
+            <a:ext cx="2185514" cy="1200328"/>
           </a:xfrm>
           <a:prstGeom prst="rect">
             <a:avLst/>
@@ -9164,47 +10024,41 @@
           <a:p>
             <a:r>
               <a:rPr lang="en-US" dirty="0"/>
-              <a:t>entry</a:t>
+              <a:t>2: i2 = </a:t>
+            </a:r>
+            <a:r>
+              <a:rPr lang="en-US" dirty="0">
+                <a:sym typeface="Symbol" charset="2"/>
+              </a:rPr>
+              <a:t>(i1,i3)</a:t>
+            </a:r>
+            <a:endParaRPr lang="en-US" dirty="0"/>
+          </a:p>
+          <a:p>
+            <a:r>
+              <a:rPr lang="en-US" dirty="0"/>
+              <a:t>    k2 = </a:t>
+            </a:r>
+            <a:r>
+              <a:rPr lang="en-US" dirty="0">
+                <a:sym typeface="Symbol" charset="2"/>
+              </a:rPr>
+              <a:t>(k1,k3)</a:t>
+            </a:r>
+            <a:endParaRPr lang="en-US" dirty="0"/>
+          </a:p>
+          <a:p>
+            <a:r>
+              <a:rPr lang="en-US" dirty="0"/>
+              <a:t>    if i2 &lt; 100</a:t>
             </a:r>
             <a:endParaRPr lang="en-US" sz="2800" dirty="0"/>
           </a:p>
         </p:txBody>
       </p:sp>
-      <p:cxnSp>
-        <p:nvCxnSpPr>
-          <p:cNvPr id="8" name="Straight Arrow Connector 7"/>
-          <p:cNvCxnSpPr>
-            <a:stCxn id="6" idx="2"/>
-            <a:endCxn id="5" idx="0"/>
-          </p:cNvCxnSpPr>
-          <p:nvPr/>
-        </p:nvCxnSpPr>
-        <p:spPr bwMode="auto">
-          <a:xfrm flipH="1">
-            <a:off x="4208957" y="866329"/>
-            <a:ext cx="51489" cy="474439"/>
-          </a:xfrm>
-          <a:prstGeom prst="straightConnector1">
-            <a:avLst/>
-          </a:prstGeom>
-          <a:solidFill>
-            <a:schemeClr val="accent1"/>
-          </a:solidFill>
-          <a:ln w="9525" cap="flat" cmpd="sng" algn="ctr">
-            <a:solidFill>
-              <a:schemeClr val="tx1"/>
-            </a:solidFill>
-            <a:prstDash val="solid"/>
-            <a:round/>
-            <a:headEnd type="none" w="med" len="med"/>
-            <a:tailEnd type="arrow"/>
-          </a:ln>
-          <a:effectLst/>
-        </p:spPr>
-      </p:cxnSp>
-      <p:sp>
-        <p:nvSpPr>
-          <p:cNvPr id="10" name="Text Box 4"/>
+      <p:sp>
+        <p:nvSpPr>
+          <p:cNvPr id="222214" name="Text Box 6"/>
           <p:cNvSpPr txBox="1">
             <a:spLocks noChangeArrowheads="1"/>
           </p:cNvSpPr>
@@ -9212,8 +10066,8 @@
         </p:nvSpPr>
         <p:spPr bwMode="auto">
           <a:xfrm>
-            <a:off x="3131840" y="3140968"/>
-            <a:ext cx="2187768" cy="461665"/>
+            <a:off x="2506216" y="4797152"/>
+            <a:ext cx="1993776" cy="830997"/>
           </a:xfrm>
           <a:prstGeom prst="rect">
             <a:avLst/>
@@ -9232,7 +10086,7 @@
           <a:effectLst/>
         </p:spPr>
         <p:txBody>
-          <a:bodyPr wrap="none">
+          <a:bodyPr wrap="square">
             <a:prstTxWarp prst="textNoShape">
               <a:avLst/>
             </a:prstTxWarp>
@@ -9242,30 +10096,80 @@
           <a:p>
             <a:r>
               <a:rPr lang="en-US" dirty="0"/>
-              <a:t>2: if </a:t>
-            </a:r>
-            <a:r>
-              <a:rPr lang="en-US" dirty="0" err="1"/>
-              <a:t>i</a:t>
-            </a:r>
-            <a:r>
-              <a:rPr lang="en-US" dirty="0"/>
-              <a:t> &lt; k </a:t>
-            </a:r>
-            <a:r>
-              <a:rPr lang="en-US" dirty="0" err="1"/>
-              <a:t>goto</a:t>
-            </a:r>
-            <a:r>
-              <a:rPr lang="en-US" dirty="0"/>
-              <a:t> 3</a:t>
-            </a:r>
-          </a:p>
-        </p:txBody>
-      </p:sp>
-      <p:sp>
-        <p:nvSpPr>
-          <p:cNvPr id="11" name="Text Box 4"/>
+              <a:t>3: k3 := k2+1</a:t>
+            </a:r>
+          </a:p>
+          <a:p>
+            <a:r>
+              <a:rPr lang="en-US" dirty="0"/>
+              <a:t>    i3 := i2+1</a:t>
+            </a:r>
+          </a:p>
+        </p:txBody>
+      </p:sp>
+      <p:cxnSp>
+        <p:nvCxnSpPr>
+          <p:cNvPr id="222215" name="AutoShape 7"/>
+          <p:cNvCxnSpPr>
+            <a:cxnSpLocks noChangeShapeType="1"/>
+            <a:stCxn id="222212" idx="2"/>
+            <a:endCxn id="222213" idx="0"/>
+          </p:cNvCxnSpPr>
+          <p:nvPr/>
+        </p:nvCxnSpPr>
+        <p:spPr bwMode="auto">
+          <a:xfrm>
+            <a:off x="4147285" y="2742312"/>
+            <a:ext cx="403445" cy="326648"/>
+          </a:xfrm>
+          <a:prstGeom prst="straightConnector1">
+            <a:avLst/>
+          </a:prstGeom>
+          <a:noFill/>
+          <a:ln w="9525">
+            <a:solidFill>
+              <a:schemeClr val="tx1"/>
+            </a:solidFill>
+            <a:round/>
+            <a:headEnd/>
+            <a:tailEnd type="triangle" w="med" len="med"/>
+          </a:ln>
+          <a:effectLst/>
+        </p:spPr>
+      </p:cxnSp>
+      <p:cxnSp>
+        <p:nvCxnSpPr>
+          <p:cNvPr id="222216" name="AutoShape 8"/>
+          <p:cNvCxnSpPr>
+            <a:cxnSpLocks noChangeShapeType="1"/>
+            <a:stCxn id="222213" idx="2"/>
+            <a:endCxn id="222214" idx="0"/>
+          </p:cNvCxnSpPr>
+          <p:nvPr/>
+        </p:nvCxnSpPr>
+        <p:spPr bwMode="auto">
+          <a:xfrm flipH="1">
+            <a:off x="3503104" y="4269288"/>
+            <a:ext cx="1047626" cy="527864"/>
+          </a:xfrm>
+          <a:prstGeom prst="straightConnector1">
+            <a:avLst/>
+          </a:prstGeom>
+          <a:noFill/>
+          <a:ln w="9525">
+            <a:solidFill>
+              <a:schemeClr val="tx1"/>
+            </a:solidFill>
+            <a:round/>
+            <a:headEnd/>
+            <a:tailEnd type="triangle" w="med" len="med"/>
+          </a:ln>
+          <a:effectLst/>
+        </p:spPr>
+      </p:cxnSp>
+      <p:sp>
+        <p:nvSpPr>
+          <p:cNvPr id="222218" name="Text Box 10"/>
           <p:cNvSpPr txBox="1">
             <a:spLocks noChangeArrowheads="1"/>
           </p:cNvSpPr>
@@ -9273,8 +10177,8 @@
         </p:nvSpPr>
         <p:spPr bwMode="auto">
           <a:xfrm>
-            <a:off x="1835696" y="4149080"/>
-            <a:ext cx="1583336" cy="892552"/>
+            <a:off x="4716016" y="4797152"/>
+            <a:ext cx="1676400" cy="466725"/>
           </a:xfrm>
           <a:prstGeom prst="rect">
             <a:avLst/>
@@ -9293,7 +10197,7 @@
           <a:effectLst/>
         </p:spPr>
         <p:txBody>
-          <a:bodyPr wrap="none">
+          <a:bodyPr>
             <a:prstTxWarp prst="textNoShape">
               <a:avLst/>
             </a:prstTxWarp>
@@ -9303,531 +10207,79 @@
           <a:p>
             <a:r>
               <a:rPr lang="en-US" dirty="0"/>
-              <a:t>3: </a:t>
-            </a:r>
-            <a:r>
-              <a:rPr lang="en-US" dirty="0" err="1"/>
-              <a:t>i</a:t>
-            </a:r>
-            <a:r>
-              <a:rPr lang="en-US" dirty="0"/>
-              <a:t> := </a:t>
-            </a:r>
-            <a:r>
-              <a:rPr lang="en-US" dirty="0" err="1"/>
-              <a:t>i</a:t>
-            </a:r>
-            <a:r>
-              <a:rPr lang="en-US" dirty="0"/>
-              <a:t> + 1</a:t>
-            </a:r>
-          </a:p>
-          <a:p>
-            <a:r>
-              <a:rPr lang="en-US" sz="2800" dirty="0"/>
-              <a:t>   </a:t>
-            </a:r>
-            <a:r>
-              <a:rPr lang="en-US" dirty="0"/>
-              <a:t>j := j * 2</a:t>
-            </a:r>
-          </a:p>
-        </p:txBody>
-      </p:sp>
-      <p:sp>
-        <p:nvSpPr>
-          <p:cNvPr id="12" name="Text Box 4"/>
-          <p:cNvSpPr txBox="1">
-            <a:spLocks noChangeArrowheads="1"/>
-          </p:cNvSpPr>
-          <p:nvPr/>
-        </p:nvSpPr>
+              <a:t>4: return k</a:t>
+            </a:r>
+          </a:p>
+        </p:txBody>
+      </p:sp>
+      <p:cxnSp>
+        <p:nvCxnSpPr>
+          <p:cNvPr id="222222" name="AutoShape 14"/>
+          <p:cNvCxnSpPr>
+            <a:cxnSpLocks noChangeShapeType="1"/>
+            <a:stCxn id="222213" idx="2"/>
+            <a:endCxn id="222218" idx="0"/>
+          </p:cNvCxnSpPr>
+          <p:nvPr/>
+        </p:nvCxnSpPr>
         <p:spPr bwMode="auto">
           <a:xfrm>
-            <a:off x="4067944" y="5013176"/>
-            <a:ext cx="1244752" cy="461665"/>
-          </a:xfrm>
-          <a:prstGeom prst="rect">
-            <a:avLst/>
-          </a:prstGeom>
-          <a:solidFill>
-            <a:schemeClr val="accent1"/>
-          </a:solidFill>
+            <a:off x="4550730" y="4269288"/>
+            <a:ext cx="1003486" cy="527864"/>
+          </a:xfrm>
+          <a:prstGeom prst="straightConnector1">
+            <a:avLst/>
+          </a:prstGeom>
+          <a:noFill/>
           <a:ln w="9525">
             <a:solidFill>
               <a:schemeClr val="tx1"/>
             </a:solidFill>
-            <a:miter lim="800000"/>
+            <a:round/>
             <a:headEnd/>
-            <a:tailEnd/>
+            <a:tailEnd type="triangle" w="med" len="med"/>
           </a:ln>
           <a:effectLst/>
         </p:spPr>
-        <p:txBody>
-          <a:bodyPr wrap="none">
-            <a:prstTxWarp prst="textNoShape">
-              <a:avLst/>
-            </a:prstTxWarp>
-            <a:spAutoFit/>
-          </a:bodyPr>
-          <a:lstStyle/>
-          <a:p>
-            <a:r>
-              <a:rPr lang="en-US" dirty="0"/>
-              <a:t>5: print j</a:t>
-            </a:r>
-          </a:p>
-        </p:txBody>
-      </p:sp>
-      <p:sp>
-        <p:nvSpPr>
-          <p:cNvPr id="13" name="Text Box 4"/>
-          <p:cNvSpPr txBox="1">
-            <a:spLocks noChangeArrowheads="1"/>
-          </p:cNvSpPr>
-          <p:nvPr/>
-        </p:nvSpPr>
+      </p:cxnSp>
+      <p:cxnSp>
+        <p:nvCxnSpPr>
+          <p:cNvPr id="222227" name="AutoShape 19"/>
+          <p:cNvCxnSpPr>
+            <a:cxnSpLocks noChangeShapeType="1"/>
+            <a:stCxn id="222214" idx="2"/>
+            <a:endCxn id="222213" idx="0"/>
+          </p:cNvCxnSpPr>
+          <p:nvPr/>
+        </p:nvCxnSpPr>
         <p:spPr bwMode="auto">
-          <a:xfrm>
-            <a:off x="6372200" y="5013176"/>
-            <a:ext cx="1566354" cy="461665"/>
-          </a:xfrm>
-          <a:prstGeom prst="rect">
-            <a:avLst/>
-          </a:prstGeom>
-          <a:solidFill>
-            <a:schemeClr val="accent1"/>
-          </a:solidFill>
+          <a:xfrm rot="5400000" flipH="1" flipV="1">
+            <a:off x="2747322" y="3824742"/>
+            <a:ext cx="2559189" cy="1047626"/>
+          </a:xfrm>
+          <a:prstGeom prst="curvedConnector5">
+            <a:avLst>
+              <a:gd name="adj1" fmla="val -8933"/>
+              <a:gd name="adj2" fmla="val 334592"/>
+              <a:gd name="adj3" fmla="val 108933"/>
+            </a:avLst>
+          </a:prstGeom>
+          <a:noFill/>
           <a:ln w="9525">
             <a:solidFill>
               <a:schemeClr val="tx1"/>
             </a:solidFill>
-            <a:miter lim="800000"/>
+            <a:round/>
             <a:headEnd/>
-            <a:tailEnd/>
+            <a:tailEnd type="triangle" w="med" len="med"/>
           </a:ln>
           <a:effectLst/>
         </p:spPr>
-        <p:txBody>
-          <a:bodyPr wrap="none">
-            <a:prstTxWarp prst="textNoShape">
-              <a:avLst/>
-            </a:prstTxWarp>
-            <a:spAutoFit/>
-          </a:bodyPr>
-          <a:lstStyle/>
-          <a:p>
-            <a:r>
-              <a:rPr lang="en-US" dirty="0"/>
-              <a:t>6: </a:t>
-            </a:r>
-            <a:r>
-              <a:rPr lang="en-US" dirty="0" err="1"/>
-              <a:t>i</a:t>
-            </a:r>
-            <a:r>
-              <a:rPr lang="en-US" dirty="0"/>
-              <a:t> := </a:t>
-            </a:r>
-            <a:r>
-              <a:rPr lang="en-US" dirty="0" err="1"/>
-              <a:t>i</a:t>
-            </a:r>
-            <a:r>
-              <a:rPr lang="en-US" dirty="0"/>
-              <a:t> + 1</a:t>
-            </a:r>
-          </a:p>
-        </p:txBody>
-      </p:sp>
-      <p:cxnSp>
-        <p:nvCxnSpPr>
-          <p:cNvPr id="16" name="Straight Arrow Connector 15"/>
-          <p:cNvCxnSpPr>
-            <a:stCxn id="5" idx="2"/>
-            <a:endCxn id="10" idx="0"/>
-          </p:cNvCxnSpPr>
-          <p:nvPr/>
-        </p:nvCxnSpPr>
-        <p:spPr bwMode="auto">
-          <a:xfrm>
-            <a:off x="4208957" y="2602652"/>
-            <a:ext cx="16767" cy="538316"/>
-          </a:xfrm>
-          <a:prstGeom prst="straightConnector1">
-            <a:avLst/>
-          </a:prstGeom>
-          <a:solidFill>
-            <a:schemeClr val="accent1"/>
-          </a:solidFill>
-          <a:ln w="9525" cap="flat" cmpd="sng" algn="ctr">
-            <a:solidFill>
-              <a:schemeClr val="tx1"/>
-            </a:solidFill>
-            <a:prstDash val="solid"/>
-            <a:round/>
-            <a:headEnd type="none" w="med" len="med"/>
-            <a:tailEnd type="arrow"/>
-          </a:ln>
-          <a:effectLst/>
-        </p:spPr>
       </p:cxnSp>
-      <p:sp>
-        <p:nvSpPr>
-          <p:cNvPr id="17" name="Text Box 4"/>
-          <p:cNvSpPr txBox="1">
-            <a:spLocks noChangeArrowheads="1"/>
-          </p:cNvSpPr>
-          <p:nvPr/>
-        </p:nvSpPr>
-        <p:spPr bwMode="auto">
-          <a:xfrm>
-            <a:off x="4499992" y="4149080"/>
-            <a:ext cx="2649433" cy="461665"/>
-          </a:xfrm>
-          <a:prstGeom prst="rect">
-            <a:avLst/>
-          </a:prstGeom>
-          <a:solidFill>
-            <a:schemeClr val="accent1"/>
-          </a:solidFill>
-          <a:ln w="9525">
-            <a:solidFill>
-              <a:schemeClr val="tx1"/>
-            </a:solidFill>
-            <a:miter lim="800000"/>
-            <a:headEnd/>
-            <a:tailEnd/>
-          </a:ln>
-          <a:effectLst/>
-        </p:spPr>
-        <p:txBody>
-          <a:bodyPr wrap="none">
-            <a:prstTxWarp prst="textNoShape">
-              <a:avLst/>
-            </a:prstTxWarp>
-            <a:spAutoFit/>
-          </a:bodyPr>
-          <a:lstStyle/>
-          <a:p>
-            <a:r>
-              <a:rPr lang="en-US"/>
-              <a:t>4: </a:t>
-            </a:r>
-            <a:r>
-              <a:rPr lang="en-US" dirty="0"/>
-              <a:t>if j &gt; k*10 </a:t>
-            </a:r>
-            <a:r>
-              <a:rPr lang="en-US" dirty="0" err="1"/>
-              <a:t>goto</a:t>
-            </a:r>
-            <a:r>
-              <a:rPr lang="en-US" dirty="0"/>
-              <a:t> 5</a:t>
-            </a:r>
-          </a:p>
-        </p:txBody>
-      </p:sp>
-      <p:sp>
-        <p:nvSpPr>
-          <p:cNvPr id="19" name="Text Box 4"/>
-          <p:cNvSpPr txBox="1">
-            <a:spLocks noChangeArrowheads="1"/>
-          </p:cNvSpPr>
-          <p:nvPr/>
-        </p:nvSpPr>
-        <p:spPr bwMode="auto">
-          <a:xfrm>
-            <a:off x="5508104" y="5877272"/>
-            <a:ext cx="646331" cy="461665"/>
-          </a:xfrm>
-          <a:prstGeom prst="rect">
-            <a:avLst/>
-          </a:prstGeom>
-          <a:solidFill>
-            <a:schemeClr val="accent1"/>
-          </a:solidFill>
-          <a:ln w="9525">
-            <a:solidFill>
-              <a:schemeClr val="tx1"/>
-            </a:solidFill>
-            <a:miter lim="800000"/>
-            <a:headEnd/>
-            <a:tailEnd/>
-          </a:ln>
-          <a:effectLst/>
-        </p:spPr>
-        <p:txBody>
-          <a:bodyPr wrap="none">
-            <a:prstTxWarp prst="textNoShape">
-              <a:avLst/>
-            </a:prstTxWarp>
-            <a:spAutoFit/>
-          </a:bodyPr>
-          <a:lstStyle/>
-          <a:p>
-            <a:r>
-              <a:rPr lang="en-US" dirty="0"/>
-              <a:t>exit</a:t>
-            </a:r>
-            <a:endParaRPr lang="en-US" sz="2800" dirty="0"/>
-          </a:p>
-        </p:txBody>
-      </p:sp>
-      <p:cxnSp>
-        <p:nvCxnSpPr>
-          <p:cNvPr id="21" name="Straight Arrow Connector 20"/>
-          <p:cNvCxnSpPr>
-            <a:stCxn id="10" idx="2"/>
-          </p:cNvCxnSpPr>
-          <p:nvPr/>
-        </p:nvCxnSpPr>
-        <p:spPr bwMode="auto">
-          <a:xfrm flipH="1">
-            <a:off x="2915816" y="3602633"/>
-            <a:ext cx="1309908" cy="546447"/>
-          </a:xfrm>
-          <a:prstGeom prst="straightConnector1">
-            <a:avLst/>
-          </a:prstGeom>
-          <a:solidFill>
-            <a:schemeClr val="accent1"/>
-          </a:solidFill>
-          <a:ln w="9525" cap="flat" cmpd="sng" algn="ctr">
-            <a:solidFill>
-              <a:schemeClr val="tx1"/>
-            </a:solidFill>
-            <a:prstDash val="solid"/>
-            <a:round/>
-            <a:headEnd type="none" w="med" len="med"/>
-            <a:tailEnd type="arrow"/>
-          </a:ln>
-          <a:effectLst/>
-        </p:spPr>
-      </p:cxnSp>
-      <p:cxnSp>
-        <p:nvCxnSpPr>
-          <p:cNvPr id="23" name="Straight Arrow Connector 22"/>
-          <p:cNvCxnSpPr>
-            <a:stCxn id="10" idx="2"/>
-          </p:cNvCxnSpPr>
-          <p:nvPr/>
-        </p:nvCxnSpPr>
-        <p:spPr bwMode="auto">
-          <a:xfrm>
-            <a:off x="4225724" y="3602633"/>
-            <a:ext cx="1498404" cy="474439"/>
-          </a:xfrm>
-          <a:prstGeom prst="straightConnector1">
-            <a:avLst/>
-          </a:prstGeom>
-          <a:solidFill>
-            <a:schemeClr val="accent1"/>
-          </a:solidFill>
-          <a:ln w="9525" cap="flat" cmpd="sng" algn="ctr">
-            <a:solidFill>
-              <a:schemeClr val="tx1"/>
-            </a:solidFill>
-            <a:prstDash val="solid"/>
-            <a:round/>
-            <a:headEnd type="none" w="med" len="med"/>
-            <a:tailEnd type="arrow"/>
-          </a:ln>
-          <a:effectLst/>
-        </p:spPr>
-      </p:cxnSp>
-      <p:cxnSp>
-        <p:nvCxnSpPr>
-          <p:cNvPr id="25" name="Straight Arrow Connector 24"/>
-          <p:cNvCxnSpPr>
-            <a:stCxn id="17" idx="2"/>
-            <a:endCxn id="12" idx="0"/>
-          </p:cNvCxnSpPr>
-          <p:nvPr/>
-        </p:nvCxnSpPr>
-        <p:spPr bwMode="auto">
-          <a:xfrm flipH="1">
-            <a:off x="4690320" y="4610745"/>
-            <a:ext cx="1134389" cy="402431"/>
-          </a:xfrm>
-          <a:prstGeom prst="straightConnector1">
-            <a:avLst/>
-          </a:prstGeom>
-          <a:solidFill>
-            <a:schemeClr val="accent1"/>
-          </a:solidFill>
-          <a:ln w="9525" cap="flat" cmpd="sng" algn="ctr">
-            <a:solidFill>
-              <a:schemeClr val="tx1"/>
-            </a:solidFill>
-            <a:prstDash val="solid"/>
-            <a:round/>
-            <a:headEnd type="none" w="med" len="med"/>
-            <a:tailEnd type="arrow"/>
-          </a:ln>
-          <a:effectLst/>
-        </p:spPr>
-      </p:cxnSp>
-      <p:cxnSp>
-        <p:nvCxnSpPr>
-          <p:cNvPr id="27" name="Straight Arrow Connector 26"/>
-          <p:cNvCxnSpPr>
-            <a:stCxn id="17" idx="2"/>
-          </p:cNvCxnSpPr>
-          <p:nvPr/>
-        </p:nvCxnSpPr>
-        <p:spPr bwMode="auto">
-          <a:xfrm>
-            <a:off x="5824709" y="4610745"/>
-            <a:ext cx="1195563" cy="330423"/>
-          </a:xfrm>
-          <a:prstGeom prst="straightConnector1">
-            <a:avLst/>
-          </a:prstGeom>
-          <a:solidFill>
-            <a:schemeClr val="accent1"/>
-          </a:solidFill>
-          <a:ln w="9525" cap="flat" cmpd="sng" algn="ctr">
-            <a:solidFill>
-              <a:schemeClr val="tx1"/>
-            </a:solidFill>
-            <a:prstDash val="solid"/>
-            <a:round/>
-            <a:headEnd type="none" w="med" len="med"/>
-            <a:tailEnd type="arrow"/>
-          </a:ln>
-          <a:effectLst/>
-        </p:spPr>
-      </p:cxnSp>
-      <p:cxnSp>
-        <p:nvCxnSpPr>
-          <p:cNvPr id="29" name="Straight Arrow Connector 28"/>
-          <p:cNvCxnSpPr>
-            <a:stCxn id="12" idx="2"/>
-            <a:endCxn id="19" idx="0"/>
-          </p:cNvCxnSpPr>
-          <p:nvPr/>
-        </p:nvCxnSpPr>
-        <p:spPr bwMode="auto">
-          <a:xfrm>
-            <a:off x="4690320" y="5474841"/>
-            <a:ext cx="1140950" cy="402431"/>
-          </a:xfrm>
-          <a:prstGeom prst="straightConnector1">
-            <a:avLst/>
-          </a:prstGeom>
-          <a:solidFill>
-            <a:schemeClr val="accent1"/>
-          </a:solidFill>
-          <a:ln w="9525" cap="flat" cmpd="sng" algn="ctr">
-            <a:solidFill>
-              <a:schemeClr val="tx1"/>
-            </a:solidFill>
-            <a:prstDash val="solid"/>
-            <a:round/>
-            <a:headEnd type="none" w="med" len="med"/>
-            <a:tailEnd type="arrow"/>
-          </a:ln>
-          <a:effectLst/>
-        </p:spPr>
-      </p:cxnSp>
-      <p:cxnSp>
-        <p:nvCxnSpPr>
-          <p:cNvPr id="31" name="Straight Arrow Connector 30"/>
-          <p:cNvCxnSpPr>
-            <a:stCxn id="13" idx="2"/>
-            <a:endCxn id="19" idx="0"/>
-          </p:cNvCxnSpPr>
-          <p:nvPr/>
-        </p:nvCxnSpPr>
-        <p:spPr bwMode="auto">
-          <a:xfrm flipH="1">
-            <a:off x="5831270" y="5474841"/>
-            <a:ext cx="1324107" cy="402431"/>
-          </a:xfrm>
-          <a:prstGeom prst="straightConnector1">
-            <a:avLst/>
-          </a:prstGeom>
-          <a:solidFill>
-            <a:schemeClr val="accent1"/>
-          </a:solidFill>
-          <a:ln w="9525" cap="flat" cmpd="sng" algn="ctr">
-            <a:solidFill>
-              <a:schemeClr val="tx1"/>
-            </a:solidFill>
-            <a:prstDash val="solid"/>
-            <a:round/>
-            <a:headEnd type="none" w="med" len="med"/>
-            <a:tailEnd type="arrow"/>
-          </a:ln>
-          <a:effectLst/>
-        </p:spPr>
-      </p:cxnSp>
-      <p:cxnSp>
-        <p:nvCxnSpPr>
-          <p:cNvPr id="33" name="Curved Connector 32"/>
-          <p:cNvCxnSpPr>
-            <a:stCxn id="11" idx="2"/>
-            <a:endCxn id="10" idx="0"/>
-          </p:cNvCxnSpPr>
-          <p:nvPr/>
-        </p:nvCxnSpPr>
-        <p:spPr bwMode="auto">
-          <a:xfrm rot="5400000" flipH="1" flipV="1">
-            <a:off x="2476212" y="3292120"/>
-            <a:ext cx="1900664" cy="1598360"/>
-          </a:xfrm>
-          <a:prstGeom prst="curvedConnector5">
-            <a:avLst>
-              <a:gd name="adj1" fmla="val -12027"/>
-              <a:gd name="adj2" fmla="val -101317"/>
-              <a:gd name="adj3" fmla="val 112027"/>
-            </a:avLst>
-          </a:prstGeom>
-          <a:solidFill>
-            <a:schemeClr val="accent1"/>
-          </a:solidFill>
-          <a:ln w="9525" cap="flat" cmpd="sng" algn="ctr">
-            <a:solidFill>
-              <a:schemeClr val="tx1"/>
-            </a:solidFill>
-            <a:prstDash val="solid"/>
-            <a:round/>
-            <a:headEnd type="none" w="med" len="med"/>
-            <a:tailEnd type="arrow"/>
-          </a:ln>
-          <a:effectLst/>
-        </p:spPr>
-      </p:cxnSp>
-      <p:sp>
-        <p:nvSpPr>
-          <p:cNvPr id="2" name="Slide Number Placeholder 1"/>
-          <p:cNvSpPr>
-            <a:spLocks noGrp="1"/>
-          </p:cNvSpPr>
-          <p:nvPr>
-            <p:ph type="sldNum" sz="quarter" idx="11"/>
-          </p:nvPr>
-        </p:nvSpPr>
-        <p:spPr/>
-        <p:txBody>
-          <a:bodyPr/>
-          <a:lstStyle/>
-          <a:p>
-            <a:fld id="{C1F62FDB-F864-E842-91C2-6712A2A87806}" type="slidenum">
-              <a:rPr lang="en-US" smtClean="0"/>
-              <a:pPr/>
-              <a:t>14</a:t>
-            </a:fld>
-            <a:endParaRPr lang="en-US"/>
-          </a:p>
-        </p:txBody>
-      </p:sp>
     </p:spTree>
     <p:extLst>
       <p:ext uri="{BB962C8B-B14F-4D97-AF65-F5344CB8AC3E}">
-        <p14:creationId xmlns:p14="http://schemas.microsoft.com/office/powerpoint/2010/main" val="2014610699"/>
+        <p14:creationId xmlns:p14="http://schemas.microsoft.com/office/powerpoint/2010/main" val="3492114016"/>
       </p:ext>
     </p:extLst>
   </p:cSld>
@@ -9864,8 +10316,8 @@
         </p:nvSpPr>
         <p:spPr bwMode="auto">
           <a:xfrm>
-            <a:off x="3635896" y="1124744"/>
-            <a:ext cx="1529535" cy="1323439"/>
+            <a:off x="3563888" y="1340768"/>
+            <a:ext cx="1290137" cy="1261884"/>
           </a:xfrm>
           <a:prstGeom prst="rect">
             <a:avLst/>
@@ -9894,27 +10346,31 @@
           <a:p>
             <a:r>
               <a:rPr lang="en-US" dirty="0"/>
-              <a:t>1: k1 := 10</a:t>
+              <a:t>1: </a:t>
+            </a:r>
+            <a:r>
+              <a:rPr lang="en-US" dirty="0" err="1"/>
+              <a:t>i</a:t>
+            </a:r>
+            <a:r>
+              <a:rPr lang="en-US" dirty="0"/>
+              <a:t> := 1</a:t>
             </a:r>
           </a:p>
           <a:p>
             <a:r>
               <a:rPr lang="en-US" sz="2800" dirty="0"/>
-              <a:t>    </a:t>
-            </a:r>
-            <a:r>
-              <a:rPr lang="en-US" dirty="0"/>
-              <a:t>i1 := 1</a:t>
-            </a:r>
-          </a:p>
-          <a:p>
-            <a:r>
-              <a:rPr lang="en-US" sz="2800" dirty="0"/>
-              <a:t>    </a:t>
-            </a:r>
-            <a:r>
-              <a:rPr lang="en-US" dirty="0"/>
-              <a:t>j1 := 2</a:t>
+              <a:t>   </a:t>
+            </a:r>
+            <a:r>
+              <a:rPr lang="en-US" dirty="0"/>
+              <a:t>j := 2</a:t>
+            </a:r>
+          </a:p>
+          <a:p>
+            <a:r>
+              <a:rPr lang="en-US" dirty="0"/>
+              <a:t>   k := 10</a:t>
             </a:r>
           </a:p>
         </p:txBody>
@@ -9929,7 +10385,7 @@
         </p:nvSpPr>
         <p:spPr bwMode="auto">
           <a:xfrm>
-            <a:off x="3995936" y="332656"/>
+            <a:off x="3851920" y="404664"/>
             <a:ext cx="817051" cy="461665"/>
           </a:xfrm>
           <a:prstGeom prst="rect">
@@ -9976,8 +10432,8 @@
         </p:nvCxnSpPr>
         <p:spPr bwMode="auto">
           <a:xfrm flipH="1">
-            <a:off x="4400664" y="794321"/>
-            <a:ext cx="3798" cy="330423"/>
+            <a:off x="4208957" y="866329"/>
+            <a:ext cx="51489" cy="474439"/>
           </a:xfrm>
           <a:prstGeom prst="straightConnector1">
             <a:avLst/>
@@ -10007,8 +10463,8 @@
         </p:nvSpPr>
         <p:spPr bwMode="auto">
           <a:xfrm>
-            <a:off x="3059832" y="2924944"/>
-            <a:ext cx="2640867" cy="1200328"/>
+            <a:off x="3131840" y="3140968"/>
+            <a:ext cx="2187768" cy="461665"/>
           </a:xfrm>
           <a:prstGeom prst="rect">
             <a:avLst/>
@@ -10037,27 +10493,15 @@
           <a:p>
             <a:r>
               <a:rPr lang="en-US" dirty="0"/>
-              <a:t>2:   i2 := </a:t>
-            </a:r>
-            <a:r>
-              <a:rPr lang="en-US" dirty="0">
-                <a:sym typeface="Symbol" charset="2"/>
-              </a:rPr>
-              <a:t>(i1,i3)</a:t>
-            </a:r>
-          </a:p>
-          <a:p>
-            <a:r>
-              <a:rPr lang="en-US" dirty="0">
-                <a:sym typeface="Symbol" charset="2"/>
-              </a:rPr>
-              <a:t>      j2 := (j1,j3)</a:t>
-            </a:r>
-          </a:p>
-          <a:p>
-            <a:r>
-              <a:rPr lang="en-US" dirty="0"/>
-              <a:t>      if i2 &lt; k1 </a:t>
+              <a:t>2: if </a:t>
+            </a:r>
+            <a:r>
+              <a:rPr lang="en-US" dirty="0" err="1"/>
+              <a:t>i</a:t>
+            </a:r>
+            <a:r>
+              <a:rPr lang="en-US" dirty="0"/>
+              <a:t> &lt; k </a:t>
             </a:r>
             <a:r>
               <a:rPr lang="en-US" dirty="0" err="1"/>
@@ -10080,8 +10524,8 @@
         </p:nvSpPr>
         <p:spPr bwMode="auto">
           <a:xfrm>
-            <a:off x="1403648" y="4653136"/>
-            <a:ext cx="1874131" cy="892552"/>
+            <a:off x="1835696" y="4149080"/>
+            <a:ext cx="1583336" cy="892552"/>
           </a:xfrm>
           <a:prstGeom prst="rect">
             <a:avLst/>
@@ -10110,7 +10554,23 @@
           <a:p>
             <a:r>
               <a:rPr lang="en-US" dirty="0"/>
-              <a:t>3: i3 := i2 + 1</a:t>
+              <a:t>3: </a:t>
+            </a:r>
+            <a:r>
+              <a:rPr lang="en-US" dirty="0" err="1"/>
+              <a:t>i</a:t>
+            </a:r>
+            <a:r>
+              <a:rPr lang="en-US" dirty="0"/>
+              <a:t> := </a:t>
+            </a:r>
+            <a:r>
+              <a:rPr lang="en-US" dirty="0" err="1"/>
+              <a:t>i</a:t>
+            </a:r>
+            <a:r>
+              <a:rPr lang="en-US" dirty="0"/>
+              <a:t> + 1</a:t>
             </a:r>
           </a:p>
           <a:p>
@@ -10120,7 +10580,7 @@
             </a:r>
             <a:r>
               <a:rPr lang="en-US" dirty="0"/>
-              <a:t>j3 := j2 * 2</a:t>
+              <a:t>j := j * 2</a:t>
             </a:r>
           </a:p>
         </p:txBody>
@@ -10135,8 +10595,8 @@
         </p:nvSpPr>
         <p:spPr bwMode="auto">
           <a:xfrm>
-            <a:off x="4067944" y="5301208"/>
-            <a:ext cx="1398640" cy="461665"/>
+            <a:off x="4067944" y="5013176"/>
+            <a:ext cx="1244752" cy="461665"/>
           </a:xfrm>
           <a:prstGeom prst="rect">
             <a:avLst/>
@@ -10165,7 +10625,7 @@
           <a:p>
             <a:r>
               <a:rPr lang="en-US" dirty="0"/>
-              <a:t>5: print j2</a:t>
+              <a:t>5: print j</a:t>
             </a:r>
           </a:p>
         </p:txBody>
@@ -10180,8 +10640,8 @@
         </p:nvSpPr>
         <p:spPr bwMode="auto">
           <a:xfrm>
-            <a:off x="6372200" y="5301208"/>
-            <a:ext cx="1874131" cy="461665"/>
+            <a:off x="6372200" y="5013176"/>
+            <a:ext cx="1566354" cy="461665"/>
           </a:xfrm>
           <a:prstGeom prst="rect">
             <a:avLst/>
@@ -10210,7 +10670,23 @@
           <a:p>
             <a:r>
               <a:rPr lang="en-US" dirty="0"/>
-              <a:t>6: i4 := i2 + 1</a:t>
+              <a:t>6: </a:t>
+            </a:r>
+            <a:r>
+              <a:rPr lang="en-US" dirty="0" err="1"/>
+              <a:t>i</a:t>
+            </a:r>
+            <a:r>
+              <a:rPr lang="en-US" dirty="0"/>
+              <a:t> := </a:t>
+            </a:r>
+            <a:r>
+              <a:rPr lang="en-US" dirty="0" err="1"/>
+              <a:t>i</a:t>
+            </a:r>
+            <a:r>
+              <a:rPr lang="en-US" dirty="0"/>
+              <a:t> + 1</a:t>
             </a:r>
           </a:p>
         </p:txBody>
@@ -10225,9 +10701,9 @@
           <p:nvPr/>
         </p:nvCxnSpPr>
         <p:spPr bwMode="auto">
-          <a:xfrm flipH="1">
-            <a:off x="4380266" y="2448183"/>
-            <a:ext cx="20398" cy="476761"/>
+          <a:xfrm>
+            <a:off x="4208957" y="2602652"/>
+            <a:ext cx="16767" cy="538316"/>
           </a:xfrm>
           <a:prstGeom prst="straightConnector1">
             <a:avLst/>
@@ -10257,8 +10733,8 @@
         </p:nvSpPr>
         <p:spPr bwMode="auto">
           <a:xfrm>
-            <a:off x="4499992" y="4437112"/>
-            <a:ext cx="2957210" cy="461665"/>
+            <a:off x="4499992" y="4149080"/>
+            <a:ext cx="2649433" cy="461665"/>
           </a:xfrm>
           <a:prstGeom prst="rect">
             <a:avLst/>
@@ -10286,8 +10762,12 @@
           <a:lstStyle/>
           <a:p>
             <a:r>
-              <a:rPr lang="en-US" dirty="0"/>
-              <a:t>4: if j2 &gt; k1*10 </a:t>
+              <a:rPr lang="en-US"/>
+              <a:t>4: </a:t>
+            </a:r>
+            <a:r>
+              <a:rPr lang="en-US" dirty="0"/>
+              <a:t>if j &gt; k*10 </a:t>
             </a:r>
             <a:r>
               <a:rPr lang="en-US" dirty="0" err="1"/>
@@ -10310,7 +10790,7 @@
         </p:nvSpPr>
         <p:spPr bwMode="auto">
           <a:xfrm>
-            <a:off x="5508104" y="6165304"/>
+            <a:off x="5508104" y="5877272"/>
             <a:ext cx="646331" cy="461665"/>
           </a:xfrm>
           <a:prstGeom prst="rect">
@@ -10351,14 +10831,13 @@
           <p:cNvPr id="21" name="Straight Arrow Connector 20"/>
           <p:cNvCxnSpPr>
             <a:stCxn id="10" idx="2"/>
-            <a:endCxn id="11" idx="0"/>
           </p:cNvCxnSpPr>
           <p:nvPr/>
         </p:nvCxnSpPr>
         <p:spPr bwMode="auto">
           <a:xfrm flipH="1">
-            <a:off x="2340714" y="4125272"/>
-            <a:ext cx="2039552" cy="527864"/>
+            <a:off x="2915816" y="3602633"/>
+            <a:ext cx="1309908" cy="546447"/>
           </a:xfrm>
           <a:prstGeom prst="straightConnector1">
             <a:avLst/>
@@ -10388,8 +10867,8 @@
         </p:nvCxnSpPr>
         <p:spPr bwMode="auto">
           <a:xfrm>
-            <a:off x="4380266" y="4125272"/>
-            <a:ext cx="1271854" cy="239832"/>
+            <a:off x="4225724" y="3602633"/>
+            <a:ext cx="1498404" cy="474439"/>
           </a:xfrm>
           <a:prstGeom prst="straightConnector1">
             <a:avLst/>
@@ -10420,8 +10899,8 @@
         </p:nvCxnSpPr>
         <p:spPr bwMode="auto">
           <a:xfrm flipH="1">
-            <a:off x="4767264" y="4898777"/>
-            <a:ext cx="1211333" cy="402431"/>
+            <a:off x="4690320" y="4610745"/>
+            <a:ext cx="1134389" cy="402431"/>
           </a:xfrm>
           <a:prstGeom prst="straightConnector1">
             <a:avLst/>
@@ -10451,8 +10930,8 @@
         </p:nvCxnSpPr>
         <p:spPr bwMode="auto">
           <a:xfrm>
-            <a:off x="5978597" y="4898777"/>
-            <a:ext cx="1041675" cy="330423"/>
+            <a:off x="5824709" y="4610745"/>
+            <a:ext cx="1195563" cy="330423"/>
           </a:xfrm>
           <a:prstGeom prst="straightConnector1">
             <a:avLst/>
@@ -10483,8 +10962,8 @@
         </p:nvCxnSpPr>
         <p:spPr bwMode="auto">
           <a:xfrm>
-            <a:off x="4767264" y="5762873"/>
-            <a:ext cx="1064006" cy="402431"/>
+            <a:off x="4690320" y="5474841"/>
+            <a:ext cx="1140950" cy="402431"/>
           </a:xfrm>
           <a:prstGeom prst="straightConnector1">
             <a:avLst/>
@@ -10515,8 +10994,8 @@
         </p:nvCxnSpPr>
         <p:spPr bwMode="auto">
           <a:xfrm flipH="1">
-            <a:off x="5831270" y="5762873"/>
-            <a:ext cx="1477996" cy="402431"/>
+            <a:off x="5831270" y="5474841"/>
+            <a:ext cx="1324107" cy="402431"/>
           </a:xfrm>
           <a:prstGeom prst="straightConnector1">
             <a:avLst/>
@@ -10547,14 +11026,14 @@
         </p:nvCxnSpPr>
         <p:spPr bwMode="auto">
           <a:xfrm rot="5400000" flipH="1" flipV="1">
-            <a:off x="2050118" y="3215540"/>
-            <a:ext cx="2620744" cy="2039552"/>
+            <a:off x="2476212" y="3292120"/>
+            <a:ext cx="1900664" cy="1598360"/>
           </a:xfrm>
           <a:prstGeom prst="curvedConnector5">
             <a:avLst>
-              <a:gd name="adj1" fmla="val -8723"/>
-              <a:gd name="adj2" fmla="val -83243"/>
-              <a:gd name="adj3" fmla="val 108723"/>
+              <a:gd name="adj1" fmla="val -12027"/>
+              <a:gd name="adj2" fmla="val -101317"/>
+              <a:gd name="adj3" fmla="val 112027"/>
             </a:avLst>
           </a:prstGeom>
           <a:solidFill>
@@ -10591,6 +11070,778 @@
               <a:rPr lang="en-US" smtClean="0"/>
               <a:pPr/>
               <a:t>15</a:t>
+            </a:fld>
+            <a:endParaRPr lang="en-US"/>
+          </a:p>
+        </p:txBody>
+      </p:sp>
+    </p:spTree>
+    <p:extLst>
+      <p:ext uri="{BB962C8B-B14F-4D97-AF65-F5344CB8AC3E}">
+        <p14:creationId xmlns:p14="http://schemas.microsoft.com/office/powerpoint/2010/main" val="2014610699"/>
+      </p:ext>
+    </p:extLst>
+  </p:cSld>
+  <p:clrMapOvr>
+    <a:masterClrMapping/>
+  </p:clrMapOvr>
+</p:sld>
+</file>
+
+<file path=ppt/slides/slide16.xml><?xml version="1.0" encoding="utf-8"?>
+<p:sld xmlns:a="http://schemas.openxmlformats.org/drawingml/2006/main" xmlns:r="http://schemas.openxmlformats.org/officeDocument/2006/relationships" xmlns:p="http://schemas.openxmlformats.org/presentationml/2006/main">
+  <p:cSld>
+    <p:spTree>
+      <p:nvGrpSpPr>
+        <p:cNvPr id="1" name=""/>
+        <p:cNvGrpSpPr/>
+        <p:nvPr/>
+      </p:nvGrpSpPr>
+      <p:grpSpPr>
+        <a:xfrm>
+          <a:off x="0" y="0"/>
+          <a:ext cx="0" cy="0"/>
+          <a:chOff x="0" y="0"/>
+          <a:chExt cx="0" cy="0"/>
+        </a:xfrm>
+      </p:grpSpPr>
+      <p:sp>
+        <p:nvSpPr>
+          <p:cNvPr id="5" name="Text Box 4"/>
+          <p:cNvSpPr txBox="1">
+            <a:spLocks noChangeArrowheads="1"/>
+          </p:cNvSpPr>
+          <p:nvPr/>
+        </p:nvSpPr>
+        <p:spPr bwMode="auto">
+          <a:xfrm>
+            <a:off x="3635896" y="1124744"/>
+            <a:ext cx="1529535" cy="1323439"/>
+          </a:xfrm>
+          <a:prstGeom prst="rect">
+            <a:avLst/>
+          </a:prstGeom>
+          <a:solidFill>
+            <a:schemeClr val="accent1"/>
+          </a:solidFill>
+          <a:ln w="9525">
+            <a:solidFill>
+              <a:schemeClr val="tx1"/>
+            </a:solidFill>
+            <a:miter lim="800000"/>
+            <a:headEnd/>
+            <a:tailEnd/>
+          </a:ln>
+          <a:effectLst/>
+        </p:spPr>
+        <p:txBody>
+          <a:bodyPr wrap="none">
+            <a:prstTxWarp prst="textNoShape">
+              <a:avLst/>
+            </a:prstTxWarp>
+            <a:spAutoFit/>
+          </a:bodyPr>
+          <a:lstStyle/>
+          <a:p>
+            <a:r>
+              <a:rPr lang="en-US" dirty="0"/>
+              <a:t>1: k1 := 10</a:t>
+            </a:r>
+          </a:p>
+          <a:p>
+            <a:r>
+              <a:rPr lang="en-US" sz="2800" dirty="0"/>
+              <a:t>    </a:t>
+            </a:r>
+            <a:r>
+              <a:rPr lang="en-US" dirty="0"/>
+              <a:t>i1 := 1</a:t>
+            </a:r>
+          </a:p>
+          <a:p>
+            <a:r>
+              <a:rPr lang="en-US" sz="2800" dirty="0"/>
+              <a:t>    </a:t>
+            </a:r>
+            <a:r>
+              <a:rPr lang="en-US" dirty="0"/>
+              <a:t>j1 := 2</a:t>
+            </a:r>
+          </a:p>
+        </p:txBody>
+      </p:sp>
+      <p:sp>
+        <p:nvSpPr>
+          <p:cNvPr id="6" name="Text Box 4"/>
+          <p:cNvSpPr txBox="1">
+            <a:spLocks noChangeArrowheads="1"/>
+          </p:cNvSpPr>
+          <p:nvPr/>
+        </p:nvSpPr>
+        <p:spPr bwMode="auto">
+          <a:xfrm>
+            <a:off x="3995936" y="332656"/>
+            <a:ext cx="817051" cy="461665"/>
+          </a:xfrm>
+          <a:prstGeom prst="rect">
+            <a:avLst/>
+          </a:prstGeom>
+          <a:solidFill>
+            <a:schemeClr val="accent1"/>
+          </a:solidFill>
+          <a:ln w="9525">
+            <a:solidFill>
+              <a:schemeClr val="tx1"/>
+            </a:solidFill>
+            <a:miter lim="800000"/>
+            <a:headEnd/>
+            <a:tailEnd/>
+          </a:ln>
+          <a:effectLst/>
+        </p:spPr>
+        <p:txBody>
+          <a:bodyPr wrap="none">
+            <a:prstTxWarp prst="textNoShape">
+              <a:avLst/>
+            </a:prstTxWarp>
+            <a:spAutoFit/>
+          </a:bodyPr>
+          <a:lstStyle/>
+          <a:p>
+            <a:r>
+              <a:rPr lang="en-US" dirty="0"/>
+              <a:t>entry</a:t>
+            </a:r>
+            <a:endParaRPr lang="en-US" sz="2800" dirty="0"/>
+          </a:p>
+        </p:txBody>
+      </p:sp>
+      <p:cxnSp>
+        <p:nvCxnSpPr>
+          <p:cNvPr id="8" name="Straight Arrow Connector 7"/>
+          <p:cNvCxnSpPr>
+            <a:stCxn id="6" idx="2"/>
+            <a:endCxn id="5" idx="0"/>
+          </p:cNvCxnSpPr>
+          <p:nvPr/>
+        </p:nvCxnSpPr>
+        <p:spPr bwMode="auto">
+          <a:xfrm flipH="1">
+            <a:off x="4400664" y="794321"/>
+            <a:ext cx="3798" cy="330423"/>
+          </a:xfrm>
+          <a:prstGeom prst="straightConnector1">
+            <a:avLst/>
+          </a:prstGeom>
+          <a:solidFill>
+            <a:schemeClr val="accent1"/>
+          </a:solidFill>
+          <a:ln w="9525" cap="flat" cmpd="sng" algn="ctr">
+            <a:solidFill>
+              <a:schemeClr val="tx1"/>
+            </a:solidFill>
+            <a:prstDash val="solid"/>
+            <a:round/>
+            <a:headEnd type="none" w="med" len="med"/>
+            <a:tailEnd type="arrow"/>
+          </a:ln>
+          <a:effectLst/>
+        </p:spPr>
+      </p:cxnSp>
+      <p:sp>
+        <p:nvSpPr>
+          <p:cNvPr id="10" name="Text Box 4"/>
+          <p:cNvSpPr txBox="1">
+            <a:spLocks noChangeArrowheads="1"/>
+          </p:cNvSpPr>
+          <p:nvPr/>
+        </p:nvSpPr>
+        <p:spPr bwMode="auto">
+          <a:xfrm>
+            <a:off x="3059832" y="2924944"/>
+            <a:ext cx="2640867" cy="1200328"/>
+          </a:xfrm>
+          <a:prstGeom prst="rect">
+            <a:avLst/>
+          </a:prstGeom>
+          <a:solidFill>
+            <a:schemeClr val="accent1"/>
+          </a:solidFill>
+          <a:ln w="9525">
+            <a:solidFill>
+              <a:schemeClr val="tx1"/>
+            </a:solidFill>
+            <a:miter lim="800000"/>
+            <a:headEnd/>
+            <a:tailEnd/>
+          </a:ln>
+          <a:effectLst/>
+        </p:spPr>
+        <p:txBody>
+          <a:bodyPr wrap="none">
+            <a:prstTxWarp prst="textNoShape">
+              <a:avLst/>
+            </a:prstTxWarp>
+            <a:spAutoFit/>
+          </a:bodyPr>
+          <a:lstStyle/>
+          <a:p>
+            <a:r>
+              <a:rPr lang="en-US" dirty="0"/>
+              <a:t>2:   i2 := </a:t>
+            </a:r>
+            <a:r>
+              <a:rPr lang="en-US" dirty="0">
+                <a:sym typeface="Symbol" charset="2"/>
+              </a:rPr>
+              <a:t>(i1,i3)</a:t>
+            </a:r>
+          </a:p>
+          <a:p>
+            <a:r>
+              <a:rPr lang="en-US" dirty="0">
+                <a:sym typeface="Symbol" charset="2"/>
+              </a:rPr>
+              <a:t>      j2 := (j1,j3)</a:t>
+            </a:r>
+          </a:p>
+          <a:p>
+            <a:r>
+              <a:rPr lang="en-US" dirty="0"/>
+              <a:t>      if i2 &lt; k1 </a:t>
+            </a:r>
+            <a:r>
+              <a:rPr lang="en-US" dirty="0" err="1"/>
+              <a:t>goto</a:t>
+            </a:r>
+            <a:r>
+              <a:rPr lang="en-US" dirty="0"/>
+              <a:t> 3</a:t>
+            </a:r>
+          </a:p>
+        </p:txBody>
+      </p:sp>
+      <p:sp>
+        <p:nvSpPr>
+          <p:cNvPr id="11" name="Text Box 4"/>
+          <p:cNvSpPr txBox="1">
+            <a:spLocks noChangeArrowheads="1"/>
+          </p:cNvSpPr>
+          <p:nvPr/>
+        </p:nvSpPr>
+        <p:spPr bwMode="auto">
+          <a:xfrm>
+            <a:off x="1403648" y="4653136"/>
+            <a:ext cx="1874131" cy="892552"/>
+          </a:xfrm>
+          <a:prstGeom prst="rect">
+            <a:avLst/>
+          </a:prstGeom>
+          <a:solidFill>
+            <a:schemeClr val="accent1"/>
+          </a:solidFill>
+          <a:ln w="9525">
+            <a:solidFill>
+              <a:schemeClr val="tx1"/>
+            </a:solidFill>
+            <a:miter lim="800000"/>
+            <a:headEnd/>
+            <a:tailEnd/>
+          </a:ln>
+          <a:effectLst/>
+        </p:spPr>
+        <p:txBody>
+          <a:bodyPr wrap="none">
+            <a:prstTxWarp prst="textNoShape">
+              <a:avLst/>
+            </a:prstTxWarp>
+            <a:spAutoFit/>
+          </a:bodyPr>
+          <a:lstStyle/>
+          <a:p>
+            <a:r>
+              <a:rPr lang="en-US" dirty="0"/>
+              <a:t>3: i3 := i2 + 1</a:t>
+            </a:r>
+          </a:p>
+          <a:p>
+            <a:r>
+              <a:rPr lang="en-US" sz="2800" dirty="0"/>
+              <a:t>   </a:t>
+            </a:r>
+            <a:r>
+              <a:rPr lang="en-US" dirty="0"/>
+              <a:t>j3 := j2 * 2</a:t>
+            </a:r>
+          </a:p>
+        </p:txBody>
+      </p:sp>
+      <p:sp>
+        <p:nvSpPr>
+          <p:cNvPr id="12" name="Text Box 4"/>
+          <p:cNvSpPr txBox="1">
+            <a:spLocks noChangeArrowheads="1"/>
+          </p:cNvSpPr>
+          <p:nvPr/>
+        </p:nvSpPr>
+        <p:spPr bwMode="auto">
+          <a:xfrm>
+            <a:off x="4067944" y="5301208"/>
+            <a:ext cx="1398640" cy="461665"/>
+          </a:xfrm>
+          <a:prstGeom prst="rect">
+            <a:avLst/>
+          </a:prstGeom>
+          <a:solidFill>
+            <a:schemeClr val="accent1"/>
+          </a:solidFill>
+          <a:ln w="9525">
+            <a:solidFill>
+              <a:schemeClr val="tx1"/>
+            </a:solidFill>
+            <a:miter lim="800000"/>
+            <a:headEnd/>
+            <a:tailEnd/>
+          </a:ln>
+          <a:effectLst/>
+        </p:spPr>
+        <p:txBody>
+          <a:bodyPr wrap="none">
+            <a:prstTxWarp prst="textNoShape">
+              <a:avLst/>
+            </a:prstTxWarp>
+            <a:spAutoFit/>
+          </a:bodyPr>
+          <a:lstStyle/>
+          <a:p>
+            <a:r>
+              <a:rPr lang="en-US" dirty="0"/>
+              <a:t>5: print j2</a:t>
+            </a:r>
+          </a:p>
+        </p:txBody>
+      </p:sp>
+      <p:sp>
+        <p:nvSpPr>
+          <p:cNvPr id="13" name="Text Box 4"/>
+          <p:cNvSpPr txBox="1">
+            <a:spLocks noChangeArrowheads="1"/>
+          </p:cNvSpPr>
+          <p:nvPr/>
+        </p:nvSpPr>
+        <p:spPr bwMode="auto">
+          <a:xfrm>
+            <a:off x="6372200" y="5301208"/>
+            <a:ext cx="1874131" cy="461665"/>
+          </a:xfrm>
+          <a:prstGeom prst="rect">
+            <a:avLst/>
+          </a:prstGeom>
+          <a:solidFill>
+            <a:schemeClr val="accent1"/>
+          </a:solidFill>
+          <a:ln w="9525">
+            <a:solidFill>
+              <a:schemeClr val="tx1"/>
+            </a:solidFill>
+            <a:miter lim="800000"/>
+            <a:headEnd/>
+            <a:tailEnd/>
+          </a:ln>
+          <a:effectLst/>
+        </p:spPr>
+        <p:txBody>
+          <a:bodyPr wrap="none">
+            <a:prstTxWarp prst="textNoShape">
+              <a:avLst/>
+            </a:prstTxWarp>
+            <a:spAutoFit/>
+          </a:bodyPr>
+          <a:lstStyle/>
+          <a:p>
+            <a:r>
+              <a:rPr lang="en-US" dirty="0"/>
+              <a:t>6: i4 := i2 + 1</a:t>
+            </a:r>
+          </a:p>
+        </p:txBody>
+      </p:sp>
+      <p:cxnSp>
+        <p:nvCxnSpPr>
+          <p:cNvPr id="16" name="Straight Arrow Connector 15"/>
+          <p:cNvCxnSpPr>
+            <a:stCxn id="5" idx="2"/>
+            <a:endCxn id="10" idx="0"/>
+          </p:cNvCxnSpPr>
+          <p:nvPr/>
+        </p:nvCxnSpPr>
+        <p:spPr bwMode="auto">
+          <a:xfrm flipH="1">
+            <a:off x="4380266" y="2448183"/>
+            <a:ext cx="20398" cy="476761"/>
+          </a:xfrm>
+          <a:prstGeom prst="straightConnector1">
+            <a:avLst/>
+          </a:prstGeom>
+          <a:solidFill>
+            <a:schemeClr val="accent1"/>
+          </a:solidFill>
+          <a:ln w="9525" cap="flat" cmpd="sng" algn="ctr">
+            <a:solidFill>
+              <a:schemeClr val="tx1"/>
+            </a:solidFill>
+            <a:prstDash val="solid"/>
+            <a:round/>
+            <a:headEnd type="none" w="med" len="med"/>
+            <a:tailEnd type="arrow"/>
+          </a:ln>
+          <a:effectLst/>
+        </p:spPr>
+      </p:cxnSp>
+      <p:sp>
+        <p:nvSpPr>
+          <p:cNvPr id="17" name="Text Box 4"/>
+          <p:cNvSpPr txBox="1">
+            <a:spLocks noChangeArrowheads="1"/>
+          </p:cNvSpPr>
+          <p:nvPr/>
+        </p:nvSpPr>
+        <p:spPr bwMode="auto">
+          <a:xfrm>
+            <a:off x="4499992" y="4437112"/>
+            <a:ext cx="2957210" cy="461665"/>
+          </a:xfrm>
+          <a:prstGeom prst="rect">
+            <a:avLst/>
+          </a:prstGeom>
+          <a:solidFill>
+            <a:schemeClr val="accent1"/>
+          </a:solidFill>
+          <a:ln w="9525">
+            <a:solidFill>
+              <a:schemeClr val="tx1"/>
+            </a:solidFill>
+            <a:miter lim="800000"/>
+            <a:headEnd/>
+            <a:tailEnd/>
+          </a:ln>
+          <a:effectLst/>
+        </p:spPr>
+        <p:txBody>
+          <a:bodyPr wrap="none">
+            <a:prstTxWarp prst="textNoShape">
+              <a:avLst/>
+            </a:prstTxWarp>
+            <a:spAutoFit/>
+          </a:bodyPr>
+          <a:lstStyle/>
+          <a:p>
+            <a:r>
+              <a:rPr lang="en-US" dirty="0"/>
+              <a:t>4: if j2 &gt; k1*10 </a:t>
+            </a:r>
+            <a:r>
+              <a:rPr lang="en-US" dirty="0" err="1"/>
+              <a:t>goto</a:t>
+            </a:r>
+            <a:r>
+              <a:rPr lang="en-US" dirty="0"/>
+              <a:t> 5</a:t>
+            </a:r>
+          </a:p>
+        </p:txBody>
+      </p:sp>
+      <p:sp>
+        <p:nvSpPr>
+          <p:cNvPr id="19" name="Text Box 4"/>
+          <p:cNvSpPr txBox="1">
+            <a:spLocks noChangeArrowheads="1"/>
+          </p:cNvSpPr>
+          <p:nvPr/>
+        </p:nvSpPr>
+        <p:spPr bwMode="auto">
+          <a:xfrm>
+            <a:off x="5508104" y="6165304"/>
+            <a:ext cx="646331" cy="461665"/>
+          </a:xfrm>
+          <a:prstGeom prst="rect">
+            <a:avLst/>
+          </a:prstGeom>
+          <a:solidFill>
+            <a:schemeClr val="accent1"/>
+          </a:solidFill>
+          <a:ln w="9525">
+            <a:solidFill>
+              <a:schemeClr val="tx1"/>
+            </a:solidFill>
+            <a:miter lim="800000"/>
+            <a:headEnd/>
+            <a:tailEnd/>
+          </a:ln>
+          <a:effectLst/>
+        </p:spPr>
+        <p:txBody>
+          <a:bodyPr wrap="none">
+            <a:prstTxWarp prst="textNoShape">
+              <a:avLst/>
+            </a:prstTxWarp>
+            <a:spAutoFit/>
+          </a:bodyPr>
+          <a:lstStyle/>
+          <a:p>
+            <a:r>
+              <a:rPr lang="en-US" dirty="0"/>
+              <a:t>exit</a:t>
+            </a:r>
+            <a:endParaRPr lang="en-US" sz="2800" dirty="0"/>
+          </a:p>
+        </p:txBody>
+      </p:sp>
+      <p:cxnSp>
+        <p:nvCxnSpPr>
+          <p:cNvPr id="21" name="Straight Arrow Connector 20"/>
+          <p:cNvCxnSpPr>
+            <a:stCxn id="10" idx="2"/>
+            <a:endCxn id="11" idx="0"/>
+          </p:cNvCxnSpPr>
+          <p:nvPr/>
+        </p:nvCxnSpPr>
+        <p:spPr bwMode="auto">
+          <a:xfrm flipH="1">
+            <a:off x="2340714" y="4125272"/>
+            <a:ext cx="2039552" cy="527864"/>
+          </a:xfrm>
+          <a:prstGeom prst="straightConnector1">
+            <a:avLst/>
+          </a:prstGeom>
+          <a:solidFill>
+            <a:schemeClr val="accent1"/>
+          </a:solidFill>
+          <a:ln w="9525" cap="flat" cmpd="sng" algn="ctr">
+            <a:solidFill>
+              <a:schemeClr val="tx1"/>
+            </a:solidFill>
+            <a:prstDash val="solid"/>
+            <a:round/>
+            <a:headEnd type="none" w="med" len="med"/>
+            <a:tailEnd type="arrow"/>
+          </a:ln>
+          <a:effectLst/>
+        </p:spPr>
+      </p:cxnSp>
+      <p:cxnSp>
+        <p:nvCxnSpPr>
+          <p:cNvPr id="23" name="Straight Arrow Connector 22"/>
+          <p:cNvCxnSpPr>
+            <a:stCxn id="10" idx="2"/>
+          </p:cNvCxnSpPr>
+          <p:nvPr/>
+        </p:nvCxnSpPr>
+        <p:spPr bwMode="auto">
+          <a:xfrm>
+            <a:off x="4380266" y="4125272"/>
+            <a:ext cx="1271854" cy="239832"/>
+          </a:xfrm>
+          <a:prstGeom prst="straightConnector1">
+            <a:avLst/>
+          </a:prstGeom>
+          <a:solidFill>
+            <a:schemeClr val="accent1"/>
+          </a:solidFill>
+          <a:ln w="9525" cap="flat" cmpd="sng" algn="ctr">
+            <a:solidFill>
+              <a:schemeClr val="tx1"/>
+            </a:solidFill>
+            <a:prstDash val="solid"/>
+            <a:round/>
+            <a:headEnd type="none" w="med" len="med"/>
+            <a:tailEnd type="arrow"/>
+          </a:ln>
+          <a:effectLst/>
+        </p:spPr>
+      </p:cxnSp>
+      <p:cxnSp>
+        <p:nvCxnSpPr>
+          <p:cNvPr id="25" name="Straight Arrow Connector 24"/>
+          <p:cNvCxnSpPr>
+            <a:stCxn id="17" idx="2"/>
+            <a:endCxn id="12" idx="0"/>
+          </p:cNvCxnSpPr>
+          <p:nvPr/>
+        </p:nvCxnSpPr>
+        <p:spPr bwMode="auto">
+          <a:xfrm flipH="1">
+            <a:off x="4767264" y="4898777"/>
+            <a:ext cx="1211333" cy="402431"/>
+          </a:xfrm>
+          <a:prstGeom prst="straightConnector1">
+            <a:avLst/>
+          </a:prstGeom>
+          <a:solidFill>
+            <a:schemeClr val="accent1"/>
+          </a:solidFill>
+          <a:ln w="9525" cap="flat" cmpd="sng" algn="ctr">
+            <a:solidFill>
+              <a:schemeClr val="tx1"/>
+            </a:solidFill>
+            <a:prstDash val="solid"/>
+            <a:round/>
+            <a:headEnd type="none" w="med" len="med"/>
+            <a:tailEnd type="arrow"/>
+          </a:ln>
+          <a:effectLst/>
+        </p:spPr>
+      </p:cxnSp>
+      <p:cxnSp>
+        <p:nvCxnSpPr>
+          <p:cNvPr id="27" name="Straight Arrow Connector 26"/>
+          <p:cNvCxnSpPr>
+            <a:stCxn id="17" idx="2"/>
+          </p:cNvCxnSpPr>
+          <p:nvPr/>
+        </p:nvCxnSpPr>
+        <p:spPr bwMode="auto">
+          <a:xfrm>
+            <a:off x="5978597" y="4898777"/>
+            <a:ext cx="1041675" cy="330423"/>
+          </a:xfrm>
+          <a:prstGeom prst="straightConnector1">
+            <a:avLst/>
+          </a:prstGeom>
+          <a:solidFill>
+            <a:schemeClr val="accent1"/>
+          </a:solidFill>
+          <a:ln w="9525" cap="flat" cmpd="sng" algn="ctr">
+            <a:solidFill>
+              <a:schemeClr val="tx1"/>
+            </a:solidFill>
+            <a:prstDash val="solid"/>
+            <a:round/>
+            <a:headEnd type="none" w="med" len="med"/>
+            <a:tailEnd type="arrow"/>
+          </a:ln>
+          <a:effectLst/>
+        </p:spPr>
+      </p:cxnSp>
+      <p:cxnSp>
+        <p:nvCxnSpPr>
+          <p:cNvPr id="29" name="Straight Arrow Connector 28"/>
+          <p:cNvCxnSpPr>
+            <a:stCxn id="12" idx="2"/>
+            <a:endCxn id="19" idx="0"/>
+          </p:cNvCxnSpPr>
+          <p:nvPr/>
+        </p:nvCxnSpPr>
+        <p:spPr bwMode="auto">
+          <a:xfrm>
+            <a:off x="4767264" y="5762873"/>
+            <a:ext cx="1064006" cy="402431"/>
+          </a:xfrm>
+          <a:prstGeom prst="straightConnector1">
+            <a:avLst/>
+          </a:prstGeom>
+          <a:solidFill>
+            <a:schemeClr val="accent1"/>
+          </a:solidFill>
+          <a:ln w="9525" cap="flat" cmpd="sng" algn="ctr">
+            <a:solidFill>
+              <a:schemeClr val="tx1"/>
+            </a:solidFill>
+            <a:prstDash val="solid"/>
+            <a:round/>
+            <a:headEnd type="none" w="med" len="med"/>
+            <a:tailEnd type="arrow"/>
+          </a:ln>
+          <a:effectLst/>
+        </p:spPr>
+      </p:cxnSp>
+      <p:cxnSp>
+        <p:nvCxnSpPr>
+          <p:cNvPr id="31" name="Straight Arrow Connector 30"/>
+          <p:cNvCxnSpPr>
+            <a:stCxn id="13" idx="2"/>
+            <a:endCxn id="19" idx="0"/>
+          </p:cNvCxnSpPr>
+          <p:nvPr/>
+        </p:nvCxnSpPr>
+        <p:spPr bwMode="auto">
+          <a:xfrm flipH="1">
+            <a:off x="5831270" y="5762873"/>
+            <a:ext cx="1477996" cy="402431"/>
+          </a:xfrm>
+          <a:prstGeom prst="straightConnector1">
+            <a:avLst/>
+          </a:prstGeom>
+          <a:solidFill>
+            <a:schemeClr val="accent1"/>
+          </a:solidFill>
+          <a:ln w="9525" cap="flat" cmpd="sng" algn="ctr">
+            <a:solidFill>
+              <a:schemeClr val="tx1"/>
+            </a:solidFill>
+            <a:prstDash val="solid"/>
+            <a:round/>
+            <a:headEnd type="none" w="med" len="med"/>
+            <a:tailEnd type="arrow"/>
+          </a:ln>
+          <a:effectLst/>
+        </p:spPr>
+      </p:cxnSp>
+      <p:cxnSp>
+        <p:nvCxnSpPr>
+          <p:cNvPr id="33" name="Curved Connector 32"/>
+          <p:cNvCxnSpPr>
+            <a:stCxn id="11" idx="2"/>
+            <a:endCxn id="10" idx="0"/>
+          </p:cNvCxnSpPr>
+          <p:nvPr/>
+        </p:nvCxnSpPr>
+        <p:spPr bwMode="auto">
+          <a:xfrm rot="5400000" flipH="1" flipV="1">
+            <a:off x="2050118" y="3215540"/>
+            <a:ext cx="2620744" cy="2039552"/>
+          </a:xfrm>
+          <a:prstGeom prst="curvedConnector5">
+            <a:avLst>
+              <a:gd name="adj1" fmla="val -8723"/>
+              <a:gd name="adj2" fmla="val -83243"/>
+              <a:gd name="adj3" fmla="val 108723"/>
+            </a:avLst>
+          </a:prstGeom>
+          <a:solidFill>
+            <a:schemeClr val="accent1"/>
+          </a:solidFill>
+          <a:ln w="9525" cap="flat" cmpd="sng" algn="ctr">
+            <a:solidFill>
+              <a:schemeClr val="tx1"/>
+            </a:solidFill>
+            <a:prstDash val="solid"/>
+            <a:round/>
+            <a:headEnd type="none" w="med" len="med"/>
+            <a:tailEnd type="arrow"/>
+          </a:ln>
+          <a:effectLst/>
+        </p:spPr>
+      </p:cxnSp>
+      <p:sp>
+        <p:nvSpPr>
+          <p:cNvPr id="2" name="Slide Number Placeholder 1"/>
+          <p:cNvSpPr>
+            <a:spLocks noGrp="1"/>
+          </p:cNvSpPr>
+          <p:nvPr>
+            <p:ph type="sldNum" sz="quarter" idx="11"/>
+          </p:nvPr>
+        </p:nvSpPr>
+        <p:spPr/>
+        <p:txBody>
+          <a:bodyPr/>
+          <a:lstStyle/>
+          <a:p>
+            <a:fld id="{C1F62FDB-F864-E842-91C2-6712A2A87806}" type="slidenum">
+              <a:rPr lang="en-US" smtClean="0"/>
+              <a:pPr/>
+              <a:t>16</a:t>
             </a:fld>
             <a:endParaRPr lang="en-US"/>
           </a:p>

--- a/assets/ppt/codegen/ssaform3.pptx
+++ b/assets/ppt/codegen/ssaform3.pptx
@@ -5,10 +5,10 @@
     <p:sldMasterId id="2147483672" r:id="rId1"/>
   </p:sldMasterIdLst>
   <p:notesMasterIdLst>
-    <p:notesMasterId r:id="rId18"/>
+    <p:notesMasterId r:id="rId19"/>
   </p:notesMasterIdLst>
   <p:handoutMasterIdLst>
-    <p:handoutMasterId r:id="rId19"/>
+    <p:handoutMasterId r:id="rId20"/>
   </p:handoutMasterIdLst>
   <p:sldIdLst>
     <p:sldId id="350" r:id="rId2"/>
@@ -22,11 +22,12 @@
     <p:sldId id="335" r:id="rId10"/>
     <p:sldId id="332" r:id="rId11"/>
     <p:sldId id="351" r:id="rId12"/>
-    <p:sldId id="356" r:id="rId13"/>
-    <p:sldId id="352" r:id="rId14"/>
+    <p:sldId id="352" r:id="rId13"/>
+    <p:sldId id="357" r:id="rId14"/>
     <p:sldId id="353" r:id="rId15"/>
-    <p:sldId id="354" r:id="rId16"/>
-    <p:sldId id="355" r:id="rId17"/>
+    <p:sldId id="356" r:id="rId16"/>
+    <p:sldId id="354" r:id="rId17"/>
+    <p:sldId id="355" r:id="rId18"/>
   </p:sldIdLst>
   <p:sldSz cx="9144000" cy="5143500" type="screen16x9"/>
   <p:notesSz cx="6858000" cy="9144000"/>
@@ -257,7 +258,7 @@
             <a:fld id="{2A2B9AA4-819F-8549-A06A-E1B5D9D61F62}" type="datetimeFigureOut">
               <a:rPr lang="en-US" smtClean="0"/>
               <a:pPr/>
-              <a:t>11/8/20</a:t>
+              <a:t>11/14/20</a:t>
             </a:fld>
             <a:endParaRPr lang="en-US"/>
           </a:p>
@@ -1137,11 +1138,6 @@
         </p:txBody>
       </p:sp>
     </p:spTree>
-    <p:extLst>
-      <p:ext uri="{BB962C8B-B14F-4D97-AF65-F5344CB8AC3E}">
-        <p14:creationId xmlns:p14="http://schemas.microsoft.com/office/powerpoint/2010/main" val="3647897415"/>
-      </p:ext>
-    </p:extLst>
   </p:cSld>
   <p:clrMapOvr>
     <a:masterClrMapping/>
@@ -1230,6 +1226,11 @@
         </p:txBody>
       </p:sp>
     </p:spTree>
+    <p:extLst>
+      <p:ext uri="{BB962C8B-B14F-4D97-AF65-F5344CB8AC3E}">
+        <p14:creationId xmlns:p14="http://schemas.microsoft.com/office/powerpoint/2010/main" val="3602645545"/>
+      </p:ext>
+    </p:extLst>
   </p:cSld>
   <p:clrMapOvr>
     <a:masterClrMapping/>
@@ -2176,7 +2177,7 @@
           <a:p>
             <a:fld id="{37508BEE-B66E-5E46-B50F-23B30D56323F}" type="datetime1">
               <a:rPr lang="en-CA" smtClean="0"/>
-              <a:t>2020-11-08</a:t>
+              <a:t>2020-11-14</a:t>
             </a:fld>
             <a:endParaRPr lang="en-US"/>
           </a:p>
@@ -2374,7 +2375,7 @@
           <a:p>
             <a:fld id="{94ED5F46-E862-7041-B839-1084A839C514}" type="datetime1">
               <a:rPr lang="en-CA" smtClean="0"/>
-              <a:t>2020-11-08</a:t>
+              <a:t>2020-11-14</a:t>
             </a:fld>
             <a:endParaRPr lang="en-US"/>
           </a:p>
@@ -2582,7 +2583,7 @@
           <a:p>
             <a:fld id="{A0755934-2EEA-454B-B47B-39481B16D93C}" type="datetime1">
               <a:rPr lang="en-CA" smtClean="0"/>
-              <a:t>2020-11-08</a:t>
+              <a:t>2020-11-14</a:t>
             </a:fld>
             <a:endParaRPr lang="en-US"/>
           </a:p>
@@ -3645,7 +3646,7 @@
           <a:p>
             <a:fld id="{33CDF6D5-475A-F046-87CA-412EB71D7141}" type="datetime1">
               <a:rPr lang="en-CA" smtClean="0"/>
-              <a:t>2020-11-08</a:t>
+              <a:t>2020-11-14</a:t>
             </a:fld>
             <a:endParaRPr/>
           </a:p>
@@ -4061,7 +4062,7 @@
           <a:p>
             <a:fld id="{BD806BE7-D4FF-0747-A46D-9D28D6793F9A}" type="datetime1">
               <a:rPr lang="en-CA" smtClean="0"/>
-              <a:t>2020-11-08</a:t>
+              <a:t>2020-11-14</a:t>
             </a:fld>
             <a:endParaRPr lang="en-US"/>
           </a:p>
@@ -4336,7 +4337,7 @@
           <a:p>
             <a:fld id="{FC112D8A-ADE8-E648-9A51-673455F77FA4}" type="datetime1">
               <a:rPr lang="en-CA" smtClean="0"/>
-              <a:t>2020-11-08</a:t>
+              <a:t>2020-11-14</a:t>
             </a:fld>
             <a:endParaRPr lang="en-US"/>
           </a:p>
@@ -4601,7 +4602,7 @@
           <a:p>
             <a:fld id="{A1C4D21D-FE66-404B-9D48-8813A41FDE83}" type="datetime1">
               <a:rPr lang="en-CA" smtClean="0"/>
-              <a:t>2020-11-08</a:t>
+              <a:t>2020-11-14</a:t>
             </a:fld>
             <a:endParaRPr lang="en-US"/>
           </a:p>
@@ -5013,7 +5014,7 @@
           <a:p>
             <a:fld id="{BC43913A-9187-9E4F-99AD-E5F9D3D715A1}" type="datetime1">
               <a:rPr lang="en-CA" smtClean="0"/>
-              <a:t>2020-11-08</a:t>
+              <a:t>2020-11-14</a:t>
             </a:fld>
             <a:endParaRPr lang="en-US"/>
           </a:p>
@@ -5154,7 +5155,7 @@
           <a:p>
             <a:fld id="{D640FCF0-750B-2849-A907-F64332DB8FEE}" type="datetime1">
               <a:rPr lang="en-CA" smtClean="0"/>
-              <a:t>2020-11-08</a:t>
+              <a:t>2020-11-14</a:t>
             </a:fld>
             <a:endParaRPr lang="en-US"/>
           </a:p>
@@ -5267,7 +5268,7 @@
           <a:p>
             <a:fld id="{C84DF663-3970-9B45-8274-AA8FABDA274B}" type="datetime1">
               <a:rPr lang="en-CA" smtClean="0"/>
-              <a:t>2020-11-08</a:t>
+              <a:t>2020-11-14</a:t>
             </a:fld>
             <a:endParaRPr lang="en-US"/>
           </a:p>
@@ -5578,7 +5579,7 @@
           <a:p>
             <a:fld id="{2EE809A3-0E53-524E-A233-B12C5DA91D99}" type="datetime1">
               <a:rPr lang="en-CA" smtClean="0"/>
-              <a:t>2020-11-08</a:t>
+              <a:t>2020-11-14</a:t>
             </a:fld>
             <a:endParaRPr lang="en-US"/>
           </a:p>
@@ -5866,7 +5867,7 @@
           <a:p>
             <a:fld id="{CBAFDF68-DD51-514E-B179-E22080947065}" type="datetime1">
               <a:rPr lang="en-CA" smtClean="0"/>
-              <a:t>2020-11-08</a:t>
+              <a:t>2020-11-14</a:t>
             </a:fld>
             <a:endParaRPr lang="en-US"/>
           </a:p>
@@ -6108,7 +6109,7 @@
           <a:p>
             <a:fld id="{CFB5B512-1C0B-5F4A-B1D8-07EED328189A}" type="datetime1">
               <a:rPr lang="en-CA" smtClean="0"/>
-              <a:t>2020-11-08</a:t>
+              <a:t>2020-11-14</a:t>
             </a:fld>
             <a:endParaRPr lang="en-US" dirty="0"/>
           </a:p>
@@ -8932,7 +8933,7 @@
         <p:spPr bwMode="auto">
           <a:xfrm>
             <a:off x="2710366" y="2679762"/>
-            <a:ext cx="1276311" cy="369332"/>
+            <a:ext cx="1338828" cy="923330"/>
           </a:xfrm>
           <a:prstGeom prst="rect">
             <a:avLst/>
@@ -8964,7 +8965,65 @@
           <a:p>
             <a:r>
               <a:rPr lang="en-US" sz="1800" dirty="0"/>
-              <a:t>2: if </a:t>
+              <a:t>2: </a:t>
+            </a:r>
+            <a:r>
+              <a:rPr lang="en-US" sz="1800" dirty="0" err="1"/>
+              <a:t>i</a:t>
+            </a:r>
+            <a:r>
+              <a:rPr lang="en-US" sz="1800" dirty="0"/>
+              <a:t> = </a:t>
+            </a:r>
+            <a:r>
+              <a:rPr lang="en-US" sz="1800" dirty="0">
+                <a:sym typeface="Symbol" charset="2"/>
+              </a:rPr>
+              <a:t>(</a:t>
+            </a:r>
+            <a:r>
+              <a:rPr lang="en-US" sz="1800" dirty="0" err="1">
+                <a:sym typeface="Symbol" charset="2"/>
+              </a:rPr>
+              <a:t>i,i</a:t>
+            </a:r>
+            <a:r>
+              <a:rPr lang="en-US" sz="1800" dirty="0">
+                <a:sym typeface="Symbol" charset="2"/>
+              </a:rPr>
+              <a:t>)</a:t>
+            </a:r>
+            <a:endParaRPr lang="en-US" sz="1800" dirty="0"/>
+          </a:p>
+          <a:p>
+            <a:r>
+              <a:rPr lang="en-US" sz="1800" dirty="0"/>
+              <a:t>    k = </a:t>
+            </a:r>
+            <a:r>
+              <a:rPr lang="en-US" sz="1800" dirty="0">
+                <a:sym typeface="Symbol" charset="2"/>
+              </a:rPr>
+              <a:t>(</a:t>
+            </a:r>
+            <a:r>
+              <a:rPr lang="en-US" sz="1800" dirty="0" err="1">
+                <a:sym typeface="Symbol" charset="2"/>
+              </a:rPr>
+              <a:t>k,k</a:t>
+            </a:r>
+            <a:r>
+              <a:rPr lang="en-US" sz="1800" dirty="0">
+                <a:sym typeface="Symbol" charset="2"/>
+              </a:rPr>
+              <a:t>)</a:t>
+            </a:r>
+            <a:endParaRPr lang="en-US" sz="1800" dirty="0"/>
+          </a:p>
+          <a:p>
+            <a:r>
+              <a:rPr lang="en-US" sz="1800" dirty="0"/>
+              <a:t>    if </a:t>
             </a:r>
             <a:r>
               <a:rPr lang="en-US" sz="1800" dirty="0" err="1"/>
@@ -8988,7 +9047,7 @@
         </p:nvSpPr>
         <p:spPr bwMode="auto">
           <a:xfrm>
-            <a:off x="2024566" y="3365563"/>
+            <a:off x="1996548" y="3975907"/>
             <a:ext cx="1314450" cy="646331"/>
           </a:xfrm>
           <a:prstGeom prst="rect">
@@ -9053,7 +9112,7 @@
         <p:spPr bwMode="auto">
           <a:xfrm>
             <a:off x="3192544" y="2457859"/>
-            <a:ext cx="155978" cy="221903"/>
+            <a:ext cx="187236" cy="221903"/>
           </a:xfrm>
           <a:prstGeom prst="straightConnector1">
             <a:avLst/>
@@ -9082,8 +9141,8 @@
         </p:nvCxnSpPr>
         <p:spPr bwMode="auto">
           <a:xfrm flipH="1">
-            <a:off x="2681791" y="3049094"/>
-            <a:ext cx="666731" cy="316469"/>
+            <a:off x="2653773" y="3603092"/>
+            <a:ext cx="726007" cy="372815"/>
           </a:xfrm>
           <a:prstGeom prst="straightConnector1">
             <a:avLst/>
@@ -9110,7 +9169,7 @@
         </p:nvSpPr>
         <p:spPr bwMode="auto">
           <a:xfrm>
-            <a:off x="3681916" y="3365562"/>
+            <a:off x="3653898" y="3975906"/>
             <a:ext cx="1257300" cy="369332"/>
           </a:xfrm>
           <a:prstGeom prst="rect">
@@ -9160,8 +9219,8 @@
         </p:nvCxnSpPr>
         <p:spPr bwMode="auto">
           <a:xfrm>
-            <a:off x="3348522" y="3049094"/>
-            <a:ext cx="962044" cy="316468"/>
+            <a:off x="3379780" y="3603092"/>
+            <a:ext cx="902768" cy="372814"/>
           </a:xfrm>
           <a:prstGeom prst="straightConnector1">
             <a:avLst/>
@@ -9190,14 +9249,14 @@
         </p:nvCxnSpPr>
         <p:spPr bwMode="auto">
           <a:xfrm rot="5400000" flipH="1" flipV="1">
-            <a:off x="2349090" y="3012462"/>
-            <a:ext cx="1332132" cy="666731"/>
+            <a:off x="2045538" y="3287996"/>
+            <a:ext cx="1942476" cy="726007"/>
           </a:xfrm>
           <a:prstGeom prst="curvedConnector5">
             <a:avLst>
-              <a:gd name="adj1" fmla="val -17160"/>
-              <a:gd name="adj2" fmla="val -170128"/>
-              <a:gd name="adj3" fmla="val 110083"/>
+              <a:gd name="adj1" fmla="val -11768"/>
+              <a:gd name="adj2" fmla="val -121695"/>
+              <a:gd name="adj3" fmla="val 106430"/>
             </a:avLst>
           </a:prstGeom>
           <a:noFill/>
@@ -9249,7 +9308,7 @@
         </p:nvSpPr>
         <p:spPr>
           <a:xfrm>
-            <a:off x="5966838" y="1298734"/>
+            <a:off x="6071051" y="1257530"/>
             <a:ext cx="1628972" cy="1200329"/>
           </a:xfrm>
           <a:prstGeom prst="rect">
@@ -9317,7 +9376,7 @@
         </p:nvSpPr>
         <p:spPr>
           <a:xfrm>
-            <a:off x="5691923" y="819957"/>
+            <a:off x="5796136" y="809812"/>
             <a:ext cx="2178802" cy="369332"/>
           </a:xfrm>
           <a:prstGeom prst="rect">
@@ -9346,7 +9405,7 @@
         </p:nvSpPr>
         <p:spPr>
           <a:xfrm>
-            <a:off x="6075841" y="3343098"/>
+            <a:off x="6180054" y="3189334"/>
             <a:ext cx="1410964" cy="1200329"/>
           </a:xfrm>
           <a:prstGeom prst="rect">
@@ -9414,7 +9473,7 @@
         </p:nvSpPr>
         <p:spPr>
           <a:xfrm>
-            <a:off x="5756043" y="2864428"/>
+            <a:off x="5860256" y="2726506"/>
             <a:ext cx="2050561" cy="369332"/>
           </a:xfrm>
           <a:prstGeom prst="rect">
@@ -9435,10 +9494,304 @@
           </a:p>
         </p:txBody>
       </p:sp>
+      <p:sp>
+        <p:nvSpPr>
+          <p:cNvPr id="25" name="TextBox 24"/>
+          <p:cNvSpPr txBox="1"/>
+          <p:nvPr/>
+        </p:nvSpPr>
+        <p:spPr>
+          <a:xfrm>
+            <a:off x="239719" y="1331313"/>
+            <a:ext cx="1498808" cy="584775"/>
+          </a:xfrm>
+          <a:prstGeom prst="rect">
+            <a:avLst/>
+          </a:prstGeom>
+          <a:solidFill>
+            <a:schemeClr val="accent4">
+              <a:lumMod val="60000"/>
+              <a:lumOff val="40000"/>
+            </a:schemeClr>
+          </a:solidFill>
+        </p:spPr>
+        <p:txBody>
+          <a:bodyPr wrap="none" rtlCol="0">
+            <a:spAutoFit/>
+          </a:bodyPr>
+          <a:lstStyle/>
+          <a:p>
+            <a:r>
+              <a:rPr lang="en-US" sz="1600" dirty="0"/>
+              <a:t>Variable </a:t>
+            </a:r>
+            <a:r>
+              <a:rPr lang="en-US" sz="1600" dirty="0" err="1"/>
+              <a:t>i,k</a:t>
+            </a:r>
+            <a:r>
+              <a:rPr lang="en-US" sz="1600" dirty="0"/>
+              <a:t> in 1</a:t>
+            </a:r>
+          </a:p>
+          <a:p>
+            <a:r>
+              <a:rPr lang="en-US" sz="1600" dirty="0"/>
+              <a:t>DF(1) = {} </a:t>
+            </a:r>
+          </a:p>
+        </p:txBody>
+      </p:sp>
+      <p:sp>
+        <p:nvSpPr>
+          <p:cNvPr id="26" name="TextBox 25"/>
+          <p:cNvSpPr txBox="1"/>
+          <p:nvPr/>
+        </p:nvSpPr>
+        <p:spPr>
+          <a:xfrm>
+            <a:off x="239718" y="2057521"/>
+            <a:ext cx="1344920" cy="584775"/>
+          </a:xfrm>
+          <a:prstGeom prst="rect">
+            <a:avLst/>
+          </a:prstGeom>
+          <a:solidFill>
+            <a:schemeClr val="accent4">
+              <a:lumMod val="60000"/>
+              <a:lumOff val="40000"/>
+            </a:schemeClr>
+          </a:solidFill>
+        </p:spPr>
+        <p:txBody>
+          <a:bodyPr wrap="none" rtlCol="0">
+            <a:spAutoFit/>
+          </a:bodyPr>
+          <a:lstStyle/>
+          <a:p>
+            <a:r>
+              <a:rPr lang="en-US" sz="1600" dirty="0"/>
+              <a:t>Variable </a:t>
+            </a:r>
+            <a:r>
+              <a:rPr lang="en-US" sz="1600" dirty="0" err="1"/>
+              <a:t>i</a:t>
+            </a:r>
+            <a:r>
+              <a:rPr lang="en-US" sz="1600" dirty="0"/>
+              <a:t> in 2</a:t>
+            </a:r>
+          </a:p>
+          <a:p>
+            <a:r>
+              <a:rPr lang="en-US" sz="1600" dirty="0"/>
+              <a:t>DF(2) = {2} </a:t>
+            </a:r>
+          </a:p>
+        </p:txBody>
+      </p:sp>
+      <p:sp>
+        <p:nvSpPr>
+          <p:cNvPr id="27" name="TextBox 26"/>
+          <p:cNvSpPr txBox="1"/>
+          <p:nvPr/>
+        </p:nvSpPr>
+        <p:spPr>
+          <a:xfrm>
+            <a:off x="239719" y="2783729"/>
+            <a:ext cx="1498808" cy="584775"/>
+          </a:xfrm>
+          <a:prstGeom prst="rect">
+            <a:avLst/>
+          </a:prstGeom>
+          <a:solidFill>
+            <a:schemeClr val="accent4">
+              <a:lumMod val="60000"/>
+              <a:lumOff val="40000"/>
+            </a:schemeClr>
+          </a:solidFill>
+        </p:spPr>
+        <p:txBody>
+          <a:bodyPr wrap="none" rtlCol="0">
+            <a:spAutoFit/>
+          </a:bodyPr>
+          <a:lstStyle/>
+          <a:p>
+            <a:r>
+              <a:rPr lang="en-US" sz="1600" dirty="0"/>
+              <a:t>Variable </a:t>
+            </a:r>
+            <a:r>
+              <a:rPr lang="en-US" sz="1600" dirty="0" err="1"/>
+              <a:t>i,k</a:t>
+            </a:r>
+            <a:r>
+              <a:rPr lang="en-US" sz="1600" dirty="0"/>
+              <a:t> in 3</a:t>
+            </a:r>
+          </a:p>
+          <a:p>
+            <a:r>
+              <a:rPr lang="en-US" sz="1600" dirty="0"/>
+              <a:t>DF(3) = {2} </a:t>
+            </a:r>
+          </a:p>
+        </p:txBody>
+      </p:sp>
+      <p:sp>
+        <p:nvSpPr>
+          <p:cNvPr id="32" name="TextBox 31"/>
+          <p:cNvSpPr txBox="1"/>
+          <p:nvPr/>
+        </p:nvSpPr>
+        <p:spPr>
+          <a:xfrm>
+            <a:off x="229644" y="3510381"/>
+            <a:ext cx="1389804" cy="584775"/>
+          </a:xfrm>
+          <a:prstGeom prst="rect">
+            <a:avLst/>
+          </a:prstGeom>
+          <a:solidFill>
+            <a:schemeClr val="accent4">
+              <a:lumMod val="60000"/>
+              <a:lumOff val="40000"/>
+            </a:schemeClr>
+          </a:solidFill>
+        </p:spPr>
+        <p:txBody>
+          <a:bodyPr wrap="none" rtlCol="0">
+            <a:spAutoFit/>
+          </a:bodyPr>
+          <a:lstStyle/>
+          <a:p>
+            <a:r>
+              <a:rPr lang="en-US" sz="1600" dirty="0"/>
+              <a:t>Variable k in 4</a:t>
+            </a:r>
+          </a:p>
+          <a:p>
+            <a:r>
+              <a:rPr lang="en-US" sz="1600" dirty="0"/>
+              <a:t>DF(4) = {} </a:t>
+            </a:r>
+          </a:p>
+        </p:txBody>
+      </p:sp>
+      <p:sp>
+        <p:nvSpPr>
+          <p:cNvPr id="2" name="Rectangle 1">
+            <a:extLst>
+              <a:ext uri="{FF2B5EF4-FFF2-40B4-BE49-F238E27FC236}">
+                <a16:creationId xmlns:a16="http://schemas.microsoft.com/office/drawing/2014/main" id="{EFA6575E-BD95-7F4E-8D37-869934F147E3}"/>
+              </a:ext>
+            </a:extLst>
+          </p:cNvPr>
+          <p:cNvSpPr/>
+          <p:nvPr/>
+        </p:nvSpPr>
+        <p:spPr>
+          <a:xfrm>
+            <a:off x="2987824" y="2726506"/>
+            <a:ext cx="864096" cy="277292"/>
+          </a:xfrm>
+          <a:prstGeom prst="rect">
+            <a:avLst/>
+          </a:prstGeom>
+          <a:solidFill>
+            <a:schemeClr val="accent5">
+              <a:lumMod val="40000"/>
+              <a:lumOff val="60000"/>
+            </a:schemeClr>
+          </a:solidFill>
+          <a:ln>
+            <a:noFill/>
+          </a:ln>
+        </p:spPr>
+        <p:style>
+          <a:lnRef idx="2">
+            <a:schemeClr val="accent1">
+              <a:shade val="50000"/>
+            </a:schemeClr>
+          </a:lnRef>
+          <a:fillRef idx="1">
+            <a:schemeClr val="accent1"/>
+          </a:fillRef>
+          <a:effectRef idx="0">
+            <a:schemeClr val="accent1"/>
+          </a:effectRef>
+          <a:fontRef idx="minor">
+            <a:schemeClr val="lt1"/>
+          </a:fontRef>
+        </p:style>
+        <p:txBody>
+          <a:bodyPr rtlCol="0" anchor="ctr"/>
+          <a:lstStyle/>
+          <a:p>
+            <a:pPr algn="ctr"/>
+            <a:endParaRPr lang="en-US"/>
+          </a:p>
+        </p:txBody>
+      </p:sp>
+      <p:sp>
+        <p:nvSpPr>
+          <p:cNvPr id="28" name="Rectangle 27">
+            <a:extLst>
+              <a:ext uri="{FF2B5EF4-FFF2-40B4-BE49-F238E27FC236}">
+                <a16:creationId xmlns:a16="http://schemas.microsoft.com/office/drawing/2014/main" id="{D93846A5-D083-1641-8CF0-D41647BBBFDC}"/>
+              </a:ext>
+            </a:extLst>
+          </p:cNvPr>
+          <p:cNvSpPr/>
+          <p:nvPr/>
+        </p:nvSpPr>
+        <p:spPr>
+          <a:xfrm>
+            <a:off x="2987824" y="3026153"/>
+            <a:ext cx="1008112" cy="277292"/>
+          </a:xfrm>
+          <a:prstGeom prst="rect">
+            <a:avLst/>
+          </a:prstGeom>
+          <a:solidFill>
+            <a:schemeClr val="accent5">
+              <a:lumMod val="40000"/>
+              <a:lumOff val="60000"/>
+            </a:schemeClr>
+          </a:solidFill>
+          <a:ln>
+            <a:noFill/>
+          </a:ln>
+        </p:spPr>
+        <p:style>
+          <a:lnRef idx="2">
+            <a:schemeClr val="accent1">
+              <a:shade val="50000"/>
+            </a:schemeClr>
+          </a:lnRef>
+          <a:fillRef idx="1">
+            <a:schemeClr val="accent1"/>
+          </a:fillRef>
+          <a:effectRef idx="0">
+            <a:schemeClr val="accent1"/>
+          </a:effectRef>
+          <a:fontRef idx="minor">
+            <a:schemeClr val="lt1"/>
+          </a:fontRef>
+        </p:style>
+        <p:txBody>
+          <a:bodyPr rtlCol="0" anchor="ctr"/>
+          <a:lstStyle/>
+          <a:p>
+            <a:pPr algn="ctr"/>
+            <a:endParaRPr lang="en-US"/>
+          </a:p>
+        </p:txBody>
+      </p:sp>
     </p:spTree>
     <p:extLst>
       <p:ext uri="{BB962C8B-B14F-4D97-AF65-F5344CB8AC3E}">
-        <p14:creationId xmlns:p14="http://schemas.microsoft.com/office/powerpoint/2010/main" val="676870744"/>
+        <p14:creationId xmlns:p14="http://schemas.microsoft.com/office/powerpoint/2010/main" val="407226780"/>
       </p:ext>
     </p:extLst>
   </p:cSld>
@@ -9479,9 +9832,7 @@
                                           </p:stCondLst>
                                         </p:cTn>
                                         <p:tgtEl>
-                                          <p:spTgt spid="16">
-                                            <p:bg/>
-                                          </p:spTgt>
+                                          <p:spTgt spid="25"/>
                                         </p:tgtEl>
                                         <p:attrNameLst>
                                           <p:attrName>style.visibility</p:attrName>
@@ -9526,11 +9877,7 @@
                                           </p:stCondLst>
                                         </p:cTn>
                                         <p:tgtEl>
-                                          <p:spTgt spid="16">
-                                            <p:txEl>
-                                              <p:pRg st="0" end="0"/>
-                                            </p:txEl>
-                                          </p:spTgt>
+                                          <p:spTgt spid="26"/>
                                         </p:tgtEl>
                                         <p:attrNameLst>
                                           <p:attrName>style.visibility</p:attrName>
@@ -9562,7 +9909,7 @@
                             </p:stCondLst>
                             <p:childTnLst>
                               <p:par>
-                                <p:cTn id="13" presetID="1" presetClass="entr" presetSubtype="0" fill="hold" grpId="0" nodeType="clickEffect">
+                                <p:cTn id="13" presetID="1" presetClass="exit" presetSubtype="0" fill="hold" grpId="0" nodeType="clickEffect">
                                   <p:stCondLst>
                                     <p:cond delay="0"/>
                                   </p:stCondLst>
@@ -9575,18 +9922,14 @@
                                           </p:stCondLst>
                                         </p:cTn>
                                         <p:tgtEl>
-                                          <p:spTgt spid="16">
-                                            <p:txEl>
-                                              <p:pRg st="1" end="1"/>
-                                            </p:txEl>
-                                          </p:spTgt>
+                                          <p:spTgt spid="2"/>
                                         </p:tgtEl>
                                         <p:attrNameLst>
                                           <p:attrName>style.visibility</p:attrName>
                                         </p:attrNameLst>
                                       </p:cBhvr>
                                       <p:to>
-                                        <p:strVal val="visible"/>
+                                        <p:strVal val="hidden"/>
                                       </p:to>
                                     </p:set>
                                   </p:childTnLst>
@@ -9624,11 +9967,7 @@
                                           </p:stCondLst>
                                         </p:cTn>
                                         <p:tgtEl>
-                                          <p:spTgt spid="16">
-                                            <p:txEl>
-                                              <p:pRg st="2" end="2"/>
-                                            </p:txEl>
-                                          </p:spTgt>
+                                          <p:spTgt spid="27"/>
                                         </p:tgtEl>
                                         <p:attrNameLst>
                                           <p:attrName>style.visibility</p:attrName>
@@ -9660,7 +9999,7 @@
                             </p:stCondLst>
                             <p:childTnLst>
                               <p:par>
-                                <p:cTn id="21" presetID="1" presetClass="entr" presetSubtype="0" fill="hold" grpId="0" nodeType="clickEffect">
+                                <p:cTn id="21" presetID="1" presetClass="exit" presetSubtype="0" fill="hold" grpId="0" nodeType="clickEffect">
                                   <p:stCondLst>
                                     <p:cond delay="0"/>
                                   </p:stCondLst>
@@ -9673,18 +10012,14 @@
                                           </p:stCondLst>
                                         </p:cTn>
                                         <p:tgtEl>
-                                          <p:spTgt spid="16">
-                                            <p:txEl>
-                                              <p:pRg st="3" end="3"/>
-                                            </p:txEl>
-                                          </p:spTgt>
+                                          <p:spTgt spid="28"/>
                                         </p:tgtEl>
                                         <p:attrNameLst>
                                           <p:attrName>style.visibility</p:attrName>
                                         </p:attrNameLst>
                                       </p:cBhvr>
                                       <p:to>
-                                        <p:strVal val="visible"/>
+                                        <p:strVal val="hidden"/>
                                       </p:to>
                                     </p:set>
                                   </p:childTnLst>
@@ -9722,205 +10057,7 @@
                                           </p:stCondLst>
                                         </p:cTn>
                                         <p:tgtEl>
-                                          <p:spTgt spid="23">
-                                            <p:bg/>
-                                          </p:spTgt>
-                                        </p:tgtEl>
-                                        <p:attrNameLst>
-                                          <p:attrName>style.visibility</p:attrName>
-                                        </p:attrNameLst>
-                                      </p:cBhvr>
-                                      <p:to>
-                                        <p:strVal val="visible"/>
-                                      </p:to>
-                                    </p:set>
-                                  </p:childTnLst>
-                                </p:cTn>
-                              </p:par>
-                            </p:childTnLst>
-                          </p:cTn>
-                        </p:par>
-                      </p:childTnLst>
-                    </p:cTn>
-                  </p:par>
-                  <p:par>
-                    <p:cTn id="27" fill="hold">
-                      <p:stCondLst>
-                        <p:cond delay="indefinite"/>
-                      </p:stCondLst>
-                      <p:childTnLst>
-                        <p:par>
-                          <p:cTn id="28" fill="hold">
-                            <p:stCondLst>
-                              <p:cond delay="0"/>
-                            </p:stCondLst>
-                            <p:childTnLst>
-                              <p:par>
-                                <p:cTn id="29" presetID="1" presetClass="entr" presetSubtype="0" fill="hold" grpId="0" nodeType="clickEffect">
-                                  <p:stCondLst>
-                                    <p:cond delay="0"/>
-                                  </p:stCondLst>
-                                  <p:childTnLst>
-                                    <p:set>
-                                      <p:cBhvr>
-                                        <p:cTn id="30" dur="1" fill="hold">
-                                          <p:stCondLst>
-                                            <p:cond delay="0"/>
-                                          </p:stCondLst>
-                                        </p:cTn>
-                                        <p:tgtEl>
-                                          <p:spTgt spid="23">
-                                            <p:txEl>
-                                              <p:pRg st="0" end="0"/>
-                                            </p:txEl>
-                                          </p:spTgt>
-                                        </p:tgtEl>
-                                        <p:attrNameLst>
-                                          <p:attrName>style.visibility</p:attrName>
-                                        </p:attrNameLst>
-                                      </p:cBhvr>
-                                      <p:to>
-                                        <p:strVal val="visible"/>
-                                      </p:to>
-                                    </p:set>
-                                  </p:childTnLst>
-                                </p:cTn>
-                              </p:par>
-                            </p:childTnLst>
-                          </p:cTn>
-                        </p:par>
-                      </p:childTnLst>
-                    </p:cTn>
-                  </p:par>
-                  <p:par>
-                    <p:cTn id="31" fill="hold">
-                      <p:stCondLst>
-                        <p:cond delay="indefinite"/>
-                      </p:stCondLst>
-                      <p:childTnLst>
-                        <p:par>
-                          <p:cTn id="32" fill="hold">
-                            <p:stCondLst>
-                              <p:cond delay="0"/>
-                            </p:stCondLst>
-                            <p:childTnLst>
-                              <p:par>
-                                <p:cTn id="33" presetID="1" presetClass="entr" presetSubtype="0" fill="hold" grpId="0" nodeType="clickEffect">
-                                  <p:stCondLst>
-                                    <p:cond delay="0"/>
-                                  </p:stCondLst>
-                                  <p:childTnLst>
-                                    <p:set>
-                                      <p:cBhvr>
-                                        <p:cTn id="34" dur="1" fill="hold">
-                                          <p:stCondLst>
-                                            <p:cond delay="0"/>
-                                          </p:stCondLst>
-                                        </p:cTn>
-                                        <p:tgtEl>
-                                          <p:spTgt spid="23">
-                                            <p:txEl>
-                                              <p:pRg st="1" end="1"/>
-                                            </p:txEl>
-                                          </p:spTgt>
-                                        </p:tgtEl>
-                                        <p:attrNameLst>
-                                          <p:attrName>style.visibility</p:attrName>
-                                        </p:attrNameLst>
-                                      </p:cBhvr>
-                                      <p:to>
-                                        <p:strVal val="visible"/>
-                                      </p:to>
-                                    </p:set>
-                                  </p:childTnLst>
-                                </p:cTn>
-                              </p:par>
-                            </p:childTnLst>
-                          </p:cTn>
-                        </p:par>
-                      </p:childTnLst>
-                    </p:cTn>
-                  </p:par>
-                  <p:par>
-                    <p:cTn id="35" fill="hold">
-                      <p:stCondLst>
-                        <p:cond delay="indefinite"/>
-                      </p:stCondLst>
-                      <p:childTnLst>
-                        <p:par>
-                          <p:cTn id="36" fill="hold">
-                            <p:stCondLst>
-                              <p:cond delay="0"/>
-                            </p:stCondLst>
-                            <p:childTnLst>
-                              <p:par>
-                                <p:cTn id="37" presetID="1" presetClass="entr" presetSubtype="0" fill="hold" grpId="0" nodeType="clickEffect">
-                                  <p:stCondLst>
-                                    <p:cond delay="0"/>
-                                  </p:stCondLst>
-                                  <p:childTnLst>
-                                    <p:set>
-                                      <p:cBhvr>
-                                        <p:cTn id="38" dur="1" fill="hold">
-                                          <p:stCondLst>
-                                            <p:cond delay="0"/>
-                                          </p:stCondLst>
-                                        </p:cTn>
-                                        <p:tgtEl>
-                                          <p:spTgt spid="23">
-                                            <p:txEl>
-                                              <p:pRg st="2" end="2"/>
-                                            </p:txEl>
-                                          </p:spTgt>
-                                        </p:tgtEl>
-                                        <p:attrNameLst>
-                                          <p:attrName>style.visibility</p:attrName>
-                                        </p:attrNameLst>
-                                      </p:cBhvr>
-                                      <p:to>
-                                        <p:strVal val="visible"/>
-                                      </p:to>
-                                    </p:set>
-                                  </p:childTnLst>
-                                </p:cTn>
-                              </p:par>
-                            </p:childTnLst>
-                          </p:cTn>
-                        </p:par>
-                      </p:childTnLst>
-                    </p:cTn>
-                  </p:par>
-                  <p:par>
-                    <p:cTn id="39" fill="hold">
-                      <p:stCondLst>
-                        <p:cond delay="indefinite"/>
-                      </p:stCondLst>
-                      <p:childTnLst>
-                        <p:par>
-                          <p:cTn id="40" fill="hold">
-                            <p:stCondLst>
-                              <p:cond delay="0"/>
-                            </p:stCondLst>
-                            <p:childTnLst>
-                              <p:par>
-                                <p:cTn id="41" presetID="1" presetClass="entr" presetSubtype="0" fill="hold" grpId="0" nodeType="clickEffect">
-                                  <p:stCondLst>
-                                    <p:cond delay="0"/>
-                                  </p:stCondLst>
-                                  <p:childTnLst>
-                                    <p:set>
-                                      <p:cBhvr>
-                                        <p:cTn id="42" dur="1" fill="hold">
-                                          <p:stCondLst>
-                                            <p:cond delay="0"/>
-                                          </p:stCondLst>
-                                        </p:cTn>
-                                        <p:tgtEl>
-                                          <p:spTgt spid="23">
-                                            <p:txEl>
-                                              <p:pRg st="3" end="3"/>
-                                            </p:txEl>
-                                          </p:spTgt>
+                                          <p:spTgt spid="32"/>
                                         </p:tgtEl>
                                         <p:attrNameLst>
                                           <p:attrName>style.visibility</p:attrName>
@@ -9961,8 +10098,12 @@
       </p:par>
     </p:tnLst>
     <p:bldLst>
-      <p:bldP spid="16" grpId="0" build="p" animBg="1"/>
-      <p:bldP spid="23" grpId="0" build="p" animBg="1"/>
+      <p:bldP spid="25" grpId="0" animBg="1"/>
+      <p:bldP spid="26" grpId="0" animBg="1"/>
+      <p:bldP spid="27" grpId="0" animBg="1"/>
+      <p:bldP spid="32" grpId="0" animBg="1"/>
+      <p:bldP spid="2" grpId="0" animBg="1"/>
+      <p:bldP spid="28" grpId="0" animBg="1"/>
     </p:bldLst>
   </p:timing>
 </p:sld>
@@ -10853,7 +10994,1682 @@
     </p:spTree>
     <p:extLst>
       <p:ext uri="{BB962C8B-B14F-4D97-AF65-F5344CB8AC3E}">
-        <p14:creationId xmlns:p14="http://schemas.microsoft.com/office/powerpoint/2010/main" val="407226780"/>
+        <p14:creationId xmlns:p14="http://schemas.microsoft.com/office/powerpoint/2010/main" val="1612169113"/>
+      </p:ext>
+    </p:extLst>
+  </p:cSld>
+  <p:clrMapOvr>
+    <a:masterClrMapping/>
+  </p:clrMapOvr>
+</p:sld>
+</file>
+
+<file path=ppt/slides/slide14.xml><?xml version="1.0" encoding="utf-8"?>
+<p:sld xmlns:a="http://schemas.openxmlformats.org/drawingml/2006/main" xmlns:r="http://schemas.openxmlformats.org/officeDocument/2006/relationships" xmlns:p="http://schemas.openxmlformats.org/presentationml/2006/main">
+  <p:cSld>
+    <p:spTree>
+      <p:nvGrpSpPr>
+        <p:cNvPr id="1" name=""/>
+        <p:cNvGrpSpPr/>
+        <p:nvPr/>
+      </p:nvGrpSpPr>
+      <p:grpSpPr>
+        <a:xfrm>
+          <a:off x="0" y="0"/>
+          <a:ext cx="0" cy="0"/>
+          <a:chOff x="0" y="0"/>
+          <a:chExt cx="0" cy="0"/>
+        </a:xfrm>
+      </p:grpSpPr>
+      <p:sp>
+        <p:nvSpPr>
+          <p:cNvPr id="222210" name="Rectangle 2"/>
+          <p:cNvSpPr>
+            <a:spLocks noGrp="1" noChangeArrowheads="1"/>
+          </p:cNvSpPr>
+          <p:nvPr>
+            <p:ph type="title"/>
+          </p:nvPr>
+        </p:nvSpPr>
+        <p:spPr/>
+        <p:txBody>
+          <a:bodyPr/>
+          <a:lstStyle/>
+          <a:p>
+            <a:r>
+              <a:rPr lang="en-US" dirty="0"/>
+              <a:t>Converting to SSA Form</a:t>
+            </a:r>
+          </a:p>
+        </p:txBody>
+      </p:sp>
+      <p:sp>
+        <p:nvSpPr>
+          <p:cNvPr id="19" name="Slide Number Placeholder 4"/>
+          <p:cNvSpPr>
+            <a:spLocks noGrp="1"/>
+          </p:cNvSpPr>
+          <p:nvPr>
+            <p:ph type="sldNum" sz="quarter" idx="12"/>
+          </p:nvPr>
+        </p:nvSpPr>
+        <p:spPr/>
+        <p:txBody>
+          <a:bodyPr/>
+          <a:lstStyle/>
+          <a:p>
+            <a:fld id="{722DCBB7-0D72-414E-9F56-266DA4AACC86}" type="slidenum">
+              <a:rPr lang="en-US"/>
+              <a:pPr/>
+              <a:t>14</a:t>
+            </a:fld>
+            <a:endParaRPr lang="en-US"/>
+          </a:p>
+        </p:txBody>
+      </p:sp>
+      <p:sp>
+        <p:nvSpPr>
+          <p:cNvPr id="222212" name="Text Box 4"/>
+          <p:cNvSpPr txBox="1">
+            <a:spLocks noChangeArrowheads="1"/>
+          </p:cNvSpPr>
+          <p:nvPr/>
+        </p:nvSpPr>
+        <p:spPr bwMode="auto">
+          <a:xfrm>
+            <a:off x="3622180" y="1387320"/>
+            <a:ext cx="1308371" cy="692497"/>
+          </a:xfrm>
+          <a:prstGeom prst="rect">
+            <a:avLst/>
+          </a:prstGeom>
+          <a:solidFill>
+            <a:schemeClr val="accent5">
+              <a:lumMod val="40000"/>
+              <a:lumOff val="60000"/>
+            </a:schemeClr>
+          </a:solidFill>
+          <a:ln w="9525">
+            <a:solidFill>
+              <a:schemeClr val="tx1"/>
+            </a:solidFill>
+            <a:miter lim="800000"/>
+            <a:headEnd/>
+            <a:tailEnd/>
+          </a:ln>
+          <a:effectLst/>
+        </p:spPr>
+        <p:txBody>
+          <a:bodyPr wrap="none">
+            <a:prstTxWarp prst="textNoShape">
+              <a:avLst/>
+            </a:prstTxWarp>
+            <a:spAutoFit/>
+          </a:bodyPr>
+          <a:lstStyle/>
+          <a:p>
+            <a:r>
+              <a:rPr lang="en-US" sz="1800" dirty="0"/>
+              <a:t>1: k1 := 100</a:t>
+            </a:r>
+          </a:p>
+          <a:p>
+            <a:r>
+              <a:rPr lang="en-US" sz="2100" dirty="0"/>
+              <a:t>    </a:t>
+            </a:r>
+            <a:r>
+              <a:rPr lang="en-US" sz="1800" dirty="0"/>
+              <a:t>i1 := 0</a:t>
+            </a:r>
+            <a:endParaRPr lang="en-US" sz="2100" dirty="0"/>
+          </a:p>
+        </p:txBody>
+      </p:sp>
+      <p:sp>
+        <p:nvSpPr>
+          <p:cNvPr id="222213" name="Text Box 5"/>
+          <p:cNvSpPr txBox="1">
+            <a:spLocks noChangeArrowheads="1"/>
+          </p:cNvSpPr>
+          <p:nvPr/>
+        </p:nvSpPr>
+        <p:spPr bwMode="auto">
+          <a:xfrm>
+            <a:off x="3736480" y="2301720"/>
+            <a:ext cx="1685077" cy="923330"/>
+          </a:xfrm>
+          <a:prstGeom prst="rect">
+            <a:avLst/>
+          </a:prstGeom>
+          <a:solidFill>
+            <a:schemeClr val="accent5">
+              <a:lumMod val="40000"/>
+              <a:lumOff val="60000"/>
+            </a:schemeClr>
+          </a:solidFill>
+          <a:ln w="9525">
+            <a:solidFill>
+              <a:schemeClr val="tx1"/>
+            </a:solidFill>
+            <a:miter lim="800000"/>
+            <a:headEnd/>
+            <a:tailEnd/>
+          </a:ln>
+          <a:effectLst/>
+        </p:spPr>
+        <p:txBody>
+          <a:bodyPr wrap="none">
+            <a:prstTxWarp prst="textNoShape">
+              <a:avLst/>
+            </a:prstTxWarp>
+            <a:spAutoFit/>
+          </a:bodyPr>
+          <a:lstStyle/>
+          <a:p>
+            <a:r>
+              <a:rPr lang="en-US" sz="1800" dirty="0"/>
+              <a:t>2: i2 = </a:t>
+            </a:r>
+            <a:r>
+              <a:rPr lang="en-US" sz="1800" dirty="0">
+                <a:sym typeface="Symbol" charset="2"/>
+              </a:rPr>
+              <a:t>(i1,i3)</a:t>
+            </a:r>
+            <a:endParaRPr lang="en-US" sz="1800" dirty="0"/>
+          </a:p>
+          <a:p>
+            <a:r>
+              <a:rPr lang="en-US" sz="1800" dirty="0"/>
+              <a:t>    k2 = </a:t>
+            </a:r>
+            <a:r>
+              <a:rPr lang="en-US" sz="1800" dirty="0">
+                <a:sym typeface="Symbol" charset="2"/>
+              </a:rPr>
+              <a:t>(k1,k3)</a:t>
+            </a:r>
+            <a:endParaRPr lang="en-US" sz="1800" dirty="0"/>
+          </a:p>
+          <a:p>
+            <a:r>
+              <a:rPr lang="en-US" sz="1800" dirty="0"/>
+              <a:t>    if i2 &lt; 100</a:t>
+            </a:r>
+            <a:endParaRPr lang="en-US" sz="2100" dirty="0"/>
+          </a:p>
+        </p:txBody>
+      </p:sp>
+      <p:sp>
+        <p:nvSpPr>
+          <p:cNvPr id="222214" name="Text Box 6"/>
+          <p:cNvSpPr txBox="1">
+            <a:spLocks noChangeArrowheads="1"/>
+          </p:cNvSpPr>
+          <p:nvPr/>
+        </p:nvSpPr>
+        <p:spPr bwMode="auto">
+          <a:xfrm>
+            <a:off x="3022662" y="3597865"/>
+            <a:ext cx="1495332" cy="646331"/>
+          </a:xfrm>
+          <a:prstGeom prst="rect">
+            <a:avLst/>
+          </a:prstGeom>
+          <a:solidFill>
+            <a:schemeClr val="accent5">
+              <a:lumMod val="40000"/>
+              <a:lumOff val="60000"/>
+            </a:schemeClr>
+          </a:solidFill>
+          <a:ln w="9525">
+            <a:solidFill>
+              <a:schemeClr val="tx1"/>
+            </a:solidFill>
+            <a:miter lim="800000"/>
+            <a:headEnd/>
+            <a:tailEnd/>
+          </a:ln>
+          <a:effectLst/>
+        </p:spPr>
+        <p:txBody>
+          <a:bodyPr wrap="square">
+            <a:prstTxWarp prst="textNoShape">
+              <a:avLst/>
+            </a:prstTxWarp>
+            <a:spAutoFit/>
+          </a:bodyPr>
+          <a:lstStyle/>
+          <a:p>
+            <a:r>
+              <a:rPr lang="en-US" sz="1800" dirty="0"/>
+              <a:t>3: k3 := k2+1</a:t>
+            </a:r>
+          </a:p>
+          <a:p>
+            <a:r>
+              <a:rPr lang="en-US" sz="1800" dirty="0"/>
+              <a:t>    i3 := i2+1</a:t>
+            </a:r>
+          </a:p>
+        </p:txBody>
+      </p:sp>
+      <p:cxnSp>
+        <p:nvCxnSpPr>
+          <p:cNvPr id="222215" name="AutoShape 7"/>
+          <p:cNvCxnSpPr>
+            <a:cxnSpLocks noChangeShapeType="1"/>
+            <a:stCxn id="222212" idx="2"/>
+            <a:endCxn id="222213" idx="0"/>
+          </p:cNvCxnSpPr>
+          <p:nvPr/>
+        </p:nvCxnSpPr>
+        <p:spPr bwMode="auto">
+          <a:xfrm>
+            <a:off x="4276366" y="2079817"/>
+            <a:ext cx="302653" cy="221903"/>
+          </a:xfrm>
+          <a:prstGeom prst="straightConnector1">
+            <a:avLst/>
+          </a:prstGeom>
+          <a:noFill/>
+          <a:ln w="9525">
+            <a:solidFill>
+              <a:schemeClr val="tx1"/>
+            </a:solidFill>
+            <a:round/>
+            <a:headEnd/>
+            <a:tailEnd type="triangle" w="med" len="med"/>
+          </a:ln>
+          <a:effectLst/>
+        </p:spPr>
+      </p:cxnSp>
+      <p:cxnSp>
+        <p:nvCxnSpPr>
+          <p:cNvPr id="222216" name="AutoShape 8"/>
+          <p:cNvCxnSpPr>
+            <a:cxnSpLocks noChangeShapeType="1"/>
+            <a:stCxn id="222213" idx="2"/>
+            <a:endCxn id="222214" idx="0"/>
+          </p:cNvCxnSpPr>
+          <p:nvPr/>
+        </p:nvCxnSpPr>
+        <p:spPr bwMode="auto">
+          <a:xfrm flipH="1">
+            <a:off x="3770328" y="3225050"/>
+            <a:ext cx="808691" cy="372815"/>
+          </a:xfrm>
+          <a:prstGeom prst="straightConnector1">
+            <a:avLst/>
+          </a:prstGeom>
+          <a:noFill/>
+          <a:ln w="9525">
+            <a:solidFill>
+              <a:schemeClr val="tx1"/>
+            </a:solidFill>
+            <a:round/>
+            <a:headEnd/>
+            <a:tailEnd type="triangle" w="med" len="med"/>
+          </a:ln>
+          <a:effectLst/>
+        </p:spPr>
+      </p:cxnSp>
+      <p:sp>
+        <p:nvSpPr>
+          <p:cNvPr id="222218" name="Text Box 10"/>
+          <p:cNvSpPr txBox="1">
+            <a:spLocks noChangeArrowheads="1"/>
+          </p:cNvSpPr>
+          <p:nvPr/>
+        </p:nvSpPr>
+        <p:spPr bwMode="auto">
+          <a:xfrm>
+            <a:off x="4680012" y="3597864"/>
+            <a:ext cx="1257300" cy="369332"/>
+          </a:xfrm>
+          <a:prstGeom prst="rect">
+            <a:avLst/>
+          </a:prstGeom>
+          <a:solidFill>
+            <a:schemeClr val="accent5">
+              <a:lumMod val="40000"/>
+              <a:lumOff val="60000"/>
+            </a:schemeClr>
+          </a:solidFill>
+          <a:ln w="9525">
+            <a:solidFill>
+              <a:schemeClr val="tx1"/>
+            </a:solidFill>
+            <a:miter lim="800000"/>
+            <a:headEnd/>
+            <a:tailEnd/>
+          </a:ln>
+          <a:effectLst/>
+        </p:spPr>
+        <p:txBody>
+          <a:bodyPr>
+            <a:prstTxWarp prst="textNoShape">
+              <a:avLst/>
+            </a:prstTxWarp>
+            <a:spAutoFit/>
+          </a:bodyPr>
+          <a:lstStyle/>
+          <a:p>
+            <a:r>
+              <a:rPr lang="en-US" sz="1800" dirty="0"/>
+              <a:t>4: return k</a:t>
+            </a:r>
+          </a:p>
+        </p:txBody>
+      </p:sp>
+      <p:cxnSp>
+        <p:nvCxnSpPr>
+          <p:cNvPr id="222222" name="AutoShape 14"/>
+          <p:cNvCxnSpPr>
+            <a:cxnSpLocks noChangeShapeType="1"/>
+            <a:stCxn id="222213" idx="2"/>
+            <a:endCxn id="222218" idx="0"/>
+          </p:cNvCxnSpPr>
+          <p:nvPr/>
+        </p:nvCxnSpPr>
+        <p:spPr bwMode="auto">
+          <a:xfrm>
+            <a:off x="4579019" y="3225050"/>
+            <a:ext cx="729643" cy="372814"/>
+          </a:xfrm>
+          <a:prstGeom prst="straightConnector1">
+            <a:avLst/>
+          </a:prstGeom>
+          <a:noFill/>
+          <a:ln w="9525">
+            <a:solidFill>
+              <a:schemeClr val="tx1"/>
+            </a:solidFill>
+            <a:round/>
+            <a:headEnd/>
+            <a:tailEnd type="triangle" w="med" len="med"/>
+          </a:ln>
+          <a:effectLst/>
+        </p:spPr>
+      </p:cxnSp>
+      <p:cxnSp>
+        <p:nvCxnSpPr>
+          <p:cNvPr id="222227" name="AutoShape 19"/>
+          <p:cNvCxnSpPr>
+            <a:cxnSpLocks noChangeShapeType="1"/>
+            <a:stCxn id="222214" idx="2"/>
+            <a:endCxn id="222213" idx="0"/>
+          </p:cNvCxnSpPr>
+          <p:nvPr/>
+        </p:nvCxnSpPr>
+        <p:spPr bwMode="auto">
+          <a:xfrm rot="5400000" flipH="1" flipV="1">
+            <a:off x="3203435" y="2868612"/>
+            <a:ext cx="1942476" cy="808691"/>
+          </a:xfrm>
+          <a:prstGeom prst="curvedConnector5">
+            <a:avLst>
+              <a:gd name="adj1" fmla="val -11768"/>
+              <a:gd name="adj2" fmla="val -165047"/>
+              <a:gd name="adj3" fmla="val 106430"/>
+            </a:avLst>
+          </a:prstGeom>
+          <a:noFill/>
+          <a:ln w="9525">
+            <a:solidFill>
+              <a:schemeClr val="tx1"/>
+            </a:solidFill>
+            <a:round/>
+            <a:headEnd/>
+            <a:tailEnd type="triangle" w="med" len="med"/>
+          </a:ln>
+          <a:effectLst/>
+        </p:spPr>
+      </p:cxnSp>
+    </p:spTree>
+    <p:extLst>
+      <p:ext uri="{BB962C8B-B14F-4D97-AF65-F5344CB8AC3E}">
+        <p14:creationId xmlns:p14="http://schemas.microsoft.com/office/powerpoint/2010/main" val="3492114016"/>
+      </p:ext>
+    </p:extLst>
+  </p:cSld>
+  <p:clrMapOvr>
+    <a:masterClrMapping/>
+  </p:clrMapOvr>
+</p:sld>
+</file>
+
+<file path=ppt/slides/slide15.xml><?xml version="1.0" encoding="utf-8"?>
+<p:sld xmlns:a="http://schemas.openxmlformats.org/drawingml/2006/main" xmlns:r="http://schemas.openxmlformats.org/officeDocument/2006/relationships" xmlns:p="http://schemas.openxmlformats.org/presentationml/2006/main">
+  <p:cSld>
+    <p:spTree>
+      <p:nvGrpSpPr>
+        <p:cNvPr id="1" name=""/>
+        <p:cNvGrpSpPr/>
+        <p:nvPr/>
+      </p:nvGrpSpPr>
+      <p:grpSpPr>
+        <a:xfrm>
+          <a:off x="0" y="0"/>
+          <a:ext cx="0" cy="0"/>
+          <a:chOff x="0" y="0"/>
+          <a:chExt cx="0" cy="0"/>
+        </a:xfrm>
+      </p:grpSpPr>
+      <p:sp>
+        <p:nvSpPr>
+          <p:cNvPr id="2" name="Title 1">
+            <a:extLst>
+              <a:ext uri="{FF2B5EF4-FFF2-40B4-BE49-F238E27FC236}">
+                <a16:creationId xmlns:a16="http://schemas.microsoft.com/office/drawing/2014/main" id="{EA79D43E-DF8E-A748-A5DD-BAC579E4DC17}"/>
+              </a:ext>
+            </a:extLst>
+          </p:cNvPr>
+          <p:cNvSpPr>
+            <a:spLocks noGrp="1"/>
+          </p:cNvSpPr>
+          <p:nvPr>
+            <p:ph type="title"/>
+          </p:nvPr>
+        </p:nvSpPr>
+        <p:spPr/>
+        <p:txBody>
+          <a:bodyPr/>
+          <a:lstStyle/>
+          <a:p>
+            <a:r>
+              <a:rPr lang="en-US" dirty="0"/>
+              <a:t>Extra Slides</a:t>
+            </a:r>
+          </a:p>
+        </p:txBody>
+      </p:sp>
+    </p:spTree>
+    <p:extLst>
+      <p:ext uri="{BB962C8B-B14F-4D97-AF65-F5344CB8AC3E}">
+        <p14:creationId xmlns:p14="http://schemas.microsoft.com/office/powerpoint/2010/main" val="41120589"/>
+      </p:ext>
+    </p:extLst>
+  </p:cSld>
+  <p:clrMapOvr>
+    <a:masterClrMapping/>
+  </p:clrMapOvr>
+</p:sld>
+</file>
+
+<file path=ppt/slides/slide16.xml><?xml version="1.0" encoding="utf-8"?>
+<p:sld xmlns:a="http://schemas.openxmlformats.org/drawingml/2006/main" xmlns:r="http://schemas.openxmlformats.org/officeDocument/2006/relationships" xmlns:p="http://schemas.openxmlformats.org/presentationml/2006/main">
+  <p:cSld>
+    <p:spTree>
+      <p:nvGrpSpPr>
+        <p:cNvPr id="1" name=""/>
+        <p:cNvGrpSpPr/>
+        <p:nvPr/>
+      </p:nvGrpSpPr>
+      <p:grpSpPr>
+        <a:xfrm>
+          <a:off x="0" y="0"/>
+          <a:ext cx="0" cy="0"/>
+          <a:chOff x="0" y="0"/>
+          <a:chExt cx="0" cy="0"/>
+        </a:xfrm>
+      </p:grpSpPr>
+      <p:sp>
+        <p:nvSpPr>
+          <p:cNvPr id="5" name="Text Box 4"/>
+          <p:cNvSpPr txBox="1">
+            <a:spLocks noChangeArrowheads="1"/>
+          </p:cNvSpPr>
+          <p:nvPr/>
+        </p:nvSpPr>
+        <p:spPr bwMode="auto">
+          <a:xfrm>
+            <a:off x="3815917" y="1005576"/>
+            <a:ext cx="1013419" cy="969496"/>
+          </a:xfrm>
+          <a:prstGeom prst="rect">
+            <a:avLst/>
+          </a:prstGeom>
+          <a:solidFill>
+            <a:schemeClr val="accent5">
+              <a:lumMod val="40000"/>
+              <a:lumOff val="60000"/>
+            </a:schemeClr>
+          </a:solidFill>
+          <a:ln w="9525">
+            <a:solidFill>
+              <a:schemeClr val="tx1"/>
+            </a:solidFill>
+            <a:miter lim="800000"/>
+            <a:headEnd/>
+            <a:tailEnd/>
+          </a:ln>
+          <a:effectLst/>
+        </p:spPr>
+        <p:txBody>
+          <a:bodyPr wrap="none">
+            <a:prstTxWarp prst="textNoShape">
+              <a:avLst/>
+            </a:prstTxWarp>
+            <a:spAutoFit/>
+          </a:bodyPr>
+          <a:lstStyle/>
+          <a:p>
+            <a:r>
+              <a:rPr lang="en-US" sz="1800" dirty="0"/>
+              <a:t>1: </a:t>
+            </a:r>
+            <a:r>
+              <a:rPr lang="en-US" sz="1800" dirty="0" err="1"/>
+              <a:t>i</a:t>
+            </a:r>
+            <a:r>
+              <a:rPr lang="en-US" sz="1800" dirty="0"/>
+              <a:t> := 1</a:t>
+            </a:r>
+          </a:p>
+          <a:p>
+            <a:r>
+              <a:rPr lang="en-US" sz="2100" dirty="0"/>
+              <a:t>   </a:t>
+            </a:r>
+            <a:r>
+              <a:rPr lang="en-US" sz="1800" dirty="0"/>
+              <a:t>j := 2</a:t>
+            </a:r>
+          </a:p>
+          <a:p>
+            <a:r>
+              <a:rPr lang="en-US" sz="1800" dirty="0"/>
+              <a:t>   k := 10</a:t>
+            </a:r>
+          </a:p>
+        </p:txBody>
+      </p:sp>
+      <p:sp>
+        <p:nvSpPr>
+          <p:cNvPr id="6" name="Text Box 4"/>
+          <p:cNvSpPr txBox="1">
+            <a:spLocks noChangeArrowheads="1"/>
+          </p:cNvSpPr>
+          <p:nvPr/>
+        </p:nvSpPr>
+        <p:spPr bwMode="auto">
+          <a:xfrm>
+            <a:off x="4031941" y="303498"/>
+            <a:ext cx="659155" cy="369332"/>
+          </a:xfrm>
+          <a:prstGeom prst="rect">
+            <a:avLst/>
+          </a:prstGeom>
+          <a:solidFill>
+            <a:schemeClr val="accent5">
+              <a:lumMod val="40000"/>
+              <a:lumOff val="60000"/>
+            </a:schemeClr>
+          </a:solidFill>
+          <a:ln w="9525">
+            <a:solidFill>
+              <a:schemeClr val="tx1"/>
+            </a:solidFill>
+            <a:miter lim="800000"/>
+            <a:headEnd/>
+            <a:tailEnd/>
+          </a:ln>
+          <a:effectLst/>
+        </p:spPr>
+        <p:txBody>
+          <a:bodyPr wrap="none">
+            <a:prstTxWarp prst="textNoShape">
+              <a:avLst/>
+            </a:prstTxWarp>
+            <a:spAutoFit/>
+          </a:bodyPr>
+          <a:lstStyle/>
+          <a:p>
+            <a:r>
+              <a:rPr lang="en-US" sz="1800" dirty="0"/>
+              <a:t>entry</a:t>
+            </a:r>
+            <a:endParaRPr lang="en-US" sz="2100" dirty="0"/>
+          </a:p>
+        </p:txBody>
+      </p:sp>
+      <p:cxnSp>
+        <p:nvCxnSpPr>
+          <p:cNvPr id="8" name="Straight Arrow Connector 7"/>
+          <p:cNvCxnSpPr>
+            <a:stCxn id="6" idx="2"/>
+            <a:endCxn id="5" idx="0"/>
+          </p:cNvCxnSpPr>
+          <p:nvPr/>
+        </p:nvCxnSpPr>
+        <p:spPr bwMode="auto">
+          <a:xfrm flipH="1">
+            <a:off x="4322627" y="672830"/>
+            <a:ext cx="38892" cy="332746"/>
+          </a:xfrm>
+          <a:prstGeom prst="straightConnector1">
+            <a:avLst/>
+          </a:prstGeom>
+          <a:solidFill>
+            <a:schemeClr val="accent1"/>
+          </a:solidFill>
+          <a:ln w="9525" cap="flat" cmpd="sng" algn="ctr">
+            <a:solidFill>
+              <a:schemeClr val="tx1"/>
+            </a:solidFill>
+            <a:prstDash val="solid"/>
+            <a:round/>
+            <a:headEnd type="none" w="med" len="med"/>
+            <a:tailEnd type="arrow"/>
+          </a:ln>
+          <a:effectLst/>
+        </p:spPr>
+      </p:cxnSp>
+      <p:sp>
+        <p:nvSpPr>
+          <p:cNvPr id="10" name="Text Box 4"/>
+          <p:cNvSpPr txBox="1">
+            <a:spLocks noChangeArrowheads="1"/>
+          </p:cNvSpPr>
+          <p:nvPr/>
+        </p:nvSpPr>
+        <p:spPr bwMode="auto">
+          <a:xfrm>
+            <a:off x="3491880" y="2355726"/>
+            <a:ext cx="1686680" cy="369332"/>
+          </a:xfrm>
+          <a:prstGeom prst="rect">
+            <a:avLst/>
+          </a:prstGeom>
+          <a:solidFill>
+            <a:schemeClr val="accent5">
+              <a:lumMod val="40000"/>
+              <a:lumOff val="60000"/>
+            </a:schemeClr>
+          </a:solidFill>
+          <a:ln w="9525">
+            <a:solidFill>
+              <a:schemeClr val="tx1"/>
+            </a:solidFill>
+            <a:miter lim="800000"/>
+            <a:headEnd/>
+            <a:tailEnd/>
+          </a:ln>
+          <a:effectLst/>
+        </p:spPr>
+        <p:txBody>
+          <a:bodyPr wrap="none">
+            <a:prstTxWarp prst="textNoShape">
+              <a:avLst/>
+            </a:prstTxWarp>
+            <a:spAutoFit/>
+          </a:bodyPr>
+          <a:lstStyle/>
+          <a:p>
+            <a:r>
+              <a:rPr lang="en-US" sz="1800" dirty="0"/>
+              <a:t>2: if </a:t>
+            </a:r>
+            <a:r>
+              <a:rPr lang="en-US" sz="1800" dirty="0" err="1"/>
+              <a:t>i</a:t>
+            </a:r>
+            <a:r>
+              <a:rPr lang="en-US" sz="1800" dirty="0"/>
+              <a:t> &lt; k </a:t>
+            </a:r>
+            <a:r>
+              <a:rPr lang="en-US" sz="1800" dirty="0" err="1"/>
+              <a:t>goto</a:t>
+            </a:r>
+            <a:r>
+              <a:rPr lang="en-US" sz="1800" dirty="0"/>
+              <a:t> 3</a:t>
+            </a:r>
+          </a:p>
+        </p:txBody>
+      </p:sp>
+      <p:sp>
+        <p:nvSpPr>
+          <p:cNvPr id="11" name="Text Box 4"/>
+          <p:cNvSpPr txBox="1">
+            <a:spLocks noChangeArrowheads="1"/>
+          </p:cNvSpPr>
+          <p:nvPr/>
+        </p:nvSpPr>
+        <p:spPr bwMode="auto">
+          <a:xfrm>
+            <a:off x="2519772" y="3111810"/>
+            <a:ext cx="1220206" cy="692497"/>
+          </a:xfrm>
+          <a:prstGeom prst="rect">
+            <a:avLst/>
+          </a:prstGeom>
+          <a:solidFill>
+            <a:schemeClr val="accent5">
+              <a:lumMod val="40000"/>
+              <a:lumOff val="60000"/>
+            </a:schemeClr>
+          </a:solidFill>
+          <a:ln w="9525">
+            <a:solidFill>
+              <a:schemeClr val="tx1"/>
+            </a:solidFill>
+            <a:miter lim="800000"/>
+            <a:headEnd/>
+            <a:tailEnd/>
+          </a:ln>
+          <a:effectLst/>
+        </p:spPr>
+        <p:txBody>
+          <a:bodyPr wrap="none">
+            <a:prstTxWarp prst="textNoShape">
+              <a:avLst/>
+            </a:prstTxWarp>
+            <a:spAutoFit/>
+          </a:bodyPr>
+          <a:lstStyle/>
+          <a:p>
+            <a:r>
+              <a:rPr lang="en-US" sz="1800" dirty="0"/>
+              <a:t>3: </a:t>
+            </a:r>
+            <a:r>
+              <a:rPr lang="en-US" sz="1800" dirty="0" err="1"/>
+              <a:t>i</a:t>
+            </a:r>
+            <a:r>
+              <a:rPr lang="en-US" sz="1800" dirty="0"/>
+              <a:t> := </a:t>
+            </a:r>
+            <a:r>
+              <a:rPr lang="en-US" sz="1800" dirty="0" err="1"/>
+              <a:t>i</a:t>
+            </a:r>
+            <a:r>
+              <a:rPr lang="en-US" sz="1800" dirty="0"/>
+              <a:t> + 1</a:t>
+            </a:r>
+          </a:p>
+          <a:p>
+            <a:r>
+              <a:rPr lang="en-US" sz="2100" dirty="0"/>
+              <a:t>   </a:t>
+            </a:r>
+            <a:r>
+              <a:rPr lang="en-US" sz="1800" dirty="0"/>
+              <a:t>j := j * 2</a:t>
+            </a:r>
+          </a:p>
+        </p:txBody>
+      </p:sp>
+      <p:sp>
+        <p:nvSpPr>
+          <p:cNvPr id="12" name="Text Box 4"/>
+          <p:cNvSpPr txBox="1">
+            <a:spLocks noChangeArrowheads="1"/>
+          </p:cNvSpPr>
+          <p:nvPr/>
+        </p:nvSpPr>
+        <p:spPr bwMode="auto">
+          <a:xfrm>
+            <a:off x="4193959" y="3759882"/>
+            <a:ext cx="979755" cy="369332"/>
+          </a:xfrm>
+          <a:prstGeom prst="rect">
+            <a:avLst/>
+          </a:prstGeom>
+          <a:solidFill>
+            <a:schemeClr val="accent5">
+              <a:lumMod val="40000"/>
+              <a:lumOff val="60000"/>
+            </a:schemeClr>
+          </a:solidFill>
+          <a:ln w="9525">
+            <a:solidFill>
+              <a:schemeClr val="tx1"/>
+            </a:solidFill>
+            <a:miter lim="800000"/>
+            <a:headEnd/>
+            <a:tailEnd/>
+          </a:ln>
+          <a:effectLst/>
+        </p:spPr>
+        <p:txBody>
+          <a:bodyPr wrap="none">
+            <a:prstTxWarp prst="textNoShape">
+              <a:avLst/>
+            </a:prstTxWarp>
+            <a:spAutoFit/>
+          </a:bodyPr>
+          <a:lstStyle/>
+          <a:p>
+            <a:r>
+              <a:rPr lang="en-US" sz="1800" dirty="0"/>
+              <a:t>5: print j</a:t>
+            </a:r>
+          </a:p>
+        </p:txBody>
+      </p:sp>
+      <p:sp>
+        <p:nvSpPr>
+          <p:cNvPr id="13" name="Text Box 4"/>
+          <p:cNvSpPr txBox="1">
+            <a:spLocks noChangeArrowheads="1"/>
+          </p:cNvSpPr>
+          <p:nvPr/>
+        </p:nvSpPr>
+        <p:spPr bwMode="auto">
+          <a:xfrm>
+            <a:off x="5922150" y="3759882"/>
+            <a:ext cx="1220206" cy="369332"/>
+          </a:xfrm>
+          <a:prstGeom prst="rect">
+            <a:avLst/>
+          </a:prstGeom>
+          <a:solidFill>
+            <a:schemeClr val="accent5">
+              <a:lumMod val="40000"/>
+              <a:lumOff val="60000"/>
+            </a:schemeClr>
+          </a:solidFill>
+          <a:ln w="9525">
+            <a:solidFill>
+              <a:schemeClr val="tx1"/>
+            </a:solidFill>
+            <a:miter lim="800000"/>
+            <a:headEnd/>
+            <a:tailEnd/>
+          </a:ln>
+          <a:effectLst/>
+        </p:spPr>
+        <p:txBody>
+          <a:bodyPr wrap="none">
+            <a:prstTxWarp prst="textNoShape">
+              <a:avLst/>
+            </a:prstTxWarp>
+            <a:spAutoFit/>
+          </a:bodyPr>
+          <a:lstStyle/>
+          <a:p>
+            <a:r>
+              <a:rPr lang="en-US" sz="1800" dirty="0"/>
+              <a:t>6: </a:t>
+            </a:r>
+            <a:r>
+              <a:rPr lang="en-US" sz="1800" dirty="0" err="1"/>
+              <a:t>i</a:t>
+            </a:r>
+            <a:r>
+              <a:rPr lang="en-US" sz="1800" dirty="0"/>
+              <a:t> := </a:t>
+            </a:r>
+            <a:r>
+              <a:rPr lang="en-US" sz="1800" dirty="0" err="1"/>
+              <a:t>i</a:t>
+            </a:r>
+            <a:r>
+              <a:rPr lang="en-US" sz="1800" dirty="0"/>
+              <a:t> + 1</a:t>
+            </a:r>
+          </a:p>
+        </p:txBody>
+      </p:sp>
+      <p:cxnSp>
+        <p:nvCxnSpPr>
+          <p:cNvPr id="16" name="Straight Arrow Connector 15"/>
+          <p:cNvCxnSpPr>
+            <a:stCxn id="5" idx="2"/>
+            <a:endCxn id="10" idx="0"/>
+          </p:cNvCxnSpPr>
+          <p:nvPr/>
+        </p:nvCxnSpPr>
+        <p:spPr bwMode="auto">
+          <a:xfrm>
+            <a:off x="4322627" y="1975072"/>
+            <a:ext cx="12593" cy="380654"/>
+          </a:xfrm>
+          <a:prstGeom prst="straightConnector1">
+            <a:avLst/>
+          </a:prstGeom>
+          <a:solidFill>
+            <a:schemeClr val="accent1"/>
+          </a:solidFill>
+          <a:ln w="9525" cap="flat" cmpd="sng" algn="ctr">
+            <a:solidFill>
+              <a:schemeClr val="tx1"/>
+            </a:solidFill>
+            <a:prstDash val="solid"/>
+            <a:round/>
+            <a:headEnd type="none" w="med" len="med"/>
+            <a:tailEnd type="arrow"/>
+          </a:ln>
+          <a:effectLst/>
+        </p:spPr>
+      </p:cxnSp>
+      <p:sp>
+        <p:nvSpPr>
+          <p:cNvPr id="17" name="Text Box 4"/>
+          <p:cNvSpPr txBox="1">
+            <a:spLocks noChangeArrowheads="1"/>
+          </p:cNvSpPr>
+          <p:nvPr/>
+        </p:nvSpPr>
+        <p:spPr bwMode="auto">
+          <a:xfrm>
+            <a:off x="4517994" y="3111810"/>
+            <a:ext cx="2032929" cy="369332"/>
+          </a:xfrm>
+          <a:prstGeom prst="rect">
+            <a:avLst/>
+          </a:prstGeom>
+          <a:solidFill>
+            <a:schemeClr val="accent5">
+              <a:lumMod val="40000"/>
+              <a:lumOff val="60000"/>
+            </a:schemeClr>
+          </a:solidFill>
+          <a:ln w="9525">
+            <a:solidFill>
+              <a:schemeClr val="tx1"/>
+            </a:solidFill>
+            <a:miter lim="800000"/>
+            <a:headEnd/>
+            <a:tailEnd/>
+          </a:ln>
+          <a:effectLst/>
+        </p:spPr>
+        <p:txBody>
+          <a:bodyPr wrap="none">
+            <a:prstTxWarp prst="textNoShape">
+              <a:avLst/>
+            </a:prstTxWarp>
+            <a:spAutoFit/>
+          </a:bodyPr>
+          <a:lstStyle/>
+          <a:p>
+            <a:r>
+              <a:rPr lang="en-US" sz="1800"/>
+              <a:t>4: </a:t>
+            </a:r>
+            <a:r>
+              <a:rPr lang="en-US" sz="1800" dirty="0"/>
+              <a:t>if j &gt; k*10 </a:t>
+            </a:r>
+            <a:r>
+              <a:rPr lang="en-US" sz="1800" dirty="0" err="1"/>
+              <a:t>goto</a:t>
+            </a:r>
+            <a:r>
+              <a:rPr lang="en-US" sz="1800" dirty="0"/>
+              <a:t> 5</a:t>
+            </a:r>
+          </a:p>
+        </p:txBody>
+      </p:sp>
+      <p:sp>
+        <p:nvSpPr>
+          <p:cNvPr id="19" name="Text Box 4"/>
+          <p:cNvSpPr txBox="1">
+            <a:spLocks noChangeArrowheads="1"/>
+          </p:cNvSpPr>
+          <p:nvPr/>
+        </p:nvSpPr>
+        <p:spPr bwMode="auto">
+          <a:xfrm>
+            <a:off x="5274079" y="4407954"/>
+            <a:ext cx="530915" cy="369332"/>
+          </a:xfrm>
+          <a:prstGeom prst="rect">
+            <a:avLst/>
+          </a:prstGeom>
+          <a:solidFill>
+            <a:schemeClr val="accent5">
+              <a:lumMod val="40000"/>
+              <a:lumOff val="60000"/>
+            </a:schemeClr>
+          </a:solidFill>
+          <a:ln w="9525">
+            <a:solidFill>
+              <a:schemeClr val="tx1"/>
+            </a:solidFill>
+            <a:miter lim="800000"/>
+            <a:headEnd/>
+            <a:tailEnd/>
+          </a:ln>
+          <a:effectLst/>
+        </p:spPr>
+        <p:txBody>
+          <a:bodyPr wrap="none">
+            <a:prstTxWarp prst="textNoShape">
+              <a:avLst/>
+            </a:prstTxWarp>
+            <a:spAutoFit/>
+          </a:bodyPr>
+          <a:lstStyle/>
+          <a:p>
+            <a:r>
+              <a:rPr lang="en-US" sz="1800" dirty="0"/>
+              <a:t>exit</a:t>
+            </a:r>
+            <a:endParaRPr lang="en-US" sz="2100" dirty="0"/>
+          </a:p>
+        </p:txBody>
+      </p:sp>
+      <p:cxnSp>
+        <p:nvCxnSpPr>
+          <p:cNvPr id="21" name="Straight Arrow Connector 20"/>
+          <p:cNvCxnSpPr>
+            <a:stCxn id="10" idx="2"/>
+          </p:cNvCxnSpPr>
+          <p:nvPr/>
+        </p:nvCxnSpPr>
+        <p:spPr bwMode="auto">
+          <a:xfrm flipH="1">
+            <a:off x="3329863" y="2725058"/>
+            <a:ext cx="1005357" cy="386752"/>
+          </a:xfrm>
+          <a:prstGeom prst="straightConnector1">
+            <a:avLst/>
+          </a:prstGeom>
+          <a:solidFill>
+            <a:schemeClr val="accent1"/>
+          </a:solidFill>
+          <a:ln w="9525" cap="flat" cmpd="sng" algn="ctr">
+            <a:solidFill>
+              <a:schemeClr val="tx1"/>
+            </a:solidFill>
+            <a:prstDash val="solid"/>
+            <a:round/>
+            <a:headEnd type="none" w="med" len="med"/>
+            <a:tailEnd type="arrow"/>
+          </a:ln>
+          <a:effectLst/>
+        </p:spPr>
+      </p:cxnSp>
+      <p:cxnSp>
+        <p:nvCxnSpPr>
+          <p:cNvPr id="23" name="Straight Arrow Connector 22"/>
+          <p:cNvCxnSpPr>
+            <a:stCxn id="10" idx="2"/>
+          </p:cNvCxnSpPr>
+          <p:nvPr/>
+        </p:nvCxnSpPr>
+        <p:spPr bwMode="auto">
+          <a:xfrm>
+            <a:off x="4335220" y="2725058"/>
+            <a:ext cx="1100876" cy="332746"/>
+          </a:xfrm>
+          <a:prstGeom prst="straightConnector1">
+            <a:avLst/>
+          </a:prstGeom>
+          <a:solidFill>
+            <a:schemeClr val="accent1"/>
+          </a:solidFill>
+          <a:ln w="9525" cap="flat" cmpd="sng" algn="ctr">
+            <a:solidFill>
+              <a:schemeClr val="tx1"/>
+            </a:solidFill>
+            <a:prstDash val="solid"/>
+            <a:round/>
+            <a:headEnd type="none" w="med" len="med"/>
+            <a:tailEnd type="arrow"/>
+          </a:ln>
+          <a:effectLst/>
+        </p:spPr>
+      </p:cxnSp>
+      <p:cxnSp>
+        <p:nvCxnSpPr>
+          <p:cNvPr id="25" name="Straight Arrow Connector 24"/>
+          <p:cNvCxnSpPr>
+            <a:stCxn id="17" idx="2"/>
+            <a:endCxn id="12" idx="0"/>
+          </p:cNvCxnSpPr>
+          <p:nvPr/>
+        </p:nvCxnSpPr>
+        <p:spPr bwMode="auto">
+          <a:xfrm flipH="1">
+            <a:off x="4683837" y="3481142"/>
+            <a:ext cx="850622" cy="278740"/>
+          </a:xfrm>
+          <a:prstGeom prst="straightConnector1">
+            <a:avLst/>
+          </a:prstGeom>
+          <a:solidFill>
+            <a:schemeClr val="accent1"/>
+          </a:solidFill>
+          <a:ln w="9525" cap="flat" cmpd="sng" algn="ctr">
+            <a:solidFill>
+              <a:schemeClr val="tx1"/>
+            </a:solidFill>
+            <a:prstDash val="solid"/>
+            <a:round/>
+            <a:headEnd type="none" w="med" len="med"/>
+            <a:tailEnd type="arrow"/>
+          </a:ln>
+          <a:effectLst/>
+        </p:spPr>
+      </p:cxnSp>
+      <p:cxnSp>
+        <p:nvCxnSpPr>
+          <p:cNvPr id="27" name="Straight Arrow Connector 26"/>
+          <p:cNvCxnSpPr>
+            <a:stCxn id="17" idx="2"/>
+          </p:cNvCxnSpPr>
+          <p:nvPr/>
+        </p:nvCxnSpPr>
+        <p:spPr bwMode="auto">
+          <a:xfrm>
+            <a:off x="5534459" y="3481142"/>
+            <a:ext cx="873745" cy="224734"/>
+          </a:xfrm>
+          <a:prstGeom prst="straightConnector1">
+            <a:avLst/>
+          </a:prstGeom>
+          <a:solidFill>
+            <a:schemeClr val="accent1"/>
+          </a:solidFill>
+          <a:ln w="9525" cap="flat" cmpd="sng" algn="ctr">
+            <a:solidFill>
+              <a:schemeClr val="tx1"/>
+            </a:solidFill>
+            <a:prstDash val="solid"/>
+            <a:round/>
+            <a:headEnd type="none" w="med" len="med"/>
+            <a:tailEnd type="arrow"/>
+          </a:ln>
+          <a:effectLst/>
+        </p:spPr>
+      </p:cxnSp>
+      <p:cxnSp>
+        <p:nvCxnSpPr>
+          <p:cNvPr id="29" name="Straight Arrow Connector 28"/>
+          <p:cNvCxnSpPr>
+            <a:stCxn id="12" idx="2"/>
+            <a:endCxn id="19" idx="0"/>
+          </p:cNvCxnSpPr>
+          <p:nvPr/>
+        </p:nvCxnSpPr>
+        <p:spPr bwMode="auto">
+          <a:xfrm>
+            <a:off x="4683837" y="4129214"/>
+            <a:ext cx="855700" cy="278740"/>
+          </a:xfrm>
+          <a:prstGeom prst="straightConnector1">
+            <a:avLst/>
+          </a:prstGeom>
+          <a:solidFill>
+            <a:schemeClr val="accent1"/>
+          </a:solidFill>
+          <a:ln w="9525" cap="flat" cmpd="sng" algn="ctr">
+            <a:solidFill>
+              <a:schemeClr val="tx1"/>
+            </a:solidFill>
+            <a:prstDash val="solid"/>
+            <a:round/>
+            <a:headEnd type="none" w="med" len="med"/>
+            <a:tailEnd type="arrow"/>
+          </a:ln>
+          <a:effectLst/>
+        </p:spPr>
+      </p:cxnSp>
+      <p:cxnSp>
+        <p:nvCxnSpPr>
+          <p:cNvPr id="31" name="Straight Arrow Connector 30"/>
+          <p:cNvCxnSpPr>
+            <a:stCxn id="13" idx="2"/>
+            <a:endCxn id="19" idx="0"/>
+          </p:cNvCxnSpPr>
+          <p:nvPr/>
+        </p:nvCxnSpPr>
+        <p:spPr bwMode="auto">
+          <a:xfrm flipH="1">
+            <a:off x="5539537" y="4129214"/>
+            <a:ext cx="992716" cy="278740"/>
+          </a:xfrm>
+          <a:prstGeom prst="straightConnector1">
+            <a:avLst/>
+          </a:prstGeom>
+          <a:solidFill>
+            <a:schemeClr val="accent1"/>
+          </a:solidFill>
+          <a:ln w="9525" cap="flat" cmpd="sng" algn="ctr">
+            <a:solidFill>
+              <a:schemeClr val="tx1"/>
+            </a:solidFill>
+            <a:prstDash val="solid"/>
+            <a:round/>
+            <a:headEnd type="none" w="med" len="med"/>
+            <a:tailEnd type="arrow"/>
+          </a:ln>
+          <a:effectLst/>
+        </p:spPr>
+      </p:cxnSp>
+      <p:cxnSp>
+        <p:nvCxnSpPr>
+          <p:cNvPr id="33" name="Curved Connector 32"/>
+          <p:cNvCxnSpPr>
+            <a:stCxn id="11" idx="2"/>
+            <a:endCxn id="10" idx="0"/>
+          </p:cNvCxnSpPr>
+          <p:nvPr/>
+        </p:nvCxnSpPr>
+        <p:spPr bwMode="auto">
+          <a:xfrm rot="5400000" flipH="1" flipV="1">
+            <a:off x="3008256" y="2477344"/>
+            <a:ext cx="1448581" cy="1205345"/>
+          </a:xfrm>
+          <a:prstGeom prst="curvedConnector5">
+            <a:avLst>
+              <a:gd name="adj1" fmla="val -15781"/>
+              <a:gd name="adj2" fmla="val -116863"/>
+              <a:gd name="adj3" fmla="val 115781"/>
+            </a:avLst>
+          </a:prstGeom>
+          <a:solidFill>
+            <a:schemeClr val="accent1"/>
+          </a:solidFill>
+          <a:ln w="9525" cap="flat" cmpd="sng" algn="ctr">
+            <a:solidFill>
+              <a:schemeClr val="tx1"/>
+            </a:solidFill>
+            <a:prstDash val="solid"/>
+            <a:round/>
+            <a:headEnd type="none" w="med" len="med"/>
+            <a:tailEnd type="arrow"/>
+          </a:ln>
+          <a:effectLst/>
+        </p:spPr>
+      </p:cxnSp>
+      <p:sp>
+        <p:nvSpPr>
+          <p:cNvPr id="2" name="Slide Number Placeholder 1"/>
+          <p:cNvSpPr>
+            <a:spLocks noGrp="1"/>
+          </p:cNvSpPr>
+          <p:nvPr>
+            <p:ph type="sldNum" sz="quarter" idx="12"/>
+          </p:nvPr>
+        </p:nvSpPr>
+        <p:spPr/>
+        <p:txBody>
+          <a:bodyPr/>
+          <a:lstStyle/>
+          <a:p>
+            <a:fld id="{C1F62FDB-F864-E842-91C2-6712A2A87806}" type="slidenum">
+              <a:rPr lang="en-US" smtClean="0"/>
+              <a:pPr/>
+              <a:t>16</a:t>
+            </a:fld>
+            <a:endParaRPr lang="en-US"/>
+          </a:p>
+        </p:txBody>
+      </p:sp>
+      <p:sp>
+        <p:nvSpPr>
+          <p:cNvPr id="20" name="TextBox 19">
+            <a:extLst>
+              <a:ext uri="{FF2B5EF4-FFF2-40B4-BE49-F238E27FC236}">
+                <a16:creationId xmlns:a16="http://schemas.microsoft.com/office/drawing/2014/main" id="{85541F21-D673-014A-9347-56D87794EB48}"/>
+              </a:ext>
+            </a:extLst>
+          </p:cNvPr>
+          <p:cNvSpPr txBox="1"/>
+          <p:nvPr/>
+        </p:nvSpPr>
+        <p:spPr>
+          <a:xfrm>
+            <a:off x="6916354" y="656286"/>
+            <a:ext cx="1975221" cy="1754326"/>
+          </a:xfrm>
+          <a:prstGeom prst="rect">
+            <a:avLst/>
+          </a:prstGeom>
+          <a:solidFill>
+            <a:schemeClr val="accent4">
+              <a:lumMod val="60000"/>
+              <a:lumOff val="40000"/>
+            </a:schemeClr>
+          </a:solidFill>
+        </p:spPr>
+        <p:txBody>
+          <a:bodyPr wrap="none" rtlCol="0">
+            <a:spAutoFit/>
+          </a:bodyPr>
+          <a:lstStyle/>
+          <a:p>
+            <a:pPr>
+              <a:buFont typeface="Arial"/>
+              <a:buChar char="•"/>
+            </a:pPr>
+            <a:r>
+              <a:rPr lang="en-US" sz="1800" dirty="0"/>
+              <a:t>D(1) = {2,3,4,5,6}</a:t>
+            </a:r>
+          </a:p>
+          <a:p>
+            <a:pPr>
+              <a:buFont typeface="Arial"/>
+              <a:buChar char="•"/>
+            </a:pPr>
+            <a:r>
+              <a:rPr lang="en-US" sz="1800" dirty="0"/>
+              <a:t>D(2) = {3,4,5,6}</a:t>
+            </a:r>
+          </a:p>
+          <a:p>
+            <a:pPr>
+              <a:buFont typeface="Arial"/>
+              <a:buChar char="•"/>
+            </a:pPr>
+            <a:r>
+              <a:rPr lang="en-US" sz="1800" dirty="0"/>
+              <a:t>D(3) = {}</a:t>
+            </a:r>
+          </a:p>
+          <a:p>
+            <a:pPr>
+              <a:buFont typeface="Arial"/>
+              <a:buChar char="•"/>
+            </a:pPr>
+            <a:r>
+              <a:rPr lang="en-US" sz="1800" dirty="0"/>
+              <a:t>D(4) = {5,6}</a:t>
+            </a:r>
+          </a:p>
+          <a:p>
+            <a:pPr>
+              <a:buFont typeface="Arial"/>
+              <a:buChar char="•"/>
+            </a:pPr>
+            <a:r>
+              <a:rPr lang="en-US" sz="1800" dirty="0"/>
+              <a:t>D(5) = {}</a:t>
+            </a:r>
+          </a:p>
+          <a:p>
+            <a:pPr>
+              <a:buFont typeface="Arial"/>
+              <a:buChar char="•"/>
+            </a:pPr>
+            <a:r>
+              <a:rPr lang="en-US" sz="1800" dirty="0"/>
+              <a:t>D(6) = {}</a:t>
+            </a:r>
+          </a:p>
+        </p:txBody>
+      </p:sp>
+      <p:sp>
+        <p:nvSpPr>
+          <p:cNvPr id="22" name="TextBox 21">
+            <a:extLst>
+              <a:ext uri="{FF2B5EF4-FFF2-40B4-BE49-F238E27FC236}">
+                <a16:creationId xmlns:a16="http://schemas.microsoft.com/office/drawing/2014/main" id="{9AD7BB3C-F934-F643-A492-534913C9FF8B}"/>
+              </a:ext>
+            </a:extLst>
+          </p:cNvPr>
+          <p:cNvSpPr txBox="1"/>
+          <p:nvPr/>
+        </p:nvSpPr>
+        <p:spPr>
+          <a:xfrm>
+            <a:off x="6641439" y="208568"/>
+            <a:ext cx="2178802" cy="369332"/>
+          </a:xfrm>
+          <a:prstGeom prst="rect">
+            <a:avLst/>
+          </a:prstGeom>
+          <a:noFill/>
+        </p:spPr>
+        <p:txBody>
+          <a:bodyPr wrap="none" rtlCol="0">
+            <a:spAutoFit/>
+          </a:bodyPr>
+          <a:lstStyle/>
+          <a:p>
+            <a:r>
+              <a:rPr lang="en-US" sz="1800" dirty="0"/>
+              <a:t>Dominance Relations</a:t>
+            </a:r>
+          </a:p>
+        </p:txBody>
+      </p:sp>
+      <p:sp>
+        <p:nvSpPr>
+          <p:cNvPr id="24" name="TextBox 23">
+            <a:extLst>
+              <a:ext uri="{FF2B5EF4-FFF2-40B4-BE49-F238E27FC236}">
+                <a16:creationId xmlns:a16="http://schemas.microsoft.com/office/drawing/2014/main" id="{5056D384-57D9-814B-AE1D-A2C9C3E0EBA3}"/>
+              </a:ext>
+            </a:extLst>
+          </p:cNvPr>
+          <p:cNvSpPr txBox="1"/>
+          <p:nvPr/>
+        </p:nvSpPr>
+        <p:spPr>
+          <a:xfrm>
+            <a:off x="7462154" y="3016921"/>
+            <a:ext cx="1410964" cy="1754326"/>
+          </a:xfrm>
+          <a:prstGeom prst="rect">
+            <a:avLst/>
+          </a:prstGeom>
+          <a:solidFill>
+            <a:schemeClr val="accent4">
+              <a:lumMod val="60000"/>
+              <a:lumOff val="40000"/>
+            </a:schemeClr>
+          </a:solidFill>
+        </p:spPr>
+        <p:txBody>
+          <a:bodyPr wrap="none" rtlCol="0">
+            <a:spAutoFit/>
+          </a:bodyPr>
+          <a:lstStyle/>
+          <a:p>
+            <a:pPr>
+              <a:buFont typeface="Arial"/>
+              <a:buChar char="•"/>
+            </a:pPr>
+            <a:r>
+              <a:rPr lang="en-US" sz="1800" dirty="0"/>
+              <a:t>DF(1) = {}</a:t>
+            </a:r>
+          </a:p>
+          <a:p>
+            <a:pPr>
+              <a:buFont typeface="Arial"/>
+              <a:buChar char="•"/>
+            </a:pPr>
+            <a:r>
+              <a:rPr lang="en-US" sz="1800" dirty="0"/>
+              <a:t>DF(2) = {2}</a:t>
+            </a:r>
+          </a:p>
+          <a:p>
+            <a:pPr>
+              <a:buFont typeface="Arial"/>
+              <a:buChar char="•"/>
+            </a:pPr>
+            <a:r>
+              <a:rPr lang="en-US" sz="1800" dirty="0"/>
+              <a:t>DF(3) = {2}</a:t>
+            </a:r>
+          </a:p>
+          <a:p>
+            <a:pPr>
+              <a:buFont typeface="Arial"/>
+              <a:buChar char="•"/>
+            </a:pPr>
+            <a:r>
+              <a:rPr lang="en-US" sz="1800" dirty="0"/>
+              <a:t>DF(4) = {}</a:t>
+            </a:r>
+          </a:p>
+          <a:p>
+            <a:pPr>
+              <a:buFont typeface="Arial"/>
+              <a:buChar char="•"/>
+            </a:pPr>
+            <a:r>
+              <a:rPr lang="en-US" sz="1800" dirty="0"/>
+              <a:t>DF(5) = {}</a:t>
+            </a:r>
+          </a:p>
+          <a:p>
+            <a:pPr>
+              <a:buFont typeface="Arial"/>
+              <a:buChar char="•"/>
+            </a:pPr>
+            <a:r>
+              <a:rPr lang="en-US" sz="1800" dirty="0"/>
+              <a:t>DF(6) = {}</a:t>
+            </a:r>
+          </a:p>
+        </p:txBody>
+      </p:sp>
+      <p:sp>
+        <p:nvSpPr>
+          <p:cNvPr id="26" name="TextBox 25">
+            <a:extLst>
+              <a:ext uri="{FF2B5EF4-FFF2-40B4-BE49-F238E27FC236}">
+                <a16:creationId xmlns:a16="http://schemas.microsoft.com/office/drawing/2014/main" id="{C14BB760-6E9A-B541-8A8A-CFB340CF98EA}"/>
+              </a:ext>
+            </a:extLst>
+          </p:cNvPr>
+          <p:cNvSpPr txBox="1"/>
+          <p:nvPr/>
+        </p:nvSpPr>
+        <p:spPr>
+          <a:xfrm>
+            <a:off x="7142356" y="2554093"/>
+            <a:ext cx="2050561" cy="369332"/>
+          </a:xfrm>
+          <a:prstGeom prst="rect">
+            <a:avLst/>
+          </a:prstGeom>
+          <a:noFill/>
+        </p:spPr>
+        <p:txBody>
+          <a:bodyPr wrap="none" rtlCol="0">
+            <a:spAutoFit/>
+          </a:bodyPr>
+          <a:lstStyle/>
+          <a:p>
+            <a:r>
+              <a:rPr lang="en-US" sz="1800" dirty="0"/>
+              <a:t>Dominance Frontier</a:t>
+            </a:r>
+          </a:p>
+        </p:txBody>
+      </p:sp>
+      <p:sp>
+        <p:nvSpPr>
+          <p:cNvPr id="28" name="TextBox 27">
+            <a:extLst>
+              <a:ext uri="{FF2B5EF4-FFF2-40B4-BE49-F238E27FC236}">
+                <a16:creationId xmlns:a16="http://schemas.microsoft.com/office/drawing/2014/main" id="{E7B90280-F069-ED4C-B791-00EC2FABF7EE}"/>
+              </a:ext>
+            </a:extLst>
+          </p:cNvPr>
+          <p:cNvSpPr txBox="1"/>
+          <p:nvPr/>
+        </p:nvSpPr>
+        <p:spPr>
+          <a:xfrm>
+            <a:off x="366766" y="638638"/>
+            <a:ext cx="1498808" cy="584775"/>
+          </a:xfrm>
+          <a:prstGeom prst="rect">
+            <a:avLst/>
+          </a:prstGeom>
+          <a:solidFill>
+            <a:schemeClr val="accent4">
+              <a:lumMod val="60000"/>
+              <a:lumOff val="40000"/>
+            </a:schemeClr>
+          </a:solidFill>
+        </p:spPr>
+        <p:txBody>
+          <a:bodyPr wrap="none" rtlCol="0">
+            <a:spAutoFit/>
+          </a:bodyPr>
+          <a:lstStyle/>
+          <a:p>
+            <a:r>
+              <a:rPr lang="en-US" sz="1600" dirty="0"/>
+              <a:t>Variable i,j in 3</a:t>
+            </a:r>
+          </a:p>
+          <a:p>
+            <a:r>
+              <a:rPr lang="en-US" sz="1600" dirty="0"/>
+              <a:t>DF(3) = {2} </a:t>
+            </a:r>
+          </a:p>
+        </p:txBody>
+      </p:sp>
+      <p:sp>
+        <p:nvSpPr>
+          <p:cNvPr id="30" name="TextBox 29">
+            <a:extLst>
+              <a:ext uri="{FF2B5EF4-FFF2-40B4-BE49-F238E27FC236}">
+                <a16:creationId xmlns:a16="http://schemas.microsoft.com/office/drawing/2014/main" id="{351178B4-801E-5148-B725-44ADF98EEB4A}"/>
+              </a:ext>
+            </a:extLst>
+          </p:cNvPr>
+          <p:cNvSpPr txBox="1"/>
+          <p:nvPr/>
+        </p:nvSpPr>
+        <p:spPr>
+          <a:xfrm>
+            <a:off x="346001" y="1410020"/>
+            <a:ext cx="1498808" cy="584775"/>
+          </a:xfrm>
+          <a:prstGeom prst="rect">
+            <a:avLst/>
+          </a:prstGeom>
+          <a:solidFill>
+            <a:schemeClr val="accent4">
+              <a:lumMod val="60000"/>
+              <a:lumOff val="40000"/>
+            </a:schemeClr>
+          </a:solidFill>
+        </p:spPr>
+        <p:txBody>
+          <a:bodyPr wrap="none" rtlCol="0">
+            <a:spAutoFit/>
+          </a:bodyPr>
+          <a:lstStyle/>
+          <a:p>
+            <a:r>
+              <a:rPr lang="en-US" sz="1600" dirty="0"/>
+              <a:t>Variable </a:t>
+            </a:r>
+            <a:r>
+              <a:rPr lang="en-US" sz="1600" dirty="0" err="1"/>
+              <a:t>i,k</a:t>
+            </a:r>
+            <a:r>
+              <a:rPr lang="en-US" sz="1600" dirty="0"/>
+              <a:t> in 2</a:t>
+            </a:r>
+          </a:p>
+          <a:p>
+            <a:r>
+              <a:rPr lang="en-US" sz="1600" dirty="0"/>
+              <a:t>DF(2) = {2} </a:t>
+            </a:r>
+          </a:p>
+        </p:txBody>
+      </p:sp>
+    </p:spTree>
+    <p:extLst>
+      <p:ext uri="{BB962C8B-B14F-4D97-AF65-F5344CB8AC3E}">
+        <p14:creationId xmlns:p14="http://schemas.microsoft.com/office/powerpoint/2010/main" val="2014610699"/>
       </p:ext>
     </p:extLst>
   </p:cSld>
@@ -10894,9 +12710,7 @@
                                           </p:stCondLst>
                                         </p:cTn>
                                         <p:tgtEl>
-                                          <p:spTgt spid="16">
-                                            <p:bg/>
-                                          </p:spTgt>
+                                          <p:spTgt spid="28"/>
                                         </p:tgtEl>
                                         <p:attrNameLst>
                                           <p:attrName>style.visibility</p:attrName>
@@ -10941,401 +12755,7 @@
                                           </p:stCondLst>
                                         </p:cTn>
                                         <p:tgtEl>
-                                          <p:spTgt spid="16">
-                                            <p:txEl>
-                                              <p:pRg st="0" end="0"/>
-                                            </p:txEl>
-                                          </p:spTgt>
-                                        </p:tgtEl>
-                                        <p:attrNameLst>
-                                          <p:attrName>style.visibility</p:attrName>
-                                        </p:attrNameLst>
-                                      </p:cBhvr>
-                                      <p:to>
-                                        <p:strVal val="visible"/>
-                                      </p:to>
-                                    </p:set>
-                                  </p:childTnLst>
-                                </p:cTn>
-                              </p:par>
-                            </p:childTnLst>
-                          </p:cTn>
-                        </p:par>
-                      </p:childTnLst>
-                    </p:cTn>
-                  </p:par>
-                  <p:par>
-                    <p:cTn id="11" fill="hold">
-                      <p:stCondLst>
-                        <p:cond delay="indefinite"/>
-                      </p:stCondLst>
-                      <p:childTnLst>
-                        <p:par>
-                          <p:cTn id="12" fill="hold">
-                            <p:stCondLst>
-                              <p:cond delay="0"/>
-                            </p:stCondLst>
-                            <p:childTnLst>
-                              <p:par>
-                                <p:cTn id="13" presetID="1" presetClass="entr" presetSubtype="0" fill="hold" grpId="0" nodeType="clickEffect">
-                                  <p:stCondLst>
-                                    <p:cond delay="0"/>
-                                  </p:stCondLst>
-                                  <p:childTnLst>
-                                    <p:set>
-                                      <p:cBhvr>
-                                        <p:cTn id="14" dur="1" fill="hold">
-                                          <p:stCondLst>
-                                            <p:cond delay="0"/>
-                                          </p:stCondLst>
-                                        </p:cTn>
-                                        <p:tgtEl>
-                                          <p:spTgt spid="16">
-                                            <p:txEl>
-                                              <p:pRg st="1" end="1"/>
-                                            </p:txEl>
-                                          </p:spTgt>
-                                        </p:tgtEl>
-                                        <p:attrNameLst>
-                                          <p:attrName>style.visibility</p:attrName>
-                                        </p:attrNameLst>
-                                      </p:cBhvr>
-                                      <p:to>
-                                        <p:strVal val="visible"/>
-                                      </p:to>
-                                    </p:set>
-                                  </p:childTnLst>
-                                </p:cTn>
-                              </p:par>
-                            </p:childTnLst>
-                          </p:cTn>
-                        </p:par>
-                      </p:childTnLst>
-                    </p:cTn>
-                  </p:par>
-                  <p:par>
-                    <p:cTn id="15" fill="hold">
-                      <p:stCondLst>
-                        <p:cond delay="indefinite"/>
-                      </p:stCondLst>
-                      <p:childTnLst>
-                        <p:par>
-                          <p:cTn id="16" fill="hold">
-                            <p:stCondLst>
-                              <p:cond delay="0"/>
-                            </p:stCondLst>
-                            <p:childTnLst>
-                              <p:par>
-                                <p:cTn id="17" presetID="1" presetClass="entr" presetSubtype="0" fill="hold" grpId="0" nodeType="clickEffect">
-                                  <p:stCondLst>
-                                    <p:cond delay="0"/>
-                                  </p:stCondLst>
-                                  <p:childTnLst>
-                                    <p:set>
-                                      <p:cBhvr>
-                                        <p:cTn id="18" dur="1" fill="hold">
-                                          <p:stCondLst>
-                                            <p:cond delay="0"/>
-                                          </p:stCondLst>
-                                        </p:cTn>
-                                        <p:tgtEl>
-                                          <p:spTgt spid="16">
-                                            <p:txEl>
-                                              <p:pRg st="2" end="2"/>
-                                            </p:txEl>
-                                          </p:spTgt>
-                                        </p:tgtEl>
-                                        <p:attrNameLst>
-                                          <p:attrName>style.visibility</p:attrName>
-                                        </p:attrNameLst>
-                                      </p:cBhvr>
-                                      <p:to>
-                                        <p:strVal val="visible"/>
-                                      </p:to>
-                                    </p:set>
-                                  </p:childTnLst>
-                                </p:cTn>
-                              </p:par>
-                            </p:childTnLst>
-                          </p:cTn>
-                        </p:par>
-                      </p:childTnLst>
-                    </p:cTn>
-                  </p:par>
-                  <p:par>
-                    <p:cTn id="19" fill="hold">
-                      <p:stCondLst>
-                        <p:cond delay="indefinite"/>
-                      </p:stCondLst>
-                      <p:childTnLst>
-                        <p:par>
-                          <p:cTn id="20" fill="hold">
-                            <p:stCondLst>
-                              <p:cond delay="0"/>
-                            </p:stCondLst>
-                            <p:childTnLst>
-                              <p:par>
-                                <p:cTn id="21" presetID="1" presetClass="entr" presetSubtype="0" fill="hold" grpId="0" nodeType="clickEffect">
-                                  <p:stCondLst>
-                                    <p:cond delay="0"/>
-                                  </p:stCondLst>
-                                  <p:childTnLst>
-                                    <p:set>
-                                      <p:cBhvr>
-                                        <p:cTn id="22" dur="1" fill="hold">
-                                          <p:stCondLst>
-                                            <p:cond delay="0"/>
-                                          </p:stCondLst>
-                                        </p:cTn>
-                                        <p:tgtEl>
-                                          <p:spTgt spid="16">
-                                            <p:txEl>
-                                              <p:pRg st="3" end="3"/>
-                                            </p:txEl>
-                                          </p:spTgt>
-                                        </p:tgtEl>
-                                        <p:attrNameLst>
-                                          <p:attrName>style.visibility</p:attrName>
-                                        </p:attrNameLst>
-                                      </p:cBhvr>
-                                      <p:to>
-                                        <p:strVal val="visible"/>
-                                      </p:to>
-                                    </p:set>
-                                  </p:childTnLst>
-                                </p:cTn>
-                              </p:par>
-                            </p:childTnLst>
-                          </p:cTn>
-                        </p:par>
-                      </p:childTnLst>
-                    </p:cTn>
-                  </p:par>
-                  <p:par>
-                    <p:cTn id="23" fill="hold">
-                      <p:stCondLst>
-                        <p:cond delay="indefinite"/>
-                      </p:stCondLst>
-                      <p:childTnLst>
-                        <p:par>
-                          <p:cTn id="24" fill="hold">
-                            <p:stCondLst>
-                              <p:cond delay="0"/>
-                            </p:stCondLst>
-                            <p:childTnLst>
-                              <p:par>
-                                <p:cTn id="25" presetID="1" presetClass="entr" presetSubtype="0" fill="hold" grpId="0" nodeType="clickEffect">
-                                  <p:stCondLst>
-                                    <p:cond delay="0"/>
-                                  </p:stCondLst>
-                                  <p:childTnLst>
-                                    <p:set>
-                                      <p:cBhvr>
-                                        <p:cTn id="26" dur="1" fill="hold">
-                                          <p:stCondLst>
-                                            <p:cond delay="0"/>
-                                          </p:stCondLst>
-                                        </p:cTn>
-                                        <p:tgtEl>
-                                          <p:spTgt spid="23">
-                                            <p:bg/>
-                                          </p:spTgt>
-                                        </p:tgtEl>
-                                        <p:attrNameLst>
-                                          <p:attrName>style.visibility</p:attrName>
-                                        </p:attrNameLst>
-                                      </p:cBhvr>
-                                      <p:to>
-                                        <p:strVal val="visible"/>
-                                      </p:to>
-                                    </p:set>
-                                  </p:childTnLst>
-                                </p:cTn>
-                              </p:par>
-                            </p:childTnLst>
-                          </p:cTn>
-                        </p:par>
-                      </p:childTnLst>
-                    </p:cTn>
-                  </p:par>
-                  <p:par>
-                    <p:cTn id="27" fill="hold">
-                      <p:stCondLst>
-                        <p:cond delay="indefinite"/>
-                      </p:stCondLst>
-                      <p:childTnLst>
-                        <p:par>
-                          <p:cTn id="28" fill="hold">
-                            <p:stCondLst>
-                              <p:cond delay="0"/>
-                            </p:stCondLst>
-                            <p:childTnLst>
-                              <p:par>
-                                <p:cTn id="29" presetID="1" presetClass="entr" presetSubtype="0" fill="hold" grpId="0" nodeType="clickEffect">
-                                  <p:stCondLst>
-                                    <p:cond delay="0"/>
-                                  </p:stCondLst>
-                                  <p:childTnLst>
-                                    <p:set>
-                                      <p:cBhvr>
-                                        <p:cTn id="30" dur="1" fill="hold">
-                                          <p:stCondLst>
-                                            <p:cond delay="0"/>
-                                          </p:stCondLst>
-                                        </p:cTn>
-                                        <p:tgtEl>
-                                          <p:spTgt spid="23">
-                                            <p:txEl>
-                                              <p:pRg st="0" end="0"/>
-                                            </p:txEl>
-                                          </p:spTgt>
-                                        </p:tgtEl>
-                                        <p:attrNameLst>
-                                          <p:attrName>style.visibility</p:attrName>
-                                        </p:attrNameLst>
-                                      </p:cBhvr>
-                                      <p:to>
-                                        <p:strVal val="visible"/>
-                                      </p:to>
-                                    </p:set>
-                                  </p:childTnLst>
-                                </p:cTn>
-                              </p:par>
-                            </p:childTnLst>
-                          </p:cTn>
-                        </p:par>
-                      </p:childTnLst>
-                    </p:cTn>
-                  </p:par>
-                  <p:par>
-                    <p:cTn id="31" fill="hold">
-                      <p:stCondLst>
-                        <p:cond delay="indefinite"/>
-                      </p:stCondLst>
-                      <p:childTnLst>
-                        <p:par>
-                          <p:cTn id="32" fill="hold">
-                            <p:stCondLst>
-                              <p:cond delay="0"/>
-                            </p:stCondLst>
-                            <p:childTnLst>
-                              <p:par>
-                                <p:cTn id="33" presetID="1" presetClass="entr" presetSubtype="0" fill="hold" grpId="0" nodeType="clickEffect">
-                                  <p:stCondLst>
-                                    <p:cond delay="0"/>
-                                  </p:stCondLst>
-                                  <p:childTnLst>
-                                    <p:set>
-                                      <p:cBhvr>
-                                        <p:cTn id="34" dur="1" fill="hold">
-                                          <p:stCondLst>
-                                            <p:cond delay="0"/>
-                                          </p:stCondLst>
-                                        </p:cTn>
-                                        <p:tgtEl>
-                                          <p:spTgt spid="23">
-                                            <p:txEl>
-                                              <p:pRg st="1" end="1"/>
-                                            </p:txEl>
-                                          </p:spTgt>
-                                        </p:tgtEl>
-                                        <p:attrNameLst>
-                                          <p:attrName>style.visibility</p:attrName>
-                                        </p:attrNameLst>
-                                      </p:cBhvr>
-                                      <p:to>
-                                        <p:strVal val="visible"/>
-                                      </p:to>
-                                    </p:set>
-                                  </p:childTnLst>
-                                </p:cTn>
-                              </p:par>
-                            </p:childTnLst>
-                          </p:cTn>
-                        </p:par>
-                      </p:childTnLst>
-                    </p:cTn>
-                  </p:par>
-                  <p:par>
-                    <p:cTn id="35" fill="hold">
-                      <p:stCondLst>
-                        <p:cond delay="indefinite"/>
-                      </p:stCondLst>
-                      <p:childTnLst>
-                        <p:par>
-                          <p:cTn id="36" fill="hold">
-                            <p:stCondLst>
-                              <p:cond delay="0"/>
-                            </p:stCondLst>
-                            <p:childTnLst>
-                              <p:par>
-                                <p:cTn id="37" presetID="1" presetClass="entr" presetSubtype="0" fill="hold" grpId="0" nodeType="clickEffect">
-                                  <p:stCondLst>
-                                    <p:cond delay="0"/>
-                                  </p:stCondLst>
-                                  <p:childTnLst>
-                                    <p:set>
-                                      <p:cBhvr>
-                                        <p:cTn id="38" dur="1" fill="hold">
-                                          <p:stCondLst>
-                                            <p:cond delay="0"/>
-                                          </p:stCondLst>
-                                        </p:cTn>
-                                        <p:tgtEl>
-                                          <p:spTgt spid="23">
-                                            <p:txEl>
-                                              <p:pRg st="2" end="2"/>
-                                            </p:txEl>
-                                          </p:spTgt>
-                                        </p:tgtEl>
-                                        <p:attrNameLst>
-                                          <p:attrName>style.visibility</p:attrName>
-                                        </p:attrNameLst>
-                                      </p:cBhvr>
-                                      <p:to>
-                                        <p:strVal val="visible"/>
-                                      </p:to>
-                                    </p:set>
-                                  </p:childTnLst>
-                                </p:cTn>
-                              </p:par>
-                            </p:childTnLst>
-                          </p:cTn>
-                        </p:par>
-                      </p:childTnLst>
-                    </p:cTn>
-                  </p:par>
-                  <p:par>
-                    <p:cTn id="39" fill="hold">
-                      <p:stCondLst>
-                        <p:cond delay="indefinite"/>
-                      </p:stCondLst>
-                      <p:childTnLst>
-                        <p:par>
-                          <p:cTn id="40" fill="hold">
-                            <p:stCondLst>
-                              <p:cond delay="0"/>
-                            </p:stCondLst>
-                            <p:childTnLst>
-                              <p:par>
-                                <p:cTn id="41" presetID="1" presetClass="entr" presetSubtype="0" fill="hold" grpId="0" nodeType="clickEffect">
-                                  <p:stCondLst>
-                                    <p:cond delay="0"/>
-                                  </p:stCondLst>
-                                  <p:childTnLst>
-                                    <p:set>
-                                      <p:cBhvr>
-                                        <p:cTn id="42" dur="1" fill="hold">
-                                          <p:stCondLst>
-                                            <p:cond delay="0"/>
-                                          </p:stCondLst>
-                                        </p:cTn>
-                                        <p:tgtEl>
-                                          <p:spTgt spid="23">
-                                            <p:txEl>
-                                              <p:pRg st="3" end="3"/>
-                                            </p:txEl>
-                                          </p:spTgt>
+                                          <p:spTgt spid="30"/>
                                         </p:tgtEl>
                                         <p:attrNameLst>
                                           <p:attrName>style.visibility</p:attrName>
@@ -11376,14 +12796,14 @@
       </p:par>
     </p:tnLst>
     <p:bldLst>
-      <p:bldP spid="16" grpId="0" build="p" animBg="1"/>
-      <p:bldP spid="23" grpId="0" build="p" animBg="1"/>
+      <p:bldP spid="28" grpId="0" animBg="1"/>
+      <p:bldP spid="30" grpId="0" animBg="1"/>
     </p:bldLst>
   </p:timing>
 </p:sld>
 </file>
 
-<file path=ppt/slides/slide14.xml><?xml version="1.0" encoding="utf-8"?>
+<file path=ppt/slides/slide17.xml><?xml version="1.0" encoding="utf-8"?>
 <p:sld xmlns:a="http://schemas.openxmlformats.org/drawingml/2006/main" xmlns:r="http://schemas.openxmlformats.org/officeDocument/2006/relationships" xmlns:p="http://schemas.openxmlformats.org/presentationml/2006/main">
   <p:cSld>
     <p:spTree>
@@ -11402,53 +12822,7 @@
       </p:grpSpPr>
       <p:sp>
         <p:nvSpPr>
-          <p:cNvPr id="222210" name="Rectangle 2"/>
-          <p:cNvSpPr>
-            <a:spLocks noGrp="1" noChangeArrowheads="1"/>
-          </p:cNvSpPr>
-          <p:nvPr>
-            <p:ph type="title"/>
-          </p:nvPr>
-        </p:nvSpPr>
-        <p:spPr/>
-        <p:txBody>
-          <a:bodyPr/>
-          <a:lstStyle/>
-          <a:p>
-            <a:r>
-              <a:rPr lang="en-US" dirty="0"/>
-              <a:t>Converting to SSA Form</a:t>
-            </a:r>
-          </a:p>
-        </p:txBody>
-      </p:sp>
-      <p:sp>
-        <p:nvSpPr>
-          <p:cNvPr id="19" name="Slide Number Placeholder 4"/>
-          <p:cNvSpPr>
-            <a:spLocks noGrp="1"/>
-          </p:cNvSpPr>
-          <p:nvPr>
-            <p:ph type="sldNum" sz="quarter" idx="12"/>
-          </p:nvPr>
-        </p:nvSpPr>
-        <p:spPr/>
-        <p:txBody>
-          <a:bodyPr/>
-          <a:lstStyle/>
-          <a:p>
-            <a:fld id="{722DCBB7-0D72-414E-9F56-266DA4AACC86}" type="slidenum">
-              <a:rPr lang="en-US"/>
-              <a:pPr/>
-              <a:t>14</a:t>
-            </a:fld>
-            <a:endParaRPr lang="en-US"/>
-          </a:p>
-        </p:txBody>
-      </p:sp>
-      <p:sp>
-        <p:nvSpPr>
-          <p:cNvPr id="222212" name="Text Box 4"/>
+          <p:cNvPr id="5" name="Text Box 4"/>
           <p:cNvSpPr txBox="1">
             <a:spLocks noChangeArrowheads="1"/>
           </p:cNvSpPr>
@@ -11456,8 +12830,8 @@
         </p:nvSpPr>
         <p:spPr bwMode="auto">
           <a:xfrm>
-            <a:off x="3622180" y="1387320"/>
-            <a:ext cx="1308371" cy="692497"/>
+            <a:off x="3869923" y="633739"/>
+            <a:ext cx="1192955" cy="1015663"/>
           </a:xfrm>
           <a:prstGeom prst="rect">
             <a:avLst/>
@@ -11489,7 +12863,7 @@
           <a:p>
             <a:r>
               <a:rPr lang="en-US" sz="1800" dirty="0"/>
-              <a:t>1: k1 := 100</a:t>
+              <a:t>1: k1 := 10</a:t>
             </a:r>
           </a:p>
           <a:p>
@@ -11499,15 +12873,24 @@
             </a:r>
             <a:r>
               <a:rPr lang="en-US" sz="1800" dirty="0"/>
-              <a:t>i1 := 0</a:t>
-            </a:r>
-            <a:endParaRPr lang="en-US" sz="2100" dirty="0"/>
-          </a:p>
-        </p:txBody>
-      </p:sp>
-      <p:sp>
-        <p:nvSpPr>
-          <p:cNvPr id="222213" name="Text Box 5"/>
+              <a:t>i1 := 1</a:t>
+            </a:r>
+          </a:p>
+          <a:p>
+            <a:r>
+              <a:rPr lang="en-US" sz="2100" dirty="0"/>
+              <a:t>    </a:t>
+            </a:r>
+            <a:r>
+              <a:rPr lang="en-US" sz="1800" dirty="0"/>
+              <a:t>j1 := 2</a:t>
+            </a:r>
+          </a:p>
+        </p:txBody>
+      </p:sp>
+      <p:sp>
+        <p:nvSpPr>
+          <p:cNvPr id="6" name="Text Box 4"/>
           <p:cNvSpPr txBox="1">
             <a:spLocks noChangeArrowheads="1"/>
           </p:cNvSpPr>
@@ -11515,8 +12898,8 @@
         </p:nvSpPr>
         <p:spPr bwMode="auto">
           <a:xfrm>
-            <a:off x="3736480" y="2301720"/>
-            <a:ext cx="1685077" cy="923330"/>
+            <a:off x="4136823" y="101413"/>
+            <a:ext cx="659155" cy="369332"/>
           </a:xfrm>
           <a:prstGeom prst="rect">
             <a:avLst/>
@@ -11548,41 +12931,47 @@
           <a:p>
             <a:r>
               <a:rPr lang="en-US" sz="1800" dirty="0"/>
-              <a:t>2: i2 = </a:t>
-            </a:r>
-            <a:r>
-              <a:rPr lang="en-US" sz="1800" dirty="0">
-                <a:sym typeface="Symbol" charset="2"/>
-              </a:rPr>
-              <a:t>(i1,i3)</a:t>
-            </a:r>
-            <a:endParaRPr lang="en-US" sz="1800" dirty="0"/>
-          </a:p>
-          <a:p>
-            <a:r>
-              <a:rPr lang="en-US" sz="1800" dirty="0"/>
-              <a:t>    k2 = </a:t>
-            </a:r>
-            <a:r>
-              <a:rPr lang="en-US" sz="1800" dirty="0">
-                <a:sym typeface="Symbol" charset="2"/>
-              </a:rPr>
-              <a:t>(k1,k3)</a:t>
-            </a:r>
-            <a:endParaRPr lang="en-US" sz="1800" dirty="0"/>
-          </a:p>
-          <a:p>
-            <a:r>
-              <a:rPr lang="en-US" sz="1800" dirty="0"/>
-              <a:t>    if i2 &lt; 100</a:t>
+              <a:t>entry</a:t>
             </a:r>
             <a:endParaRPr lang="en-US" sz="2100" dirty="0"/>
           </a:p>
         </p:txBody>
       </p:sp>
-      <p:sp>
-        <p:nvSpPr>
-          <p:cNvPr id="222214" name="Text Box 6"/>
+      <p:cxnSp>
+        <p:nvCxnSpPr>
+          <p:cNvPr id="8" name="Straight Arrow Connector 7"/>
+          <p:cNvCxnSpPr>
+            <a:stCxn id="6" idx="2"/>
+            <a:endCxn id="5" idx="0"/>
+          </p:cNvCxnSpPr>
+          <p:nvPr/>
+        </p:nvCxnSpPr>
+        <p:spPr bwMode="auto">
+          <a:xfrm>
+            <a:off x="4466401" y="470745"/>
+            <a:ext cx="0" cy="162994"/>
+          </a:xfrm>
+          <a:prstGeom prst="straightConnector1">
+            <a:avLst/>
+          </a:prstGeom>
+          <a:solidFill>
+            <a:schemeClr val="accent1"/>
+          </a:solidFill>
+          <a:ln w="9525" cap="flat" cmpd="sng" algn="ctr">
+            <a:solidFill>
+              <a:schemeClr val="tx1"/>
+            </a:solidFill>
+            <a:prstDash val="solid"/>
+            <a:round/>
+            <a:headEnd type="none" w="med" len="med"/>
+            <a:tailEnd type="arrow"/>
+          </a:ln>
+          <a:effectLst/>
+        </p:spPr>
+      </p:cxnSp>
+      <p:sp>
+        <p:nvSpPr>
+          <p:cNvPr id="10" name="Text Box 4"/>
           <p:cNvSpPr txBox="1">
             <a:spLocks noChangeArrowheads="1"/>
           </p:cNvSpPr>
@@ -11590,8 +12979,8 @@
         </p:nvSpPr>
         <p:spPr bwMode="auto">
           <a:xfrm>
-            <a:off x="3022662" y="3597865"/>
-            <a:ext cx="1495332" cy="646331"/>
+            <a:off x="3437874" y="1912561"/>
+            <a:ext cx="2026517" cy="1200329"/>
           </a:xfrm>
           <a:prstGeom prst="rect">
             <a:avLst/>
@@ -11613,7 +13002,7 @@
           <a:effectLst/>
         </p:spPr>
         <p:txBody>
-          <a:bodyPr wrap="square">
+          <a:bodyPr wrap="none">
             <a:prstTxWarp prst="textNoShape">
               <a:avLst/>
             </a:prstTxWarp>
@@ -11623,80 +13012,50 @@
           <a:p>
             <a:r>
               <a:rPr lang="en-US" sz="1800" dirty="0"/>
-              <a:t>3: k3 := k2+1</a:t>
-            </a:r>
-          </a:p>
-          <a:p>
-            <a:r>
-              <a:rPr lang="en-US" sz="1800" dirty="0"/>
-              <a:t>    i3 := i2+1</a:t>
-            </a:r>
-          </a:p>
-        </p:txBody>
-      </p:sp>
-      <p:cxnSp>
-        <p:nvCxnSpPr>
-          <p:cNvPr id="222215" name="AutoShape 7"/>
-          <p:cNvCxnSpPr>
-            <a:cxnSpLocks noChangeShapeType="1"/>
-            <a:stCxn id="222212" idx="2"/>
-            <a:endCxn id="222213" idx="0"/>
-          </p:cNvCxnSpPr>
-          <p:nvPr/>
-        </p:nvCxnSpPr>
-        <p:spPr bwMode="auto">
-          <a:xfrm>
-            <a:off x="4276366" y="2079817"/>
-            <a:ext cx="302653" cy="221903"/>
-          </a:xfrm>
-          <a:prstGeom prst="straightConnector1">
-            <a:avLst/>
-          </a:prstGeom>
-          <a:noFill/>
-          <a:ln w="9525">
-            <a:solidFill>
-              <a:schemeClr val="tx1"/>
-            </a:solidFill>
-            <a:round/>
-            <a:headEnd/>
-            <a:tailEnd type="triangle" w="med" len="med"/>
-          </a:ln>
-          <a:effectLst/>
-        </p:spPr>
-      </p:cxnSp>
-      <p:cxnSp>
-        <p:nvCxnSpPr>
-          <p:cNvPr id="222216" name="AutoShape 8"/>
-          <p:cNvCxnSpPr>
-            <a:cxnSpLocks noChangeShapeType="1"/>
-            <a:stCxn id="222213" idx="2"/>
-            <a:endCxn id="222214" idx="0"/>
-          </p:cNvCxnSpPr>
-          <p:nvPr/>
-        </p:nvCxnSpPr>
-        <p:spPr bwMode="auto">
-          <a:xfrm flipH="1">
-            <a:off x="3770328" y="3225050"/>
-            <a:ext cx="808691" cy="372815"/>
-          </a:xfrm>
-          <a:prstGeom prst="straightConnector1">
-            <a:avLst/>
-          </a:prstGeom>
-          <a:noFill/>
-          <a:ln w="9525">
-            <a:solidFill>
-              <a:schemeClr val="tx1"/>
-            </a:solidFill>
-            <a:round/>
-            <a:headEnd/>
-            <a:tailEnd type="triangle" w="med" len="med"/>
-          </a:ln>
-          <a:effectLst/>
-        </p:spPr>
-      </p:cxnSp>
-      <p:sp>
-        <p:nvSpPr>
-          <p:cNvPr id="222218" name="Text Box 10"/>
+              <a:t>2:   i2 := </a:t>
+            </a:r>
+            <a:r>
+              <a:rPr lang="en-US" sz="1800" dirty="0">
+                <a:sym typeface="Symbol" charset="2"/>
+              </a:rPr>
+              <a:t>(i1,i3)</a:t>
+            </a:r>
+          </a:p>
+          <a:p>
+            <a:r>
+              <a:rPr lang="en-US" sz="1800" dirty="0">
+                <a:sym typeface="Symbol" charset="2"/>
+              </a:rPr>
+              <a:t>      j2 := (j1,j3)</a:t>
+            </a:r>
+          </a:p>
+          <a:p>
+            <a:r>
+              <a:rPr lang="en-US" sz="1800" dirty="0">
+                <a:sym typeface="Symbol" charset="2"/>
+              </a:rPr>
+              <a:t>      k1:= (k1,k1)</a:t>
+            </a:r>
+          </a:p>
+          <a:p>
+            <a:r>
+              <a:rPr lang="en-US" sz="1800" dirty="0"/>
+              <a:t>      if i2 &lt; k1 </a:t>
+            </a:r>
+            <a:r>
+              <a:rPr lang="en-US" sz="1800" dirty="0" err="1"/>
+              <a:t>goto</a:t>
+            </a:r>
+            <a:r>
+              <a:rPr lang="en-US" sz="1800" dirty="0"/>
+              <a:t> 3</a:t>
+            </a:r>
+          </a:p>
+        </p:txBody>
+      </p:sp>
+      <p:sp>
+        <p:nvSpPr>
+          <p:cNvPr id="11" name="Text Box 4"/>
           <p:cNvSpPr txBox="1">
             <a:spLocks noChangeArrowheads="1"/>
           </p:cNvSpPr>
@@ -11704,8 +13063,8 @@
         </p:nvSpPr>
         <p:spPr bwMode="auto">
           <a:xfrm>
-            <a:off x="4680012" y="3597864"/>
-            <a:ext cx="1257300" cy="369332"/>
+            <a:off x="2195736" y="3489852"/>
+            <a:ext cx="1451038" cy="692497"/>
           </a:xfrm>
           <a:prstGeom prst="rect">
             <a:avLst/>
@@ -11727,7 +13086,7 @@
           <a:effectLst/>
         </p:spPr>
         <p:txBody>
-          <a:bodyPr>
+          <a:bodyPr wrap="none">
             <a:prstTxWarp prst="textNoShape">
               <a:avLst/>
             </a:prstTxWarp>
@@ -11737,108 +13096,24 @@
           <a:p>
             <a:r>
               <a:rPr lang="en-US" sz="1800" dirty="0"/>
-              <a:t>4: return k</a:t>
-            </a:r>
-          </a:p>
-        </p:txBody>
-      </p:sp>
-      <p:cxnSp>
-        <p:nvCxnSpPr>
-          <p:cNvPr id="222222" name="AutoShape 14"/>
-          <p:cNvCxnSpPr>
-            <a:cxnSpLocks noChangeShapeType="1"/>
-            <a:stCxn id="222213" idx="2"/>
-            <a:endCxn id="222218" idx="0"/>
-          </p:cNvCxnSpPr>
-          <p:nvPr/>
-        </p:nvCxnSpPr>
-        <p:spPr bwMode="auto">
-          <a:xfrm>
-            <a:off x="4579019" y="3225050"/>
-            <a:ext cx="729643" cy="372814"/>
-          </a:xfrm>
-          <a:prstGeom prst="straightConnector1">
-            <a:avLst/>
-          </a:prstGeom>
-          <a:noFill/>
-          <a:ln w="9525">
-            <a:solidFill>
-              <a:schemeClr val="tx1"/>
-            </a:solidFill>
-            <a:round/>
-            <a:headEnd/>
-            <a:tailEnd type="triangle" w="med" len="med"/>
-          </a:ln>
-          <a:effectLst/>
-        </p:spPr>
-      </p:cxnSp>
-      <p:cxnSp>
-        <p:nvCxnSpPr>
-          <p:cNvPr id="222227" name="AutoShape 19"/>
-          <p:cNvCxnSpPr>
-            <a:cxnSpLocks noChangeShapeType="1"/>
-            <a:stCxn id="222214" idx="2"/>
-            <a:endCxn id="222213" idx="0"/>
-          </p:cNvCxnSpPr>
-          <p:nvPr/>
-        </p:nvCxnSpPr>
-        <p:spPr bwMode="auto">
-          <a:xfrm rot="5400000" flipH="1" flipV="1">
-            <a:off x="3203435" y="2868612"/>
-            <a:ext cx="1942476" cy="808691"/>
-          </a:xfrm>
-          <a:prstGeom prst="curvedConnector5">
-            <a:avLst>
-              <a:gd name="adj1" fmla="val -11768"/>
-              <a:gd name="adj2" fmla="val -165047"/>
-              <a:gd name="adj3" fmla="val 106430"/>
-            </a:avLst>
-          </a:prstGeom>
-          <a:noFill/>
-          <a:ln w="9525">
-            <a:solidFill>
-              <a:schemeClr val="tx1"/>
-            </a:solidFill>
-            <a:round/>
-            <a:headEnd/>
-            <a:tailEnd type="triangle" w="med" len="med"/>
-          </a:ln>
-          <a:effectLst/>
-        </p:spPr>
-      </p:cxnSp>
-    </p:spTree>
-    <p:extLst>
-      <p:ext uri="{BB962C8B-B14F-4D97-AF65-F5344CB8AC3E}">
-        <p14:creationId xmlns:p14="http://schemas.microsoft.com/office/powerpoint/2010/main" val="3492114016"/>
-      </p:ext>
-    </p:extLst>
-  </p:cSld>
-  <p:clrMapOvr>
-    <a:masterClrMapping/>
-  </p:clrMapOvr>
-</p:sld>
-</file>
-
-<file path=ppt/slides/slide15.xml><?xml version="1.0" encoding="utf-8"?>
-<p:sld xmlns:a="http://schemas.openxmlformats.org/drawingml/2006/main" xmlns:r="http://schemas.openxmlformats.org/officeDocument/2006/relationships" xmlns:p="http://schemas.openxmlformats.org/presentationml/2006/main">
-  <p:cSld>
-    <p:spTree>
-      <p:nvGrpSpPr>
-        <p:cNvPr id="1" name=""/>
-        <p:cNvGrpSpPr/>
-        <p:nvPr/>
-      </p:nvGrpSpPr>
-      <p:grpSpPr>
-        <a:xfrm>
-          <a:off x="0" y="0"/>
-          <a:ext cx="0" cy="0"/>
-          <a:chOff x="0" y="0"/>
-          <a:chExt cx="0" cy="0"/>
-        </a:xfrm>
-      </p:grpSpPr>
-      <p:sp>
-        <p:nvSpPr>
-          <p:cNvPr id="5" name="Text Box 4"/>
+              <a:t>3: i3 := i2 + 1</a:t>
+            </a:r>
+          </a:p>
+          <a:p>
+            <a:r>
+              <a:rPr lang="en-US" sz="2100" dirty="0"/>
+              <a:t>   </a:t>
+            </a:r>
+            <a:r>
+              <a:rPr lang="en-US" sz="1800" dirty="0"/>
+              <a:t>j3 := j2 * 2</a:t>
+            </a:r>
+          </a:p>
+        </p:txBody>
+      </p:sp>
+      <p:sp>
+        <p:nvSpPr>
+          <p:cNvPr id="12" name="Text Box 4"/>
           <p:cNvSpPr txBox="1">
             <a:spLocks noChangeArrowheads="1"/>
           </p:cNvSpPr>
@@ -11846,8 +13121,8 @@
         </p:nvSpPr>
         <p:spPr bwMode="auto">
           <a:xfrm>
-            <a:off x="3815917" y="1005576"/>
-            <a:ext cx="1013419" cy="969496"/>
+            <a:off x="4193958" y="3975906"/>
+            <a:ext cx="1095172" cy="369332"/>
           </a:xfrm>
           <a:prstGeom prst="rect">
             <a:avLst/>
@@ -11879,38 +13154,14 @@
           <a:p>
             <a:r>
               <a:rPr lang="en-US" sz="1800" dirty="0"/>
-              <a:t>1: </a:t>
-            </a:r>
-            <a:r>
-              <a:rPr lang="en-US" sz="1800" dirty="0" err="1"/>
-              <a:t>i</a:t>
-            </a:r>
-            <a:r>
-              <a:rPr lang="en-US" sz="1800" dirty="0"/>
-              <a:t> := 1</a:t>
-            </a:r>
-          </a:p>
-          <a:p>
-            <a:r>
-              <a:rPr lang="en-US" sz="2100" dirty="0"/>
-              <a:t>   </a:t>
-            </a:r>
-            <a:r>
-              <a:rPr lang="en-US" sz="1800" dirty="0"/>
-              <a:t>j := 2</a:t>
-            </a:r>
-          </a:p>
-          <a:p>
-            <a:r>
-              <a:rPr lang="en-US" sz="1800" dirty="0"/>
-              <a:t>   k := 10</a:t>
-            </a:r>
-          </a:p>
-        </p:txBody>
-      </p:sp>
-      <p:sp>
-        <p:nvSpPr>
-          <p:cNvPr id="6" name="Text Box 4"/>
+              <a:t>5: print j2</a:t>
+            </a:r>
+          </a:p>
+        </p:txBody>
+      </p:sp>
+      <p:sp>
+        <p:nvSpPr>
+          <p:cNvPr id="13" name="Text Box 4"/>
           <p:cNvSpPr txBox="1">
             <a:spLocks noChangeArrowheads="1"/>
           </p:cNvSpPr>
@@ -11918,8 +13169,8 @@
         </p:nvSpPr>
         <p:spPr bwMode="auto">
           <a:xfrm>
-            <a:off x="4031941" y="303498"/>
-            <a:ext cx="659155" cy="369332"/>
+            <a:off x="5922150" y="3975906"/>
+            <a:ext cx="1451038" cy="369332"/>
           </a:xfrm>
           <a:prstGeom prst="rect">
             <a:avLst/>
@@ -11951,25 +13202,24 @@
           <a:p>
             <a:r>
               <a:rPr lang="en-US" sz="1800" dirty="0"/>
-              <a:t>entry</a:t>
-            </a:r>
-            <a:endParaRPr lang="en-US" sz="2100" dirty="0"/>
+              <a:t>6: i4 := i2 + 1</a:t>
+            </a:r>
           </a:p>
         </p:txBody>
       </p:sp>
       <p:cxnSp>
         <p:nvCxnSpPr>
-          <p:cNvPr id="8" name="Straight Arrow Connector 7"/>
+          <p:cNvPr id="16" name="Straight Arrow Connector 15"/>
           <p:cNvCxnSpPr>
-            <a:stCxn id="6" idx="2"/>
-            <a:endCxn id="5" idx="0"/>
+            <a:stCxn id="5" idx="2"/>
+            <a:endCxn id="10" idx="0"/>
           </p:cNvCxnSpPr>
           <p:nvPr/>
         </p:nvCxnSpPr>
         <p:spPr bwMode="auto">
           <a:xfrm flipH="1">
-            <a:off x="4322627" y="672830"/>
-            <a:ext cx="38892" cy="332746"/>
+            <a:off x="4451133" y="1649402"/>
+            <a:ext cx="15268" cy="263159"/>
           </a:xfrm>
           <a:prstGeom prst="straightConnector1">
             <a:avLst/>
@@ -11991,7 +13241,7 @@
       </p:cxnSp>
       <p:sp>
         <p:nvSpPr>
-          <p:cNvPr id="10" name="Text Box 4"/>
+          <p:cNvPr id="17" name="Text Box 4"/>
           <p:cNvSpPr txBox="1">
             <a:spLocks noChangeArrowheads="1"/>
           </p:cNvSpPr>
@@ -11999,8 +13249,8 @@
         </p:nvSpPr>
         <p:spPr bwMode="auto">
           <a:xfrm>
-            <a:off x="3491880" y="2355726"/>
-            <a:ext cx="1686680" cy="369332"/>
+            <a:off x="4517994" y="3327834"/>
+            <a:ext cx="2263761" cy="369332"/>
           </a:xfrm>
           <a:prstGeom prst="rect">
             <a:avLst/>
@@ -12032,15 +13282,7 @@
           <a:p>
             <a:r>
               <a:rPr lang="en-US" sz="1800" dirty="0"/>
-              <a:t>2: if </a:t>
-            </a:r>
-            <a:r>
-              <a:rPr lang="en-US" sz="1800" dirty="0" err="1"/>
-              <a:t>i</a:t>
-            </a:r>
-            <a:r>
-              <a:rPr lang="en-US" sz="1800" dirty="0"/>
-              <a:t> &lt; k </a:t>
+              <a:t>4: if j2 &gt; k1*10 </a:t>
             </a:r>
             <a:r>
               <a:rPr lang="en-US" sz="1800" dirty="0" err="1"/>
@@ -12048,14 +13290,14 @@
             </a:r>
             <a:r>
               <a:rPr lang="en-US" sz="1800" dirty="0"/>
-              <a:t> 3</a:t>
-            </a:r>
-          </a:p>
-        </p:txBody>
-      </p:sp>
-      <p:sp>
-        <p:nvSpPr>
-          <p:cNvPr id="11" name="Text Box 4"/>
+              <a:t> 5</a:t>
+            </a:r>
+          </a:p>
+        </p:txBody>
+      </p:sp>
+      <p:sp>
+        <p:nvSpPr>
+          <p:cNvPr id="19" name="Text Box 4"/>
           <p:cNvSpPr txBox="1">
             <a:spLocks noChangeArrowheads="1"/>
           </p:cNvSpPr>
@@ -12063,8 +13305,8 @@
         </p:nvSpPr>
         <p:spPr bwMode="auto">
           <a:xfrm>
-            <a:off x="2519772" y="3111810"/>
-            <a:ext cx="1220206" cy="692497"/>
+            <a:off x="5274079" y="4623978"/>
+            <a:ext cx="530915" cy="369332"/>
           </a:xfrm>
           <a:prstGeom prst="rect">
             <a:avLst/>
@@ -12096,162 +13338,25 @@
           <a:p>
             <a:r>
               <a:rPr lang="en-US" sz="1800" dirty="0"/>
-              <a:t>3: </a:t>
-            </a:r>
-            <a:r>
-              <a:rPr lang="en-US" sz="1800" dirty="0" err="1"/>
-              <a:t>i</a:t>
-            </a:r>
-            <a:r>
-              <a:rPr lang="en-US" sz="1800" dirty="0"/>
-              <a:t> := </a:t>
-            </a:r>
-            <a:r>
-              <a:rPr lang="en-US" sz="1800" dirty="0" err="1"/>
-              <a:t>i</a:t>
-            </a:r>
-            <a:r>
-              <a:rPr lang="en-US" sz="1800" dirty="0"/>
-              <a:t> + 1</a:t>
-            </a:r>
-          </a:p>
-          <a:p>
-            <a:r>
-              <a:rPr lang="en-US" sz="2100" dirty="0"/>
-              <a:t>   </a:t>
-            </a:r>
-            <a:r>
-              <a:rPr lang="en-US" sz="1800" dirty="0"/>
-              <a:t>j := j * 2</a:t>
-            </a:r>
-          </a:p>
-        </p:txBody>
-      </p:sp>
-      <p:sp>
-        <p:nvSpPr>
-          <p:cNvPr id="12" name="Text Box 4"/>
-          <p:cNvSpPr txBox="1">
-            <a:spLocks noChangeArrowheads="1"/>
-          </p:cNvSpPr>
-          <p:nvPr/>
-        </p:nvSpPr>
-        <p:spPr bwMode="auto">
-          <a:xfrm>
-            <a:off x="4193959" y="3759882"/>
-            <a:ext cx="979755" cy="369332"/>
-          </a:xfrm>
-          <a:prstGeom prst="rect">
-            <a:avLst/>
-          </a:prstGeom>
-          <a:solidFill>
-            <a:schemeClr val="accent5">
-              <a:lumMod val="40000"/>
-              <a:lumOff val="60000"/>
-            </a:schemeClr>
-          </a:solidFill>
-          <a:ln w="9525">
-            <a:solidFill>
-              <a:schemeClr val="tx1"/>
-            </a:solidFill>
-            <a:miter lim="800000"/>
-            <a:headEnd/>
-            <a:tailEnd/>
-          </a:ln>
-          <a:effectLst/>
-        </p:spPr>
-        <p:txBody>
-          <a:bodyPr wrap="none">
-            <a:prstTxWarp prst="textNoShape">
-              <a:avLst/>
-            </a:prstTxWarp>
-            <a:spAutoFit/>
-          </a:bodyPr>
-          <a:lstStyle/>
-          <a:p>
-            <a:r>
-              <a:rPr lang="en-US" sz="1800" dirty="0"/>
-              <a:t>5: print j</a:t>
-            </a:r>
-          </a:p>
-        </p:txBody>
-      </p:sp>
-      <p:sp>
-        <p:nvSpPr>
-          <p:cNvPr id="13" name="Text Box 4"/>
-          <p:cNvSpPr txBox="1">
-            <a:spLocks noChangeArrowheads="1"/>
-          </p:cNvSpPr>
-          <p:nvPr/>
-        </p:nvSpPr>
-        <p:spPr bwMode="auto">
-          <a:xfrm>
-            <a:off x="5922150" y="3759882"/>
-            <a:ext cx="1220206" cy="369332"/>
-          </a:xfrm>
-          <a:prstGeom prst="rect">
-            <a:avLst/>
-          </a:prstGeom>
-          <a:solidFill>
-            <a:schemeClr val="accent5">
-              <a:lumMod val="40000"/>
-              <a:lumOff val="60000"/>
-            </a:schemeClr>
-          </a:solidFill>
-          <a:ln w="9525">
-            <a:solidFill>
-              <a:schemeClr val="tx1"/>
-            </a:solidFill>
-            <a:miter lim="800000"/>
-            <a:headEnd/>
-            <a:tailEnd/>
-          </a:ln>
-          <a:effectLst/>
-        </p:spPr>
-        <p:txBody>
-          <a:bodyPr wrap="none">
-            <a:prstTxWarp prst="textNoShape">
-              <a:avLst/>
-            </a:prstTxWarp>
-            <a:spAutoFit/>
-          </a:bodyPr>
-          <a:lstStyle/>
-          <a:p>
-            <a:r>
-              <a:rPr lang="en-US" sz="1800" dirty="0"/>
-              <a:t>6: </a:t>
-            </a:r>
-            <a:r>
-              <a:rPr lang="en-US" sz="1800" dirty="0" err="1"/>
-              <a:t>i</a:t>
-            </a:r>
-            <a:r>
-              <a:rPr lang="en-US" sz="1800" dirty="0"/>
-              <a:t> := </a:t>
-            </a:r>
-            <a:r>
-              <a:rPr lang="en-US" sz="1800" dirty="0" err="1"/>
-              <a:t>i</a:t>
-            </a:r>
-            <a:r>
-              <a:rPr lang="en-US" sz="1800" dirty="0"/>
-              <a:t> + 1</a:t>
-            </a:r>
+              <a:t>exit</a:t>
+            </a:r>
+            <a:endParaRPr lang="en-US" sz="2100" dirty="0"/>
           </a:p>
         </p:txBody>
       </p:sp>
       <p:cxnSp>
         <p:nvCxnSpPr>
-          <p:cNvPr id="16" name="Straight Arrow Connector 15"/>
+          <p:cNvPr id="21" name="Straight Arrow Connector 20"/>
           <p:cNvCxnSpPr>
-            <a:stCxn id="5" idx="2"/>
-            <a:endCxn id="10" idx="0"/>
+            <a:stCxn id="10" idx="2"/>
+            <a:endCxn id="11" idx="0"/>
           </p:cNvCxnSpPr>
           <p:nvPr/>
         </p:nvCxnSpPr>
         <p:spPr bwMode="auto">
-          <a:xfrm>
-            <a:off x="4322627" y="1975072"/>
-            <a:ext cx="12593" cy="380654"/>
+          <a:xfrm flipH="1">
+            <a:off x="2921255" y="3112890"/>
+            <a:ext cx="1529878" cy="376962"/>
           </a:xfrm>
           <a:prstGeom prst="straightConnector1">
             <a:avLst/>
@@ -12271,127 +13376,19 @@
           <a:effectLst/>
         </p:spPr>
       </p:cxnSp>
-      <p:sp>
-        <p:nvSpPr>
-          <p:cNvPr id="17" name="Text Box 4"/>
-          <p:cNvSpPr txBox="1">
-            <a:spLocks noChangeArrowheads="1"/>
-          </p:cNvSpPr>
-          <p:nvPr/>
-        </p:nvSpPr>
-        <p:spPr bwMode="auto">
-          <a:xfrm>
-            <a:off x="4517994" y="3111810"/>
-            <a:ext cx="2032929" cy="369332"/>
-          </a:xfrm>
-          <a:prstGeom prst="rect">
-            <a:avLst/>
-          </a:prstGeom>
-          <a:solidFill>
-            <a:schemeClr val="accent5">
-              <a:lumMod val="40000"/>
-              <a:lumOff val="60000"/>
-            </a:schemeClr>
-          </a:solidFill>
-          <a:ln w="9525">
-            <a:solidFill>
-              <a:schemeClr val="tx1"/>
-            </a:solidFill>
-            <a:miter lim="800000"/>
-            <a:headEnd/>
-            <a:tailEnd/>
-          </a:ln>
-          <a:effectLst/>
-        </p:spPr>
-        <p:txBody>
-          <a:bodyPr wrap="none">
-            <a:prstTxWarp prst="textNoShape">
-              <a:avLst/>
-            </a:prstTxWarp>
-            <a:spAutoFit/>
-          </a:bodyPr>
-          <a:lstStyle/>
-          <a:p>
-            <a:r>
-              <a:rPr lang="en-US" sz="1800"/>
-              <a:t>4: </a:t>
-            </a:r>
-            <a:r>
-              <a:rPr lang="en-US" sz="1800" dirty="0"/>
-              <a:t>if j &gt; k*10 </a:t>
-            </a:r>
-            <a:r>
-              <a:rPr lang="en-US" sz="1800" dirty="0" err="1"/>
-              <a:t>goto</a:t>
-            </a:r>
-            <a:r>
-              <a:rPr lang="en-US" sz="1800" dirty="0"/>
-              <a:t> 5</a:t>
-            </a:r>
-          </a:p>
-        </p:txBody>
-      </p:sp>
-      <p:sp>
-        <p:nvSpPr>
-          <p:cNvPr id="19" name="Text Box 4"/>
-          <p:cNvSpPr txBox="1">
-            <a:spLocks noChangeArrowheads="1"/>
-          </p:cNvSpPr>
-          <p:nvPr/>
-        </p:nvSpPr>
-        <p:spPr bwMode="auto">
-          <a:xfrm>
-            <a:off x="5274079" y="4407954"/>
-            <a:ext cx="530915" cy="369332"/>
-          </a:xfrm>
-          <a:prstGeom prst="rect">
-            <a:avLst/>
-          </a:prstGeom>
-          <a:solidFill>
-            <a:schemeClr val="accent5">
-              <a:lumMod val="40000"/>
-              <a:lumOff val="60000"/>
-            </a:schemeClr>
-          </a:solidFill>
-          <a:ln w="9525">
-            <a:solidFill>
-              <a:schemeClr val="tx1"/>
-            </a:solidFill>
-            <a:miter lim="800000"/>
-            <a:headEnd/>
-            <a:tailEnd/>
-          </a:ln>
-          <a:effectLst/>
-        </p:spPr>
-        <p:txBody>
-          <a:bodyPr wrap="none">
-            <a:prstTxWarp prst="textNoShape">
-              <a:avLst/>
-            </a:prstTxWarp>
-            <a:spAutoFit/>
-          </a:bodyPr>
-          <a:lstStyle/>
-          <a:p>
-            <a:r>
-              <a:rPr lang="en-US" sz="1800" dirty="0"/>
-              <a:t>exit</a:t>
-            </a:r>
-            <a:endParaRPr lang="en-US" sz="2100" dirty="0"/>
-          </a:p>
-        </p:txBody>
-      </p:sp>
       <p:cxnSp>
         <p:nvCxnSpPr>
-          <p:cNvPr id="21" name="Straight Arrow Connector 20"/>
+          <p:cNvPr id="23" name="Straight Arrow Connector 22"/>
           <p:cNvCxnSpPr>
+            <a:cxnSpLocks/>
             <a:stCxn id="10" idx="2"/>
           </p:cNvCxnSpPr>
           <p:nvPr/>
         </p:nvCxnSpPr>
         <p:spPr bwMode="auto">
-          <a:xfrm flipH="1">
-            <a:off x="3329863" y="2725058"/>
-            <a:ext cx="1005357" cy="386752"/>
+          <a:xfrm>
+            <a:off x="4451133" y="3112890"/>
+            <a:ext cx="1088404" cy="214944"/>
           </a:xfrm>
           <a:prstGeom prst="straightConnector1">
             <a:avLst/>
@@ -12413,16 +13410,17 @@
       </p:cxnSp>
       <p:cxnSp>
         <p:nvCxnSpPr>
-          <p:cNvPr id="23" name="Straight Arrow Connector 22"/>
+          <p:cNvPr id="25" name="Straight Arrow Connector 24"/>
           <p:cNvCxnSpPr>
-            <a:stCxn id="10" idx="2"/>
+            <a:stCxn id="17" idx="2"/>
+            <a:endCxn id="12" idx="0"/>
           </p:cNvCxnSpPr>
           <p:nvPr/>
         </p:nvCxnSpPr>
         <p:spPr bwMode="auto">
-          <a:xfrm>
-            <a:off x="4335220" y="2725058"/>
-            <a:ext cx="1100876" cy="332746"/>
+          <a:xfrm flipH="1">
+            <a:off x="4741544" y="3697166"/>
+            <a:ext cx="908331" cy="278740"/>
           </a:xfrm>
           <a:prstGeom prst="straightConnector1">
             <a:avLst/>
@@ -12444,17 +13442,16 @@
       </p:cxnSp>
       <p:cxnSp>
         <p:nvCxnSpPr>
-          <p:cNvPr id="25" name="Straight Arrow Connector 24"/>
+          <p:cNvPr id="27" name="Straight Arrow Connector 26"/>
           <p:cNvCxnSpPr>
             <a:stCxn id="17" idx="2"/>
-            <a:endCxn id="12" idx="0"/>
           </p:cNvCxnSpPr>
           <p:nvPr/>
         </p:nvCxnSpPr>
         <p:spPr bwMode="auto">
-          <a:xfrm flipH="1">
-            <a:off x="4683837" y="3481142"/>
-            <a:ext cx="850622" cy="278740"/>
+          <a:xfrm>
+            <a:off x="5649875" y="3697166"/>
+            <a:ext cx="758329" cy="224734"/>
           </a:xfrm>
           <a:prstGeom prst="straightConnector1">
             <a:avLst/>
@@ -12476,16 +13473,17 @@
       </p:cxnSp>
       <p:cxnSp>
         <p:nvCxnSpPr>
-          <p:cNvPr id="27" name="Straight Arrow Connector 26"/>
+          <p:cNvPr id="29" name="Straight Arrow Connector 28"/>
           <p:cNvCxnSpPr>
-            <a:stCxn id="17" idx="2"/>
+            <a:stCxn id="12" idx="2"/>
+            <a:endCxn id="19" idx="0"/>
           </p:cNvCxnSpPr>
           <p:nvPr/>
         </p:nvCxnSpPr>
         <p:spPr bwMode="auto">
           <a:xfrm>
-            <a:off x="5534459" y="3481142"/>
-            <a:ext cx="873745" cy="224734"/>
+            <a:off x="4741544" y="4345238"/>
+            <a:ext cx="797993" cy="278740"/>
           </a:xfrm>
           <a:prstGeom prst="straightConnector1">
             <a:avLst/>
@@ -12507,17 +13505,17 @@
       </p:cxnSp>
       <p:cxnSp>
         <p:nvCxnSpPr>
-          <p:cNvPr id="29" name="Straight Arrow Connector 28"/>
+          <p:cNvPr id="31" name="Straight Arrow Connector 30"/>
           <p:cNvCxnSpPr>
-            <a:stCxn id="12" idx="2"/>
+            <a:stCxn id="13" idx="2"/>
             <a:endCxn id="19" idx="0"/>
           </p:cNvCxnSpPr>
           <p:nvPr/>
         </p:nvCxnSpPr>
         <p:spPr bwMode="auto">
-          <a:xfrm>
-            <a:off x="4683837" y="4129214"/>
-            <a:ext cx="855700" cy="278740"/>
+          <a:xfrm flipH="1">
+            <a:off x="5539537" y="4345238"/>
+            <a:ext cx="1108132" cy="278740"/>
           </a:xfrm>
           <a:prstGeom prst="straightConnector1">
             <a:avLst/>
@@ -12539,20 +13537,24 @@
       </p:cxnSp>
       <p:cxnSp>
         <p:nvCxnSpPr>
-          <p:cNvPr id="31" name="Straight Arrow Connector 30"/>
+          <p:cNvPr id="33" name="Curved Connector 32"/>
           <p:cNvCxnSpPr>
-            <a:stCxn id="13" idx="2"/>
-            <a:endCxn id="19" idx="0"/>
+            <a:stCxn id="11" idx="2"/>
+            <a:endCxn id="10" idx="0"/>
           </p:cNvCxnSpPr>
           <p:nvPr/>
         </p:nvCxnSpPr>
         <p:spPr bwMode="auto">
-          <a:xfrm flipH="1">
-            <a:off x="5539537" y="4129214"/>
-            <a:ext cx="992716" cy="278740"/>
-          </a:xfrm>
-          <a:prstGeom prst="straightConnector1">
-            <a:avLst/>
+          <a:xfrm rot="5400000" flipH="1" flipV="1">
+            <a:off x="2551300" y="2282516"/>
+            <a:ext cx="2269788" cy="1529878"/>
+          </a:xfrm>
+          <a:prstGeom prst="curvedConnector5">
+            <a:avLst>
+              <a:gd name="adj1" fmla="val -10071"/>
+              <a:gd name="adj2" fmla="val -88390"/>
+              <a:gd name="adj3" fmla="val 110071"/>
+            </a:avLst>
           </a:prstGeom>
           <a:solidFill>
             <a:schemeClr val="accent1"/>
@@ -12569,42 +13571,6 @@
           <a:effectLst/>
         </p:spPr>
       </p:cxnSp>
-      <p:cxnSp>
-        <p:nvCxnSpPr>
-          <p:cNvPr id="33" name="Curved Connector 32"/>
-          <p:cNvCxnSpPr>
-            <a:stCxn id="11" idx="2"/>
-            <a:endCxn id="10" idx="0"/>
-          </p:cNvCxnSpPr>
-          <p:nvPr/>
-        </p:nvCxnSpPr>
-        <p:spPr bwMode="auto">
-          <a:xfrm rot="5400000" flipH="1" flipV="1">
-            <a:off x="3008256" y="2477344"/>
-            <a:ext cx="1448581" cy="1205345"/>
-          </a:xfrm>
-          <a:prstGeom prst="curvedConnector5">
-            <a:avLst>
-              <a:gd name="adj1" fmla="val -15781"/>
-              <a:gd name="adj2" fmla="val -116863"/>
-              <a:gd name="adj3" fmla="val 115781"/>
-            </a:avLst>
-          </a:prstGeom>
-          <a:solidFill>
-            <a:schemeClr val="accent1"/>
-          </a:solidFill>
-          <a:ln w="9525" cap="flat" cmpd="sng" algn="ctr">
-            <a:solidFill>
-              <a:schemeClr val="tx1"/>
-            </a:solidFill>
-            <a:prstDash val="solid"/>
-            <a:round/>
-            <a:headEnd type="none" w="med" len="med"/>
-            <a:tailEnd type="arrow"/>
-          </a:ln>
-          <a:effectLst/>
-        </p:spPr>
-      </p:cxnSp>
       <p:sp>
         <p:nvSpPr>
           <p:cNvPr id="2" name="Slide Number Placeholder 1"/>
@@ -12623,805 +13589,161 @@
             <a:fld id="{C1F62FDB-F864-E842-91C2-6712A2A87806}" type="slidenum">
               <a:rPr lang="en-US" smtClean="0"/>
               <a:pPr/>
-              <a:t>15</a:t>
+              <a:t>17</a:t>
             </a:fld>
             <a:endParaRPr lang="en-US"/>
           </a:p>
         </p:txBody>
       </p:sp>
-    </p:spTree>
-    <p:extLst>
-      <p:ext uri="{BB962C8B-B14F-4D97-AF65-F5344CB8AC3E}">
-        <p14:creationId xmlns:p14="http://schemas.microsoft.com/office/powerpoint/2010/main" val="2014610699"/>
-      </p:ext>
-    </p:extLst>
-  </p:cSld>
-  <p:clrMapOvr>
-    <a:masterClrMapping/>
-  </p:clrMapOvr>
-</p:sld>
-</file>
-
-<file path=ppt/slides/slide16.xml><?xml version="1.0" encoding="utf-8"?>
-<p:sld xmlns:a="http://schemas.openxmlformats.org/drawingml/2006/main" xmlns:r="http://schemas.openxmlformats.org/officeDocument/2006/relationships" xmlns:p="http://schemas.openxmlformats.org/presentationml/2006/main">
-  <p:cSld>
-    <p:spTree>
-      <p:nvGrpSpPr>
-        <p:cNvPr id="1" name=""/>
-        <p:cNvGrpSpPr/>
-        <p:nvPr/>
-      </p:nvGrpSpPr>
-      <p:grpSpPr>
-        <a:xfrm>
-          <a:off x="0" y="0"/>
-          <a:ext cx="0" cy="0"/>
-          <a:chOff x="0" y="0"/>
-          <a:chExt cx="0" cy="0"/>
-        </a:xfrm>
-      </p:grpSpPr>
-      <p:sp>
-        <p:nvSpPr>
-          <p:cNvPr id="5" name="Text Box 4"/>
-          <p:cNvSpPr txBox="1">
-            <a:spLocks noChangeArrowheads="1"/>
-          </p:cNvSpPr>
-          <p:nvPr/>
-        </p:nvSpPr>
-        <p:spPr bwMode="auto">
-          <a:xfrm>
-            <a:off x="3869923" y="843559"/>
-            <a:ext cx="1192955" cy="1015663"/>
+      <p:sp>
+        <p:nvSpPr>
+          <p:cNvPr id="22" name="Rectangular Callout 21">
+            <a:extLst>
+              <a:ext uri="{FF2B5EF4-FFF2-40B4-BE49-F238E27FC236}">
+                <a16:creationId xmlns:a16="http://schemas.microsoft.com/office/drawing/2014/main" id="{5C90C86D-EE67-8444-9628-475DD89531FD}"/>
+              </a:ext>
+            </a:extLst>
+          </p:cNvPr>
+          <p:cNvSpPr/>
+          <p:nvPr/>
+        </p:nvSpPr>
+        <p:spPr>
+          <a:xfrm>
+            <a:off x="5518645" y="2284798"/>
+            <a:ext cx="1746193" cy="360040"/>
+          </a:xfrm>
+          <a:prstGeom prst="wedgeRectCallout">
+            <a:avLst>
+              <a:gd name="adj1" fmla="val -70537"/>
+              <a:gd name="adj2" fmla="val 47159"/>
+            </a:avLst>
+          </a:prstGeom>
+        </p:spPr>
+        <p:style>
+          <a:lnRef idx="2">
+            <a:schemeClr val="accent1">
+              <a:shade val="50000"/>
+            </a:schemeClr>
+          </a:lnRef>
+          <a:fillRef idx="1">
+            <a:schemeClr val="accent1"/>
+          </a:fillRef>
+          <a:effectRef idx="0">
+            <a:schemeClr val="accent1"/>
+          </a:effectRef>
+          <a:fontRef idx="minor">
+            <a:schemeClr val="lt1"/>
+          </a:fontRef>
+        </p:style>
+        <p:txBody>
+          <a:bodyPr rtlCol="0" anchor="ctr"/>
+          <a:lstStyle/>
+          <a:p>
+            <a:pPr algn="ctr"/>
+            <a:r>
+              <a:rPr lang="en-US" sz="1800" dirty="0"/>
+              <a:t>can be removed</a:t>
+            </a:r>
+          </a:p>
+        </p:txBody>
+      </p:sp>
+      <p:sp>
+        <p:nvSpPr>
+          <p:cNvPr id="30" name="TextBox 29">
+            <a:extLst>
+              <a:ext uri="{FF2B5EF4-FFF2-40B4-BE49-F238E27FC236}">
+                <a16:creationId xmlns:a16="http://schemas.microsoft.com/office/drawing/2014/main" id="{9E7EAC83-C81F-994C-9FA5-0FD21FBB9691}"/>
+              </a:ext>
+            </a:extLst>
+          </p:cNvPr>
+          <p:cNvSpPr txBox="1"/>
+          <p:nvPr/>
+        </p:nvSpPr>
+        <p:spPr>
+          <a:xfrm>
+            <a:off x="366766" y="638638"/>
+            <a:ext cx="1498808" cy="584775"/>
           </a:xfrm>
           <a:prstGeom prst="rect">
             <a:avLst/>
           </a:prstGeom>
           <a:solidFill>
-            <a:schemeClr val="accent5">
-              <a:lumMod val="40000"/>
-              <a:lumOff val="60000"/>
+            <a:schemeClr val="accent4">
+              <a:lumMod val="60000"/>
+              <a:lumOff val="40000"/>
             </a:schemeClr>
           </a:solidFill>
-          <a:ln w="9525">
-            <a:solidFill>
-              <a:schemeClr val="tx1"/>
-            </a:solidFill>
-            <a:miter lim="800000"/>
-            <a:headEnd/>
-            <a:tailEnd/>
-          </a:ln>
-          <a:effectLst/>
-        </p:spPr>
-        <p:txBody>
-          <a:bodyPr wrap="none">
-            <a:prstTxWarp prst="textNoShape">
-              <a:avLst/>
-            </a:prstTxWarp>
+        </p:spPr>
+        <p:txBody>
+          <a:bodyPr wrap="none" rtlCol="0">
             <a:spAutoFit/>
           </a:bodyPr>
           <a:lstStyle/>
           <a:p>
             <a:r>
-              <a:rPr lang="en-US" sz="1800" dirty="0"/>
-              <a:t>1: k1 := 10</a:t>
-            </a:r>
-          </a:p>
-          <a:p>
-            <a:r>
-              <a:rPr lang="en-US" sz="2100" dirty="0"/>
-              <a:t>    </a:t>
-            </a:r>
-            <a:r>
-              <a:rPr lang="en-US" sz="1800" dirty="0"/>
-              <a:t>i1 := 1</a:t>
-            </a:r>
-          </a:p>
-          <a:p>
-            <a:r>
-              <a:rPr lang="en-US" sz="2100" dirty="0"/>
-              <a:t>    </a:t>
-            </a:r>
-            <a:r>
-              <a:rPr lang="en-US" sz="1800" dirty="0"/>
-              <a:t>j1 := 2</a:t>
-            </a:r>
-          </a:p>
-        </p:txBody>
-      </p:sp>
-      <p:sp>
-        <p:nvSpPr>
-          <p:cNvPr id="6" name="Text Box 4"/>
-          <p:cNvSpPr txBox="1">
-            <a:spLocks noChangeArrowheads="1"/>
-          </p:cNvSpPr>
-          <p:nvPr/>
-        </p:nvSpPr>
-        <p:spPr bwMode="auto">
-          <a:xfrm>
-            <a:off x="4139953" y="249492"/>
-            <a:ext cx="659155" cy="369332"/>
+              <a:rPr lang="en-US" sz="1600" dirty="0"/>
+              <a:t>Variable i,j in 3</a:t>
+            </a:r>
+          </a:p>
+          <a:p>
+            <a:r>
+              <a:rPr lang="en-US" sz="1600" dirty="0"/>
+              <a:t>DF(3) = {2} </a:t>
+            </a:r>
+          </a:p>
+        </p:txBody>
+      </p:sp>
+      <p:sp>
+        <p:nvSpPr>
+          <p:cNvPr id="32" name="TextBox 31">
+            <a:extLst>
+              <a:ext uri="{FF2B5EF4-FFF2-40B4-BE49-F238E27FC236}">
+                <a16:creationId xmlns:a16="http://schemas.microsoft.com/office/drawing/2014/main" id="{6AA0A1D5-6407-2040-BCE5-5BE018F7339C}"/>
+              </a:ext>
+            </a:extLst>
+          </p:cNvPr>
+          <p:cNvSpPr txBox="1"/>
+          <p:nvPr/>
+        </p:nvSpPr>
+        <p:spPr>
+          <a:xfrm>
+            <a:off x="346001" y="1410020"/>
+            <a:ext cx="1498808" cy="584775"/>
           </a:xfrm>
           <a:prstGeom prst="rect">
             <a:avLst/>
           </a:prstGeom>
           <a:solidFill>
-            <a:schemeClr val="accent5">
-              <a:lumMod val="40000"/>
-              <a:lumOff val="60000"/>
+            <a:schemeClr val="accent4">
+              <a:lumMod val="60000"/>
+              <a:lumOff val="40000"/>
             </a:schemeClr>
           </a:solidFill>
-          <a:ln w="9525">
-            <a:solidFill>
-              <a:schemeClr val="tx1"/>
-            </a:solidFill>
-            <a:miter lim="800000"/>
-            <a:headEnd/>
-            <a:tailEnd/>
-          </a:ln>
-          <a:effectLst/>
-        </p:spPr>
-        <p:txBody>
-          <a:bodyPr wrap="none">
-            <a:prstTxWarp prst="textNoShape">
-              <a:avLst/>
-            </a:prstTxWarp>
+        </p:spPr>
+        <p:txBody>
+          <a:bodyPr wrap="none" rtlCol="0">
             <a:spAutoFit/>
           </a:bodyPr>
           <a:lstStyle/>
           <a:p>
             <a:r>
-              <a:rPr lang="en-US" sz="1800" dirty="0"/>
-              <a:t>entry</a:t>
-            </a:r>
-            <a:endParaRPr lang="en-US" sz="2100" dirty="0"/>
-          </a:p>
-        </p:txBody>
-      </p:sp>
-      <p:cxnSp>
-        <p:nvCxnSpPr>
-          <p:cNvPr id="8" name="Straight Arrow Connector 7"/>
-          <p:cNvCxnSpPr>
-            <a:stCxn id="6" idx="2"/>
-            <a:endCxn id="5" idx="0"/>
-          </p:cNvCxnSpPr>
-          <p:nvPr/>
-        </p:nvCxnSpPr>
-        <p:spPr bwMode="auto">
-          <a:xfrm flipH="1">
-            <a:off x="4466401" y="618824"/>
-            <a:ext cx="3130" cy="224735"/>
-          </a:xfrm>
-          <a:prstGeom prst="straightConnector1">
-            <a:avLst/>
-          </a:prstGeom>
-          <a:solidFill>
-            <a:schemeClr val="accent1"/>
-          </a:solidFill>
-          <a:ln w="9525" cap="flat" cmpd="sng" algn="ctr">
-            <a:solidFill>
-              <a:schemeClr val="tx1"/>
-            </a:solidFill>
-            <a:prstDash val="solid"/>
-            <a:round/>
-            <a:headEnd type="none" w="med" len="med"/>
-            <a:tailEnd type="arrow"/>
-          </a:ln>
-          <a:effectLst/>
-        </p:spPr>
-      </p:cxnSp>
-      <p:sp>
-        <p:nvSpPr>
-          <p:cNvPr id="10" name="Text Box 4"/>
-          <p:cNvSpPr txBox="1">
-            <a:spLocks noChangeArrowheads="1"/>
-          </p:cNvSpPr>
-          <p:nvPr/>
-        </p:nvSpPr>
-        <p:spPr bwMode="auto">
-          <a:xfrm>
-            <a:off x="3437874" y="2193708"/>
-            <a:ext cx="2026517" cy="923330"/>
-          </a:xfrm>
-          <a:prstGeom prst="rect">
-            <a:avLst/>
-          </a:prstGeom>
-          <a:solidFill>
-            <a:schemeClr val="accent5">
-              <a:lumMod val="40000"/>
-              <a:lumOff val="60000"/>
-            </a:schemeClr>
-          </a:solidFill>
-          <a:ln w="9525">
-            <a:solidFill>
-              <a:schemeClr val="tx1"/>
-            </a:solidFill>
-            <a:miter lim="800000"/>
-            <a:headEnd/>
-            <a:tailEnd/>
-          </a:ln>
-          <a:effectLst/>
-        </p:spPr>
-        <p:txBody>
-          <a:bodyPr wrap="none">
-            <a:prstTxWarp prst="textNoShape">
-              <a:avLst/>
-            </a:prstTxWarp>
-            <a:spAutoFit/>
-          </a:bodyPr>
-          <a:lstStyle/>
-          <a:p>
-            <a:r>
-              <a:rPr lang="en-US" sz="1800" dirty="0"/>
-              <a:t>2:   i2 := </a:t>
-            </a:r>
-            <a:r>
-              <a:rPr lang="en-US" sz="1800" dirty="0">
-                <a:sym typeface="Symbol" charset="2"/>
-              </a:rPr>
-              <a:t>(i1,i3)</a:t>
-            </a:r>
-          </a:p>
-          <a:p>
-            <a:r>
-              <a:rPr lang="en-US" sz="1800" dirty="0">
-                <a:sym typeface="Symbol" charset="2"/>
-              </a:rPr>
-              <a:t>      j2 := (j1,j3)</a:t>
-            </a:r>
-          </a:p>
-          <a:p>
-            <a:r>
-              <a:rPr lang="en-US" sz="1800" dirty="0"/>
-              <a:t>      if i2 &lt; k1 </a:t>
-            </a:r>
-            <a:r>
-              <a:rPr lang="en-US" sz="1800" dirty="0" err="1"/>
-              <a:t>goto</a:t>
-            </a:r>
-            <a:r>
-              <a:rPr lang="en-US" sz="1800" dirty="0"/>
-              <a:t> 3</a:t>
-            </a:r>
-          </a:p>
-        </p:txBody>
-      </p:sp>
-      <p:sp>
-        <p:nvSpPr>
-          <p:cNvPr id="11" name="Text Box 4"/>
-          <p:cNvSpPr txBox="1">
-            <a:spLocks noChangeArrowheads="1"/>
-          </p:cNvSpPr>
-          <p:nvPr/>
-        </p:nvSpPr>
-        <p:spPr bwMode="auto">
-          <a:xfrm>
-            <a:off x="2195736" y="3489852"/>
-            <a:ext cx="1451038" cy="692497"/>
-          </a:xfrm>
-          <a:prstGeom prst="rect">
-            <a:avLst/>
-          </a:prstGeom>
-          <a:solidFill>
-            <a:schemeClr val="accent5">
-              <a:lumMod val="40000"/>
-              <a:lumOff val="60000"/>
-            </a:schemeClr>
-          </a:solidFill>
-          <a:ln w="9525">
-            <a:solidFill>
-              <a:schemeClr val="tx1"/>
-            </a:solidFill>
-            <a:miter lim="800000"/>
-            <a:headEnd/>
-            <a:tailEnd/>
-          </a:ln>
-          <a:effectLst/>
-        </p:spPr>
-        <p:txBody>
-          <a:bodyPr wrap="none">
-            <a:prstTxWarp prst="textNoShape">
-              <a:avLst/>
-            </a:prstTxWarp>
-            <a:spAutoFit/>
-          </a:bodyPr>
-          <a:lstStyle/>
-          <a:p>
-            <a:r>
-              <a:rPr lang="en-US" sz="1800" dirty="0"/>
-              <a:t>3: i3 := i2 + 1</a:t>
-            </a:r>
-          </a:p>
-          <a:p>
-            <a:r>
-              <a:rPr lang="en-US" sz="2100" dirty="0"/>
-              <a:t>   </a:t>
-            </a:r>
-            <a:r>
-              <a:rPr lang="en-US" sz="1800" dirty="0"/>
-              <a:t>j3 := j2 * 2</a:t>
-            </a:r>
-          </a:p>
-        </p:txBody>
-      </p:sp>
-      <p:sp>
-        <p:nvSpPr>
-          <p:cNvPr id="12" name="Text Box 4"/>
-          <p:cNvSpPr txBox="1">
-            <a:spLocks noChangeArrowheads="1"/>
-          </p:cNvSpPr>
-          <p:nvPr/>
-        </p:nvSpPr>
-        <p:spPr bwMode="auto">
-          <a:xfrm>
-            <a:off x="4193958" y="3975906"/>
-            <a:ext cx="1095172" cy="369332"/>
-          </a:xfrm>
-          <a:prstGeom prst="rect">
-            <a:avLst/>
-          </a:prstGeom>
-          <a:solidFill>
-            <a:schemeClr val="accent5">
-              <a:lumMod val="40000"/>
-              <a:lumOff val="60000"/>
-            </a:schemeClr>
-          </a:solidFill>
-          <a:ln w="9525">
-            <a:solidFill>
-              <a:schemeClr val="tx1"/>
-            </a:solidFill>
-            <a:miter lim="800000"/>
-            <a:headEnd/>
-            <a:tailEnd/>
-          </a:ln>
-          <a:effectLst/>
-        </p:spPr>
-        <p:txBody>
-          <a:bodyPr wrap="none">
-            <a:prstTxWarp prst="textNoShape">
-              <a:avLst/>
-            </a:prstTxWarp>
-            <a:spAutoFit/>
-          </a:bodyPr>
-          <a:lstStyle/>
-          <a:p>
-            <a:r>
-              <a:rPr lang="en-US" sz="1800" dirty="0"/>
-              <a:t>5: print j2</a:t>
-            </a:r>
-          </a:p>
-        </p:txBody>
-      </p:sp>
-      <p:sp>
-        <p:nvSpPr>
-          <p:cNvPr id="13" name="Text Box 4"/>
-          <p:cNvSpPr txBox="1">
-            <a:spLocks noChangeArrowheads="1"/>
-          </p:cNvSpPr>
-          <p:nvPr/>
-        </p:nvSpPr>
-        <p:spPr bwMode="auto">
-          <a:xfrm>
-            <a:off x="5922150" y="3975906"/>
-            <a:ext cx="1451038" cy="369332"/>
-          </a:xfrm>
-          <a:prstGeom prst="rect">
-            <a:avLst/>
-          </a:prstGeom>
-          <a:solidFill>
-            <a:schemeClr val="accent5">
-              <a:lumMod val="40000"/>
-              <a:lumOff val="60000"/>
-            </a:schemeClr>
-          </a:solidFill>
-          <a:ln w="9525">
-            <a:solidFill>
-              <a:schemeClr val="tx1"/>
-            </a:solidFill>
-            <a:miter lim="800000"/>
-            <a:headEnd/>
-            <a:tailEnd/>
-          </a:ln>
-          <a:effectLst/>
-        </p:spPr>
-        <p:txBody>
-          <a:bodyPr wrap="none">
-            <a:prstTxWarp prst="textNoShape">
-              <a:avLst/>
-            </a:prstTxWarp>
-            <a:spAutoFit/>
-          </a:bodyPr>
-          <a:lstStyle/>
-          <a:p>
-            <a:r>
-              <a:rPr lang="en-US" sz="1800" dirty="0"/>
-              <a:t>6: i4 := i2 + 1</a:t>
-            </a:r>
-          </a:p>
-        </p:txBody>
-      </p:sp>
-      <p:cxnSp>
-        <p:nvCxnSpPr>
-          <p:cNvPr id="16" name="Straight Arrow Connector 15"/>
-          <p:cNvCxnSpPr>
-            <a:stCxn id="5" idx="2"/>
-            <a:endCxn id="10" idx="0"/>
-          </p:cNvCxnSpPr>
-          <p:nvPr/>
-        </p:nvCxnSpPr>
-        <p:spPr bwMode="auto">
-          <a:xfrm flipH="1">
-            <a:off x="4451133" y="1859222"/>
-            <a:ext cx="15268" cy="334486"/>
-          </a:xfrm>
-          <a:prstGeom prst="straightConnector1">
-            <a:avLst/>
-          </a:prstGeom>
-          <a:solidFill>
-            <a:schemeClr val="accent1"/>
-          </a:solidFill>
-          <a:ln w="9525" cap="flat" cmpd="sng" algn="ctr">
-            <a:solidFill>
-              <a:schemeClr val="tx1"/>
-            </a:solidFill>
-            <a:prstDash val="solid"/>
-            <a:round/>
-            <a:headEnd type="none" w="med" len="med"/>
-            <a:tailEnd type="arrow"/>
-          </a:ln>
-          <a:effectLst/>
-        </p:spPr>
-      </p:cxnSp>
-      <p:sp>
-        <p:nvSpPr>
-          <p:cNvPr id="17" name="Text Box 4"/>
-          <p:cNvSpPr txBox="1">
-            <a:spLocks noChangeArrowheads="1"/>
-          </p:cNvSpPr>
-          <p:nvPr/>
-        </p:nvSpPr>
-        <p:spPr bwMode="auto">
-          <a:xfrm>
-            <a:off x="4517994" y="3327834"/>
-            <a:ext cx="2263761" cy="369332"/>
-          </a:xfrm>
-          <a:prstGeom prst="rect">
-            <a:avLst/>
-          </a:prstGeom>
-          <a:solidFill>
-            <a:schemeClr val="accent5">
-              <a:lumMod val="40000"/>
-              <a:lumOff val="60000"/>
-            </a:schemeClr>
-          </a:solidFill>
-          <a:ln w="9525">
-            <a:solidFill>
-              <a:schemeClr val="tx1"/>
-            </a:solidFill>
-            <a:miter lim="800000"/>
-            <a:headEnd/>
-            <a:tailEnd/>
-          </a:ln>
-          <a:effectLst/>
-        </p:spPr>
-        <p:txBody>
-          <a:bodyPr wrap="none">
-            <a:prstTxWarp prst="textNoShape">
-              <a:avLst/>
-            </a:prstTxWarp>
-            <a:spAutoFit/>
-          </a:bodyPr>
-          <a:lstStyle/>
-          <a:p>
-            <a:r>
-              <a:rPr lang="en-US" sz="1800" dirty="0"/>
-              <a:t>4: if j2 &gt; k1*10 </a:t>
-            </a:r>
-            <a:r>
-              <a:rPr lang="en-US" sz="1800" dirty="0" err="1"/>
-              <a:t>goto</a:t>
-            </a:r>
-            <a:r>
-              <a:rPr lang="en-US" sz="1800" dirty="0"/>
-              <a:t> 5</a:t>
-            </a:r>
-          </a:p>
-        </p:txBody>
-      </p:sp>
-      <p:sp>
-        <p:nvSpPr>
-          <p:cNvPr id="19" name="Text Box 4"/>
-          <p:cNvSpPr txBox="1">
-            <a:spLocks noChangeArrowheads="1"/>
-          </p:cNvSpPr>
-          <p:nvPr/>
-        </p:nvSpPr>
-        <p:spPr bwMode="auto">
-          <a:xfrm>
-            <a:off x="5274079" y="4623978"/>
-            <a:ext cx="530915" cy="369332"/>
-          </a:xfrm>
-          <a:prstGeom prst="rect">
-            <a:avLst/>
-          </a:prstGeom>
-          <a:solidFill>
-            <a:schemeClr val="accent5">
-              <a:lumMod val="40000"/>
-              <a:lumOff val="60000"/>
-            </a:schemeClr>
-          </a:solidFill>
-          <a:ln w="9525">
-            <a:solidFill>
-              <a:schemeClr val="tx1"/>
-            </a:solidFill>
-            <a:miter lim="800000"/>
-            <a:headEnd/>
-            <a:tailEnd/>
-          </a:ln>
-          <a:effectLst/>
-        </p:spPr>
-        <p:txBody>
-          <a:bodyPr wrap="none">
-            <a:prstTxWarp prst="textNoShape">
-              <a:avLst/>
-            </a:prstTxWarp>
-            <a:spAutoFit/>
-          </a:bodyPr>
-          <a:lstStyle/>
-          <a:p>
-            <a:r>
-              <a:rPr lang="en-US" sz="1800" dirty="0"/>
-              <a:t>exit</a:t>
-            </a:r>
-            <a:endParaRPr lang="en-US" sz="2100" dirty="0"/>
-          </a:p>
-        </p:txBody>
-      </p:sp>
-      <p:cxnSp>
-        <p:nvCxnSpPr>
-          <p:cNvPr id="21" name="Straight Arrow Connector 20"/>
-          <p:cNvCxnSpPr>
-            <a:stCxn id="10" idx="2"/>
-            <a:endCxn id="11" idx="0"/>
-          </p:cNvCxnSpPr>
-          <p:nvPr/>
-        </p:nvCxnSpPr>
-        <p:spPr bwMode="auto">
-          <a:xfrm flipH="1">
-            <a:off x="2921255" y="3117038"/>
-            <a:ext cx="1529878" cy="372814"/>
-          </a:xfrm>
-          <a:prstGeom prst="straightConnector1">
-            <a:avLst/>
-          </a:prstGeom>
-          <a:solidFill>
-            <a:schemeClr val="accent1"/>
-          </a:solidFill>
-          <a:ln w="9525" cap="flat" cmpd="sng" algn="ctr">
-            <a:solidFill>
-              <a:schemeClr val="tx1"/>
-            </a:solidFill>
-            <a:prstDash val="solid"/>
-            <a:round/>
-            <a:headEnd type="none" w="med" len="med"/>
-            <a:tailEnd type="arrow"/>
-          </a:ln>
-          <a:effectLst/>
-        </p:spPr>
-      </p:cxnSp>
-      <p:cxnSp>
-        <p:nvCxnSpPr>
-          <p:cNvPr id="23" name="Straight Arrow Connector 22"/>
-          <p:cNvCxnSpPr>
-            <a:stCxn id="10" idx="2"/>
-          </p:cNvCxnSpPr>
-          <p:nvPr/>
-        </p:nvCxnSpPr>
-        <p:spPr bwMode="auto">
-          <a:xfrm>
-            <a:off x="4451133" y="3117038"/>
-            <a:ext cx="930958" cy="156790"/>
-          </a:xfrm>
-          <a:prstGeom prst="straightConnector1">
-            <a:avLst/>
-          </a:prstGeom>
-          <a:solidFill>
-            <a:schemeClr val="accent1"/>
-          </a:solidFill>
-          <a:ln w="9525" cap="flat" cmpd="sng" algn="ctr">
-            <a:solidFill>
-              <a:schemeClr val="tx1"/>
-            </a:solidFill>
-            <a:prstDash val="solid"/>
-            <a:round/>
-            <a:headEnd type="none" w="med" len="med"/>
-            <a:tailEnd type="arrow"/>
-          </a:ln>
-          <a:effectLst/>
-        </p:spPr>
-      </p:cxnSp>
-      <p:cxnSp>
-        <p:nvCxnSpPr>
-          <p:cNvPr id="25" name="Straight Arrow Connector 24"/>
-          <p:cNvCxnSpPr>
-            <a:stCxn id="17" idx="2"/>
-            <a:endCxn id="12" idx="0"/>
-          </p:cNvCxnSpPr>
-          <p:nvPr/>
-        </p:nvCxnSpPr>
-        <p:spPr bwMode="auto">
-          <a:xfrm flipH="1">
-            <a:off x="4741544" y="3697166"/>
-            <a:ext cx="908331" cy="278740"/>
-          </a:xfrm>
-          <a:prstGeom prst="straightConnector1">
-            <a:avLst/>
-          </a:prstGeom>
-          <a:solidFill>
-            <a:schemeClr val="accent1"/>
-          </a:solidFill>
-          <a:ln w="9525" cap="flat" cmpd="sng" algn="ctr">
-            <a:solidFill>
-              <a:schemeClr val="tx1"/>
-            </a:solidFill>
-            <a:prstDash val="solid"/>
-            <a:round/>
-            <a:headEnd type="none" w="med" len="med"/>
-            <a:tailEnd type="arrow"/>
-          </a:ln>
-          <a:effectLst/>
-        </p:spPr>
-      </p:cxnSp>
-      <p:cxnSp>
-        <p:nvCxnSpPr>
-          <p:cNvPr id="27" name="Straight Arrow Connector 26"/>
-          <p:cNvCxnSpPr>
-            <a:stCxn id="17" idx="2"/>
-          </p:cNvCxnSpPr>
-          <p:nvPr/>
-        </p:nvCxnSpPr>
-        <p:spPr bwMode="auto">
-          <a:xfrm>
-            <a:off x="5649875" y="3697166"/>
-            <a:ext cx="758329" cy="224734"/>
-          </a:xfrm>
-          <a:prstGeom prst="straightConnector1">
-            <a:avLst/>
-          </a:prstGeom>
-          <a:solidFill>
-            <a:schemeClr val="accent1"/>
-          </a:solidFill>
-          <a:ln w="9525" cap="flat" cmpd="sng" algn="ctr">
-            <a:solidFill>
-              <a:schemeClr val="tx1"/>
-            </a:solidFill>
-            <a:prstDash val="solid"/>
-            <a:round/>
-            <a:headEnd type="none" w="med" len="med"/>
-            <a:tailEnd type="arrow"/>
-          </a:ln>
-          <a:effectLst/>
-        </p:spPr>
-      </p:cxnSp>
-      <p:cxnSp>
-        <p:nvCxnSpPr>
-          <p:cNvPr id="29" name="Straight Arrow Connector 28"/>
-          <p:cNvCxnSpPr>
-            <a:stCxn id="12" idx="2"/>
-            <a:endCxn id="19" idx="0"/>
-          </p:cNvCxnSpPr>
-          <p:nvPr/>
-        </p:nvCxnSpPr>
-        <p:spPr bwMode="auto">
-          <a:xfrm>
-            <a:off x="4741544" y="4345238"/>
-            <a:ext cx="797993" cy="278740"/>
-          </a:xfrm>
-          <a:prstGeom prst="straightConnector1">
-            <a:avLst/>
-          </a:prstGeom>
-          <a:solidFill>
-            <a:schemeClr val="accent1"/>
-          </a:solidFill>
-          <a:ln w="9525" cap="flat" cmpd="sng" algn="ctr">
-            <a:solidFill>
-              <a:schemeClr val="tx1"/>
-            </a:solidFill>
-            <a:prstDash val="solid"/>
-            <a:round/>
-            <a:headEnd type="none" w="med" len="med"/>
-            <a:tailEnd type="arrow"/>
-          </a:ln>
-          <a:effectLst/>
-        </p:spPr>
-      </p:cxnSp>
-      <p:cxnSp>
-        <p:nvCxnSpPr>
-          <p:cNvPr id="31" name="Straight Arrow Connector 30"/>
-          <p:cNvCxnSpPr>
-            <a:stCxn id="13" idx="2"/>
-            <a:endCxn id="19" idx="0"/>
-          </p:cNvCxnSpPr>
-          <p:nvPr/>
-        </p:nvCxnSpPr>
-        <p:spPr bwMode="auto">
-          <a:xfrm flipH="1">
-            <a:off x="5539537" y="4345238"/>
-            <a:ext cx="1108132" cy="278740"/>
-          </a:xfrm>
-          <a:prstGeom prst="straightConnector1">
-            <a:avLst/>
-          </a:prstGeom>
-          <a:solidFill>
-            <a:schemeClr val="accent1"/>
-          </a:solidFill>
-          <a:ln w="9525" cap="flat" cmpd="sng" algn="ctr">
-            <a:solidFill>
-              <a:schemeClr val="tx1"/>
-            </a:solidFill>
-            <a:prstDash val="solid"/>
-            <a:round/>
-            <a:headEnd type="none" w="med" len="med"/>
-            <a:tailEnd type="arrow"/>
-          </a:ln>
-          <a:effectLst/>
-        </p:spPr>
-      </p:cxnSp>
-      <p:cxnSp>
-        <p:nvCxnSpPr>
-          <p:cNvPr id="33" name="Curved Connector 32"/>
-          <p:cNvCxnSpPr>
-            <a:stCxn id="11" idx="2"/>
-            <a:endCxn id="10" idx="0"/>
-          </p:cNvCxnSpPr>
-          <p:nvPr/>
-        </p:nvCxnSpPr>
-        <p:spPr bwMode="auto">
-          <a:xfrm rot="5400000" flipH="1" flipV="1">
-            <a:off x="2691873" y="2423090"/>
-            <a:ext cx="1988641" cy="1529878"/>
-          </a:xfrm>
-          <a:prstGeom prst="curvedConnector5">
-            <a:avLst>
-              <a:gd name="adj1" fmla="val -11495"/>
-              <a:gd name="adj2" fmla="val -91178"/>
-              <a:gd name="adj3" fmla="val 111495"/>
-            </a:avLst>
-          </a:prstGeom>
-          <a:solidFill>
-            <a:schemeClr val="accent1"/>
-          </a:solidFill>
-          <a:ln w="9525" cap="flat" cmpd="sng" algn="ctr">
-            <a:solidFill>
-              <a:schemeClr val="tx1"/>
-            </a:solidFill>
-            <a:prstDash val="solid"/>
-            <a:round/>
-            <a:headEnd type="none" w="med" len="med"/>
-            <a:tailEnd type="arrow"/>
-          </a:ln>
-          <a:effectLst/>
-        </p:spPr>
-      </p:cxnSp>
-      <p:sp>
-        <p:nvSpPr>
-          <p:cNvPr id="2" name="Slide Number Placeholder 1"/>
-          <p:cNvSpPr>
-            <a:spLocks noGrp="1"/>
-          </p:cNvSpPr>
-          <p:nvPr>
-            <p:ph type="sldNum" sz="quarter" idx="12"/>
-          </p:nvPr>
-        </p:nvSpPr>
-        <p:spPr/>
-        <p:txBody>
-          <a:bodyPr/>
-          <a:lstStyle/>
-          <a:p>
-            <a:fld id="{C1F62FDB-F864-E842-91C2-6712A2A87806}" type="slidenum">
-              <a:rPr lang="en-US" smtClean="0"/>
-              <a:pPr/>
-              <a:t>16</a:t>
-            </a:fld>
-            <a:endParaRPr lang="en-US"/>
+              <a:rPr lang="en-US" sz="1600" dirty="0"/>
+              <a:t>Variable </a:t>
+            </a:r>
+            <a:r>
+              <a:rPr lang="en-US" sz="1600" dirty="0" err="1"/>
+              <a:t>i,k</a:t>
+            </a:r>
+            <a:r>
+              <a:rPr lang="en-US" sz="1600" dirty="0"/>
+              <a:t> in 2</a:t>
+            </a:r>
+          </a:p>
+          <a:p>
+            <a:r>
+              <a:rPr lang="en-US" sz="1600" dirty="0"/>
+              <a:t>DF(2) = {2} </a:t>
+            </a:r>
           </a:p>
         </p:txBody>
       </p:sp>
@@ -13435,6 +13757,84 @@
   <p:clrMapOvr>
     <a:masterClrMapping/>
   </p:clrMapOvr>
+  <p:timing>
+    <p:tnLst>
+      <p:par>
+        <p:cTn id="1" dur="indefinite" restart="never" nodeType="tmRoot">
+          <p:childTnLst>
+            <p:seq concurrent="1" nextAc="seek">
+              <p:cTn id="2" dur="indefinite" nodeType="mainSeq">
+                <p:childTnLst>
+                  <p:par>
+                    <p:cTn id="3" fill="hold">
+                      <p:stCondLst>
+                        <p:cond delay="indefinite"/>
+                      </p:stCondLst>
+                      <p:childTnLst>
+                        <p:par>
+                          <p:cTn id="4" fill="hold">
+                            <p:stCondLst>
+                              <p:cond delay="0"/>
+                            </p:stCondLst>
+                            <p:childTnLst>
+                              <p:par>
+                                <p:cTn id="5" presetID="1" presetClass="entr" presetSubtype="0" fill="hold" grpId="0" nodeType="clickEffect">
+                                  <p:stCondLst>
+                                    <p:cond delay="0"/>
+                                  </p:stCondLst>
+                                  <p:childTnLst>
+                                    <p:set>
+                                      <p:cBhvr>
+                                        <p:cTn id="6" dur="1" fill="hold">
+                                          <p:stCondLst>
+                                            <p:cond delay="0"/>
+                                          </p:stCondLst>
+                                        </p:cTn>
+                                        <p:tgtEl>
+                                          <p:spTgt spid="22"/>
+                                        </p:tgtEl>
+                                        <p:attrNameLst>
+                                          <p:attrName>style.visibility</p:attrName>
+                                        </p:attrNameLst>
+                                      </p:cBhvr>
+                                      <p:to>
+                                        <p:strVal val="visible"/>
+                                      </p:to>
+                                    </p:set>
+                                  </p:childTnLst>
+                                </p:cTn>
+                              </p:par>
+                            </p:childTnLst>
+                          </p:cTn>
+                        </p:par>
+                      </p:childTnLst>
+                    </p:cTn>
+                  </p:par>
+                </p:childTnLst>
+              </p:cTn>
+              <p:prevCondLst>
+                <p:cond evt="onPrev" delay="0">
+                  <p:tgtEl>
+                    <p:sldTgt/>
+                  </p:tgtEl>
+                </p:cond>
+              </p:prevCondLst>
+              <p:nextCondLst>
+                <p:cond evt="onNext" delay="0">
+                  <p:tgtEl>
+                    <p:sldTgt/>
+                  </p:tgtEl>
+                </p:cond>
+              </p:nextCondLst>
+            </p:seq>
+          </p:childTnLst>
+        </p:cTn>
+      </p:par>
+    </p:tnLst>
+    <p:bldLst>
+      <p:bldP spid="22" grpId="0" animBg="1"/>
+    </p:bldLst>
+  </p:timing>
 </p:sld>
 </file>
 

--- a/assets/ppt/codegen/ssaform3.pptx
+++ b/assets/ppt/codegen/ssaform3.pptx
@@ -258,7 +258,7 @@
             <a:fld id="{2A2B9AA4-819F-8549-A06A-E1B5D9D61F62}" type="datetimeFigureOut">
               <a:rPr lang="en-US" smtClean="0"/>
               <a:pPr/>
-              <a:t>11/14/20</a:t>
+              <a:t>11/16/20</a:t>
             </a:fld>
             <a:endParaRPr lang="en-US"/>
           </a:p>
@@ -2177,7 +2177,7 @@
           <a:p>
             <a:fld id="{37508BEE-B66E-5E46-B50F-23B30D56323F}" type="datetime1">
               <a:rPr lang="en-CA" smtClean="0"/>
-              <a:t>2020-11-14</a:t>
+              <a:t>2020-11-16</a:t>
             </a:fld>
             <a:endParaRPr lang="en-US"/>
           </a:p>
@@ -2375,7 +2375,7 @@
           <a:p>
             <a:fld id="{94ED5F46-E862-7041-B839-1084A839C514}" type="datetime1">
               <a:rPr lang="en-CA" smtClean="0"/>
-              <a:t>2020-11-14</a:t>
+              <a:t>2020-11-16</a:t>
             </a:fld>
             <a:endParaRPr lang="en-US"/>
           </a:p>
@@ -2583,7 +2583,7 @@
           <a:p>
             <a:fld id="{A0755934-2EEA-454B-B47B-39481B16D93C}" type="datetime1">
               <a:rPr lang="en-CA" smtClean="0"/>
-              <a:t>2020-11-14</a:t>
+              <a:t>2020-11-16</a:t>
             </a:fld>
             <a:endParaRPr lang="en-US"/>
           </a:p>
@@ -3646,7 +3646,7 @@
           <a:p>
             <a:fld id="{33CDF6D5-475A-F046-87CA-412EB71D7141}" type="datetime1">
               <a:rPr lang="en-CA" smtClean="0"/>
-              <a:t>2020-11-14</a:t>
+              <a:t>2020-11-16</a:t>
             </a:fld>
             <a:endParaRPr/>
           </a:p>
@@ -4062,7 +4062,7 @@
           <a:p>
             <a:fld id="{BD806BE7-D4FF-0747-A46D-9D28D6793F9A}" type="datetime1">
               <a:rPr lang="en-CA" smtClean="0"/>
-              <a:t>2020-11-14</a:t>
+              <a:t>2020-11-16</a:t>
             </a:fld>
             <a:endParaRPr lang="en-US"/>
           </a:p>
@@ -4337,7 +4337,7 @@
           <a:p>
             <a:fld id="{FC112D8A-ADE8-E648-9A51-673455F77FA4}" type="datetime1">
               <a:rPr lang="en-CA" smtClean="0"/>
-              <a:t>2020-11-14</a:t>
+              <a:t>2020-11-16</a:t>
             </a:fld>
             <a:endParaRPr lang="en-US"/>
           </a:p>
@@ -4602,7 +4602,7 @@
           <a:p>
             <a:fld id="{A1C4D21D-FE66-404B-9D48-8813A41FDE83}" type="datetime1">
               <a:rPr lang="en-CA" smtClean="0"/>
-              <a:t>2020-11-14</a:t>
+              <a:t>2020-11-16</a:t>
             </a:fld>
             <a:endParaRPr lang="en-US"/>
           </a:p>
@@ -5014,7 +5014,7 @@
           <a:p>
             <a:fld id="{BC43913A-9187-9E4F-99AD-E5F9D3D715A1}" type="datetime1">
               <a:rPr lang="en-CA" smtClean="0"/>
-              <a:t>2020-11-14</a:t>
+              <a:t>2020-11-16</a:t>
             </a:fld>
             <a:endParaRPr lang="en-US"/>
           </a:p>
@@ -5155,7 +5155,7 @@
           <a:p>
             <a:fld id="{D640FCF0-750B-2849-A907-F64332DB8FEE}" type="datetime1">
               <a:rPr lang="en-CA" smtClean="0"/>
-              <a:t>2020-11-14</a:t>
+              <a:t>2020-11-16</a:t>
             </a:fld>
             <a:endParaRPr lang="en-US"/>
           </a:p>
@@ -5268,7 +5268,7 @@
           <a:p>
             <a:fld id="{C84DF663-3970-9B45-8274-AA8FABDA274B}" type="datetime1">
               <a:rPr lang="en-CA" smtClean="0"/>
-              <a:t>2020-11-14</a:t>
+              <a:t>2020-11-16</a:t>
             </a:fld>
             <a:endParaRPr lang="en-US"/>
           </a:p>
@@ -5579,7 +5579,7 @@
           <a:p>
             <a:fld id="{2EE809A3-0E53-524E-A233-B12C5DA91D99}" type="datetime1">
               <a:rPr lang="en-CA" smtClean="0"/>
-              <a:t>2020-11-14</a:t>
+              <a:t>2020-11-16</a:t>
             </a:fld>
             <a:endParaRPr lang="en-US"/>
           </a:p>
@@ -5867,7 +5867,7 @@
           <a:p>
             <a:fld id="{CBAFDF68-DD51-514E-B179-E22080947065}" type="datetime1">
               <a:rPr lang="en-CA" smtClean="0"/>
-              <a:t>2020-11-14</a:t>
+              <a:t>2020-11-16</a:t>
             </a:fld>
             <a:endParaRPr lang="en-US"/>
           </a:p>
@@ -6109,7 +6109,7 @@
           <a:p>
             <a:fld id="{CFB5B512-1C0B-5F4A-B1D8-07EED328189A}" type="datetime1">
               <a:rPr lang="en-CA" smtClean="0"/>
-              <a:t>2020-11-14</a:t>
+              <a:t>2020-11-16</a:t>
             </a:fld>
             <a:endParaRPr lang="en-US" dirty="0"/>
           </a:p>
@@ -11358,7 +11358,7 @@
           <a:p>
             <a:r>
               <a:rPr lang="en-US" sz="1800" dirty="0"/>
-              <a:t>4: return k</a:t>
+              <a:t>4: return k2</a:t>
             </a:r>
           </a:p>
         </p:txBody>
